--- a/eqn_slides.pptx
+++ b/eqn_slides.pptx
@@ -7,7 +7,12 @@
   <p:sldIdLst>
     <p:sldId id="256" r:id="rId2"/>
     <p:sldId id="257" r:id="rId3"/>
-    <p:sldId id="258" r:id="rId4"/>
+    <p:sldId id="259" r:id="rId4"/>
+    <p:sldId id="258" r:id="rId5"/>
+    <p:sldId id="261" r:id="rId6"/>
+    <p:sldId id="262" r:id="rId7"/>
+    <p:sldId id="263" r:id="rId8"/>
+    <p:sldId id="260" r:id="rId9"/>
   </p:sldIdLst>
   <p:sldSz cx="12192000" cy="6858000"/>
   <p:notesSz cx="6858000" cy="9144000"/>
@@ -106,7 +111,16 @@
       </a:defRPr>
     </a:lvl9pPr>
   </p:defaultTextStyle>
+  <p:extLst>
+    <p:ext uri="{EFAFB233-063F-42B5-8137-9DF3F51BA10A}">
+      <p15:sldGuideLst xmlns:p15="http://schemas.microsoft.com/office/powerpoint/2012/main"/>
+    </p:ext>
+  </p:extLst>
 </p:presentation>
+</file>
+
+<file path=ppt/revisionInfo.xml><?xml version="1.0" encoding="utf-8"?>
+<p1510:revInfo xmlns:a="http://schemas.openxmlformats.org/drawingml/2006/main" xmlns:r="http://schemas.openxmlformats.org/officeDocument/2006/relationships" xmlns:p1510="http://schemas.microsoft.com/office/powerpoint/2015/10/main"/>
 </file>
 
 <file path=ppt/slideLayouts/slideLayout1.xml><?xml version="1.0" encoding="utf-8"?>
@@ -256,7 +270,7 @@
           <a:p>
             <a:fld id="{3899492A-6C5B-48E7-873A-FDECDB169B52}" type="datetimeFigureOut">
               <a:rPr lang="en-US" smtClean="0"/>
-              <a:t>11/10/2017</a:t>
+              <a:t>11/13/2017</a:t>
             </a:fld>
             <a:endParaRPr lang="en-US"/>
           </a:p>
@@ -454,7 +468,7 @@
           <a:p>
             <a:fld id="{3899492A-6C5B-48E7-873A-FDECDB169B52}" type="datetimeFigureOut">
               <a:rPr lang="en-US" smtClean="0"/>
-              <a:t>11/10/2017</a:t>
+              <a:t>11/13/2017</a:t>
             </a:fld>
             <a:endParaRPr lang="en-US"/>
           </a:p>
@@ -662,7 +676,7 @@
           <a:p>
             <a:fld id="{3899492A-6C5B-48E7-873A-FDECDB169B52}" type="datetimeFigureOut">
               <a:rPr lang="en-US" smtClean="0"/>
-              <a:t>11/10/2017</a:t>
+              <a:t>11/13/2017</a:t>
             </a:fld>
             <a:endParaRPr lang="en-US"/>
           </a:p>
@@ -860,7 +874,7 @@
           <a:p>
             <a:fld id="{3899492A-6C5B-48E7-873A-FDECDB169B52}" type="datetimeFigureOut">
               <a:rPr lang="en-US" smtClean="0"/>
-              <a:t>11/10/2017</a:t>
+              <a:t>11/13/2017</a:t>
             </a:fld>
             <a:endParaRPr lang="en-US"/>
           </a:p>
@@ -1135,7 +1149,7 @@
           <a:p>
             <a:fld id="{3899492A-6C5B-48E7-873A-FDECDB169B52}" type="datetimeFigureOut">
               <a:rPr lang="en-US" smtClean="0"/>
-              <a:t>11/10/2017</a:t>
+              <a:t>11/13/2017</a:t>
             </a:fld>
             <a:endParaRPr lang="en-US"/>
           </a:p>
@@ -1400,7 +1414,7 @@
           <a:p>
             <a:fld id="{3899492A-6C5B-48E7-873A-FDECDB169B52}" type="datetimeFigureOut">
               <a:rPr lang="en-US" smtClean="0"/>
-              <a:t>11/10/2017</a:t>
+              <a:t>11/13/2017</a:t>
             </a:fld>
             <a:endParaRPr lang="en-US"/>
           </a:p>
@@ -1812,7 +1826,7 @@
           <a:p>
             <a:fld id="{3899492A-6C5B-48E7-873A-FDECDB169B52}" type="datetimeFigureOut">
               <a:rPr lang="en-US" smtClean="0"/>
-              <a:t>11/10/2017</a:t>
+              <a:t>11/13/2017</a:t>
             </a:fld>
             <a:endParaRPr lang="en-US"/>
           </a:p>
@@ -1953,7 +1967,7 @@
           <a:p>
             <a:fld id="{3899492A-6C5B-48E7-873A-FDECDB169B52}" type="datetimeFigureOut">
               <a:rPr lang="en-US" smtClean="0"/>
-              <a:t>11/10/2017</a:t>
+              <a:t>11/13/2017</a:t>
             </a:fld>
             <a:endParaRPr lang="en-US"/>
           </a:p>
@@ -2066,7 +2080,7 @@
           <a:p>
             <a:fld id="{3899492A-6C5B-48E7-873A-FDECDB169B52}" type="datetimeFigureOut">
               <a:rPr lang="en-US" smtClean="0"/>
-              <a:t>11/10/2017</a:t>
+              <a:t>11/13/2017</a:t>
             </a:fld>
             <a:endParaRPr lang="en-US"/>
           </a:p>
@@ -2377,7 +2391,7 @@
           <a:p>
             <a:fld id="{3899492A-6C5B-48E7-873A-FDECDB169B52}" type="datetimeFigureOut">
               <a:rPr lang="en-US" smtClean="0"/>
-              <a:t>11/10/2017</a:t>
+              <a:t>11/13/2017</a:t>
             </a:fld>
             <a:endParaRPr lang="en-US"/>
           </a:p>
@@ -2665,7 +2679,7 @@
           <a:p>
             <a:fld id="{3899492A-6C5B-48E7-873A-FDECDB169B52}" type="datetimeFigureOut">
               <a:rPr lang="en-US" smtClean="0"/>
-              <a:t>11/10/2017</a:t>
+              <a:t>11/13/2017</a:t>
             </a:fld>
             <a:endParaRPr lang="en-US"/>
           </a:p>
@@ -2906,7 +2920,7 @@
           <a:p>
             <a:fld id="{3899492A-6C5B-48E7-873A-FDECDB169B52}" type="datetimeFigureOut">
               <a:rPr lang="en-US" smtClean="0"/>
-              <a:t>11/10/2017</a:t>
+              <a:t>11/13/2017</a:t>
             </a:fld>
             <a:endParaRPr lang="en-US"/>
           </a:p>
@@ -3340,7 +3354,7 @@
             <p:spPr>
               <a:xfrm>
                 <a:off x="1030884" y="268085"/>
-                <a:ext cx="9704248" cy="6155531"/>
+                <a:ext cx="9704248" cy="6463308"/>
               </a:xfrm>
               <a:prstGeom prst="rect">
                 <a:avLst/>
@@ -3361,6 +3375,7 @@
                 </a:r>
               </a:p>
               <a:p>
+                <a:pPr/>
                 <a14:m>
                   <m:oMathPara xmlns:m="http://schemas.openxmlformats.org/officeDocument/2006/math">
                     <m:oMathParaPr>
@@ -3371,7 +3386,7 @@
                         <a:rPr lang="en-US" sz="2000" b="0" i="1" smtClean="0">
                           <a:latin typeface="Cambria Math" panose="02040503050406030204" pitchFamily="18" charset="0"/>
                         </a:rPr>
-                        <m:t>𝑛</m:t>
+                        <m:t>𝑚</m:t>
                       </m:r>
                       <m:r>
                         <a:rPr lang="en-US" sz="2000" b="0" i="1" smtClean="0">
@@ -3417,6 +3432,7 @@
                 </a:endParaRPr>
               </a:p>
               <a:p>
+                <a:pPr/>
                 <a14:m>
                   <m:oMathPara xmlns:m="http://schemas.openxmlformats.org/officeDocument/2006/math">
                     <m:oMathParaPr>
@@ -3473,6 +3489,7 @@
                 </a:endParaRPr>
               </a:p>
               <a:p>
+                <a:pPr/>
                 <a14:m>
                   <m:oMathPara xmlns:m="http://schemas.openxmlformats.org/officeDocument/2006/math">
                     <m:oMathParaPr>
@@ -3483,7 +3500,7 @@
                         <a:rPr lang="en-US" sz="2000" b="0" i="1" smtClean="0">
                           <a:latin typeface="Cambria Math" panose="02040503050406030204" pitchFamily="18" charset="0"/>
                         </a:rPr>
-                        <m:t>𝑚</m:t>
+                        <m:t>𝑛</m:t>
                       </m:r>
                       <m:r>
                         <a:rPr lang="en-US" sz="2000" b="0" i="1" smtClean="0">
@@ -3557,6 +3574,7 @@
                 </a:endParaRPr>
               </a:p>
               <a:p>
+                <a:pPr/>
                 <a14:m>
                   <m:oMathPara xmlns:m="http://schemas.openxmlformats.org/officeDocument/2006/math">
                     <m:oMathParaPr>
@@ -3640,21 +3658,21 @@
                               <a:latin typeface="Cambria Math" panose="02040503050406030204" pitchFamily="18" charset="0"/>
                               <a:ea typeface="Cambria Math" panose="02040503050406030204" pitchFamily="18" charset="0"/>
                             </a:rPr>
-                            <m:t>𝑛</m:t>
+                            <m:t>𝑚</m:t>
                           </m:r>
                           <m:r>
                             <a:rPr lang="en-US" sz="2000" b="0" i="1" smtClean="0">
                               <a:latin typeface="Cambria Math" panose="02040503050406030204" pitchFamily="18" charset="0"/>
                               <a:ea typeface="Cambria Math" panose="02040503050406030204" pitchFamily="18" charset="0"/>
                             </a:rPr>
-                            <m:t>∗</m:t>
+                            <m:t>×</m:t>
                           </m:r>
                           <m:r>
                             <a:rPr lang="en-US" sz="2000" b="0" i="1" smtClean="0">
                               <a:latin typeface="Cambria Math" panose="02040503050406030204" pitchFamily="18" charset="0"/>
                               <a:ea typeface="Cambria Math" panose="02040503050406030204" pitchFamily="18" charset="0"/>
                             </a:rPr>
-                            <m:t>𝑛</m:t>
+                            <m:t>𝑚</m:t>
                           </m:r>
                         </m:sup>
                       </m:sSubSup>
@@ -3666,6 +3684,7 @@
                 </a:endParaRPr>
               </a:p>
               <a:p>
+                <a:pPr/>
                 <a14:m>
                   <m:oMathPara xmlns:m="http://schemas.openxmlformats.org/officeDocument/2006/math">
                     <m:oMathParaPr>
@@ -3749,21 +3768,21 @@
                               <a:latin typeface="Cambria Math" panose="02040503050406030204" pitchFamily="18" charset="0"/>
                               <a:ea typeface="Cambria Math" panose="02040503050406030204" pitchFamily="18" charset="0"/>
                             </a:rPr>
-                            <m:t>𝑛</m:t>
+                            <m:t>𝑚</m:t>
                           </m:r>
                           <m:r>
                             <a:rPr lang="en-US" sz="2000" b="0" i="1" smtClean="0">
                               <a:latin typeface="Cambria Math" panose="02040503050406030204" pitchFamily="18" charset="0"/>
                               <a:ea typeface="Cambria Math" panose="02040503050406030204" pitchFamily="18" charset="0"/>
                             </a:rPr>
-                            <m:t>∗</m:t>
+                            <m:t>×</m:t>
                           </m:r>
                           <m:r>
                             <a:rPr lang="en-US" sz="2000" b="0" i="1" smtClean="0">
                               <a:latin typeface="Cambria Math" panose="02040503050406030204" pitchFamily="18" charset="0"/>
                               <a:ea typeface="Cambria Math" panose="02040503050406030204" pitchFamily="18" charset="0"/>
                             </a:rPr>
-                            <m:t>𝑛</m:t>
+                            <m:t>𝑚</m:t>
                           </m:r>
                         </m:sup>
                       </m:sSubSup>
@@ -3775,6 +3794,7 @@
                 </a:endParaRPr>
               </a:p>
               <a:p>
+                <a:pPr/>
                 <a14:m>
                   <m:oMathPara xmlns:m="http://schemas.openxmlformats.org/officeDocument/2006/math">
                     <m:oMathParaPr>
@@ -3839,14 +3859,14 @@
                               <a:latin typeface="Cambria Math" panose="02040503050406030204" pitchFamily="18" charset="0"/>
                               <a:ea typeface="Cambria Math" panose="02040503050406030204" pitchFamily="18" charset="0"/>
                             </a:rPr>
-                            <m:t>𝑚</m:t>
+                            <m:t>𝑛</m:t>
                           </m:r>
                           <m:r>
                             <a:rPr lang="en-US" sz="2000" b="0" i="1" smtClean="0">
                               <a:latin typeface="Cambria Math" panose="02040503050406030204" pitchFamily="18" charset="0"/>
                               <a:ea typeface="Cambria Math" panose="02040503050406030204" pitchFamily="18" charset="0"/>
                             </a:rPr>
-                            <m:t>∗</m:t>
+                            <m:t>×</m:t>
                           </m:r>
                           <m:r>
                             <a:rPr lang="en-US" sz="2000" b="0" i="1" smtClean="0">
@@ -3865,6 +3885,7 @@
                 </a:endParaRPr>
               </a:p>
               <a:p>
+                <a:pPr/>
                 <a14:m>
                   <m:oMathPara xmlns:m="http://schemas.openxmlformats.org/officeDocument/2006/math">
                     <m:oMathParaPr>
@@ -3941,14 +3962,14 @@
                               <a:latin typeface="Cambria Math" panose="02040503050406030204" pitchFamily="18" charset="0"/>
                               <a:ea typeface="Cambria Math" panose="02040503050406030204" pitchFamily="18" charset="0"/>
                             </a:rPr>
-                            <m:t>𝑛</m:t>
+                            <m:t>𝑚</m:t>
                           </m:r>
                           <m:r>
                             <a:rPr lang="en-US" sz="2000" b="0" i="1" smtClean="0">
                               <a:latin typeface="Cambria Math" panose="02040503050406030204" pitchFamily="18" charset="0"/>
                               <a:ea typeface="Cambria Math" panose="02040503050406030204" pitchFamily="18" charset="0"/>
                             </a:rPr>
-                            <m:t>∗</m:t>
+                            <m:t>×</m:t>
                           </m:r>
                           <m:r>
                             <a:rPr lang="en-US" sz="2000" b="0" i="1" smtClean="0">
@@ -3980,6 +4001,7 @@
                 </a:r>
               </a:p>
               <a:p>
+                <a:pPr/>
                 <a14:m>
                   <m:oMathPara xmlns:m="http://schemas.openxmlformats.org/officeDocument/2006/math">
                     <m:oMathParaPr>
@@ -4086,7 +4108,7 @@
                               <a:latin typeface="Cambria Math" panose="02040503050406030204" pitchFamily="18" charset="0"/>
                               <a:ea typeface="Cambria Math" panose="02040503050406030204" pitchFamily="18" charset="0"/>
                             </a:rPr>
-                            <m:t>𝑛</m:t>
+                            <m:t>𝑚</m:t>
                           </m:r>
                         </m:sup>
                       </m:sSubSup>
@@ -4105,6 +4127,7 @@
                 </a:endParaRPr>
               </a:p>
               <a:p>
+                <a:pPr/>
                 <a14:m>
                   <m:oMathPara xmlns:m="http://schemas.openxmlformats.org/officeDocument/2006/math">
                     <m:oMathParaPr>
@@ -4214,7 +4237,7 @@
                               <a:latin typeface="Cambria Math" panose="02040503050406030204" pitchFamily="18" charset="0"/>
                               <a:ea typeface="Cambria Math" panose="02040503050406030204" pitchFamily="18" charset="0"/>
                             </a:rPr>
-                            <m:t>𝑛</m:t>
+                            <m:t>𝑚</m:t>
                           </m:r>
                         </m:sup>
                       </m:sSup>
@@ -4224,6 +4247,7 @@
                 <a:endParaRPr lang="en-US" sz="2000" dirty="0"/>
               </a:p>
               <a:p>
+                <a:pPr/>
                 <a14:m>
                   <m:oMathPara xmlns:m="http://schemas.openxmlformats.org/officeDocument/2006/math">
                     <m:oMathParaPr>
@@ -4353,6 +4377,7 @@
                 <a:endParaRPr lang="en-US" sz="2000" b="0" dirty="0"/>
               </a:p>
               <a:p>
+                <a:pPr/>
                 <a14:m>
                   <m:oMathPara xmlns:m="http://schemas.openxmlformats.org/officeDocument/2006/math">
                     <m:oMathParaPr>
@@ -4490,6 +4515,7 @@
                 </a:r>
               </a:p>
               <a:p>
+                <a:pPr/>
                 <a14:m>
                   <m:oMathPara xmlns:m="http://schemas.openxmlformats.org/officeDocument/2006/math">
                     <m:oMathParaPr>
@@ -4500,7 +4526,7 @@
                         <a:rPr lang="en-US" sz="2000" b="0" i="1" smtClean="0">
                           <a:latin typeface="Cambria Math" panose="02040503050406030204" pitchFamily="18" charset="0"/>
                         </a:rPr>
-                        <m:t>𝑧</m:t>
+                        <m:t>𝑥</m:t>
                       </m:r>
                       <m:r>
                         <a:rPr lang="en-US" sz="2000" b="0" i="1" smtClean="0">
@@ -4512,12 +4538,24 @@
                         <a:rPr lang="en-US" sz="2000" b="0" i="1" smtClean="0">
                           <a:latin typeface="Cambria Math" panose="02040503050406030204" pitchFamily="18" charset="0"/>
                         </a:rPr>
-                        <m:t>𝑚𝑜𝑑𝑢𝑙𝑒𝑠</m:t>
+                        <m:t>𝑚𝑜𝑑𝑢𝑙𝑒</m:t>
                       </m:r>
                       <m:r>
                         <a:rPr lang="en-US" sz="2000" b="0" i="1" smtClean="0">
                           <a:latin typeface="Cambria Math" panose="02040503050406030204" pitchFamily="18" charset="0"/>
                         </a:rPr>
+                        <m:t>−</m:t>
+                      </m:r>
+                      <m:r>
+                        <a:rPr lang="en-US" sz="2000" b="0" i="1" smtClean="0">
+                          <a:latin typeface="Cambria Math" panose="02040503050406030204" pitchFamily="18" charset="0"/>
+                        </a:rPr>
+                        <m:t>𝑠𝑒𝑐𝑡𝑖𝑜𝑛𝑎𝑙𝑠</m:t>
+                      </m:r>
+                      <m:r>
+                        <a:rPr lang="en-US" sz="2000" b="0" i="1" smtClean="0">
+                          <a:latin typeface="Cambria Math" panose="02040503050406030204" pitchFamily="18" charset="0"/>
+                        </a:rPr>
                         <m:t> </m:t>
                       </m:r>
                       <m:r>
@@ -4541,7 +4579,6 @@
                       <m:r>
                         <a:rPr lang="en-US" sz="2000" b="0" i="1" smtClean="0">
                           <a:latin typeface="Cambria Math" panose="02040503050406030204" pitchFamily="18" charset="0"/>
-                          <a:ea typeface="Cambria Math" panose="02040503050406030204" pitchFamily="18" charset="0"/>
                         </a:rPr>
                         <m:t>∈ </m:t>
                       </m:r>
@@ -4556,11 +4593,14 @@
                         </m:sSubSupPr>
                         <m:e>
                           <m:r>
-                            <a:rPr lang="en-US" sz="2000" b="0" i="1" smtClean="0">
-                              <a:latin typeface="Cambria Math" panose="02040503050406030204" pitchFamily="18" charset="0"/>
-                              <a:ea typeface="Cambria Math" panose="02040503050406030204" pitchFamily="18" charset="0"/>
-                            </a:rPr>
-                            <m:t>𝑍</m:t>
+                            <m:rPr>
+                              <m:sty m:val="p"/>
+                            </m:rPr>
+                            <a:rPr lang="el-GR" sz="2000" b="0" i="1" smtClean="0">
+                              <a:latin typeface="Cambria Math" panose="02040503050406030204" pitchFamily="18" charset="0"/>
+                              <a:ea typeface="Cambria Math" panose="02040503050406030204" pitchFamily="18" charset="0"/>
+                            </a:rPr>
+                            <m:t>Ζ</m:t>
                           </m:r>
                         </m:e>
                         <m:sub>
@@ -4579,6 +4619,107 @@
                               <a:ea typeface="Cambria Math" panose="02040503050406030204" pitchFamily="18" charset="0"/>
                             </a:rPr>
                             <m:t>𝑛</m:t>
+                          </m:r>
+                        </m:sup>
+                      </m:sSubSup>
+                    </m:oMath>
+                  </m:oMathPara>
+                </a14:m>
+                <a:endParaRPr lang="en-US" sz="2000" b="0" i="1" dirty="0">
+                  <a:latin typeface="Cambria Math" panose="02040503050406030204" pitchFamily="18" charset="0"/>
+                </a:endParaRPr>
+              </a:p>
+              <a:p>
+                <a:pPr/>
+                <a14:m>
+                  <m:oMathPara xmlns:m="http://schemas.openxmlformats.org/officeDocument/2006/math">
+                    <m:oMathParaPr>
+                      <m:jc m:val="centerGroup"/>
+                    </m:oMathParaPr>
+                    <m:oMath xmlns:m="http://schemas.openxmlformats.org/officeDocument/2006/math">
+                      <m:r>
+                        <a:rPr lang="en-US" sz="2000" b="0" i="1" smtClean="0">
+                          <a:latin typeface="Cambria Math" panose="02040503050406030204" pitchFamily="18" charset="0"/>
+                        </a:rPr>
+                        <m:t>𝑧</m:t>
+                      </m:r>
+                      <m:r>
+                        <a:rPr lang="en-US" sz="2000" b="0" i="1" smtClean="0">
+                          <a:latin typeface="Cambria Math" panose="02040503050406030204" pitchFamily="18" charset="0"/>
+                        </a:rPr>
+                        <m:t>:</m:t>
+                      </m:r>
+                      <m:r>
+                        <a:rPr lang="en-US" sz="2000" b="0" i="1" smtClean="0">
+                          <a:latin typeface="Cambria Math" panose="02040503050406030204" pitchFamily="18" charset="0"/>
+                        </a:rPr>
+                        <m:t>𝑚𝑜𝑑𝑢𝑙𝑒𝑠</m:t>
+                      </m:r>
+                      <m:r>
+                        <a:rPr lang="en-US" sz="2000" b="0" i="1" smtClean="0">
+                          <a:latin typeface="Cambria Math" panose="02040503050406030204" pitchFamily="18" charset="0"/>
+                        </a:rPr>
+                        <m:t> </m:t>
+                      </m:r>
+                      <m:r>
+                        <a:rPr lang="en-US" sz="2000" b="0" i="1" smtClean="0">
+                          <a:latin typeface="Cambria Math" panose="02040503050406030204" pitchFamily="18" charset="0"/>
+                        </a:rPr>
+                        <m:t>𝑡𝑜</m:t>
+                      </m:r>
+                      <m:r>
+                        <a:rPr lang="en-US" sz="2000" b="0" i="1" smtClean="0">
+                          <a:latin typeface="Cambria Math" panose="02040503050406030204" pitchFamily="18" charset="0"/>
+                        </a:rPr>
+                        <m:t> </m:t>
+                      </m:r>
+                      <m:r>
+                        <a:rPr lang="en-US" sz="2000" b="0" i="1" smtClean="0">
+                          <a:latin typeface="Cambria Math" panose="02040503050406030204" pitchFamily="18" charset="0"/>
+                        </a:rPr>
+                        <m:t>𝑡𝑎𝑘𝑒</m:t>
+                      </m:r>
+                      <m:r>
+                        <a:rPr lang="en-US" sz="2000" b="0" i="1" smtClean="0">
+                          <a:latin typeface="Cambria Math" panose="02040503050406030204" pitchFamily="18" charset="0"/>
+                          <a:ea typeface="Cambria Math" panose="02040503050406030204" pitchFamily="18" charset="0"/>
+                        </a:rPr>
+                        <m:t>∈ </m:t>
+                      </m:r>
+                      <m:sSubSup>
+                        <m:sSubSupPr>
+                          <m:ctrlPr>
+                            <a:rPr lang="en-US" sz="2000" b="0" i="1" smtClean="0">
+                              <a:latin typeface="Cambria Math" panose="02040503050406030204" pitchFamily="18" charset="0"/>
+                              <a:ea typeface="Cambria Math" panose="02040503050406030204" pitchFamily="18" charset="0"/>
+                            </a:rPr>
+                          </m:ctrlPr>
+                        </m:sSubSupPr>
+                        <m:e>
+                          <m:r>
+                            <a:rPr lang="en-US" sz="2000" b="0" i="1" smtClean="0">
+                              <a:latin typeface="Cambria Math" panose="02040503050406030204" pitchFamily="18" charset="0"/>
+                              <a:ea typeface="Cambria Math" panose="02040503050406030204" pitchFamily="18" charset="0"/>
+                            </a:rPr>
+                            <m:t>𝑍</m:t>
+                          </m:r>
+                        </m:e>
+                        <m:sub>
+                          <m:r>
+                            <a:rPr lang="en-US" sz="2000" b="0" i="1" smtClean="0">
+                              <a:latin typeface="Cambria Math" panose="02040503050406030204" pitchFamily="18" charset="0"/>
+                              <a:ea typeface="Cambria Math" panose="02040503050406030204" pitchFamily="18" charset="0"/>
+                            </a:rPr>
+                            <m:t>2</m:t>
+                          </m:r>
+                        </m:sub>
+                        <m:sup>
+                          <m:r>
+                            <a:rPr lang="en-US" sz="2000" b="0" i="1" smtClean="0">
+                              <a:latin typeface="Cambria Math" panose="02040503050406030204" pitchFamily="18" charset="0"/>
+                              <a:ea typeface="Cambria Math" panose="02040503050406030204" pitchFamily="18" charset="0"/>
+                            </a:rPr>
+                            <m:t>𝑚</m:t>
                           </m:r>
                         </m:sup>
                       </m:sSubSup>
@@ -4588,6 +4729,7 @@
                 <a:endParaRPr lang="en-US" sz="2000" b="0" dirty="0"/>
               </a:p>
               <a:p>
+                <a:pPr/>
                 <a14:m>
                   <m:oMathPara xmlns:m="http://schemas.openxmlformats.org/officeDocument/2006/math">
                     <m:oMathParaPr>
@@ -4697,7 +4839,7 @@
             <p:spPr>
               <a:xfrm>
                 <a:off x="1030884" y="268085"/>
-                <a:ext cx="9704248" cy="6155531"/>
+                <a:ext cx="9704248" cy="6463308"/>
               </a:xfrm>
               <a:prstGeom prst="rect">
                 <a:avLst/>
@@ -4705,7 +4847,7 @@
               <a:blipFill>
                 <a:blip r:embed="rId2"/>
                 <a:stretch>
-                  <a:fillRect l="-1570" t="-1287"/>
+                  <a:fillRect l="-1570" t="-1226"/>
                 </a:stretch>
               </a:blipFill>
             </p:spPr>
@@ -4754,8 +4896,8 @@
           <a:chExt cx="0" cy="0"/>
         </a:xfrm>
       </p:grpSpPr>
-      <mc:AlternateContent xmlns:mc="http://schemas.openxmlformats.org/markup-compatibility/2006">
-        <mc:Choice xmlns:a14="http://schemas.microsoft.com/office/drawing/2010/main" Requires="a14">
+      <mc:AlternateContent xmlns:mc="http://schemas.openxmlformats.org/markup-compatibility/2006" xmlns:a14="http://schemas.microsoft.com/office/drawing/2010/main">
+        <mc:Choice Requires="a14">
           <p:sp>
             <p:nvSpPr>
               <p:cNvPr id="4" name="TextBox 3">
@@ -4792,6 +4934,7 @@
                 </a:r>
               </a:p>
               <a:p>
+                <a:pPr/>
                 <a14:m>
                   <m:oMathPara xmlns:m="http://schemas.openxmlformats.org/officeDocument/2006/math">
                     <m:oMathParaPr>
@@ -4816,6 +4959,7 @@
                 <a:endParaRPr lang="en-US" sz="2400" b="0" dirty="0"/>
               </a:p>
               <a:p>
+                <a:pPr/>
                 <a14:m>
                   <m:oMathPara xmlns:m="http://schemas.openxmlformats.org/officeDocument/2006/math">
                     <m:oMathParaPr>
@@ -4907,6 +5051,7 @@
                 </a:endParaRPr>
               </a:p>
               <a:p>
+                <a:pPr/>
                 <a14:m>
                   <m:oMathPara xmlns:m="http://schemas.openxmlformats.org/officeDocument/2006/math">
                     <m:oMathParaPr>
@@ -5036,6 +5181,7 @@
                 </a:endParaRPr>
               </a:p>
               <a:p>
+                <a:pPr/>
                 <a14:m>
                   <m:oMathPara xmlns:m="http://schemas.openxmlformats.org/officeDocument/2006/math">
                     <m:oMathParaPr>
@@ -5064,6 +5210,7 @@
                 </a:endParaRPr>
               </a:p>
               <a:p>
+                <a:pPr/>
                 <a14:m>
                   <m:oMathPara xmlns:m="http://schemas.openxmlformats.org/officeDocument/2006/math">
                     <m:oMathParaPr>
@@ -5183,6 +5330,7 @@
                 </a:endParaRPr>
               </a:p>
               <a:p>
+                <a:pPr/>
                 <a14:m>
                   <m:oMathPara xmlns:m="http://schemas.openxmlformats.org/officeDocument/2006/math">
                     <m:oMathParaPr>
@@ -5295,6 +5443,7 @@
                 </a:endParaRPr>
               </a:p>
               <a:p>
+                <a:pPr/>
                 <a14:m>
                   <m:oMathPara xmlns:m="http://schemas.openxmlformats.org/officeDocument/2006/math">
                     <m:oMathParaPr>
@@ -5409,7 +5558,7 @@
             </p:txBody>
           </p:sp>
         </mc:Choice>
-        <mc:Fallback>
+        <mc:Fallback xmlns="">
           <p:sp>
             <p:nvSpPr>
               <p:cNvPr id="4" name="TextBox 3">
@@ -5484,6 +5633,1352 @@
           <a:chExt cx="0" cy="0"/>
         </a:xfrm>
       </p:grpSpPr>
+      <p:sp>
+        <p:nvSpPr>
+          <p:cNvPr id="2" name="Title 1">
+            <a:extLst>
+              <a:ext uri="{FF2B5EF4-FFF2-40B4-BE49-F238E27FC236}">
+                <a16:creationId xmlns:a16="http://schemas.microsoft.com/office/drawing/2014/main" id="{A44F8A96-CC8D-4823-8FFF-F34ACC83E558}"/>
+              </a:ext>
+            </a:extLst>
+          </p:cNvPr>
+          <p:cNvSpPr>
+            <a:spLocks noGrp="1"/>
+          </p:cNvSpPr>
+          <p:nvPr>
+            <p:ph type="title"/>
+          </p:nvPr>
+        </p:nvSpPr>
+        <p:spPr/>
+        <p:txBody>
+          <a:bodyPr/>
+          <a:lstStyle/>
+          <a:p>
+            <a:r>
+              <a:rPr lang="en-US" dirty="0"/>
+              <a:t>Our Module-Sectionals Converter “MSC”</a:t>
+            </a:r>
+          </a:p>
+        </p:txBody>
+      </p:sp>
+      <mc:AlternateContent xmlns:mc="http://schemas.openxmlformats.org/markup-compatibility/2006">
+        <mc:Choice xmlns:a14="http://schemas.microsoft.com/office/drawing/2010/main" Requires="a14">
+          <p:sp>
+            <p:nvSpPr>
+              <p:cNvPr id="4" name="TextBox 3">
+                <a:extLst>
+                  <a:ext uri="{FF2B5EF4-FFF2-40B4-BE49-F238E27FC236}">
+                    <a16:creationId xmlns:a16="http://schemas.microsoft.com/office/drawing/2014/main" id="{A119E840-CDD7-4182-BF0E-B6D0477D6468}"/>
+                  </a:ext>
+                </a:extLst>
+              </p:cNvPr>
+              <p:cNvSpPr txBox="1"/>
+              <p:nvPr/>
+            </p:nvSpPr>
+            <p:spPr>
+              <a:xfrm>
+                <a:off x="1912052" y="2448748"/>
+                <a:ext cx="706155" cy="1245469"/>
+              </a:xfrm>
+              <a:prstGeom prst="rect">
+                <a:avLst/>
+              </a:prstGeom>
+              <a:noFill/>
+            </p:spPr>
+            <p:txBody>
+              <a:bodyPr wrap="none" lIns="0" tIns="0" rIns="0" bIns="0" rtlCol="0">
+                <a:spAutoFit/>
+              </a:bodyPr>
+              <a:lstStyle/>
+              <a:p>
+                <a14:m>
+                  <m:oMathPara xmlns:m="http://schemas.openxmlformats.org/officeDocument/2006/math">
+                    <m:oMathParaPr>
+                      <m:jc m:val="centerGroup"/>
+                    </m:oMathParaPr>
+                    <m:oMath xmlns:m="http://schemas.openxmlformats.org/officeDocument/2006/math">
+                      <m:m>
+                        <m:mPr>
+                          <m:mcs>
+                            <m:mc>
+                              <m:mcPr>
+                                <m:count m:val="1"/>
+                                <m:mcJc m:val="center"/>
+                              </m:mcPr>
+                            </m:mc>
+                          </m:mcs>
+                          <m:ctrlPr>
+                            <a:rPr lang="en-US" i="1" smtClean="0">
+                              <a:latin typeface="Cambria Math" panose="02040503050406030204" pitchFamily="18" charset="0"/>
+                            </a:rPr>
+                          </m:ctrlPr>
+                        </m:mPr>
+                        <m:mr>
+                          <m:e>
+                            <m:r>
+                              <m:rPr>
+                                <m:brk m:alnAt="7"/>
+                              </m:rPr>
+                              <a:rPr lang="en-US" b="0" i="1" smtClean="0">
+                                <a:latin typeface="Cambria Math" panose="02040503050406030204" pitchFamily="18" charset="0"/>
+                              </a:rPr>
+                              <m:t>𝑚𝑜𝑑</m:t>
+                            </m:r>
+                            <m:r>
+                              <a:rPr lang="en-US" b="0" i="1" smtClean="0">
+                                <a:latin typeface="Cambria Math" panose="02040503050406030204" pitchFamily="18" charset="0"/>
+                              </a:rPr>
+                              <m:t>1</m:t>
+                            </m:r>
+                          </m:e>
+                        </m:mr>
+                        <m:mr>
+                          <m:e>
+                            <m:r>
+                              <a:rPr lang="en-US" b="0" i="1" smtClean="0">
+                                <a:latin typeface="Cambria Math" panose="02040503050406030204" pitchFamily="18" charset="0"/>
+                              </a:rPr>
+                              <m:t>𝑚𝑜𝑑</m:t>
+                            </m:r>
+                            <m:r>
+                              <a:rPr lang="en-US" b="0" i="1" smtClean="0">
+                                <a:latin typeface="Cambria Math" panose="02040503050406030204" pitchFamily="18" charset="0"/>
+                              </a:rPr>
+                              <m:t>2</m:t>
+                            </m:r>
+                          </m:e>
+                        </m:mr>
+                        <m:mr>
+                          <m:e>
+                            <m:eqArr>
+                              <m:eqArrPr>
+                                <m:ctrlPr>
+                                  <a:rPr lang="en-US" b="0" i="1" smtClean="0">
+                                    <a:latin typeface="Cambria Math" panose="02040503050406030204" pitchFamily="18" charset="0"/>
+                                  </a:rPr>
+                                </m:ctrlPr>
+                              </m:eqArrPr>
+                              <m:e>
+                                <m:r>
+                                  <a:rPr lang="en-US" b="0" i="1" smtClean="0">
+                                    <a:latin typeface="Cambria Math" panose="02040503050406030204" pitchFamily="18" charset="0"/>
+                                  </a:rPr>
+                                  <m:t>𝑚𝑜𝑑</m:t>
+                                </m:r>
+                                <m:r>
+                                  <a:rPr lang="en-US" b="0" i="1" smtClean="0">
+                                    <a:latin typeface="Cambria Math" panose="02040503050406030204" pitchFamily="18" charset="0"/>
+                                  </a:rPr>
+                                  <m:t>3</m:t>
+                                </m:r>
+                              </m:e>
+                              <m:e>
+                                <m:r>
+                                  <a:rPr lang="en-US" b="0" i="1" smtClean="0">
+                                    <a:latin typeface="Cambria Math" panose="02040503050406030204" pitchFamily="18" charset="0"/>
+                                  </a:rPr>
+                                  <m:t>…</m:t>
+                                </m:r>
+                              </m:e>
+                              <m:e>
+                                <m:r>
+                                  <a:rPr lang="en-US" b="0" i="1" smtClean="0">
+                                    <a:latin typeface="Cambria Math" panose="02040503050406030204" pitchFamily="18" charset="0"/>
+                                  </a:rPr>
+                                  <m:t>𝑚𝑜𝑑𝑀</m:t>
+                                </m:r>
+                              </m:e>
+                            </m:eqArr>
+                          </m:e>
+                        </m:mr>
+                      </m:m>
+                    </m:oMath>
+                  </m:oMathPara>
+                </a14:m>
+                <a:endParaRPr lang="en-US" dirty="0"/>
+              </a:p>
+            </p:txBody>
+          </p:sp>
+        </mc:Choice>
+        <mc:Fallback>
+          <p:sp>
+            <p:nvSpPr>
+              <p:cNvPr id="4" name="TextBox 3">
+                <a:extLst>
+                  <a:ext uri="{FF2B5EF4-FFF2-40B4-BE49-F238E27FC236}">
+                    <a16:creationId xmlns:a16="http://schemas.microsoft.com/office/drawing/2014/main" id="{A119E840-CDD7-4182-BF0E-B6D0477D6468}"/>
+                  </a:ext>
+                </a:extLst>
+              </p:cNvPr>
+              <p:cNvSpPr txBox="1">
+                <a:spLocks noRot="1" noChangeAspect="1" noMove="1" noResize="1" noEditPoints="1" noAdjustHandles="1" noChangeArrowheads="1" noChangeShapeType="1" noTextEdit="1"/>
+              </p:cNvSpPr>
+              <p:nvPr/>
+            </p:nvSpPr>
+            <p:spPr>
+              <a:xfrm>
+                <a:off x="1912052" y="2448748"/>
+                <a:ext cx="706155" cy="1245469"/>
+              </a:xfrm>
+              <a:prstGeom prst="rect">
+                <a:avLst/>
+              </a:prstGeom>
+              <a:blipFill>
+                <a:blip r:embed="rId2"/>
+                <a:stretch>
+                  <a:fillRect/>
+                </a:stretch>
+              </a:blipFill>
+            </p:spPr>
+            <p:txBody>
+              <a:bodyPr/>
+              <a:lstStyle/>
+              <a:p>
+                <a:r>
+                  <a:rPr lang="en-US">
+                    <a:noFill/>
+                  </a:rPr>
+                  <a:t> </a:t>
+                </a:r>
+              </a:p>
+            </p:txBody>
+          </p:sp>
+        </mc:Fallback>
+      </mc:AlternateContent>
+      <mc:AlternateContent xmlns:mc="http://schemas.openxmlformats.org/markup-compatibility/2006">
+        <mc:Choice xmlns:a14="http://schemas.microsoft.com/office/drawing/2010/main" Requires="a14">
+          <p:sp>
+            <p:nvSpPr>
+              <p:cNvPr id="5" name="TextBox 4">
+                <a:extLst>
+                  <a:ext uri="{FF2B5EF4-FFF2-40B4-BE49-F238E27FC236}">
+                    <a16:creationId xmlns:a16="http://schemas.microsoft.com/office/drawing/2014/main" id="{5EC7F676-2D28-4931-A37A-31208804E5B6}"/>
+                  </a:ext>
+                </a:extLst>
+              </p:cNvPr>
+              <p:cNvSpPr txBox="1"/>
+              <p:nvPr/>
+            </p:nvSpPr>
+            <p:spPr>
+              <a:xfrm>
+                <a:off x="9395413" y="2111291"/>
+                <a:ext cx="1465337" cy="1786771"/>
+              </a:xfrm>
+              <a:prstGeom prst="rect">
+                <a:avLst/>
+              </a:prstGeom>
+              <a:noFill/>
+            </p:spPr>
+            <p:txBody>
+              <a:bodyPr wrap="none" lIns="0" tIns="0" rIns="0" bIns="0" rtlCol="0">
+                <a:spAutoFit/>
+              </a:bodyPr>
+              <a:lstStyle/>
+              <a:p>
+                <a14:m>
+                  <m:oMathPara xmlns:m="http://schemas.openxmlformats.org/officeDocument/2006/math">
+                    <m:oMathParaPr>
+                      <m:jc m:val="centerGroup"/>
+                    </m:oMathParaPr>
+                    <m:oMath xmlns:m="http://schemas.openxmlformats.org/officeDocument/2006/math">
+                      <m:m>
+                        <m:mPr>
+                          <m:mcs>
+                            <m:mc>
+                              <m:mcPr>
+                                <m:count m:val="1"/>
+                                <m:mcJc m:val="center"/>
+                              </m:mcPr>
+                            </m:mc>
+                          </m:mcs>
+                          <m:ctrlPr>
+                            <a:rPr lang="en-US" i="1" smtClean="0">
+                              <a:latin typeface="Cambria Math" panose="02040503050406030204" pitchFamily="18" charset="0"/>
+                            </a:rPr>
+                          </m:ctrlPr>
+                        </m:mPr>
+                        <m:mr>
+                          <m:e>
+                            <m:r>
+                              <m:rPr>
+                                <m:brk m:alnAt="7"/>
+                              </m:rPr>
+                              <a:rPr lang="en-US" b="0" i="1" smtClean="0">
+                                <a:latin typeface="Cambria Math" panose="02040503050406030204" pitchFamily="18" charset="0"/>
+                              </a:rPr>
+                              <m:t>𝑚𝑜𝑑</m:t>
+                            </m:r>
+                            <m:r>
+                              <a:rPr lang="en-US" b="0" i="1" smtClean="0">
+                                <a:latin typeface="Cambria Math" panose="02040503050406030204" pitchFamily="18" charset="0"/>
+                              </a:rPr>
+                              <m:t>1</m:t>
+                            </m:r>
+                            <m:r>
+                              <a:rPr lang="en-US" b="0" i="1" smtClean="0">
+                                <a:latin typeface="Cambria Math" panose="02040503050406030204" pitchFamily="18" charset="0"/>
+                              </a:rPr>
+                              <m:t>𝑠𝑒𝑐𝑡</m:t>
+                            </m:r>
+                            <m:r>
+                              <a:rPr lang="en-US" b="0" i="1" smtClean="0">
+                                <a:latin typeface="Cambria Math" panose="02040503050406030204" pitchFamily="18" charset="0"/>
+                              </a:rPr>
+                              <m:t>1</m:t>
+                            </m:r>
+                          </m:e>
+                        </m:mr>
+                        <m:mr>
+                          <m:e>
+                            <m:r>
+                              <a:rPr lang="en-US" b="0" i="1" smtClean="0">
+                                <a:latin typeface="Cambria Math" panose="02040503050406030204" pitchFamily="18" charset="0"/>
+                              </a:rPr>
+                              <m:t>𝑚𝑜𝑑</m:t>
+                            </m:r>
+                            <m:r>
+                              <a:rPr lang="en-US" b="0" i="1" smtClean="0">
+                                <a:latin typeface="Cambria Math" panose="02040503050406030204" pitchFamily="18" charset="0"/>
+                              </a:rPr>
+                              <m:t>1</m:t>
+                            </m:r>
+                            <m:r>
+                              <a:rPr lang="en-US" b="0" i="1" smtClean="0">
+                                <a:latin typeface="Cambria Math" panose="02040503050406030204" pitchFamily="18" charset="0"/>
+                              </a:rPr>
+                              <m:t>𝑠𝑒𝑐𝑡</m:t>
+                            </m:r>
+                            <m:r>
+                              <a:rPr lang="en-US" b="0" i="1" smtClean="0">
+                                <a:latin typeface="Cambria Math" panose="02040503050406030204" pitchFamily="18" charset="0"/>
+                              </a:rPr>
+                              <m:t>2</m:t>
+                            </m:r>
+                          </m:e>
+                        </m:mr>
+                        <m:mr>
+                          <m:e>
+                            <m:eqArr>
+                              <m:eqArrPr>
+                                <m:ctrlPr>
+                                  <a:rPr lang="en-US" b="0" i="1" smtClean="0">
+                                    <a:latin typeface="Cambria Math" panose="02040503050406030204" pitchFamily="18" charset="0"/>
+                                  </a:rPr>
+                                </m:ctrlPr>
+                              </m:eqArrPr>
+                              <m:e>
+                                <m:r>
+                                  <a:rPr lang="en-US" b="0" i="1" smtClean="0">
+                                    <a:latin typeface="Cambria Math" panose="02040503050406030204" pitchFamily="18" charset="0"/>
+                                  </a:rPr>
+                                  <m:t>𝑚𝑜𝑑</m:t>
+                                </m:r>
+                                <m:r>
+                                  <a:rPr lang="en-US" b="0" i="1" smtClean="0">
+                                    <a:latin typeface="Cambria Math" panose="02040503050406030204" pitchFamily="18" charset="0"/>
+                                  </a:rPr>
+                                  <m:t>1</m:t>
+                                </m:r>
+                                <m:r>
+                                  <a:rPr lang="en-US" b="0" i="1" smtClean="0">
+                                    <a:latin typeface="Cambria Math" panose="02040503050406030204" pitchFamily="18" charset="0"/>
+                                  </a:rPr>
+                                  <m:t>𝑠𝑒𝑐𝑡</m:t>
+                                </m:r>
+                                <m:r>
+                                  <a:rPr lang="en-US" b="0" i="1" smtClean="0">
+                                    <a:latin typeface="Cambria Math" panose="02040503050406030204" pitchFamily="18" charset="0"/>
+                                  </a:rPr>
+                                  <m:t>3</m:t>
+                                </m:r>
+                              </m:e>
+                              <m:e>
+                                <m:r>
+                                  <a:rPr lang="en-US" b="0" i="1" smtClean="0">
+                                    <a:latin typeface="Cambria Math" panose="02040503050406030204" pitchFamily="18" charset="0"/>
+                                  </a:rPr>
+                                  <m:t>𝑚𝑜𝑑</m:t>
+                                </m:r>
+                                <m:r>
+                                  <a:rPr lang="en-US" b="0" i="1" smtClean="0">
+                                    <a:latin typeface="Cambria Math" panose="02040503050406030204" pitchFamily="18" charset="0"/>
+                                  </a:rPr>
+                                  <m:t>2</m:t>
+                                </m:r>
+                                <m:r>
+                                  <a:rPr lang="en-US" b="0" i="1" smtClean="0">
+                                    <a:latin typeface="Cambria Math" panose="02040503050406030204" pitchFamily="18" charset="0"/>
+                                  </a:rPr>
+                                  <m:t>𝑠𝑒𝑐𝑡</m:t>
+                                </m:r>
+                                <m:r>
+                                  <a:rPr lang="en-US" b="0" i="1" smtClean="0">
+                                    <a:latin typeface="Cambria Math" panose="02040503050406030204" pitchFamily="18" charset="0"/>
+                                  </a:rPr>
+                                  <m:t>1</m:t>
+                                </m:r>
+                              </m:e>
+                              <m:e>
+                                <m:r>
+                                  <a:rPr lang="en-US" b="0" i="1" smtClean="0">
+                                    <a:latin typeface="Cambria Math" panose="02040503050406030204" pitchFamily="18" charset="0"/>
+                                  </a:rPr>
+                                  <m:t>𝑚𝑜𝑑</m:t>
+                                </m:r>
+                                <m:r>
+                                  <a:rPr lang="en-US" b="0" i="1" smtClean="0">
+                                    <a:latin typeface="Cambria Math" panose="02040503050406030204" pitchFamily="18" charset="0"/>
+                                  </a:rPr>
+                                  <m:t>3</m:t>
+                                </m:r>
+                                <m:r>
+                                  <a:rPr lang="en-US" b="0" i="1" smtClean="0">
+                                    <a:latin typeface="Cambria Math" panose="02040503050406030204" pitchFamily="18" charset="0"/>
+                                  </a:rPr>
+                                  <m:t>𝑠𝑒𝑐𝑡</m:t>
+                                </m:r>
+                                <m:r>
+                                  <a:rPr lang="en-US" b="0" i="1" smtClean="0">
+                                    <a:latin typeface="Cambria Math" panose="02040503050406030204" pitchFamily="18" charset="0"/>
+                                  </a:rPr>
+                                  <m:t>1</m:t>
+                                </m:r>
+                              </m:e>
+                              <m:e>
+                                <m:r>
+                                  <a:rPr lang="en-US" b="0" i="1" smtClean="0">
+                                    <a:latin typeface="Cambria Math" panose="02040503050406030204" pitchFamily="18" charset="0"/>
+                                  </a:rPr>
+                                  <m:t>…</m:t>
+                                </m:r>
+                              </m:e>
+                              <m:e>
+                                <m:r>
+                                  <a:rPr lang="en-US" b="0" i="1" smtClean="0">
+                                    <a:latin typeface="Cambria Math" panose="02040503050406030204" pitchFamily="18" charset="0"/>
+                                  </a:rPr>
+                                  <m:t>𝑚𝑜𝑑</m:t>
+                                </m:r>
+                                <m:r>
+                                  <a:rPr lang="en-US" b="0" i="1" smtClean="0">
+                                    <a:latin typeface="Cambria Math" panose="02040503050406030204" pitchFamily="18" charset="0"/>
+                                  </a:rPr>
+                                  <m:t> </m:t>
+                                </m:r>
+                                <m:r>
+                                  <a:rPr lang="en-US" b="0" i="1" smtClean="0">
+                                    <a:latin typeface="Cambria Math" panose="02040503050406030204" pitchFamily="18" charset="0"/>
+                                  </a:rPr>
+                                  <m:t>𝑀</m:t>
+                                </m:r>
+                                <m:r>
+                                  <a:rPr lang="en-US" b="0" i="1" smtClean="0">
+                                    <a:latin typeface="Cambria Math" panose="02040503050406030204" pitchFamily="18" charset="0"/>
+                                  </a:rPr>
+                                  <m:t> </m:t>
+                                </m:r>
+                                <m:r>
+                                  <a:rPr lang="en-US" b="0" i="1" smtClean="0">
+                                    <a:latin typeface="Cambria Math" panose="02040503050406030204" pitchFamily="18" charset="0"/>
+                                  </a:rPr>
+                                  <m:t>𝑠𝑒𝑐𝑡</m:t>
+                                </m:r>
+                                <m:r>
+                                  <a:rPr lang="en-US" b="0" i="1" smtClean="0">
+                                    <a:latin typeface="Cambria Math" panose="02040503050406030204" pitchFamily="18" charset="0"/>
+                                  </a:rPr>
+                                  <m:t> </m:t>
+                                </m:r>
+                                <m:r>
+                                  <a:rPr lang="en-US" b="0" i="1" smtClean="0">
+                                    <a:latin typeface="Cambria Math" panose="02040503050406030204" pitchFamily="18" charset="0"/>
+                                  </a:rPr>
+                                  <m:t>𝑁</m:t>
+                                </m:r>
+                              </m:e>
+                            </m:eqArr>
+                          </m:e>
+                        </m:mr>
+                      </m:m>
+                    </m:oMath>
+                  </m:oMathPara>
+                </a14:m>
+                <a:endParaRPr lang="en-US" dirty="0"/>
+              </a:p>
+            </p:txBody>
+          </p:sp>
+        </mc:Choice>
+        <mc:Fallback>
+          <p:sp>
+            <p:nvSpPr>
+              <p:cNvPr id="5" name="TextBox 4">
+                <a:extLst>
+                  <a:ext uri="{FF2B5EF4-FFF2-40B4-BE49-F238E27FC236}">
+                    <a16:creationId xmlns:a16="http://schemas.microsoft.com/office/drawing/2014/main" id="{5EC7F676-2D28-4931-A37A-31208804E5B6}"/>
+                  </a:ext>
+                </a:extLst>
+              </p:cNvPr>
+              <p:cNvSpPr txBox="1">
+                <a:spLocks noRot="1" noChangeAspect="1" noMove="1" noResize="1" noEditPoints="1" noAdjustHandles="1" noChangeArrowheads="1" noChangeShapeType="1" noTextEdit="1"/>
+              </p:cNvSpPr>
+              <p:nvPr/>
+            </p:nvSpPr>
+            <p:spPr>
+              <a:xfrm>
+                <a:off x="9395413" y="2111291"/>
+                <a:ext cx="1465337" cy="1786771"/>
+              </a:xfrm>
+              <a:prstGeom prst="rect">
+                <a:avLst/>
+              </a:prstGeom>
+              <a:blipFill>
+                <a:blip r:embed="rId3"/>
+                <a:stretch>
+                  <a:fillRect/>
+                </a:stretch>
+              </a:blipFill>
+            </p:spPr>
+            <p:txBody>
+              <a:bodyPr/>
+              <a:lstStyle/>
+              <a:p>
+                <a:r>
+                  <a:rPr lang="en-US">
+                    <a:noFill/>
+                  </a:rPr>
+                  <a:t> </a:t>
+                </a:r>
+              </a:p>
+            </p:txBody>
+          </p:sp>
+        </mc:Fallback>
+      </mc:AlternateContent>
+      <p:sp>
+        <p:nvSpPr>
+          <p:cNvPr id="6" name="Arrow: Left-Right 5">
+            <a:extLst>
+              <a:ext uri="{FF2B5EF4-FFF2-40B4-BE49-F238E27FC236}">
+                <a16:creationId xmlns:a16="http://schemas.microsoft.com/office/drawing/2014/main" id="{92CE949B-DC92-456A-A5A3-E3730C5C64BC}"/>
+              </a:ext>
+            </a:extLst>
+          </p:cNvPr>
+          <p:cNvSpPr/>
+          <p:nvPr/>
+        </p:nvSpPr>
+        <p:spPr>
+          <a:xfrm>
+            <a:off x="4836306" y="2014845"/>
+            <a:ext cx="1974405" cy="867806"/>
+          </a:xfrm>
+          <a:prstGeom prst="leftRightArrow">
+            <a:avLst/>
+          </a:prstGeom>
+        </p:spPr>
+        <p:style>
+          <a:lnRef idx="2">
+            <a:schemeClr val="accent1">
+              <a:shade val="50000"/>
+            </a:schemeClr>
+          </a:lnRef>
+          <a:fillRef idx="1">
+            <a:schemeClr val="accent1"/>
+          </a:fillRef>
+          <a:effectRef idx="0">
+            <a:schemeClr val="accent1"/>
+          </a:effectRef>
+          <a:fontRef idx="minor">
+            <a:schemeClr val="lt1"/>
+          </a:fontRef>
+        </p:style>
+        <p:txBody>
+          <a:bodyPr rtlCol="0" anchor="ctr"/>
+          <a:lstStyle/>
+          <a:p>
+            <a:pPr algn="ctr"/>
+            <a:endParaRPr lang="en-US"/>
+          </a:p>
+        </p:txBody>
+      </p:sp>
+      <p:graphicFrame>
+        <p:nvGraphicFramePr>
+          <p:cNvPr id="8" name="Table 7">
+            <a:extLst>
+              <a:ext uri="{FF2B5EF4-FFF2-40B4-BE49-F238E27FC236}">
+                <a16:creationId xmlns:a16="http://schemas.microsoft.com/office/drawing/2014/main" id="{809F400B-57A4-4FE3-BDB4-760F40A6FB79}"/>
+              </a:ext>
+            </a:extLst>
+          </p:cNvPr>
+          <p:cNvGraphicFramePr>
+            <a:graphicFrameLocks noGrp="1"/>
+          </p:cNvGraphicFramePr>
+          <p:nvPr>
+            <p:extLst>
+              <p:ext uri="{D42A27DB-BD31-4B8C-83A1-F6EECF244321}">
+                <p14:modId xmlns:p14="http://schemas.microsoft.com/office/powerpoint/2010/main" val="2329902271"/>
+              </p:ext>
+            </p:extLst>
+          </p:nvPr>
+        </p:nvGraphicFramePr>
+        <p:xfrm>
+          <a:off x="4739050" y="3290867"/>
+          <a:ext cx="2250451" cy="1854200"/>
+        </p:xfrm>
+        <a:graphic>
+          <a:graphicData uri="http://schemas.openxmlformats.org/drawingml/2006/table">
+            <a:tbl>
+              <a:tblPr>
+                <a:tableStyleId>{5C22544A-7EE6-4342-B048-85BDC9FD1C3A}</a:tableStyleId>
+              </a:tblPr>
+              <a:tblGrid>
+                <a:gridCol w="321493">
+                  <a:extLst>
+                    <a:ext uri="{9D8B030D-6E8A-4147-A177-3AD203B41FA5}">
+                      <a16:colId xmlns:a16="http://schemas.microsoft.com/office/drawing/2014/main" val="77559953"/>
+                    </a:ext>
+                  </a:extLst>
+                </a:gridCol>
+                <a:gridCol w="321493">
+                  <a:extLst>
+                    <a:ext uri="{9D8B030D-6E8A-4147-A177-3AD203B41FA5}">
+                      <a16:colId xmlns:a16="http://schemas.microsoft.com/office/drawing/2014/main" val="3726836795"/>
+                    </a:ext>
+                  </a:extLst>
+                </a:gridCol>
+                <a:gridCol w="321493">
+                  <a:extLst>
+                    <a:ext uri="{9D8B030D-6E8A-4147-A177-3AD203B41FA5}">
+                      <a16:colId xmlns:a16="http://schemas.microsoft.com/office/drawing/2014/main" val="2876572557"/>
+                    </a:ext>
+                  </a:extLst>
+                </a:gridCol>
+                <a:gridCol w="321493">
+                  <a:extLst>
+                    <a:ext uri="{9D8B030D-6E8A-4147-A177-3AD203B41FA5}">
+                      <a16:colId xmlns:a16="http://schemas.microsoft.com/office/drawing/2014/main" val="1798931866"/>
+                    </a:ext>
+                  </a:extLst>
+                </a:gridCol>
+                <a:gridCol w="321493">
+                  <a:extLst>
+                    <a:ext uri="{9D8B030D-6E8A-4147-A177-3AD203B41FA5}">
+                      <a16:colId xmlns:a16="http://schemas.microsoft.com/office/drawing/2014/main" val="2603508435"/>
+                    </a:ext>
+                  </a:extLst>
+                </a:gridCol>
+                <a:gridCol w="321493">
+                  <a:extLst>
+                    <a:ext uri="{9D8B030D-6E8A-4147-A177-3AD203B41FA5}">
+                      <a16:colId xmlns:a16="http://schemas.microsoft.com/office/drawing/2014/main" val="4050543058"/>
+                    </a:ext>
+                  </a:extLst>
+                </a:gridCol>
+                <a:gridCol w="321493">
+                  <a:extLst>
+                    <a:ext uri="{9D8B030D-6E8A-4147-A177-3AD203B41FA5}">
+                      <a16:colId xmlns:a16="http://schemas.microsoft.com/office/drawing/2014/main" val="3515887784"/>
+                    </a:ext>
+                  </a:extLst>
+                </a:gridCol>
+              </a:tblGrid>
+              <a:tr h="370840">
+                <a:tc>
+                  <a:txBody>
+                    <a:bodyPr/>
+                    <a:lstStyle/>
+                    <a:p>
+                      <a:r>
+                        <a:rPr lang="en-US" i="0" dirty="0">
+                          <a:latin typeface="Cambria Math" panose="02040503050406030204" pitchFamily="18" charset="0"/>
+                          <a:ea typeface="Cambria Math" panose="02040503050406030204" pitchFamily="18" charset="0"/>
+                        </a:rPr>
+                        <a:t>1</a:t>
+                      </a:r>
+                    </a:p>
+                  </a:txBody>
+                  <a:tcPr>
+                    <a:noFill/>
+                  </a:tcPr>
+                </a:tc>
+                <a:tc>
+                  <a:txBody>
+                    <a:bodyPr/>
+                    <a:lstStyle/>
+                    <a:p>
+                      <a:r>
+                        <a:rPr lang="en-US" i="0" dirty="0">
+                          <a:latin typeface="Cambria Math" panose="02040503050406030204" pitchFamily="18" charset="0"/>
+                          <a:ea typeface="Cambria Math" panose="02040503050406030204" pitchFamily="18" charset="0"/>
+                        </a:rPr>
+                        <a:t>1</a:t>
+                      </a:r>
+                    </a:p>
+                  </a:txBody>
+                  <a:tcPr>
+                    <a:noFill/>
+                  </a:tcPr>
+                </a:tc>
+                <a:tc>
+                  <a:txBody>
+                    <a:bodyPr/>
+                    <a:lstStyle/>
+                    <a:p>
+                      <a:r>
+                        <a:rPr lang="en-US" i="0" dirty="0">
+                          <a:latin typeface="Cambria Math" panose="02040503050406030204" pitchFamily="18" charset="0"/>
+                          <a:ea typeface="Cambria Math" panose="02040503050406030204" pitchFamily="18" charset="0"/>
+                        </a:rPr>
+                        <a:t>1</a:t>
+                      </a:r>
+                    </a:p>
+                  </a:txBody>
+                  <a:tcPr>
+                    <a:noFill/>
+                  </a:tcPr>
+                </a:tc>
+                <a:tc>
+                  <a:txBody>
+                    <a:bodyPr/>
+                    <a:lstStyle/>
+                    <a:p>
+                      <a:r>
+                        <a:rPr lang="en-US" i="0" dirty="0">
+                          <a:latin typeface="Cambria Math" panose="02040503050406030204" pitchFamily="18" charset="0"/>
+                          <a:ea typeface="Cambria Math" panose="02040503050406030204" pitchFamily="18" charset="0"/>
+                        </a:rPr>
+                        <a:t>0</a:t>
+                      </a:r>
+                    </a:p>
+                  </a:txBody>
+                  <a:tcPr>
+                    <a:noFill/>
+                  </a:tcPr>
+                </a:tc>
+                <a:tc>
+                  <a:txBody>
+                    <a:bodyPr/>
+                    <a:lstStyle/>
+                    <a:p>
+                      <a:r>
+                        <a:rPr lang="en-US" i="0" dirty="0">
+                          <a:latin typeface="Cambria Math" panose="02040503050406030204" pitchFamily="18" charset="0"/>
+                          <a:ea typeface="Cambria Math" panose="02040503050406030204" pitchFamily="18" charset="0"/>
+                        </a:rPr>
+                        <a:t>0</a:t>
+                      </a:r>
+                    </a:p>
+                  </a:txBody>
+                  <a:tcPr>
+                    <a:noFill/>
+                  </a:tcPr>
+                </a:tc>
+                <a:tc>
+                  <a:txBody>
+                    <a:bodyPr/>
+                    <a:lstStyle/>
+                    <a:p>
+                      <a:r>
+                        <a:rPr lang="en-US" i="0" dirty="0">
+                          <a:latin typeface="Cambria Math" panose="02040503050406030204" pitchFamily="18" charset="0"/>
+                          <a:ea typeface="Cambria Math" panose="02040503050406030204" pitchFamily="18" charset="0"/>
+                        </a:rPr>
+                        <a:t>…</a:t>
+                      </a:r>
+                    </a:p>
+                  </a:txBody>
+                  <a:tcPr>
+                    <a:noFill/>
+                  </a:tcPr>
+                </a:tc>
+                <a:tc>
+                  <a:txBody>
+                    <a:bodyPr/>
+                    <a:lstStyle/>
+                    <a:p>
+                      <a:r>
+                        <a:rPr lang="en-US" i="0" dirty="0">
+                          <a:latin typeface="Cambria Math" panose="02040503050406030204" pitchFamily="18" charset="0"/>
+                          <a:ea typeface="Cambria Math" panose="02040503050406030204" pitchFamily="18" charset="0"/>
+                        </a:rPr>
+                        <a:t>0</a:t>
+                      </a:r>
+                    </a:p>
+                  </a:txBody>
+                  <a:tcPr>
+                    <a:noFill/>
+                  </a:tcPr>
+                </a:tc>
+                <a:extLst>
+                  <a:ext uri="{0D108BD9-81ED-4DB2-BD59-A6C34878D82A}">
+                    <a16:rowId xmlns:a16="http://schemas.microsoft.com/office/drawing/2014/main" val="1392644145"/>
+                  </a:ext>
+                </a:extLst>
+              </a:tr>
+              <a:tr h="370840">
+                <a:tc>
+                  <a:txBody>
+                    <a:bodyPr/>
+                    <a:lstStyle/>
+                    <a:p>
+                      <a:r>
+                        <a:rPr lang="en-US" i="0" dirty="0">
+                          <a:latin typeface="Cambria Math" panose="02040503050406030204" pitchFamily="18" charset="0"/>
+                          <a:ea typeface="Cambria Math" panose="02040503050406030204" pitchFamily="18" charset="0"/>
+                        </a:rPr>
+                        <a:t>0</a:t>
+                      </a:r>
+                    </a:p>
+                  </a:txBody>
+                  <a:tcPr>
+                    <a:noFill/>
+                  </a:tcPr>
+                </a:tc>
+                <a:tc>
+                  <a:txBody>
+                    <a:bodyPr/>
+                    <a:lstStyle/>
+                    <a:p>
+                      <a:r>
+                        <a:rPr lang="en-US" i="0" dirty="0">
+                          <a:latin typeface="Cambria Math" panose="02040503050406030204" pitchFamily="18" charset="0"/>
+                          <a:ea typeface="Cambria Math" panose="02040503050406030204" pitchFamily="18" charset="0"/>
+                        </a:rPr>
+                        <a:t>0</a:t>
+                      </a:r>
+                    </a:p>
+                  </a:txBody>
+                  <a:tcPr>
+                    <a:noFill/>
+                  </a:tcPr>
+                </a:tc>
+                <a:tc>
+                  <a:txBody>
+                    <a:bodyPr/>
+                    <a:lstStyle/>
+                    <a:p>
+                      <a:r>
+                        <a:rPr lang="en-US" i="0" dirty="0">
+                          <a:latin typeface="Cambria Math" panose="02040503050406030204" pitchFamily="18" charset="0"/>
+                          <a:ea typeface="Cambria Math" panose="02040503050406030204" pitchFamily="18" charset="0"/>
+                        </a:rPr>
+                        <a:t>0</a:t>
+                      </a:r>
+                    </a:p>
+                  </a:txBody>
+                  <a:tcPr>
+                    <a:noFill/>
+                  </a:tcPr>
+                </a:tc>
+                <a:tc>
+                  <a:txBody>
+                    <a:bodyPr/>
+                    <a:lstStyle/>
+                    <a:p>
+                      <a:r>
+                        <a:rPr lang="en-US" i="0" dirty="0">
+                          <a:latin typeface="Cambria Math" panose="02040503050406030204" pitchFamily="18" charset="0"/>
+                          <a:ea typeface="Cambria Math" panose="02040503050406030204" pitchFamily="18" charset="0"/>
+                        </a:rPr>
+                        <a:t>1</a:t>
+                      </a:r>
+                    </a:p>
+                  </a:txBody>
+                  <a:tcPr>
+                    <a:noFill/>
+                  </a:tcPr>
+                </a:tc>
+                <a:tc>
+                  <a:txBody>
+                    <a:bodyPr/>
+                    <a:lstStyle/>
+                    <a:p>
+                      <a:r>
+                        <a:rPr lang="en-US" i="0" dirty="0">
+                          <a:latin typeface="Cambria Math" panose="02040503050406030204" pitchFamily="18" charset="0"/>
+                          <a:ea typeface="Cambria Math" panose="02040503050406030204" pitchFamily="18" charset="0"/>
+                        </a:rPr>
+                        <a:t>0</a:t>
+                      </a:r>
+                    </a:p>
+                  </a:txBody>
+                  <a:tcPr>
+                    <a:noFill/>
+                  </a:tcPr>
+                </a:tc>
+                <a:tc>
+                  <a:txBody>
+                    <a:bodyPr/>
+                    <a:lstStyle/>
+                    <a:p>
+                      <a:r>
+                        <a:rPr lang="en-US" i="0" dirty="0">
+                          <a:latin typeface="Cambria Math" panose="02040503050406030204" pitchFamily="18" charset="0"/>
+                          <a:ea typeface="Cambria Math" panose="02040503050406030204" pitchFamily="18" charset="0"/>
+                        </a:rPr>
+                        <a:t>…</a:t>
+                      </a:r>
+                    </a:p>
+                  </a:txBody>
+                  <a:tcPr>
+                    <a:noFill/>
+                  </a:tcPr>
+                </a:tc>
+                <a:tc>
+                  <a:txBody>
+                    <a:bodyPr/>
+                    <a:lstStyle/>
+                    <a:p>
+                      <a:r>
+                        <a:rPr lang="en-US" i="0" dirty="0">
+                          <a:latin typeface="Cambria Math" panose="02040503050406030204" pitchFamily="18" charset="0"/>
+                          <a:ea typeface="Cambria Math" panose="02040503050406030204" pitchFamily="18" charset="0"/>
+                        </a:rPr>
+                        <a:t>0</a:t>
+                      </a:r>
+                    </a:p>
+                  </a:txBody>
+                  <a:tcPr>
+                    <a:noFill/>
+                  </a:tcPr>
+                </a:tc>
+                <a:extLst>
+                  <a:ext uri="{0D108BD9-81ED-4DB2-BD59-A6C34878D82A}">
+                    <a16:rowId xmlns:a16="http://schemas.microsoft.com/office/drawing/2014/main" val="2368929854"/>
+                  </a:ext>
+                </a:extLst>
+              </a:tr>
+              <a:tr h="370840">
+                <a:tc>
+                  <a:txBody>
+                    <a:bodyPr/>
+                    <a:lstStyle/>
+                    <a:p>
+                      <a:r>
+                        <a:rPr lang="en-US" i="0" dirty="0">
+                          <a:latin typeface="Cambria Math" panose="02040503050406030204" pitchFamily="18" charset="0"/>
+                          <a:ea typeface="Cambria Math" panose="02040503050406030204" pitchFamily="18" charset="0"/>
+                        </a:rPr>
+                        <a:t>0</a:t>
+                      </a:r>
+                    </a:p>
+                  </a:txBody>
+                  <a:tcPr>
+                    <a:noFill/>
+                  </a:tcPr>
+                </a:tc>
+                <a:tc>
+                  <a:txBody>
+                    <a:bodyPr/>
+                    <a:lstStyle/>
+                    <a:p>
+                      <a:r>
+                        <a:rPr lang="en-US" i="0" dirty="0">
+                          <a:latin typeface="Cambria Math" panose="02040503050406030204" pitchFamily="18" charset="0"/>
+                          <a:ea typeface="Cambria Math" panose="02040503050406030204" pitchFamily="18" charset="0"/>
+                        </a:rPr>
+                        <a:t>0</a:t>
+                      </a:r>
+                    </a:p>
+                  </a:txBody>
+                  <a:tcPr>
+                    <a:noFill/>
+                  </a:tcPr>
+                </a:tc>
+                <a:tc>
+                  <a:txBody>
+                    <a:bodyPr/>
+                    <a:lstStyle/>
+                    <a:p>
+                      <a:r>
+                        <a:rPr lang="en-US" i="0" dirty="0">
+                          <a:latin typeface="Cambria Math" panose="02040503050406030204" pitchFamily="18" charset="0"/>
+                          <a:ea typeface="Cambria Math" panose="02040503050406030204" pitchFamily="18" charset="0"/>
+                        </a:rPr>
+                        <a:t>0</a:t>
+                      </a:r>
+                    </a:p>
+                  </a:txBody>
+                  <a:tcPr>
+                    <a:noFill/>
+                  </a:tcPr>
+                </a:tc>
+                <a:tc>
+                  <a:txBody>
+                    <a:bodyPr/>
+                    <a:lstStyle/>
+                    <a:p>
+                      <a:r>
+                        <a:rPr lang="en-US" i="0" dirty="0">
+                          <a:latin typeface="Cambria Math" panose="02040503050406030204" pitchFamily="18" charset="0"/>
+                          <a:ea typeface="Cambria Math" panose="02040503050406030204" pitchFamily="18" charset="0"/>
+                        </a:rPr>
+                        <a:t>0</a:t>
+                      </a:r>
+                    </a:p>
+                  </a:txBody>
+                  <a:tcPr>
+                    <a:noFill/>
+                  </a:tcPr>
+                </a:tc>
+                <a:tc>
+                  <a:txBody>
+                    <a:bodyPr/>
+                    <a:lstStyle/>
+                    <a:p>
+                      <a:r>
+                        <a:rPr lang="en-US" i="0" dirty="0">
+                          <a:latin typeface="Cambria Math" panose="02040503050406030204" pitchFamily="18" charset="0"/>
+                          <a:ea typeface="Cambria Math" panose="02040503050406030204" pitchFamily="18" charset="0"/>
+                        </a:rPr>
+                        <a:t>1</a:t>
+                      </a:r>
+                    </a:p>
+                  </a:txBody>
+                  <a:tcPr>
+                    <a:noFill/>
+                  </a:tcPr>
+                </a:tc>
+                <a:tc>
+                  <a:txBody>
+                    <a:bodyPr/>
+                    <a:lstStyle/>
+                    <a:p>
+                      <a:r>
+                        <a:rPr lang="en-US" i="0" dirty="0">
+                          <a:latin typeface="Cambria Math" panose="02040503050406030204" pitchFamily="18" charset="0"/>
+                          <a:ea typeface="Cambria Math" panose="02040503050406030204" pitchFamily="18" charset="0"/>
+                        </a:rPr>
+                        <a:t>…</a:t>
+                      </a:r>
+                    </a:p>
+                  </a:txBody>
+                  <a:tcPr>
+                    <a:noFill/>
+                  </a:tcPr>
+                </a:tc>
+                <a:tc>
+                  <a:txBody>
+                    <a:bodyPr/>
+                    <a:lstStyle/>
+                    <a:p>
+                      <a:r>
+                        <a:rPr lang="en-US" i="0" dirty="0">
+                          <a:latin typeface="Cambria Math" panose="02040503050406030204" pitchFamily="18" charset="0"/>
+                          <a:ea typeface="Cambria Math" panose="02040503050406030204" pitchFamily="18" charset="0"/>
+                        </a:rPr>
+                        <a:t>0</a:t>
+                      </a:r>
+                    </a:p>
+                  </a:txBody>
+                  <a:tcPr>
+                    <a:noFill/>
+                  </a:tcPr>
+                </a:tc>
+                <a:extLst>
+                  <a:ext uri="{0D108BD9-81ED-4DB2-BD59-A6C34878D82A}">
+                    <a16:rowId xmlns:a16="http://schemas.microsoft.com/office/drawing/2014/main" val="1619410575"/>
+                  </a:ext>
+                </a:extLst>
+              </a:tr>
+              <a:tr h="370840">
+                <a:tc>
+                  <a:txBody>
+                    <a:bodyPr/>
+                    <a:lstStyle/>
+                    <a:p>
+                      <a:r>
+                        <a:rPr lang="en-US" i="0" dirty="0">
+                          <a:latin typeface="Cambria Math" panose="02040503050406030204" pitchFamily="18" charset="0"/>
+                          <a:ea typeface="Cambria Math" panose="02040503050406030204" pitchFamily="18" charset="0"/>
+                        </a:rPr>
+                        <a:t>…</a:t>
+                      </a:r>
+                    </a:p>
+                  </a:txBody>
+                  <a:tcPr>
+                    <a:noFill/>
+                  </a:tcPr>
+                </a:tc>
+                <a:tc>
+                  <a:txBody>
+                    <a:bodyPr/>
+                    <a:lstStyle/>
+                    <a:p>
+                      <a:r>
+                        <a:rPr lang="en-US" i="0" dirty="0">
+                          <a:latin typeface="Cambria Math" panose="02040503050406030204" pitchFamily="18" charset="0"/>
+                          <a:ea typeface="Cambria Math" panose="02040503050406030204" pitchFamily="18" charset="0"/>
+                        </a:rPr>
+                        <a:t>…</a:t>
+                      </a:r>
+                    </a:p>
+                  </a:txBody>
+                  <a:tcPr>
+                    <a:noFill/>
+                  </a:tcPr>
+                </a:tc>
+                <a:tc>
+                  <a:txBody>
+                    <a:bodyPr/>
+                    <a:lstStyle/>
+                    <a:p>
+                      <a:r>
+                        <a:rPr lang="en-US" i="0" dirty="0">
+                          <a:latin typeface="Cambria Math" panose="02040503050406030204" pitchFamily="18" charset="0"/>
+                          <a:ea typeface="Cambria Math" panose="02040503050406030204" pitchFamily="18" charset="0"/>
+                        </a:rPr>
+                        <a:t>…</a:t>
+                      </a:r>
+                    </a:p>
+                  </a:txBody>
+                  <a:tcPr>
+                    <a:noFill/>
+                  </a:tcPr>
+                </a:tc>
+                <a:tc>
+                  <a:txBody>
+                    <a:bodyPr/>
+                    <a:lstStyle/>
+                    <a:p>
+                      <a:r>
+                        <a:rPr lang="en-US" i="0" dirty="0">
+                          <a:latin typeface="Cambria Math" panose="02040503050406030204" pitchFamily="18" charset="0"/>
+                          <a:ea typeface="Cambria Math" panose="02040503050406030204" pitchFamily="18" charset="0"/>
+                        </a:rPr>
+                        <a:t>…</a:t>
+                      </a:r>
+                    </a:p>
+                  </a:txBody>
+                  <a:tcPr>
+                    <a:noFill/>
+                  </a:tcPr>
+                </a:tc>
+                <a:tc>
+                  <a:txBody>
+                    <a:bodyPr/>
+                    <a:lstStyle/>
+                    <a:p>
+                      <a:r>
+                        <a:rPr lang="en-US" i="0" dirty="0">
+                          <a:latin typeface="Cambria Math" panose="02040503050406030204" pitchFamily="18" charset="0"/>
+                          <a:ea typeface="Cambria Math" panose="02040503050406030204" pitchFamily="18" charset="0"/>
+                        </a:rPr>
+                        <a:t>…</a:t>
+                      </a:r>
+                    </a:p>
+                  </a:txBody>
+                  <a:tcPr>
+                    <a:noFill/>
+                  </a:tcPr>
+                </a:tc>
+                <a:tc>
+                  <a:txBody>
+                    <a:bodyPr/>
+                    <a:lstStyle/>
+                    <a:p>
+                      <a:r>
+                        <a:rPr lang="en-US" i="0" dirty="0">
+                          <a:latin typeface="Cambria Math" panose="02040503050406030204" pitchFamily="18" charset="0"/>
+                          <a:ea typeface="Cambria Math" panose="02040503050406030204" pitchFamily="18" charset="0"/>
+                        </a:rPr>
+                        <a:t>…</a:t>
+                      </a:r>
+                    </a:p>
+                  </a:txBody>
+                  <a:tcPr>
+                    <a:noFill/>
+                  </a:tcPr>
+                </a:tc>
+                <a:tc>
+                  <a:txBody>
+                    <a:bodyPr/>
+                    <a:lstStyle/>
+                    <a:p>
+                      <a:r>
+                        <a:rPr lang="en-US" i="0" dirty="0">
+                          <a:latin typeface="Cambria Math" panose="02040503050406030204" pitchFamily="18" charset="0"/>
+                          <a:ea typeface="Cambria Math" panose="02040503050406030204" pitchFamily="18" charset="0"/>
+                        </a:rPr>
+                        <a:t>0</a:t>
+                      </a:r>
+                    </a:p>
+                  </a:txBody>
+                  <a:tcPr>
+                    <a:noFill/>
+                  </a:tcPr>
+                </a:tc>
+                <a:extLst>
+                  <a:ext uri="{0D108BD9-81ED-4DB2-BD59-A6C34878D82A}">
+                    <a16:rowId xmlns:a16="http://schemas.microsoft.com/office/drawing/2014/main" val="201699316"/>
+                  </a:ext>
+                </a:extLst>
+              </a:tr>
+              <a:tr h="370840">
+                <a:tc>
+                  <a:txBody>
+                    <a:bodyPr/>
+                    <a:lstStyle/>
+                    <a:p>
+                      <a:r>
+                        <a:rPr lang="en-US" i="0" dirty="0">
+                          <a:latin typeface="Cambria Math" panose="02040503050406030204" pitchFamily="18" charset="0"/>
+                          <a:ea typeface="Cambria Math" panose="02040503050406030204" pitchFamily="18" charset="0"/>
+                        </a:rPr>
+                        <a:t>0</a:t>
+                      </a:r>
+                    </a:p>
+                  </a:txBody>
+                  <a:tcPr>
+                    <a:noFill/>
+                  </a:tcPr>
+                </a:tc>
+                <a:tc>
+                  <a:txBody>
+                    <a:bodyPr/>
+                    <a:lstStyle/>
+                    <a:p>
+                      <a:r>
+                        <a:rPr lang="en-US" i="0" dirty="0">
+                          <a:latin typeface="Cambria Math" panose="02040503050406030204" pitchFamily="18" charset="0"/>
+                          <a:ea typeface="Cambria Math" panose="02040503050406030204" pitchFamily="18" charset="0"/>
+                        </a:rPr>
+                        <a:t>0</a:t>
+                      </a:r>
+                    </a:p>
+                  </a:txBody>
+                  <a:tcPr>
+                    <a:noFill/>
+                  </a:tcPr>
+                </a:tc>
+                <a:tc>
+                  <a:txBody>
+                    <a:bodyPr/>
+                    <a:lstStyle/>
+                    <a:p>
+                      <a:r>
+                        <a:rPr lang="en-US" i="0" dirty="0">
+                          <a:latin typeface="Cambria Math" panose="02040503050406030204" pitchFamily="18" charset="0"/>
+                          <a:ea typeface="Cambria Math" panose="02040503050406030204" pitchFamily="18" charset="0"/>
+                        </a:rPr>
+                        <a:t>0</a:t>
+                      </a:r>
+                    </a:p>
+                  </a:txBody>
+                  <a:tcPr>
+                    <a:noFill/>
+                  </a:tcPr>
+                </a:tc>
+                <a:tc>
+                  <a:txBody>
+                    <a:bodyPr/>
+                    <a:lstStyle/>
+                    <a:p>
+                      <a:r>
+                        <a:rPr lang="en-US" i="0" dirty="0">
+                          <a:latin typeface="Cambria Math" panose="02040503050406030204" pitchFamily="18" charset="0"/>
+                          <a:ea typeface="Cambria Math" panose="02040503050406030204" pitchFamily="18" charset="0"/>
+                        </a:rPr>
+                        <a:t>0</a:t>
+                      </a:r>
+                    </a:p>
+                  </a:txBody>
+                  <a:tcPr>
+                    <a:noFill/>
+                  </a:tcPr>
+                </a:tc>
+                <a:tc>
+                  <a:txBody>
+                    <a:bodyPr/>
+                    <a:lstStyle/>
+                    <a:p>
+                      <a:r>
+                        <a:rPr lang="en-US" i="0" dirty="0">
+                          <a:latin typeface="Cambria Math" panose="02040503050406030204" pitchFamily="18" charset="0"/>
+                          <a:ea typeface="Cambria Math" panose="02040503050406030204" pitchFamily="18" charset="0"/>
+                        </a:rPr>
+                        <a:t>0</a:t>
+                      </a:r>
+                    </a:p>
+                  </a:txBody>
+                  <a:tcPr>
+                    <a:noFill/>
+                  </a:tcPr>
+                </a:tc>
+                <a:tc>
+                  <a:txBody>
+                    <a:bodyPr/>
+                    <a:lstStyle/>
+                    <a:p>
+                      <a:r>
+                        <a:rPr lang="en-US" i="0" dirty="0">
+                          <a:latin typeface="Cambria Math" panose="02040503050406030204" pitchFamily="18" charset="0"/>
+                          <a:ea typeface="Cambria Math" panose="02040503050406030204" pitchFamily="18" charset="0"/>
+                        </a:rPr>
+                        <a:t>0</a:t>
+                      </a:r>
+                    </a:p>
+                  </a:txBody>
+                  <a:tcPr>
+                    <a:noFill/>
+                  </a:tcPr>
+                </a:tc>
+                <a:tc>
+                  <a:txBody>
+                    <a:bodyPr/>
+                    <a:lstStyle/>
+                    <a:p>
+                      <a:r>
+                        <a:rPr lang="en-US" i="0" dirty="0">
+                          <a:latin typeface="Cambria Math" panose="02040503050406030204" pitchFamily="18" charset="0"/>
+                          <a:ea typeface="Cambria Math" panose="02040503050406030204" pitchFamily="18" charset="0"/>
+                        </a:rPr>
+                        <a:t>1</a:t>
+                      </a:r>
+                    </a:p>
+                  </a:txBody>
+                  <a:tcPr>
+                    <a:noFill/>
+                  </a:tcPr>
+                </a:tc>
+                <a:extLst>
+                  <a:ext uri="{0D108BD9-81ED-4DB2-BD59-A6C34878D82A}">
+                    <a16:rowId xmlns:a16="http://schemas.microsoft.com/office/drawing/2014/main" val="1823873429"/>
+                  </a:ext>
+                </a:extLst>
+              </a:tr>
+            </a:tbl>
+          </a:graphicData>
+        </a:graphic>
+      </p:graphicFrame>
+    </p:spTree>
+    <p:extLst>
+      <p:ext uri="{BB962C8B-B14F-4D97-AF65-F5344CB8AC3E}">
+        <p14:creationId xmlns:p14="http://schemas.microsoft.com/office/powerpoint/2010/main" val="3177455305"/>
+      </p:ext>
+    </p:extLst>
+  </p:cSld>
+  <p:clrMapOvr>
+    <a:masterClrMapping/>
+  </p:clrMapOvr>
+</p:sld>
+</file>
+
+<file path=ppt/slides/slide4.xml><?xml version="1.0" encoding="utf-8"?>
+<p:sld xmlns:a="http://schemas.openxmlformats.org/drawingml/2006/main" xmlns:r="http://schemas.openxmlformats.org/officeDocument/2006/relationships" xmlns:p="http://schemas.openxmlformats.org/presentationml/2006/main">
+  <p:cSld>
+    <p:spTree>
+      <p:nvGrpSpPr>
+        <p:cNvPr id="1" name=""/>
+        <p:cNvGrpSpPr/>
+        <p:nvPr/>
+      </p:nvGrpSpPr>
+      <p:grpSpPr>
+        <a:xfrm>
+          <a:off x="0" y="0"/>
+          <a:ext cx="0" cy="0"/>
+          <a:chOff x="0" y="0"/>
+          <a:chExt cx="0" cy="0"/>
+        </a:xfrm>
+      </p:grpSpPr>
       <mc:AlternateContent xmlns:mc="http://schemas.openxmlformats.org/markup-compatibility/2006">
         <mc:Choice xmlns:a14="http://schemas.microsoft.com/office/drawing/2010/main" Requires="a14">
           <p:sp>
@@ -5501,7 +6996,7 @@
             <p:spPr>
               <a:xfrm>
                 <a:off x="797916" y="401870"/>
-                <a:ext cx="8916856" cy="5993115"/>
+                <a:ext cx="8916856" cy="5632311"/>
               </a:xfrm>
               <a:prstGeom prst="rect">
                 <a:avLst/>
@@ -5522,6 +7017,7 @@
                 </a:r>
               </a:p>
               <a:p>
+                <a:pPr/>
                 <a14:m>
                   <m:oMathPara xmlns:m="http://schemas.openxmlformats.org/officeDocument/2006/math">
                     <m:oMathParaPr>
@@ -5594,6 +7090,7 @@
                 <a:endParaRPr lang="en-US" sz="2400" b="0" dirty="0"/>
               </a:p>
               <a:p>
+                <a:pPr/>
                 <a14:m>
                   <m:oMathPara xmlns:m="http://schemas.openxmlformats.org/officeDocument/2006/math">
                     <m:oMathParaPr>
@@ -5607,6 +7104,27 @@
                         </a:rPr>
                         <m:t>𝑧</m:t>
                       </m:r>
+                      <m:d>
+                        <m:dPr>
+                          <m:begChr m:val="["/>
+                          <m:endChr m:val="]"/>
+                          <m:ctrlPr>
+                            <a:rPr lang="en-US" sz="2400" b="0" i="1" smtClean="0">
+                              <a:latin typeface="Cambria Math" panose="02040503050406030204" pitchFamily="18" charset="0"/>
+                              <a:ea typeface="Cambria Math" panose="02040503050406030204" pitchFamily="18" charset="0"/>
+                            </a:rPr>
+                          </m:ctrlPr>
+                        </m:dPr>
+                        <m:e>
+                          <m:r>
+                            <a:rPr lang="en-US" sz="2400" b="0" i="1" smtClean="0">
+                              <a:latin typeface="Cambria Math" panose="02040503050406030204" pitchFamily="18" charset="0"/>
+                              <a:ea typeface="Cambria Math" panose="02040503050406030204" pitchFamily="18" charset="0"/>
+                            </a:rPr>
+                            <m:t>𝑗</m:t>
+                          </m:r>
+                        </m:e>
+                      </m:d>
                       <m:r>
                         <a:rPr lang="en-US" sz="2400" b="0" i="1" smtClean="0">
                           <a:latin typeface="Cambria Math" panose="02040503050406030204" pitchFamily="18" charset="0"/>
@@ -5642,6 +7160,62 @@
                           </m:r>
                         </m:sub>
                       </m:sSub>
+                      <m:d>
+                        <m:dPr>
+                          <m:begChr m:val="["/>
+                          <m:endChr m:val="]"/>
+                          <m:ctrlPr>
+                            <a:rPr lang="en-US" sz="2400" b="0" i="1" smtClean="0">
+                              <a:latin typeface="Cambria Math" panose="02040503050406030204" pitchFamily="18" charset="0"/>
+                              <a:ea typeface="Cambria Math" panose="02040503050406030204" pitchFamily="18" charset="0"/>
+                            </a:rPr>
+                          </m:ctrlPr>
+                        </m:dPr>
+                        <m:e>
+                          <m:r>
+                            <a:rPr lang="en-US" sz="2400" b="0" i="1" smtClean="0">
+                              <a:latin typeface="Cambria Math" panose="02040503050406030204" pitchFamily="18" charset="0"/>
+                              <a:ea typeface="Cambria Math" panose="02040503050406030204" pitchFamily="18" charset="0"/>
+                            </a:rPr>
+                            <m:t>𝑗</m:t>
+                          </m:r>
+                        </m:e>
+                      </m:d>
+                      <m:r>
+                        <a:rPr lang="en-US" sz="2400" b="0" i="1" smtClean="0">
+                          <a:latin typeface="Cambria Math" panose="02040503050406030204" pitchFamily="18" charset="0"/>
+                          <a:ea typeface="Cambria Math" panose="02040503050406030204" pitchFamily="18" charset="0"/>
+                        </a:rPr>
+                        <m:t> ∀ </m:t>
+                      </m:r>
+                      <m:r>
+                        <a:rPr lang="en-US" sz="2400" b="0" i="1" smtClean="0">
+                          <a:latin typeface="Cambria Math" panose="02040503050406030204" pitchFamily="18" charset="0"/>
+                          <a:ea typeface="Cambria Math" panose="02040503050406030204" pitchFamily="18" charset="0"/>
+                        </a:rPr>
+                        <m:t>𝑗</m:t>
+                      </m:r>
+                      <m:r>
+                        <a:rPr lang="en-US" sz="2400" b="0" i="1" smtClean="0">
+                          <a:latin typeface="Cambria Math" panose="02040503050406030204" pitchFamily="18" charset="0"/>
+                          <a:ea typeface="Cambria Math" panose="02040503050406030204" pitchFamily="18" charset="0"/>
+                        </a:rPr>
+                        <m:t>∈{1, 2,…,</m:t>
+                      </m:r>
+                      <m:r>
+                        <a:rPr lang="en-US" sz="2400" b="0" i="1" smtClean="0">
+                          <a:latin typeface="Cambria Math" panose="02040503050406030204" pitchFamily="18" charset="0"/>
+                          <a:ea typeface="Cambria Math" panose="02040503050406030204" pitchFamily="18" charset="0"/>
+                        </a:rPr>
+                        <m:t>𝑚</m:t>
+                      </m:r>
+                      <m:r>
+                        <a:rPr lang="en-US" sz="2400" b="0" i="1" smtClean="0">
+                          <a:latin typeface="Cambria Math" panose="02040503050406030204" pitchFamily="18" charset="0"/>
+                          <a:ea typeface="Cambria Math" panose="02040503050406030204" pitchFamily="18" charset="0"/>
+                        </a:rPr>
+                        <m:t>}</m:t>
+                      </m:r>
                     </m:oMath>
                   </m:oMathPara>
                 </a14:m>
@@ -5655,6 +7229,7 @@
                 </a:endParaRPr>
               </a:p>
               <a:p>
+                <a:pPr/>
                 <a14:m>
                   <m:oMathPara xmlns:m="http://schemas.openxmlformats.org/officeDocument/2006/math">
                     <m:oMathParaPr>
@@ -5795,6 +7370,7 @@
                 </a:endParaRPr>
               </a:p>
               <a:p>
+                <a:pPr/>
                 <a14:m>
                   <m:oMathPara xmlns:m="http://schemas.openxmlformats.org/officeDocument/2006/math">
                     <m:oMathParaPr>
@@ -5868,6 +7444,7 @@
                 </a:endParaRPr>
               </a:p>
               <a:p>
+                <a:pPr/>
                 <a14:m>
                   <m:oMathPara xmlns:m="http://schemas.openxmlformats.org/officeDocument/2006/math">
                     <m:oMathParaPr>
@@ -5942,7 +7519,49 @@
                           <a:latin typeface="Cambria Math" panose="02040503050406030204" pitchFamily="18" charset="0"/>
                           <a:ea typeface="Cambria Math" panose="02040503050406030204" pitchFamily="18" charset="0"/>
                         </a:rPr>
-                        <m:t>:</m:t>
+                        <m:t> (</m:t>
+                      </m:r>
+                      <m:r>
+                        <a:rPr lang="en-US" sz="2400" b="0" i="1" smtClean="0">
+                          <a:latin typeface="Cambria Math" panose="02040503050406030204" pitchFamily="18" charset="0"/>
+                          <a:ea typeface="Cambria Math" panose="02040503050406030204" pitchFamily="18" charset="0"/>
+                        </a:rPr>
+                        <m:t>𝑖𝑛</m:t>
+                      </m:r>
+                      <m:r>
+                        <a:rPr lang="en-US" sz="2400" b="0" i="1" smtClean="0">
+                          <a:latin typeface="Cambria Math" panose="02040503050406030204" pitchFamily="18" charset="0"/>
+                          <a:ea typeface="Cambria Math" panose="02040503050406030204" pitchFamily="18" charset="0"/>
+                        </a:rPr>
+                        <m:t> </m:t>
+                      </m:r>
+                      <m:r>
+                        <a:rPr lang="en-US" sz="2400" b="0" i="1" smtClean="0">
+                          <a:latin typeface="Cambria Math" panose="02040503050406030204" pitchFamily="18" charset="0"/>
+                          <a:ea typeface="Cambria Math" panose="02040503050406030204" pitchFamily="18" charset="0"/>
+                        </a:rPr>
+                        <m:t>𝑎𝑙𝑙</m:t>
+                      </m:r>
+                      <m:r>
+                        <a:rPr lang="en-US" sz="2400" b="0" i="1" smtClean="0">
+                          <a:latin typeface="Cambria Math" panose="02040503050406030204" pitchFamily="18" charset="0"/>
+                          <a:ea typeface="Cambria Math" panose="02040503050406030204" pitchFamily="18" charset="0"/>
+                        </a:rPr>
+                        <m:t> 22 </m:t>
+                      </m:r>
+                      <m:r>
+                        <a:rPr lang="en-US" sz="2400" b="0" i="1" smtClean="0">
+                          <a:latin typeface="Cambria Math" panose="02040503050406030204" pitchFamily="18" charset="0"/>
+                          <a:ea typeface="Cambria Math" panose="02040503050406030204" pitchFamily="18" charset="0"/>
+                        </a:rPr>
+                        <m:t>𝑡𝑖𝑚𝑒𝑠𝑙𝑜𝑡𝑠</m:t>
+                      </m:r>
+                      <m:r>
+                        <a:rPr lang="en-US" sz="2400" b="0" i="1" smtClean="0">
+                          <a:latin typeface="Cambria Math" panose="02040503050406030204" pitchFamily="18" charset="0"/>
+                          <a:ea typeface="Cambria Math" panose="02040503050406030204" pitchFamily="18" charset="0"/>
+                        </a:rPr>
+                        <m:t>):</m:t>
                       </m:r>
                     </m:oMath>
                   </m:oMathPara>
@@ -5952,6 +7571,7 @@
                 </a:endParaRPr>
               </a:p>
               <a:p>
+                <a:pPr/>
                 <a14:m>
                   <m:oMathPara xmlns:m="http://schemas.openxmlformats.org/officeDocument/2006/math">
                     <m:oMathParaPr>
@@ -5982,7 +7602,7 @@
                               <a:latin typeface="Cambria Math" panose="02040503050406030204" pitchFamily="18" charset="0"/>
                               <a:ea typeface="Cambria Math" panose="02040503050406030204" pitchFamily="18" charset="0"/>
                             </a:rPr>
-                            <m:t>𝑇</m:t>
+                            <m:t>′</m:t>
                           </m:r>
                         </m:sup>
                       </m:sSup>
@@ -5991,7 +7611,7 @@
                           <a:latin typeface="Cambria Math" panose="02040503050406030204" pitchFamily="18" charset="0"/>
                           <a:ea typeface="Cambria Math" panose="02040503050406030204" pitchFamily="18" charset="0"/>
                         </a:rPr>
-                        <m:t> ∗</m:t>
+                        <m:t>∗</m:t>
                       </m:r>
                       <m:r>
                         <a:rPr lang="en-US" sz="2400" b="0" i="1" smtClean="0">
@@ -6000,6 +7620,34 @@
                         </a:rPr>
                         <m:t>𝑒</m:t>
                       </m:r>
+                      <m:d>
+                        <m:dPr>
+                          <m:begChr m:val="["/>
+                          <m:endChr m:val="]"/>
+                          <m:ctrlPr>
+                            <a:rPr lang="en-US" sz="2400" b="0" i="1" smtClean="0">
+                              <a:latin typeface="Cambria Math" panose="02040503050406030204" pitchFamily="18" charset="0"/>
+                              <a:ea typeface="Cambria Math" panose="02040503050406030204" pitchFamily="18" charset="0"/>
+                            </a:rPr>
+                          </m:ctrlPr>
+                        </m:dPr>
+                        <m:e>
+                          <m:r>
+                            <a:rPr lang="en-US" sz="2400" b="0" i="1" smtClean="0">
+                              <a:latin typeface="Cambria Math" panose="02040503050406030204" pitchFamily="18" charset="0"/>
+                              <a:ea typeface="Cambria Math" panose="02040503050406030204" pitchFamily="18" charset="0"/>
+                            </a:rPr>
+                            <m:t>:,</m:t>
+                          </m:r>
+                          <m:r>
+                            <a:rPr lang="en-US" sz="2400" b="0" i="1" smtClean="0">
+                              <a:latin typeface="Cambria Math" panose="02040503050406030204" pitchFamily="18" charset="0"/>
+                              <a:ea typeface="Cambria Math" panose="02040503050406030204" pitchFamily="18" charset="0"/>
+                            </a:rPr>
+                            <m:t>𝑖</m:t>
+                          </m:r>
+                        </m:e>
+                      </m:d>
                       <m:r>
                         <a:rPr lang="en-US" sz="2400" b="0" i="1" smtClean="0">
                           <a:latin typeface="Cambria Math" panose="02040503050406030204" pitchFamily="18" charset="0"/>
@@ -6007,6 +7655,48 @@
                         </a:rPr>
                         <m:t>≤1</m:t>
                       </m:r>
+                      <m:r>
+                        <a:rPr lang="en-US" sz="2400" b="0" i="1" smtClean="0">
+                          <a:latin typeface="Cambria Math" panose="02040503050406030204" pitchFamily="18" charset="0"/>
+                          <a:ea typeface="Cambria Math" panose="02040503050406030204" pitchFamily="18" charset="0"/>
+                        </a:rPr>
+                        <m:t> ∀ </m:t>
+                      </m:r>
+                      <m:r>
+                        <a:rPr lang="en-US" sz="2400" b="0" i="1" smtClean="0">
+                          <a:latin typeface="Cambria Math" panose="02040503050406030204" pitchFamily="18" charset="0"/>
+                          <a:ea typeface="Cambria Math" panose="02040503050406030204" pitchFamily="18" charset="0"/>
+                        </a:rPr>
+                        <m:t>𝑖</m:t>
+                      </m:r>
+                      <m:r>
+                        <a:rPr lang="en-US" sz="2400" b="0" i="1" smtClean="0">
+                          <a:latin typeface="Cambria Math" panose="02040503050406030204" pitchFamily="18" charset="0"/>
+                          <a:ea typeface="Cambria Math" panose="02040503050406030204" pitchFamily="18" charset="0"/>
+                        </a:rPr>
+                        <m:t>∈</m:t>
+                      </m:r>
+                      <m:d>
+                        <m:dPr>
+                          <m:begChr m:val="{"/>
+                          <m:endChr m:val="}"/>
+                          <m:ctrlPr>
+                            <a:rPr lang="en-US" sz="2400" b="0" i="1" smtClean="0">
+                              <a:latin typeface="Cambria Math" panose="02040503050406030204" pitchFamily="18" charset="0"/>
+                              <a:ea typeface="Cambria Math" panose="02040503050406030204" pitchFamily="18" charset="0"/>
+                            </a:rPr>
+                          </m:ctrlPr>
+                        </m:dPr>
+                        <m:e>
+                          <m:r>
+                            <a:rPr lang="en-US" sz="2400" b="0" i="1" smtClean="0">
+                              <a:latin typeface="Cambria Math" panose="02040503050406030204" pitchFamily="18" charset="0"/>
+                              <a:ea typeface="Cambria Math" panose="02040503050406030204" pitchFamily="18" charset="0"/>
+                            </a:rPr>
+                            <m:t>1,2, …, 22</m:t>
+                          </m:r>
+                        </m:e>
+                      </m:d>
                     </m:oMath>
                   </m:oMathPara>
                 </a14:m>
@@ -6020,6 +7710,14 @@
                 </a:endParaRPr>
               </a:p>
               <a:p>
+                <a:r>
+                  <a:rPr lang="en-US" sz="2400" b="0" dirty="0">
+                    <a:ea typeface="Cambria Math" panose="02040503050406030204" pitchFamily="18" charset="0"/>
+                  </a:rPr>
+                  <a:t>Only 1 sectional should be taken for each module:</a:t>
+                </a:r>
+              </a:p>
+              <a:p>
                 <a14:m>
                   <m:oMathPara xmlns:m="http://schemas.openxmlformats.org/officeDocument/2006/math">
                     <m:oMathParaPr>
@@ -6031,14 +7729,139 @@
                           <a:latin typeface="Cambria Math" panose="02040503050406030204" pitchFamily="18" charset="0"/>
                           <a:ea typeface="Cambria Math" panose="02040503050406030204" pitchFamily="18" charset="0"/>
                         </a:rPr>
-                        <m:t>𝑀𝑜𝑛</m:t>
-                      </m:r>
-                      <m:r>
-                        <a:rPr lang="en-US" sz="2400" b="0" i="1" smtClean="0">
-                          <a:latin typeface="Cambria Math" panose="02040503050406030204" pitchFamily="18" charset="0"/>
-                          <a:ea typeface="Cambria Math" panose="02040503050406030204" pitchFamily="18" charset="0"/>
-                        </a:rPr>
-                        <m:t>={1, 2, …,15}</m:t>
+                        <m:t>𝑀𝑆𝐶</m:t>
+                      </m:r>
+                      <m:d>
+                        <m:dPr>
+                          <m:begChr m:val="["/>
+                          <m:endChr m:val="]"/>
+                          <m:ctrlPr>
+                            <a:rPr lang="en-US" sz="2400" b="0" i="1" smtClean="0">
+                              <a:latin typeface="Cambria Math" panose="02040503050406030204" pitchFamily="18" charset="0"/>
+                              <a:ea typeface="Cambria Math" panose="02040503050406030204" pitchFamily="18" charset="0"/>
+                            </a:rPr>
+                          </m:ctrlPr>
+                        </m:dPr>
+                        <m:e>
+                          <m:r>
+                            <a:rPr lang="en-US" sz="2400" b="0" i="1" smtClean="0">
+                              <a:latin typeface="Cambria Math" panose="02040503050406030204" pitchFamily="18" charset="0"/>
+                              <a:ea typeface="Cambria Math" panose="02040503050406030204" pitchFamily="18" charset="0"/>
+                            </a:rPr>
+                            <m:t>𝑗</m:t>
+                          </m:r>
+                          <m:r>
+                            <a:rPr lang="en-US" sz="2400" b="0" i="1" smtClean="0">
+                              <a:latin typeface="Cambria Math" panose="02040503050406030204" pitchFamily="18" charset="0"/>
+                              <a:ea typeface="Cambria Math" panose="02040503050406030204" pitchFamily="18" charset="0"/>
+                            </a:rPr>
+                            <m:t>,:</m:t>
+                          </m:r>
+                        </m:e>
+                      </m:d>
+                      <m:r>
+                        <a:rPr lang="en-US" sz="2400" b="0" i="1" smtClean="0">
+                          <a:latin typeface="Cambria Math" panose="02040503050406030204" pitchFamily="18" charset="0"/>
+                          <a:ea typeface="Cambria Math" panose="02040503050406030204" pitchFamily="18" charset="0"/>
+                        </a:rPr>
+                        <m:t>∗</m:t>
+                      </m:r>
+                      <m:r>
+                        <a:rPr lang="en-US" sz="2400" b="0" i="1" smtClean="0">
+                          <a:latin typeface="Cambria Math" panose="02040503050406030204" pitchFamily="18" charset="0"/>
+                          <a:ea typeface="Cambria Math" panose="02040503050406030204" pitchFamily="18" charset="0"/>
+                        </a:rPr>
+                        <m:t>𝑀𝑜𝑑𝑢𝑙𝑒</m:t>
+                      </m:r>
+                      <m:r>
+                        <a:rPr lang="en-US" sz="2400" b="0" i="1" smtClean="0">
+                          <a:latin typeface="Cambria Math" panose="02040503050406030204" pitchFamily="18" charset="0"/>
+                          <a:ea typeface="Cambria Math" panose="02040503050406030204" pitchFamily="18" charset="0"/>
+                        </a:rPr>
+                        <m:t>=</m:t>
+                      </m:r>
+                      <m:r>
+                        <a:rPr lang="en-US" sz="2400" b="0" i="1" smtClean="0">
+                          <a:latin typeface="Cambria Math" panose="02040503050406030204" pitchFamily="18" charset="0"/>
+                          <a:ea typeface="Cambria Math" panose="02040503050406030204" pitchFamily="18" charset="0"/>
+                        </a:rPr>
+                        <m:t>𝑧</m:t>
+                      </m:r>
+                      <m:d>
+                        <m:dPr>
+                          <m:begChr m:val="["/>
+                          <m:endChr m:val="]"/>
+                          <m:ctrlPr>
+                            <a:rPr lang="en-US" sz="2400" b="0" i="1" smtClean="0">
+                              <a:latin typeface="Cambria Math" panose="02040503050406030204" pitchFamily="18" charset="0"/>
+                              <a:ea typeface="Cambria Math" panose="02040503050406030204" pitchFamily="18" charset="0"/>
+                            </a:rPr>
+                          </m:ctrlPr>
+                        </m:dPr>
+                        <m:e>
+                          <m:r>
+                            <a:rPr lang="en-US" sz="2400" b="0" i="1" smtClean="0">
+                              <a:latin typeface="Cambria Math" panose="02040503050406030204" pitchFamily="18" charset="0"/>
+                              <a:ea typeface="Cambria Math" panose="02040503050406030204" pitchFamily="18" charset="0"/>
+                            </a:rPr>
+                            <m:t>𝑗</m:t>
+                          </m:r>
+                        </m:e>
+                      </m:d>
+                      <m:r>
+                        <a:rPr lang="en-US" sz="2400" b="0" i="1" smtClean="0">
+                          <a:latin typeface="Cambria Math" panose="02040503050406030204" pitchFamily="18" charset="0"/>
+                          <a:ea typeface="Cambria Math" panose="02040503050406030204" pitchFamily="18" charset="0"/>
+                        </a:rPr>
+                        <m:t> ∀ </m:t>
+                      </m:r>
+                      <m:r>
+                        <a:rPr lang="en-US" sz="2400" b="0" i="1" smtClean="0">
+                          <a:latin typeface="Cambria Math" panose="02040503050406030204" pitchFamily="18" charset="0"/>
+                          <a:ea typeface="Cambria Math" panose="02040503050406030204" pitchFamily="18" charset="0"/>
+                        </a:rPr>
+                        <m:t>𝑗</m:t>
+                      </m:r>
+                      <m:r>
+                        <a:rPr lang="en-US" sz="2400" b="0" i="1" smtClean="0">
+                          <a:latin typeface="Cambria Math" panose="02040503050406030204" pitchFamily="18" charset="0"/>
+                          <a:ea typeface="Cambria Math" panose="02040503050406030204" pitchFamily="18" charset="0"/>
+                        </a:rPr>
+                        <m:t>∈</m:t>
+                      </m:r>
+                      <m:r>
+                        <m:rPr>
+                          <m:lit/>
+                        </m:rPr>
+                        <a:rPr lang="en-US" sz="2400" b="0" i="1" smtClean="0">
+                          <a:latin typeface="Cambria Math" panose="02040503050406030204" pitchFamily="18" charset="0"/>
+                          <a:ea typeface="Cambria Math" panose="02040503050406030204" pitchFamily="18" charset="0"/>
+                        </a:rPr>
+                        <m:t>{</m:t>
+                      </m:r>
+                      <m:r>
+                        <a:rPr lang="en-US" sz="2400" b="0" i="1" smtClean="0">
+                          <a:latin typeface="Cambria Math" panose="02040503050406030204" pitchFamily="18" charset="0"/>
+                          <a:ea typeface="Cambria Math" panose="02040503050406030204" pitchFamily="18" charset="0"/>
+                        </a:rPr>
+                        <m:t>1,2,…,</m:t>
+                      </m:r>
+                      <m:r>
+                        <a:rPr lang="en-US" sz="2400" b="0" i="1" smtClean="0">
+                          <a:latin typeface="Cambria Math" panose="02040503050406030204" pitchFamily="18" charset="0"/>
+                          <a:ea typeface="Cambria Math" panose="02040503050406030204" pitchFamily="18" charset="0"/>
+                        </a:rPr>
+                        <m:t>𝑚</m:t>
+                      </m:r>
+                      <m:r>
+                        <m:rPr>
+                          <m:lit/>
+                        </m:rPr>
+                        <a:rPr lang="en-US" sz="2400" b="0" i="1" smtClean="0">
+                          <a:latin typeface="Cambria Math" panose="02040503050406030204" pitchFamily="18" charset="0"/>
+                          <a:ea typeface="Cambria Math" panose="02040503050406030204" pitchFamily="18" charset="0"/>
+                        </a:rPr>
+                        <m:t>}</m:t>
                       </m:r>
                     </m:oMath>
                   </m:oMathPara>
@@ -6048,67 +7871,17 @@
                 </a:endParaRPr>
               </a:p>
               <a:p>
-                <a14:m>
-                  <m:oMathPara xmlns:m="http://schemas.openxmlformats.org/officeDocument/2006/math">
-                    <m:oMathParaPr>
-                      <m:jc m:val="centerGroup"/>
-                    </m:oMathParaPr>
-                    <m:oMath xmlns:m="http://schemas.openxmlformats.org/officeDocument/2006/math">
-                      <m:r>
-                        <a:rPr lang="en-US" sz="2400" b="0" i="1" smtClean="0">
-                          <a:latin typeface="Cambria Math" panose="02040503050406030204" pitchFamily="18" charset="0"/>
-                          <a:ea typeface="Cambria Math" panose="02040503050406030204" pitchFamily="18" charset="0"/>
-                        </a:rPr>
-                        <m:t>𝐹𝑟𝑖</m:t>
-                      </m:r>
-                      <m:r>
-                        <a:rPr lang="en-US" sz="2400" b="0" i="1" smtClean="0">
-                          <a:latin typeface="Cambria Math" panose="02040503050406030204" pitchFamily="18" charset="0"/>
-                          <a:ea typeface="Cambria Math" panose="02040503050406030204" pitchFamily="18" charset="0"/>
-                        </a:rPr>
-                        <m:t>=</m:t>
-                      </m:r>
-                      <m:d>
-                        <m:dPr>
-                          <m:begChr m:val="{"/>
-                          <m:endChr m:val="}"/>
-                          <m:ctrlPr>
-                            <a:rPr lang="en-US" sz="2400" b="0" i="1" smtClean="0">
-                              <a:latin typeface="Cambria Math" panose="02040503050406030204" pitchFamily="18" charset="0"/>
-                              <a:ea typeface="Cambria Math" panose="02040503050406030204" pitchFamily="18" charset="0"/>
-                            </a:rPr>
-                          </m:ctrlPr>
-                        </m:dPr>
-                        <m:e>
-                          <m:r>
-                            <a:rPr lang="en-US" sz="2400" b="0" i="1" smtClean="0">
-                              <a:latin typeface="Cambria Math" panose="02040503050406030204" pitchFamily="18" charset="0"/>
-                              <a:ea typeface="Cambria Math" panose="02040503050406030204" pitchFamily="18" charset="0"/>
-                            </a:rPr>
-                            <m:t>61</m:t>
-                          </m:r>
-                          <m:r>
-                            <a:rPr lang="en-US" sz="2400" b="0" i="1" smtClean="0">
-                              <a:latin typeface="Cambria Math" panose="02040503050406030204" pitchFamily="18" charset="0"/>
-                              <a:ea typeface="Cambria Math" panose="02040503050406030204" pitchFamily="18" charset="0"/>
-                            </a:rPr>
-                            <m:t>, 62…,75</m:t>
-                          </m:r>
-                        </m:e>
-                      </m:d>
-                      <m:r>
-                        <a:rPr lang="en-US" sz="2400" b="0" i="1" smtClean="0">
-                          <a:latin typeface="Cambria Math" panose="02040503050406030204" pitchFamily="18" charset="0"/>
-                          <a:ea typeface="Cambria Math" panose="02040503050406030204" pitchFamily="18" charset="0"/>
-                        </a:rPr>
-                        <m:t>…</m:t>
-                      </m:r>
-                    </m:oMath>
-                  </m:oMathPara>
-                </a14:m>
-                <a:endParaRPr lang="en-US" sz="2400" b="0" dirty="0">
+                <a:endParaRPr lang="en-US" sz="2400" dirty="0">
                   <a:ea typeface="Cambria Math" panose="02040503050406030204" pitchFamily="18" charset="0"/>
                 </a:endParaRPr>
+              </a:p>
+              <a:p>
+                <a:r>
+                  <a:rPr lang="en-US" sz="2400" b="0" dirty="0">
+                    <a:ea typeface="Cambria Math" panose="02040503050406030204" pitchFamily="18" charset="0"/>
+                  </a:rPr>
+                  <a:t>Only select wanted modules:</a:t>
+                </a:r>
               </a:p>
               <a:p>
                 <a14:m>
@@ -6122,124 +7895,7 @@
                           <a:latin typeface="Cambria Math" panose="02040503050406030204" pitchFamily="18" charset="0"/>
                           <a:ea typeface="Cambria Math" panose="02040503050406030204" pitchFamily="18" charset="0"/>
                         </a:rPr>
-                        <m:t>𝑤𝑒𝑒𝑘𝑑𝑎𝑦</m:t>
-                      </m:r>
-                      <m:r>
-                        <a:rPr lang="en-US" sz="2400" b="0" i="1" smtClean="0">
-                          <a:latin typeface="Cambria Math" panose="02040503050406030204" pitchFamily="18" charset="0"/>
-                          <a:ea typeface="Cambria Math" panose="02040503050406030204" pitchFamily="18" charset="0"/>
-                        </a:rPr>
-                        <m:t>={1, 2, 3, 4, 5}</m:t>
-                      </m:r>
-                    </m:oMath>
-                  </m:oMathPara>
-                </a14:m>
-                <a:endParaRPr lang="en-US" sz="2400" b="0" dirty="0">
-                  <a:ea typeface="Cambria Math" panose="02040503050406030204" pitchFamily="18" charset="0"/>
-                </a:endParaRPr>
-              </a:p>
-              <a:p>
-                <a14:m>
-                  <m:oMathPara xmlns:m="http://schemas.openxmlformats.org/officeDocument/2006/math">
-                    <m:oMathParaPr>
-                      <m:jc m:val="centerGroup"/>
-                    </m:oMathParaPr>
-                    <m:oMath xmlns:m="http://schemas.openxmlformats.org/officeDocument/2006/math">
-                      <m:r>
-                        <a:rPr lang="en-US" sz="2400" b="0" i="1" smtClean="0">
-                          <a:latin typeface="Cambria Math" panose="02040503050406030204" pitchFamily="18" charset="0"/>
-                          <a:ea typeface="Cambria Math" panose="02040503050406030204" pitchFamily="18" charset="0"/>
-                        </a:rPr>
-                        <m:t>𝑠𝑢𝑚</m:t>
-                      </m:r>
-                      <m:d>
-                        <m:dPr>
-                          <m:ctrlPr>
-                            <a:rPr lang="en-US" sz="2400" b="0" i="1" smtClean="0">
-                              <a:latin typeface="Cambria Math" panose="02040503050406030204" pitchFamily="18" charset="0"/>
-                              <a:ea typeface="Cambria Math" panose="02040503050406030204" pitchFamily="18" charset="0"/>
-                            </a:rPr>
-                          </m:ctrlPr>
-                        </m:dPr>
-                        <m:e>
-                          <m:r>
-                            <a:rPr lang="en-US" sz="2400" b="0" i="1" smtClean="0">
-                              <a:latin typeface="Cambria Math" panose="02040503050406030204" pitchFamily="18" charset="0"/>
-                              <a:ea typeface="Cambria Math" panose="02040503050406030204" pitchFamily="18" charset="0"/>
-                            </a:rPr>
-                            <m:t>𝑡</m:t>
-                          </m:r>
-                          <m:d>
-                            <m:dPr>
-                              <m:begChr m:val="["/>
-                              <m:endChr m:val="]"/>
-                              <m:ctrlPr>
-                                <a:rPr lang="en-US" sz="2400" b="0" i="1" smtClean="0">
-                                  <a:latin typeface="Cambria Math" panose="02040503050406030204" pitchFamily="18" charset="0"/>
-                                  <a:ea typeface="Cambria Math" panose="02040503050406030204" pitchFamily="18" charset="0"/>
-                                </a:rPr>
-                              </m:ctrlPr>
-                            </m:dPr>
-                            <m:e>
-                              <m:r>
-                                <a:rPr lang="en-US" sz="2400" b="0" i="1" smtClean="0">
-                                  <a:latin typeface="Cambria Math" panose="02040503050406030204" pitchFamily="18" charset="0"/>
-                                  <a:ea typeface="Cambria Math" panose="02040503050406030204" pitchFamily="18" charset="0"/>
-                                </a:rPr>
-                                <m:t>𝑤𝑒𝑒𝑘𝑑𝑎𝑦</m:t>
-                              </m:r>
-                              <m:r>
-                                <a:rPr lang="en-US" sz="2400" b="0" i="1" smtClean="0">
-                                  <a:latin typeface="Cambria Math" panose="02040503050406030204" pitchFamily="18" charset="0"/>
-                                  <a:ea typeface="Cambria Math" panose="02040503050406030204" pitchFamily="18" charset="0"/>
-                                </a:rPr>
-                                <m:t>∗15+1 :</m:t>
-                              </m:r>
-                              <m:r>
-                                <a:rPr lang="en-US" sz="2400" b="0" i="1" smtClean="0">
-                                  <a:latin typeface="Cambria Math" panose="02040503050406030204" pitchFamily="18" charset="0"/>
-                                  <a:ea typeface="Cambria Math" panose="02040503050406030204" pitchFamily="18" charset="0"/>
-                                </a:rPr>
-                                <m:t>𝑤𝑒𝑒𝑘𝑑𝑎𝑦</m:t>
-                              </m:r>
-                              <m:r>
-                                <a:rPr lang="en-US" sz="2400" b="0" i="1" smtClean="0">
-                                  <a:latin typeface="Cambria Math" panose="02040503050406030204" pitchFamily="18" charset="0"/>
-                                  <a:ea typeface="Cambria Math" panose="02040503050406030204" pitchFamily="18" charset="0"/>
-                                </a:rPr>
-                                <m:t>∗15+15</m:t>
-                              </m:r>
-                            </m:e>
-                          </m:d>
-                          <m:r>
-                            <a:rPr lang="en-US" sz="2400" b="0" i="1" smtClean="0">
-                              <a:latin typeface="Cambria Math" panose="02040503050406030204" pitchFamily="18" charset="0"/>
-                              <a:ea typeface="Cambria Math" panose="02040503050406030204" pitchFamily="18" charset="0"/>
-                            </a:rPr>
-                            <m:t>∗</m:t>
-                          </m:r>
-                          <m:r>
-                            <a:rPr lang="en-US" sz="2400" b="0" i="1" smtClean="0">
-                              <a:latin typeface="Cambria Math" panose="02040503050406030204" pitchFamily="18" charset="0"/>
-                              <a:ea typeface="Cambria Math" panose="02040503050406030204" pitchFamily="18" charset="0"/>
-                            </a:rPr>
-                            <m:t>𝑧</m:t>
-                          </m:r>
-                        </m:e>
-                      </m:d>
-                      <m:r>
-                        <a:rPr lang="en-US" sz="2400" b="0" i="1" smtClean="0">
-                          <a:latin typeface="Cambria Math" panose="02040503050406030204" pitchFamily="18" charset="0"/>
-                          <a:ea typeface="Cambria Math" panose="02040503050406030204" pitchFamily="18" charset="0"/>
-                        </a:rPr>
-                        <m:t>≤</m:t>
-                      </m:r>
-                      <m:r>
-                        <a:rPr lang="en-US" sz="2400" b="0" i="1" smtClean="0">
-                          <a:latin typeface="Cambria Math" panose="02040503050406030204" pitchFamily="18" charset="0"/>
-                          <a:ea typeface="Cambria Math" panose="02040503050406030204" pitchFamily="18" charset="0"/>
-                        </a:rPr>
-                        <m:t>𝑦</m:t>
+                        <m:t>𝑧</m:t>
                       </m:r>
                       <m:d>
                         <m:dPr>
@@ -6258,7 +7914,7 @@
                               <a:latin typeface="Cambria Math" panose="02040503050406030204" pitchFamily="18" charset="0"/>
                               <a:ea typeface="Cambria Math" panose="02040503050406030204" pitchFamily="18" charset="0"/>
                             </a:rPr>
-                            <m:t>𝑤𝑒𝑒𝑘𝑑𝑎𝑦</m:t>
+                            <m:t>𝑗</m:t>
                           </m:r>
                         </m:e>
                       </m:d>
@@ -6267,16 +7923,60 @@
                           <a:latin typeface="Cambria Math" panose="02040503050406030204" pitchFamily="18" charset="0"/>
                           <a:ea typeface="Cambria Math" panose="02040503050406030204" pitchFamily="18" charset="0"/>
                         </a:rPr>
-                        <m:t>∗15</m:t>
+                        <m:t>≤</m:t>
+                      </m:r>
+                      <m:sSub>
+                        <m:sSubPr>
+                          <m:ctrlPr>
+                            <a:rPr lang="en-US" sz="2400" b="0" i="1" smtClean="0">
+                              <a:latin typeface="Cambria Math" panose="02040503050406030204" pitchFamily="18" charset="0"/>
+                              <a:ea typeface="Cambria Math" panose="02040503050406030204" pitchFamily="18" charset="0"/>
+                            </a:rPr>
+                          </m:ctrlPr>
+                        </m:sSubPr>
+                        <m:e>
+                          <m:r>
+                            <a:rPr lang="en-US" sz="2400" b="0" i="1" smtClean="0">
+                              <a:latin typeface="Cambria Math" panose="02040503050406030204" pitchFamily="18" charset="0"/>
+                              <a:ea typeface="Cambria Math" panose="02040503050406030204" pitchFamily="18" charset="0"/>
+                            </a:rPr>
+                            <m:t>𝑚</m:t>
+                          </m:r>
+                        </m:e>
+                        <m:sub>
+                          <m:r>
+                            <a:rPr lang="en-US" sz="2400" b="0" i="1" smtClean="0">
+                              <a:latin typeface="Cambria Math" panose="02040503050406030204" pitchFamily="18" charset="0"/>
+                              <a:ea typeface="Cambria Math" panose="02040503050406030204" pitchFamily="18" charset="0"/>
+                            </a:rPr>
+                            <m:t>𝑤</m:t>
+                          </m:r>
+                        </m:sub>
+                      </m:sSub>
+                      <m:r>
+                        <a:rPr lang="en-US" sz="2400" b="0" i="1" smtClean="0">
+                          <a:latin typeface="Cambria Math" panose="02040503050406030204" pitchFamily="18" charset="0"/>
+                          <a:ea typeface="Cambria Math" panose="02040503050406030204" pitchFamily="18" charset="0"/>
+                        </a:rPr>
+                        <m:t>[</m:t>
+                      </m:r>
+                      <m:r>
+                        <a:rPr lang="en-US" sz="2400" b="0" i="1" smtClean="0">
+                          <a:latin typeface="Cambria Math" panose="02040503050406030204" pitchFamily="18" charset="0"/>
+                          <a:ea typeface="Cambria Math" panose="02040503050406030204" pitchFamily="18" charset="0"/>
+                        </a:rPr>
+                        <m:t>𝑗</m:t>
+                      </m:r>
+                      <m:r>
+                        <a:rPr lang="en-US" sz="2400" b="0" i="1" smtClean="0">
+                          <a:latin typeface="Cambria Math" panose="02040503050406030204" pitchFamily="18" charset="0"/>
+                          <a:ea typeface="Cambria Math" panose="02040503050406030204" pitchFamily="18" charset="0"/>
+                        </a:rPr>
+                        <m:t>]</m:t>
                       </m:r>
                     </m:oMath>
                   </m:oMathPara>
                 </a14:m>
-                <a:endParaRPr lang="en-US" sz="2400" b="0" dirty="0">
-                  <a:ea typeface="Cambria Math" panose="02040503050406030204" pitchFamily="18" charset="0"/>
-                </a:endParaRPr>
-              </a:p>
-              <a:p>
                 <a:endParaRPr lang="en-US" sz="2400" b="0" dirty="0">
                   <a:ea typeface="Cambria Math" panose="02040503050406030204" pitchFamily="18" charset="0"/>
                 </a:endParaRPr>
@@ -6302,7 +8002,7 @@
             <p:spPr>
               <a:xfrm>
                 <a:off x="797916" y="401870"/>
-                <a:ext cx="8916856" cy="5993115"/>
+                <a:ext cx="8916856" cy="5632311"/>
               </a:xfrm>
               <a:prstGeom prst="rect">
                 <a:avLst/>
@@ -6310,7 +8010,7 @@
               <a:blipFill>
                 <a:blip r:embed="rId2"/>
                 <a:stretch>
-                  <a:fillRect l="-1094" t="-814"/>
+                  <a:fillRect l="-1094" t="-866" b="-541"/>
                 </a:stretch>
               </a:blipFill>
             </p:spPr>
@@ -6333,6 +8033,3375 @@
     <p:extLst>
       <p:ext uri="{BB962C8B-B14F-4D97-AF65-F5344CB8AC3E}">
         <p14:creationId xmlns:p14="http://schemas.microsoft.com/office/powerpoint/2010/main" val="2353243034"/>
+      </p:ext>
+    </p:extLst>
+  </p:cSld>
+  <p:clrMapOvr>
+    <a:masterClrMapping/>
+  </p:clrMapOvr>
+</p:sld>
+</file>
+
+<file path=ppt/slides/slide5.xml><?xml version="1.0" encoding="utf-8"?>
+<p:sld xmlns:a="http://schemas.openxmlformats.org/drawingml/2006/main" xmlns:r="http://schemas.openxmlformats.org/officeDocument/2006/relationships" xmlns:p="http://schemas.openxmlformats.org/presentationml/2006/main">
+  <p:cSld>
+    <p:spTree>
+      <p:nvGrpSpPr>
+        <p:cNvPr id="1" name=""/>
+        <p:cNvGrpSpPr/>
+        <p:nvPr/>
+      </p:nvGrpSpPr>
+      <p:grpSpPr>
+        <a:xfrm>
+          <a:off x="0" y="0"/>
+          <a:ext cx="0" cy="0"/>
+          <a:chOff x="0" y="0"/>
+          <a:chExt cx="0" cy="0"/>
+        </a:xfrm>
+      </p:grpSpPr>
+      <mc:AlternateContent xmlns:mc="http://schemas.openxmlformats.org/markup-compatibility/2006">
+        <mc:Choice xmlns:a14="http://schemas.microsoft.com/office/drawing/2010/main" Requires="a14">
+          <p:sp>
+            <p:nvSpPr>
+              <p:cNvPr id="4" name="TextBox 3">
+                <a:extLst>
+                  <a:ext uri="{FF2B5EF4-FFF2-40B4-BE49-F238E27FC236}">
+                    <a16:creationId xmlns:a16="http://schemas.microsoft.com/office/drawing/2014/main" id="{94B801CE-4490-4CCE-8F38-1BA262079709}"/>
+                  </a:ext>
+                </a:extLst>
+              </p:cNvPr>
+              <p:cNvSpPr txBox="1"/>
+              <p:nvPr/>
+            </p:nvSpPr>
+            <p:spPr>
+              <a:xfrm>
+                <a:off x="815388" y="34320"/>
+                <a:ext cx="8916856" cy="6789359"/>
+              </a:xfrm>
+              <a:prstGeom prst="rect">
+                <a:avLst/>
+              </a:prstGeom>
+              <a:noFill/>
+            </p:spPr>
+            <p:txBody>
+              <a:bodyPr wrap="square" rtlCol="0">
+                <a:spAutoFit/>
+              </a:bodyPr>
+              <a:lstStyle/>
+              <a:p>
+                <a:r>
+                  <a:rPr lang="en-US" sz="2400" b="0" dirty="0">
+                    <a:latin typeface="Cambria Math" panose="02040503050406030204" pitchFamily="18" charset="0"/>
+                  </a:rPr>
+                  <a:t>Constraints:</a:t>
+                </a:r>
+              </a:p>
+              <a:p>
+                <a:pPr/>
+                <a14:m>
+                  <m:oMathPara xmlns:m="http://schemas.openxmlformats.org/officeDocument/2006/math">
+                    <m:oMathParaPr>
+                      <m:jc m:val="centerGroup"/>
+                    </m:oMathParaPr>
+                    <m:oMath xmlns:m="http://schemas.openxmlformats.org/officeDocument/2006/math">
+                      <m:r>
+                        <a:rPr lang="en-US" sz="2400" b="0" i="1" smtClean="0">
+                          <a:latin typeface="Cambria Math" panose="02040503050406030204" pitchFamily="18" charset="0"/>
+                        </a:rPr>
+                        <m:t>𝑒𝑛𝑠𝑢𝑟𝑒</m:t>
+                      </m:r>
+                      <m:r>
+                        <a:rPr lang="en-US" sz="2400" b="0" i="1" smtClean="0">
+                          <a:latin typeface="Cambria Math" panose="02040503050406030204" pitchFamily="18" charset="0"/>
+                        </a:rPr>
+                        <m:t> </m:t>
+                      </m:r>
+                      <m:r>
+                        <a:rPr lang="en-US" sz="2400" b="0" i="1" smtClean="0">
+                          <a:latin typeface="Cambria Math" panose="02040503050406030204" pitchFamily="18" charset="0"/>
+                        </a:rPr>
+                        <m:t>𝑛𝑜</m:t>
+                      </m:r>
+                      <m:r>
+                        <a:rPr lang="en-US" sz="2400" b="0" i="1" smtClean="0">
+                          <a:latin typeface="Cambria Math" panose="02040503050406030204" pitchFamily="18" charset="0"/>
+                        </a:rPr>
+                        <m:t> </m:t>
+                      </m:r>
+                      <m:r>
+                        <a:rPr lang="en-US" sz="2400" b="0" i="1" smtClean="0">
+                          <a:latin typeface="Cambria Math" panose="02040503050406030204" pitchFamily="18" charset="0"/>
+                        </a:rPr>
+                        <m:t>𝑡𝑖𝑚𝑒𝑡𝑎𝑏𝑙𝑒</m:t>
+                      </m:r>
+                      <m:r>
+                        <a:rPr lang="en-US" sz="2400" b="0" i="1" smtClean="0">
+                          <a:latin typeface="Cambria Math" panose="02040503050406030204" pitchFamily="18" charset="0"/>
+                        </a:rPr>
+                        <m:t> </m:t>
+                      </m:r>
+                      <m:r>
+                        <a:rPr lang="en-US" sz="2400" b="0" i="1" smtClean="0">
+                          <a:latin typeface="Cambria Math" panose="02040503050406030204" pitchFamily="18" charset="0"/>
+                        </a:rPr>
+                        <m:t>𝑐𝑙𝑎𝑠𝑠</m:t>
+                      </m:r>
+                    </m:oMath>
+                  </m:oMathPara>
+                </a14:m>
+                <a:endParaRPr lang="en-US" sz="2400" b="0" dirty="0"/>
+              </a:p>
+              <a:p>
+                <a:pPr/>
+                <a14:m>
+                  <m:oMathPara xmlns:m="http://schemas.openxmlformats.org/officeDocument/2006/math">
+                    <m:oMathParaPr>
+                      <m:jc m:val="centerGroup"/>
+                    </m:oMathParaPr>
+                    <m:oMath xmlns:m="http://schemas.openxmlformats.org/officeDocument/2006/math">
+                      <m:r>
+                        <a:rPr lang="en-US" sz="2400" b="0" i="1" smtClean="0">
+                          <a:latin typeface="Cambria Math" panose="02040503050406030204" pitchFamily="18" charset="0"/>
+                          <a:ea typeface="Cambria Math" panose="02040503050406030204" pitchFamily="18" charset="0"/>
+                        </a:rPr>
+                        <m:t>𝑦</m:t>
+                      </m:r>
+                      <m:d>
+                        <m:dPr>
+                          <m:begChr m:val="["/>
+                          <m:endChr m:val="]"/>
+                          <m:ctrlPr>
+                            <a:rPr lang="en-US" sz="2400" b="0" i="1" smtClean="0">
+                              <a:latin typeface="Cambria Math" panose="02040503050406030204" pitchFamily="18" charset="0"/>
+                              <a:ea typeface="Cambria Math" panose="02040503050406030204" pitchFamily="18" charset="0"/>
+                            </a:rPr>
+                          </m:ctrlPr>
+                        </m:dPr>
+                        <m:e>
+                          <m:r>
+                            <a:rPr lang="en-US" sz="2400" b="0" i="1" smtClean="0">
+                              <a:latin typeface="Cambria Math" panose="02040503050406030204" pitchFamily="18" charset="0"/>
+                              <a:ea typeface="Cambria Math" panose="02040503050406030204" pitchFamily="18" charset="0"/>
+                            </a:rPr>
+                            <m:t>𝑖</m:t>
+                          </m:r>
+                        </m:e>
+                      </m:d>
+                      <m:r>
+                        <a:rPr lang="en-US" sz="2400" b="0" i="1" smtClean="0">
+                          <a:latin typeface="Cambria Math" panose="02040503050406030204" pitchFamily="18" charset="0"/>
+                          <a:ea typeface="Cambria Math" panose="02040503050406030204" pitchFamily="18" charset="0"/>
+                        </a:rPr>
+                        <m:t>=</m:t>
+                      </m:r>
+                      <m:sSup>
+                        <m:sSupPr>
+                          <m:ctrlPr>
+                            <a:rPr lang="en-US" sz="2400" b="0" i="1" smtClean="0">
+                              <a:latin typeface="Cambria Math" panose="02040503050406030204" pitchFamily="18" charset="0"/>
+                              <a:ea typeface="Cambria Math" panose="02040503050406030204" pitchFamily="18" charset="0"/>
+                            </a:rPr>
+                          </m:ctrlPr>
+                        </m:sSupPr>
+                        <m:e>
+                          <m:d>
+                            <m:dPr>
+                              <m:ctrlPr>
+                                <a:rPr lang="en-US" sz="2400" b="0" i="1" smtClean="0">
+                                  <a:latin typeface="Cambria Math" panose="02040503050406030204" pitchFamily="18" charset="0"/>
+                                  <a:ea typeface="Cambria Math" panose="02040503050406030204" pitchFamily="18" charset="0"/>
+                                </a:rPr>
+                              </m:ctrlPr>
+                            </m:dPr>
+                            <m:e>
+                              <m:sSup>
+                                <m:sSupPr>
+                                  <m:ctrlPr>
+                                    <a:rPr lang="en-US" sz="2400" b="0" i="1" smtClean="0">
+                                      <a:latin typeface="Cambria Math" panose="02040503050406030204" pitchFamily="18" charset="0"/>
+                                      <a:ea typeface="Cambria Math" panose="02040503050406030204" pitchFamily="18" charset="0"/>
+                                    </a:rPr>
+                                  </m:ctrlPr>
+                                </m:sSupPr>
+                                <m:e>
+                                  <m:r>
+                                    <a:rPr lang="en-US" sz="2400" b="0" i="1" smtClean="0">
+                                      <a:latin typeface="Cambria Math" panose="02040503050406030204" pitchFamily="18" charset="0"/>
+                                      <a:ea typeface="Cambria Math" panose="02040503050406030204" pitchFamily="18" charset="0"/>
+                                    </a:rPr>
+                                    <m:t>𝑥</m:t>
+                                  </m:r>
+                                </m:e>
+                                <m:sup>
+                                  <m:r>
+                                    <a:rPr lang="en-US" sz="2400" b="0" i="1" smtClean="0">
+                                      <a:latin typeface="Cambria Math" panose="02040503050406030204" pitchFamily="18" charset="0"/>
+                                      <a:ea typeface="Cambria Math" panose="02040503050406030204" pitchFamily="18" charset="0"/>
+                                    </a:rPr>
+                                    <m:t>′</m:t>
+                                  </m:r>
+                                </m:sup>
+                              </m:sSup>
+                              <m:r>
+                                <a:rPr lang="en-US" sz="2400" b="0" i="1" smtClean="0">
+                                  <a:latin typeface="Cambria Math" panose="02040503050406030204" pitchFamily="18" charset="0"/>
+                                  <a:ea typeface="Cambria Math" panose="02040503050406030204" pitchFamily="18" charset="0"/>
+                                </a:rPr>
+                                <m:t>×</m:t>
+                              </m:r>
+                              <m:r>
+                                <a:rPr lang="en-US" sz="2400" b="0" i="1" smtClean="0">
+                                  <a:latin typeface="Cambria Math" panose="02040503050406030204" pitchFamily="18" charset="0"/>
+                                  <a:ea typeface="Cambria Math" panose="02040503050406030204" pitchFamily="18" charset="0"/>
+                                </a:rPr>
+                                <m:t>𝑡</m:t>
+                              </m:r>
+                              <m:d>
+                                <m:dPr>
+                                  <m:begChr m:val="["/>
+                                  <m:endChr m:val="]"/>
+                                  <m:ctrlPr>
+                                    <a:rPr lang="en-US" sz="2400" b="0" i="1" smtClean="0">
+                                      <a:latin typeface="Cambria Math" panose="02040503050406030204" pitchFamily="18" charset="0"/>
+                                      <a:ea typeface="Cambria Math" panose="02040503050406030204" pitchFamily="18" charset="0"/>
+                                    </a:rPr>
+                                  </m:ctrlPr>
+                                </m:dPr>
+                                <m:e>
+                                  <m:r>
+                                    <a:rPr lang="en-US" sz="2400" b="0" i="1" smtClean="0">
+                                      <a:latin typeface="Cambria Math" panose="02040503050406030204" pitchFamily="18" charset="0"/>
+                                      <a:ea typeface="Cambria Math" panose="02040503050406030204" pitchFamily="18" charset="0"/>
+                                    </a:rPr>
+                                    <m:t>:,</m:t>
+                                  </m:r>
+                                  <m:r>
+                                    <a:rPr lang="en-US" sz="2400" b="0" i="1" smtClean="0">
+                                      <a:latin typeface="Cambria Math" panose="02040503050406030204" pitchFamily="18" charset="0"/>
+                                      <a:ea typeface="Cambria Math" panose="02040503050406030204" pitchFamily="18" charset="0"/>
+                                    </a:rPr>
+                                    <m:t>𝑖</m:t>
+                                  </m:r>
+                                </m:e>
+                              </m:d>
+                            </m:e>
+                          </m:d>
+                        </m:e>
+                        <m:sup>
+                          <m:r>
+                            <a:rPr lang="en-US" sz="2400" b="0" i="1" smtClean="0">
+                              <a:latin typeface="Cambria Math" panose="02040503050406030204" pitchFamily="18" charset="0"/>
+                              <a:ea typeface="Cambria Math" panose="02040503050406030204" pitchFamily="18" charset="0"/>
+                            </a:rPr>
+                            <m:t>′</m:t>
+                          </m:r>
+                        </m:sup>
+                      </m:sSup>
+                      <m:r>
+                        <a:rPr lang="en-US" sz="2400" b="0" i="1" smtClean="0">
+                          <a:latin typeface="Cambria Math" panose="02040503050406030204" pitchFamily="18" charset="0"/>
+                          <a:ea typeface="Cambria Math" panose="02040503050406030204" pitchFamily="18" charset="0"/>
+                        </a:rPr>
+                        <m:t> ∀ </m:t>
+                      </m:r>
+                      <m:r>
+                        <a:rPr lang="en-US" sz="2400" b="0" i="1" smtClean="0">
+                          <a:latin typeface="Cambria Math" panose="02040503050406030204" pitchFamily="18" charset="0"/>
+                          <a:ea typeface="Cambria Math" panose="02040503050406030204" pitchFamily="18" charset="0"/>
+                        </a:rPr>
+                        <m:t>𝑖</m:t>
+                      </m:r>
+                      <m:r>
+                        <a:rPr lang="en-US" sz="2400" b="0" i="1" smtClean="0">
+                          <a:latin typeface="Cambria Math" panose="02040503050406030204" pitchFamily="18" charset="0"/>
+                          <a:ea typeface="Cambria Math" panose="02040503050406030204" pitchFamily="18" charset="0"/>
+                        </a:rPr>
+                        <m:t>∈{1, 2, …, </m:t>
+                      </m:r>
+                      <m:r>
+                        <a:rPr lang="en-US" sz="2400" b="0" i="1" smtClean="0">
+                          <a:latin typeface="Cambria Math" panose="02040503050406030204" pitchFamily="18" charset="0"/>
+                          <a:ea typeface="Cambria Math" panose="02040503050406030204" pitchFamily="18" charset="0"/>
+                        </a:rPr>
+                        <m:t>𝑠</m:t>
+                      </m:r>
+                      <m:r>
+                        <a:rPr lang="en-US" sz="2400" b="0" i="1" smtClean="0">
+                          <a:latin typeface="Cambria Math" panose="02040503050406030204" pitchFamily="18" charset="0"/>
+                          <a:ea typeface="Cambria Math" panose="02040503050406030204" pitchFamily="18" charset="0"/>
+                        </a:rPr>
+                        <m:t>} </m:t>
+                      </m:r>
+                    </m:oMath>
+                  </m:oMathPara>
+                </a14:m>
+                <a:endParaRPr lang="en-US" sz="2400" dirty="0">
+                  <a:ea typeface="Cambria Math" panose="02040503050406030204" pitchFamily="18" charset="0"/>
+                </a:endParaRPr>
+              </a:p>
+              <a:p>
+                <a:pPr/>
+                <a14:m>
+                  <m:oMathPara xmlns:m="http://schemas.openxmlformats.org/officeDocument/2006/math">
+                    <m:oMathParaPr>
+                      <m:jc m:val="centerGroup"/>
+                    </m:oMathParaPr>
+                    <m:oMath xmlns:m="http://schemas.openxmlformats.org/officeDocument/2006/math">
+                      <m:r>
+                        <a:rPr lang="en-US" sz="2400" b="0" i="1" smtClean="0">
+                          <a:latin typeface="Cambria Math" panose="02040503050406030204" pitchFamily="18" charset="0"/>
+                          <a:ea typeface="Cambria Math" panose="02040503050406030204" pitchFamily="18" charset="0"/>
+                        </a:rPr>
+                        <m:t>𝑦</m:t>
+                      </m:r>
+                      <m:d>
+                        <m:dPr>
+                          <m:begChr m:val="["/>
+                          <m:endChr m:val="]"/>
+                          <m:ctrlPr>
+                            <a:rPr lang="en-US" sz="2400" b="0" i="1" smtClean="0">
+                              <a:latin typeface="Cambria Math" panose="02040503050406030204" pitchFamily="18" charset="0"/>
+                              <a:ea typeface="Cambria Math" panose="02040503050406030204" pitchFamily="18" charset="0"/>
+                            </a:rPr>
+                          </m:ctrlPr>
+                        </m:dPr>
+                        <m:e>
+                          <m:r>
+                            <a:rPr lang="en-US" sz="2400" b="0" i="1" smtClean="0">
+                              <a:latin typeface="Cambria Math" panose="02040503050406030204" pitchFamily="18" charset="0"/>
+                              <a:ea typeface="Cambria Math" panose="02040503050406030204" pitchFamily="18" charset="0"/>
+                            </a:rPr>
+                            <m:t>𝑖</m:t>
+                          </m:r>
+                        </m:e>
+                      </m:d>
+                      <m:r>
+                        <a:rPr lang="en-US" sz="2400" b="0" i="1" smtClean="0">
+                          <a:latin typeface="Cambria Math" panose="02040503050406030204" pitchFamily="18" charset="0"/>
+                          <a:ea typeface="Cambria Math" panose="02040503050406030204" pitchFamily="18" charset="0"/>
+                        </a:rPr>
+                        <m:t>≤1 ∀ </m:t>
+                      </m:r>
+                      <m:r>
+                        <a:rPr lang="en-US" sz="2400" b="0" i="1" smtClean="0">
+                          <a:latin typeface="Cambria Math" panose="02040503050406030204" pitchFamily="18" charset="0"/>
+                          <a:ea typeface="Cambria Math" panose="02040503050406030204" pitchFamily="18" charset="0"/>
+                        </a:rPr>
+                        <m:t>𝑖</m:t>
+                      </m:r>
+                      <m:r>
+                        <a:rPr lang="en-US" sz="2400" b="0" i="1" smtClean="0">
+                          <a:latin typeface="Cambria Math" panose="02040503050406030204" pitchFamily="18" charset="0"/>
+                          <a:ea typeface="Cambria Math" panose="02040503050406030204" pitchFamily="18" charset="0"/>
+                        </a:rPr>
+                        <m:t>∈</m:t>
+                      </m:r>
+                      <m:d>
+                        <m:dPr>
+                          <m:begChr m:val="{"/>
+                          <m:endChr m:val="}"/>
+                          <m:ctrlPr>
+                            <a:rPr lang="en-US" sz="2400" b="0" i="1" smtClean="0">
+                              <a:latin typeface="Cambria Math" panose="02040503050406030204" pitchFamily="18" charset="0"/>
+                              <a:ea typeface="Cambria Math" panose="02040503050406030204" pitchFamily="18" charset="0"/>
+                            </a:rPr>
+                          </m:ctrlPr>
+                        </m:dPr>
+                        <m:e>
+                          <m:r>
+                            <a:rPr lang="en-US" sz="2400" b="0" i="1" smtClean="0">
+                              <a:latin typeface="Cambria Math" panose="02040503050406030204" pitchFamily="18" charset="0"/>
+                              <a:ea typeface="Cambria Math" panose="02040503050406030204" pitchFamily="18" charset="0"/>
+                            </a:rPr>
+                            <m:t>1, 2, …, </m:t>
+                          </m:r>
+                          <m:r>
+                            <a:rPr lang="en-US" sz="2400" b="0" i="1" smtClean="0">
+                              <a:latin typeface="Cambria Math" panose="02040503050406030204" pitchFamily="18" charset="0"/>
+                              <a:ea typeface="Cambria Math" panose="02040503050406030204" pitchFamily="18" charset="0"/>
+                            </a:rPr>
+                            <m:t>𝑠</m:t>
+                          </m:r>
+                        </m:e>
+                      </m:d>
+                    </m:oMath>
+                  </m:oMathPara>
+                </a14:m>
+                <a:endParaRPr lang="en-US" sz="2400" b="0" dirty="0">
+                  <a:ea typeface="Cambria Math" panose="02040503050406030204" pitchFamily="18" charset="0"/>
+                </a:endParaRPr>
+              </a:p>
+              <a:p>
+                <a:pPr/>
+                <a:endParaRPr lang="en-US" sz="2400" b="0" dirty="0">
+                  <a:ea typeface="Cambria Math" panose="02040503050406030204" pitchFamily="18" charset="0"/>
+                </a:endParaRPr>
+              </a:p>
+              <a:p>
+                <a:pPr/>
+                <a14:m>
+                  <m:oMathPara xmlns:m="http://schemas.openxmlformats.org/officeDocument/2006/math">
+                    <m:oMathParaPr>
+                      <m:jc m:val="centerGroup"/>
+                    </m:oMathParaPr>
+                    <m:oMath xmlns:m="http://schemas.openxmlformats.org/officeDocument/2006/math">
+                      <m:r>
+                        <a:rPr lang="en-US" sz="2400" b="0" i="1" smtClean="0">
+                          <a:latin typeface="Cambria Math" panose="02040503050406030204" pitchFamily="18" charset="0"/>
+                          <a:ea typeface="Cambria Math" panose="02040503050406030204" pitchFamily="18" charset="0"/>
+                        </a:rPr>
+                        <m:t>𝑔𝑒𝑛𝑒𝑟𝑎𝑡𝑖𝑛𝑔</m:t>
+                      </m:r>
+                      <m:r>
+                        <a:rPr lang="en-US" sz="2400" b="0" i="1" smtClean="0">
+                          <a:latin typeface="Cambria Math" panose="02040503050406030204" pitchFamily="18" charset="0"/>
+                          <a:ea typeface="Cambria Math" panose="02040503050406030204" pitchFamily="18" charset="0"/>
+                        </a:rPr>
+                        <m:t> </m:t>
+                      </m:r>
+                      <m:r>
+                        <a:rPr lang="en-US" sz="2400" b="0" i="1" smtClean="0">
+                          <a:latin typeface="Cambria Math" panose="02040503050406030204" pitchFamily="18" charset="0"/>
+                          <a:ea typeface="Cambria Math" panose="02040503050406030204" pitchFamily="18" charset="0"/>
+                        </a:rPr>
+                        <m:t>𝑑𝑎𝑦𝑠</m:t>
+                      </m:r>
+                      <m:r>
+                        <a:rPr lang="en-US" sz="2400" b="0" i="1" smtClean="0">
+                          <a:latin typeface="Cambria Math" panose="02040503050406030204" pitchFamily="18" charset="0"/>
+                          <a:ea typeface="Cambria Math" panose="02040503050406030204" pitchFamily="18" charset="0"/>
+                        </a:rPr>
+                        <m:t> </m:t>
+                      </m:r>
+                      <m:r>
+                        <a:rPr lang="en-US" sz="2400" b="0" i="1" smtClean="0">
+                          <a:latin typeface="Cambria Math" panose="02040503050406030204" pitchFamily="18" charset="0"/>
+                          <a:ea typeface="Cambria Math" panose="02040503050406030204" pitchFamily="18" charset="0"/>
+                        </a:rPr>
+                        <m:t>𝑜𝑓</m:t>
+                      </m:r>
+                      <m:r>
+                        <a:rPr lang="en-US" sz="2400" b="0" i="1" smtClean="0">
+                          <a:latin typeface="Cambria Math" panose="02040503050406030204" pitchFamily="18" charset="0"/>
+                          <a:ea typeface="Cambria Math" panose="02040503050406030204" pitchFamily="18" charset="0"/>
+                        </a:rPr>
+                        <m:t> </m:t>
+                      </m:r>
+                      <m:r>
+                        <a:rPr lang="en-US" sz="2400" b="0" i="1" smtClean="0">
+                          <a:latin typeface="Cambria Math" panose="02040503050406030204" pitchFamily="18" charset="0"/>
+                          <a:ea typeface="Cambria Math" panose="02040503050406030204" pitchFamily="18" charset="0"/>
+                        </a:rPr>
+                        <m:t>𝑔𝑜𝑖𝑛𝑔</m:t>
+                      </m:r>
+                      <m:r>
+                        <a:rPr lang="en-US" sz="2400" b="0" i="1" smtClean="0">
+                          <a:latin typeface="Cambria Math" panose="02040503050406030204" pitchFamily="18" charset="0"/>
+                          <a:ea typeface="Cambria Math" panose="02040503050406030204" pitchFamily="18" charset="0"/>
+                        </a:rPr>
+                        <m:t> </m:t>
+                      </m:r>
+                      <m:r>
+                        <a:rPr lang="en-US" sz="2400" b="0" i="1" smtClean="0">
+                          <a:latin typeface="Cambria Math" panose="02040503050406030204" pitchFamily="18" charset="0"/>
+                          <a:ea typeface="Cambria Math" panose="02040503050406030204" pitchFamily="18" charset="0"/>
+                        </a:rPr>
+                        <m:t>𝑡𝑜</m:t>
+                      </m:r>
+                      <m:r>
+                        <a:rPr lang="en-US" sz="2400" b="0" i="1" smtClean="0">
+                          <a:latin typeface="Cambria Math" panose="02040503050406030204" pitchFamily="18" charset="0"/>
+                          <a:ea typeface="Cambria Math" panose="02040503050406030204" pitchFamily="18" charset="0"/>
+                        </a:rPr>
+                        <m:t> </m:t>
+                      </m:r>
+                      <m:r>
+                        <a:rPr lang="en-US" sz="2400" b="0" i="1" smtClean="0">
+                          <a:latin typeface="Cambria Math" panose="02040503050406030204" pitchFamily="18" charset="0"/>
+                          <a:ea typeface="Cambria Math" panose="02040503050406030204" pitchFamily="18" charset="0"/>
+                        </a:rPr>
+                        <m:t>𝑠𝑐h𝑜𝑜𝑙</m:t>
+                      </m:r>
+                    </m:oMath>
+                  </m:oMathPara>
+                </a14:m>
+                <a:endParaRPr lang="en-US" sz="2400" b="0" dirty="0">
+                  <a:ea typeface="Cambria Math" panose="02040503050406030204" pitchFamily="18" charset="0"/>
+                </a:endParaRPr>
+              </a:p>
+              <a:p>
+                <a:pPr/>
+                <a14:m>
+                  <m:oMathPara xmlns:m="http://schemas.openxmlformats.org/officeDocument/2006/math">
+                    <m:oMathParaPr>
+                      <m:jc m:val="centerGroup"/>
+                    </m:oMathParaPr>
+                    <m:oMath xmlns:m="http://schemas.openxmlformats.org/officeDocument/2006/math">
+                      <m:r>
+                        <a:rPr lang="en-US" sz="2400" b="0" i="1" smtClean="0">
+                          <a:latin typeface="Cambria Math" panose="02040503050406030204" pitchFamily="18" charset="0"/>
+                          <a:ea typeface="Cambria Math" panose="02040503050406030204" pitchFamily="18" charset="0"/>
+                        </a:rPr>
+                        <m:t>𝑀</m:t>
+                      </m:r>
+                      <m:r>
+                        <a:rPr lang="en-US" sz="2400" b="0" i="1" smtClean="0">
+                          <a:latin typeface="Cambria Math" panose="02040503050406030204" pitchFamily="18" charset="0"/>
+                          <a:ea typeface="Cambria Math" panose="02040503050406030204" pitchFamily="18" charset="0"/>
+                        </a:rPr>
+                        <m:t>=</m:t>
+                      </m:r>
+                      <m:d>
+                        <m:dPr>
+                          <m:begChr m:val="{"/>
+                          <m:endChr m:val="}"/>
+                          <m:ctrlPr>
+                            <a:rPr lang="en-US" sz="2400" b="0" i="1" smtClean="0">
+                              <a:latin typeface="Cambria Math" panose="02040503050406030204" pitchFamily="18" charset="0"/>
+                              <a:ea typeface="Cambria Math" panose="02040503050406030204" pitchFamily="18" charset="0"/>
+                            </a:rPr>
+                          </m:ctrlPr>
+                        </m:dPr>
+                        <m:e>
+                          <m:r>
+                            <a:rPr lang="en-US" sz="2400" b="0" i="1" smtClean="0">
+                              <a:latin typeface="Cambria Math" panose="02040503050406030204" pitchFamily="18" charset="0"/>
+                              <a:ea typeface="Cambria Math" panose="02040503050406030204" pitchFamily="18" charset="0"/>
+                            </a:rPr>
+                            <m:t>1,2,…,15</m:t>
+                          </m:r>
+                        </m:e>
+                      </m:d>
+                      <m:r>
+                        <a:rPr lang="en-US" sz="2400" b="0" i="1" smtClean="0">
+                          <a:latin typeface="Cambria Math" panose="02040503050406030204" pitchFamily="18" charset="0"/>
+                          <a:ea typeface="Cambria Math" panose="02040503050406030204" pitchFamily="18" charset="0"/>
+                        </a:rPr>
+                        <m:t>   </m:t>
+                      </m:r>
+                      <m:nary>
+                        <m:naryPr>
+                          <m:chr m:val="∑"/>
+                          <m:supHide m:val="on"/>
+                          <m:ctrlPr>
+                            <a:rPr lang="en-US" sz="2400" b="0" i="1" smtClean="0">
+                              <a:latin typeface="Cambria Math" panose="02040503050406030204" pitchFamily="18" charset="0"/>
+                              <a:ea typeface="Cambria Math" panose="02040503050406030204" pitchFamily="18" charset="0"/>
+                            </a:rPr>
+                          </m:ctrlPr>
+                        </m:naryPr>
+                        <m:sub>
+                          <m:r>
+                            <a:rPr lang="en-US" sz="2400" b="0" i="1" smtClean="0">
+                              <a:latin typeface="Cambria Math" panose="02040503050406030204" pitchFamily="18" charset="0"/>
+                              <a:ea typeface="Cambria Math" panose="02040503050406030204" pitchFamily="18" charset="0"/>
+                            </a:rPr>
+                            <m:t>𝑖</m:t>
+                          </m:r>
+                          <m:r>
+                            <a:rPr lang="en-US" sz="2400" b="0" i="1" smtClean="0">
+                              <a:latin typeface="Cambria Math" panose="02040503050406030204" pitchFamily="18" charset="0"/>
+                              <a:ea typeface="Cambria Math" panose="02040503050406030204" pitchFamily="18" charset="0"/>
+                            </a:rPr>
+                            <m:t>∈</m:t>
+                          </m:r>
+                          <m:r>
+                            <a:rPr lang="en-US" sz="2400" b="0" i="1" smtClean="0">
+                              <a:latin typeface="Cambria Math" panose="02040503050406030204" pitchFamily="18" charset="0"/>
+                              <a:ea typeface="Cambria Math" panose="02040503050406030204" pitchFamily="18" charset="0"/>
+                            </a:rPr>
+                            <m:t>𝑀</m:t>
+                          </m:r>
+                        </m:sub>
+                        <m:sup/>
+                        <m:e>
+                          <m:sSub>
+                            <m:sSubPr>
+                              <m:ctrlPr>
+                                <a:rPr lang="en-US" sz="2400" b="0" i="1" smtClean="0">
+                                  <a:latin typeface="Cambria Math" panose="02040503050406030204" pitchFamily="18" charset="0"/>
+                                  <a:ea typeface="Cambria Math" panose="02040503050406030204" pitchFamily="18" charset="0"/>
+                                </a:rPr>
+                              </m:ctrlPr>
+                            </m:sSubPr>
+                            <m:e>
+                              <m:r>
+                                <a:rPr lang="en-US" sz="2400" b="0" i="1" smtClean="0">
+                                  <a:latin typeface="Cambria Math" panose="02040503050406030204" pitchFamily="18" charset="0"/>
+                                  <a:ea typeface="Cambria Math" panose="02040503050406030204" pitchFamily="18" charset="0"/>
+                                </a:rPr>
+                                <m:t>𝑡</m:t>
+                              </m:r>
+                            </m:e>
+                            <m:sub>
+                              <m:r>
+                                <a:rPr lang="en-US" sz="2400" b="0" i="1" smtClean="0">
+                                  <a:latin typeface="Cambria Math" panose="02040503050406030204" pitchFamily="18" charset="0"/>
+                                  <a:ea typeface="Cambria Math" panose="02040503050406030204" pitchFamily="18" charset="0"/>
+                                </a:rPr>
+                                <m:t>𝑖</m:t>
+                              </m:r>
+                            </m:sub>
+                          </m:sSub>
+                          <m:r>
+                            <a:rPr lang="en-US" sz="2400" b="0" i="1" smtClean="0">
+                              <a:latin typeface="Cambria Math" panose="02040503050406030204" pitchFamily="18" charset="0"/>
+                              <a:ea typeface="Cambria Math" panose="02040503050406030204" pitchFamily="18" charset="0"/>
+                            </a:rPr>
+                            <m:t>≤</m:t>
+                          </m:r>
+                          <m:r>
+                            <a:rPr lang="en-US" sz="2400" b="0" i="1" smtClean="0">
+                              <a:latin typeface="Cambria Math" panose="02040503050406030204" pitchFamily="18" charset="0"/>
+                              <a:ea typeface="Cambria Math" panose="02040503050406030204" pitchFamily="18" charset="0"/>
+                            </a:rPr>
+                            <m:t>𝑦</m:t>
+                          </m:r>
+                          <m:d>
+                            <m:dPr>
+                              <m:begChr m:val="["/>
+                              <m:endChr m:val="]"/>
+                              <m:ctrlPr>
+                                <a:rPr lang="en-US" sz="2400" b="0" i="1" smtClean="0">
+                                  <a:latin typeface="Cambria Math" panose="02040503050406030204" pitchFamily="18" charset="0"/>
+                                  <a:ea typeface="Cambria Math" panose="02040503050406030204" pitchFamily="18" charset="0"/>
+                                </a:rPr>
+                              </m:ctrlPr>
+                            </m:dPr>
+                            <m:e>
+                              <m:r>
+                                <a:rPr lang="en-US" sz="2400" b="0" i="1" smtClean="0">
+                                  <a:latin typeface="Cambria Math" panose="02040503050406030204" pitchFamily="18" charset="0"/>
+                                  <a:ea typeface="Cambria Math" panose="02040503050406030204" pitchFamily="18" charset="0"/>
+                                </a:rPr>
+                                <m:t>1</m:t>
+                              </m:r>
+                            </m:e>
+                          </m:d>
+                          <m:r>
+                            <a:rPr lang="en-US" sz="2400" b="0" i="1" smtClean="0">
+                              <a:latin typeface="Cambria Math" panose="02040503050406030204" pitchFamily="18" charset="0"/>
+                              <a:ea typeface="Cambria Math" panose="02040503050406030204" pitchFamily="18" charset="0"/>
+                            </a:rPr>
+                            <m:t>×15</m:t>
+                          </m:r>
+                        </m:e>
+                      </m:nary>
+                    </m:oMath>
+                  </m:oMathPara>
+                </a14:m>
+                <a:endParaRPr lang="en-US" sz="2400" b="0" i="1" dirty="0">
+                  <a:latin typeface="Cambria Math" panose="02040503050406030204" pitchFamily="18" charset="0"/>
+                  <a:ea typeface="Cambria Math" panose="02040503050406030204" pitchFamily="18" charset="0"/>
+                </a:endParaRPr>
+              </a:p>
+              <a:p>
+                <a:pPr/>
+                <a14:m>
+                  <m:oMathPara xmlns:m="http://schemas.openxmlformats.org/officeDocument/2006/math">
+                    <m:oMathParaPr>
+                      <m:jc m:val="centerGroup"/>
+                    </m:oMathParaPr>
+                    <m:oMath xmlns:m="http://schemas.openxmlformats.org/officeDocument/2006/math">
+                      <m:r>
+                        <a:rPr lang="en-US" sz="2400" b="0" i="1" smtClean="0">
+                          <a:latin typeface="Cambria Math" panose="02040503050406030204" pitchFamily="18" charset="0"/>
+                          <a:ea typeface="Cambria Math" panose="02040503050406030204" pitchFamily="18" charset="0"/>
+                        </a:rPr>
+                        <m:t>𝑇</m:t>
+                      </m:r>
+                      <m:r>
+                        <a:rPr lang="en-US" sz="2400" i="1">
+                          <a:latin typeface="Cambria Math" panose="02040503050406030204" pitchFamily="18" charset="0"/>
+                          <a:ea typeface="Cambria Math" panose="02040503050406030204" pitchFamily="18" charset="0"/>
+                        </a:rPr>
+                        <m:t>=</m:t>
+                      </m:r>
+                      <m:d>
+                        <m:dPr>
+                          <m:begChr m:val="{"/>
+                          <m:endChr m:val="}"/>
+                          <m:ctrlPr>
+                            <a:rPr lang="en-US" sz="2400" i="1">
+                              <a:latin typeface="Cambria Math" panose="02040503050406030204" pitchFamily="18" charset="0"/>
+                              <a:ea typeface="Cambria Math" panose="02040503050406030204" pitchFamily="18" charset="0"/>
+                            </a:rPr>
+                          </m:ctrlPr>
+                        </m:dPr>
+                        <m:e>
+                          <m:r>
+                            <a:rPr lang="en-US" sz="2400" i="1">
+                              <a:latin typeface="Cambria Math" panose="02040503050406030204" pitchFamily="18" charset="0"/>
+                              <a:ea typeface="Cambria Math" panose="02040503050406030204" pitchFamily="18" charset="0"/>
+                            </a:rPr>
+                            <m:t>1</m:t>
+                          </m:r>
+                          <m:r>
+                            <a:rPr lang="en-US" sz="2400" b="0" i="1" smtClean="0">
+                              <a:latin typeface="Cambria Math" panose="02040503050406030204" pitchFamily="18" charset="0"/>
+                              <a:ea typeface="Cambria Math" panose="02040503050406030204" pitchFamily="18" charset="0"/>
+                            </a:rPr>
+                            <m:t>6, 17, …, 30</m:t>
+                          </m:r>
+                        </m:e>
+                      </m:d>
+                      <m:r>
+                        <a:rPr lang="en-US" sz="2400" b="0" i="1" smtClean="0">
+                          <a:latin typeface="Cambria Math" panose="02040503050406030204" pitchFamily="18" charset="0"/>
+                          <a:ea typeface="Cambria Math" panose="02040503050406030204" pitchFamily="18" charset="0"/>
+                        </a:rPr>
+                        <m:t>   </m:t>
+                      </m:r>
+                      <m:nary>
+                        <m:naryPr>
+                          <m:chr m:val="∑"/>
+                          <m:supHide m:val="on"/>
+                          <m:ctrlPr>
+                            <a:rPr lang="en-US" sz="2400" i="1">
+                              <a:latin typeface="Cambria Math" panose="02040503050406030204" pitchFamily="18" charset="0"/>
+                              <a:ea typeface="Cambria Math" panose="02040503050406030204" pitchFamily="18" charset="0"/>
+                            </a:rPr>
+                          </m:ctrlPr>
+                        </m:naryPr>
+                        <m:sub>
+                          <m:r>
+                            <a:rPr lang="en-US" sz="2400" i="1">
+                              <a:latin typeface="Cambria Math" panose="02040503050406030204" pitchFamily="18" charset="0"/>
+                              <a:ea typeface="Cambria Math" panose="02040503050406030204" pitchFamily="18" charset="0"/>
+                            </a:rPr>
+                            <m:t>𝑖</m:t>
+                          </m:r>
+                          <m:r>
+                            <a:rPr lang="en-US" sz="2400" i="1">
+                              <a:latin typeface="Cambria Math" panose="02040503050406030204" pitchFamily="18" charset="0"/>
+                              <a:ea typeface="Cambria Math" panose="02040503050406030204" pitchFamily="18" charset="0"/>
+                            </a:rPr>
+                            <m:t>∈</m:t>
+                          </m:r>
+                          <m:r>
+                            <a:rPr lang="en-US" sz="2400" b="0" i="1" smtClean="0">
+                              <a:latin typeface="Cambria Math" panose="02040503050406030204" pitchFamily="18" charset="0"/>
+                              <a:ea typeface="Cambria Math" panose="02040503050406030204" pitchFamily="18" charset="0"/>
+                            </a:rPr>
+                            <m:t>𝑇</m:t>
+                          </m:r>
+                        </m:sub>
+                        <m:sup/>
+                        <m:e>
+                          <m:sSub>
+                            <m:sSubPr>
+                              <m:ctrlPr>
+                                <a:rPr lang="en-US" sz="2400" i="1">
+                                  <a:latin typeface="Cambria Math" panose="02040503050406030204" pitchFamily="18" charset="0"/>
+                                  <a:ea typeface="Cambria Math" panose="02040503050406030204" pitchFamily="18" charset="0"/>
+                                </a:rPr>
+                              </m:ctrlPr>
+                            </m:sSubPr>
+                            <m:e>
+                              <m:r>
+                                <a:rPr lang="en-US" sz="2400" i="1">
+                                  <a:latin typeface="Cambria Math" panose="02040503050406030204" pitchFamily="18" charset="0"/>
+                                  <a:ea typeface="Cambria Math" panose="02040503050406030204" pitchFamily="18" charset="0"/>
+                                </a:rPr>
+                                <m:t>𝑡</m:t>
+                              </m:r>
+                            </m:e>
+                            <m:sub>
+                              <m:r>
+                                <a:rPr lang="en-US" sz="2400" i="1">
+                                  <a:latin typeface="Cambria Math" panose="02040503050406030204" pitchFamily="18" charset="0"/>
+                                  <a:ea typeface="Cambria Math" panose="02040503050406030204" pitchFamily="18" charset="0"/>
+                                </a:rPr>
+                                <m:t>𝑖</m:t>
+                              </m:r>
+                            </m:sub>
+                          </m:sSub>
+                          <m:r>
+                            <a:rPr lang="en-US" sz="2400" i="1">
+                              <a:latin typeface="Cambria Math" panose="02040503050406030204" pitchFamily="18" charset="0"/>
+                              <a:ea typeface="Cambria Math" panose="02040503050406030204" pitchFamily="18" charset="0"/>
+                            </a:rPr>
+                            <m:t>≤</m:t>
+                          </m:r>
+                          <m:r>
+                            <a:rPr lang="en-US" sz="2400" i="1">
+                              <a:latin typeface="Cambria Math" panose="02040503050406030204" pitchFamily="18" charset="0"/>
+                              <a:ea typeface="Cambria Math" panose="02040503050406030204" pitchFamily="18" charset="0"/>
+                            </a:rPr>
+                            <m:t>𝑦</m:t>
+                          </m:r>
+                          <m:d>
+                            <m:dPr>
+                              <m:begChr m:val="["/>
+                              <m:endChr m:val="]"/>
+                              <m:ctrlPr>
+                                <a:rPr lang="en-US" sz="2400" i="1">
+                                  <a:latin typeface="Cambria Math" panose="02040503050406030204" pitchFamily="18" charset="0"/>
+                                  <a:ea typeface="Cambria Math" panose="02040503050406030204" pitchFamily="18" charset="0"/>
+                                </a:rPr>
+                              </m:ctrlPr>
+                            </m:dPr>
+                            <m:e>
+                              <m:r>
+                                <a:rPr lang="en-US" sz="2400" b="0" i="1" smtClean="0">
+                                  <a:latin typeface="Cambria Math" panose="02040503050406030204" pitchFamily="18" charset="0"/>
+                                  <a:ea typeface="Cambria Math" panose="02040503050406030204" pitchFamily="18" charset="0"/>
+                                </a:rPr>
+                                <m:t>2</m:t>
+                              </m:r>
+                            </m:e>
+                          </m:d>
+                          <m:r>
+                            <a:rPr lang="en-US" sz="2400" i="1">
+                              <a:latin typeface="Cambria Math" panose="02040503050406030204" pitchFamily="18" charset="0"/>
+                              <a:ea typeface="Cambria Math" panose="02040503050406030204" pitchFamily="18" charset="0"/>
+                            </a:rPr>
+                            <m:t>×15</m:t>
+                          </m:r>
+                        </m:e>
+                      </m:nary>
+                    </m:oMath>
+                  </m:oMathPara>
+                </a14:m>
+                <a:endParaRPr lang="en-US" sz="2400" b="0" i="1" dirty="0">
+                  <a:latin typeface="Cambria Math" panose="02040503050406030204" pitchFamily="18" charset="0"/>
+                  <a:ea typeface="Cambria Math" panose="02040503050406030204" pitchFamily="18" charset="0"/>
+                </a:endParaRPr>
+              </a:p>
+              <a:p>
+                <a:pPr/>
+                <a14:m>
+                  <m:oMathPara xmlns:m="http://schemas.openxmlformats.org/officeDocument/2006/math">
+                    <m:oMathParaPr>
+                      <m:jc m:val="centerGroup"/>
+                    </m:oMathParaPr>
+                    <m:oMath xmlns:m="http://schemas.openxmlformats.org/officeDocument/2006/math">
+                      <m:r>
+                        <a:rPr lang="en-US" sz="2400" b="0" i="1" smtClean="0">
+                          <a:latin typeface="Cambria Math" panose="02040503050406030204" pitchFamily="18" charset="0"/>
+                          <a:ea typeface="Cambria Math" panose="02040503050406030204" pitchFamily="18" charset="0"/>
+                        </a:rPr>
+                        <m:t>𝑊</m:t>
+                      </m:r>
+                      <m:r>
+                        <a:rPr lang="en-US" sz="2400" i="1">
+                          <a:latin typeface="Cambria Math" panose="02040503050406030204" pitchFamily="18" charset="0"/>
+                          <a:ea typeface="Cambria Math" panose="02040503050406030204" pitchFamily="18" charset="0"/>
+                        </a:rPr>
+                        <m:t>=</m:t>
+                      </m:r>
+                      <m:d>
+                        <m:dPr>
+                          <m:begChr m:val="{"/>
+                          <m:endChr m:val="}"/>
+                          <m:ctrlPr>
+                            <a:rPr lang="en-US" sz="2400" i="1">
+                              <a:latin typeface="Cambria Math" panose="02040503050406030204" pitchFamily="18" charset="0"/>
+                              <a:ea typeface="Cambria Math" panose="02040503050406030204" pitchFamily="18" charset="0"/>
+                            </a:rPr>
+                          </m:ctrlPr>
+                        </m:dPr>
+                        <m:e>
+                          <m:r>
+                            <a:rPr lang="en-US" sz="2400" b="0" i="1" smtClean="0">
+                              <a:latin typeface="Cambria Math" panose="02040503050406030204" pitchFamily="18" charset="0"/>
+                              <a:ea typeface="Cambria Math" panose="02040503050406030204" pitchFamily="18" charset="0"/>
+                            </a:rPr>
+                            <m:t>31, 32, …, 45</m:t>
+                          </m:r>
+                        </m:e>
+                      </m:d>
+                      <m:r>
+                        <a:rPr lang="en-US" sz="2400" b="0" i="1" smtClean="0">
+                          <a:latin typeface="Cambria Math" panose="02040503050406030204" pitchFamily="18" charset="0"/>
+                          <a:ea typeface="Cambria Math" panose="02040503050406030204" pitchFamily="18" charset="0"/>
+                        </a:rPr>
+                        <m:t>  </m:t>
+                      </m:r>
+                      <m:nary>
+                        <m:naryPr>
+                          <m:chr m:val="∑"/>
+                          <m:supHide m:val="on"/>
+                          <m:ctrlPr>
+                            <a:rPr lang="en-US" sz="2400" i="1">
+                              <a:latin typeface="Cambria Math" panose="02040503050406030204" pitchFamily="18" charset="0"/>
+                              <a:ea typeface="Cambria Math" panose="02040503050406030204" pitchFamily="18" charset="0"/>
+                            </a:rPr>
+                          </m:ctrlPr>
+                        </m:naryPr>
+                        <m:sub>
+                          <m:r>
+                            <a:rPr lang="en-US" sz="2400" i="1">
+                              <a:latin typeface="Cambria Math" panose="02040503050406030204" pitchFamily="18" charset="0"/>
+                              <a:ea typeface="Cambria Math" panose="02040503050406030204" pitchFamily="18" charset="0"/>
+                            </a:rPr>
+                            <m:t>𝑖</m:t>
+                          </m:r>
+                          <m:r>
+                            <a:rPr lang="en-US" sz="2400" i="1">
+                              <a:latin typeface="Cambria Math" panose="02040503050406030204" pitchFamily="18" charset="0"/>
+                              <a:ea typeface="Cambria Math" panose="02040503050406030204" pitchFamily="18" charset="0"/>
+                            </a:rPr>
+                            <m:t>∈</m:t>
+                          </m:r>
+                          <m:r>
+                            <a:rPr lang="en-US" sz="2400" i="1">
+                              <a:latin typeface="Cambria Math" panose="02040503050406030204" pitchFamily="18" charset="0"/>
+                              <a:ea typeface="Cambria Math" panose="02040503050406030204" pitchFamily="18" charset="0"/>
+                            </a:rPr>
+                            <m:t>𝑇</m:t>
+                          </m:r>
+                        </m:sub>
+                        <m:sup/>
+                        <m:e>
+                          <m:sSub>
+                            <m:sSubPr>
+                              <m:ctrlPr>
+                                <a:rPr lang="en-US" sz="2400" i="1">
+                                  <a:latin typeface="Cambria Math" panose="02040503050406030204" pitchFamily="18" charset="0"/>
+                                  <a:ea typeface="Cambria Math" panose="02040503050406030204" pitchFamily="18" charset="0"/>
+                                </a:rPr>
+                              </m:ctrlPr>
+                            </m:sSubPr>
+                            <m:e>
+                              <m:r>
+                                <a:rPr lang="en-US" sz="2400" i="1">
+                                  <a:latin typeface="Cambria Math" panose="02040503050406030204" pitchFamily="18" charset="0"/>
+                                  <a:ea typeface="Cambria Math" panose="02040503050406030204" pitchFamily="18" charset="0"/>
+                                </a:rPr>
+                                <m:t>𝑡</m:t>
+                              </m:r>
+                            </m:e>
+                            <m:sub>
+                              <m:r>
+                                <a:rPr lang="en-US" sz="2400" i="1">
+                                  <a:latin typeface="Cambria Math" panose="02040503050406030204" pitchFamily="18" charset="0"/>
+                                  <a:ea typeface="Cambria Math" panose="02040503050406030204" pitchFamily="18" charset="0"/>
+                                </a:rPr>
+                                <m:t>𝑖</m:t>
+                              </m:r>
+                            </m:sub>
+                          </m:sSub>
+                          <m:r>
+                            <a:rPr lang="en-US" sz="2400" i="1">
+                              <a:latin typeface="Cambria Math" panose="02040503050406030204" pitchFamily="18" charset="0"/>
+                              <a:ea typeface="Cambria Math" panose="02040503050406030204" pitchFamily="18" charset="0"/>
+                            </a:rPr>
+                            <m:t>≤</m:t>
+                          </m:r>
+                          <m:r>
+                            <a:rPr lang="en-US" sz="2400" i="1">
+                              <a:latin typeface="Cambria Math" panose="02040503050406030204" pitchFamily="18" charset="0"/>
+                              <a:ea typeface="Cambria Math" panose="02040503050406030204" pitchFamily="18" charset="0"/>
+                            </a:rPr>
+                            <m:t>𝑦</m:t>
+                          </m:r>
+                          <m:d>
+                            <m:dPr>
+                              <m:begChr m:val="["/>
+                              <m:endChr m:val="]"/>
+                              <m:ctrlPr>
+                                <a:rPr lang="en-US" sz="2400" i="1">
+                                  <a:latin typeface="Cambria Math" panose="02040503050406030204" pitchFamily="18" charset="0"/>
+                                  <a:ea typeface="Cambria Math" panose="02040503050406030204" pitchFamily="18" charset="0"/>
+                                </a:rPr>
+                              </m:ctrlPr>
+                            </m:dPr>
+                            <m:e>
+                              <m:r>
+                                <a:rPr lang="en-US" sz="2400" i="1">
+                                  <a:latin typeface="Cambria Math" panose="02040503050406030204" pitchFamily="18" charset="0"/>
+                                  <a:ea typeface="Cambria Math" panose="02040503050406030204" pitchFamily="18" charset="0"/>
+                                </a:rPr>
+                                <m:t>2</m:t>
+                              </m:r>
+                            </m:e>
+                          </m:d>
+                          <m:r>
+                            <a:rPr lang="en-US" sz="2400" i="1">
+                              <a:latin typeface="Cambria Math" panose="02040503050406030204" pitchFamily="18" charset="0"/>
+                              <a:ea typeface="Cambria Math" panose="02040503050406030204" pitchFamily="18" charset="0"/>
+                            </a:rPr>
+                            <m:t>×15</m:t>
+                          </m:r>
+                        </m:e>
+                      </m:nary>
+                    </m:oMath>
+                  </m:oMathPara>
+                </a14:m>
+                <a:endParaRPr lang="en-US" sz="2400" b="0" i="1" dirty="0">
+                  <a:latin typeface="Cambria Math" panose="02040503050406030204" pitchFamily="18" charset="0"/>
+                  <a:ea typeface="Cambria Math" panose="02040503050406030204" pitchFamily="18" charset="0"/>
+                </a:endParaRPr>
+              </a:p>
+              <a:p>
+                <a:pPr/>
+                <a14:m>
+                  <m:oMathPara xmlns:m="http://schemas.openxmlformats.org/officeDocument/2006/math">
+                    <m:oMathParaPr>
+                      <m:jc m:val="centerGroup"/>
+                    </m:oMathParaPr>
+                    <m:oMath xmlns:m="http://schemas.openxmlformats.org/officeDocument/2006/math">
+                      <m:r>
+                        <a:rPr lang="en-US" sz="2400" b="0" i="1" smtClean="0">
+                          <a:latin typeface="Cambria Math" panose="02040503050406030204" pitchFamily="18" charset="0"/>
+                          <a:ea typeface="Cambria Math" panose="02040503050406030204" pitchFamily="18" charset="0"/>
+                        </a:rPr>
+                        <m:t>𝑇h</m:t>
+                      </m:r>
+                      <m:r>
+                        <a:rPr lang="en-US" sz="2400" i="1">
+                          <a:latin typeface="Cambria Math" panose="02040503050406030204" pitchFamily="18" charset="0"/>
+                          <a:ea typeface="Cambria Math" panose="02040503050406030204" pitchFamily="18" charset="0"/>
+                        </a:rPr>
+                        <m:t>=</m:t>
+                      </m:r>
+                      <m:d>
+                        <m:dPr>
+                          <m:begChr m:val="{"/>
+                          <m:endChr m:val="}"/>
+                          <m:ctrlPr>
+                            <a:rPr lang="en-US" sz="2400" i="1">
+                              <a:latin typeface="Cambria Math" panose="02040503050406030204" pitchFamily="18" charset="0"/>
+                              <a:ea typeface="Cambria Math" panose="02040503050406030204" pitchFamily="18" charset="0"/>
+                            </a:rPr>
+                          </m:ctrlPr>
+                        </m:dPr>
+                        <m:e>
+                          <m:r>
+                            <a:rPr lang="en-US" sz="2400" i="1">
+                              <a:latin typeface="Cambria Math" panose="02040503050406030204" pitchFamily="18" charset="0"/>
+                              <a:ea typeface="Cambria Math" panose="02040503050406030204" pitchFamily="18" charset="0"/>
+                            </a:rPr>
+                            <m:t>1,2,…,15</m:t>
+                          </m:r>
+                        </m:e>
+                      </m:d>
+                      <m:r>
+                        <a:rPr lang="en-US" sz="2400" b="0" i="1" smtClean="0">
+                          <a:latin typeface="Cambria Math" panose="02040503050406030204" pitchFamily="18" charset="0"/>
+                          <a:ea typeface="Cambria Math" panose="02040503050406030204" pitchFamily="18" charset="0"/>
+                        </a:rPr>
+                        <m:t>  </m:t>
+                      </m:r>
+                      <m:nary>
+                        <m:naryPr>
+                          <m:chr m:val="∑"/>
+                          <m:supHide m:val="on"/>
+                          <m:ctrlPr>
+                            <a:rPr lang="en-US" sz="2400" i="1">
+                              <a:latin typeface="Cambria Math" panose="02040503050406030204" pitchFamily="18" charset="0"/>
+                              <a:ea typeface="Cambria Math" panose="02040503050406030204" pitchFamily="18" charset="0"/>
+                            </a:rPr>
+                          </m:ctrlPr>
+                        </m:naryPr>
+                        <m:sub>
+                          <m:r>
+                            <a:rPr lang="en-US" sz="2400" i="1">
+                              <a:latin typeface="Cambria Math" panose="02040503050406030204" pitchFamily="18" charset="0"/>
+                              <a:ea typeface="Cambria Math" panose="02040503050406030204" pitchFamily="18" charset="0"/>
+                            </a:rPr>
+                            <m:t>𝑖</m:t>
+                          </m:r>
+                          <m:r>
+                            <a:rPr lang="en-US" sz="2400" i="1">
+                              <a:latin typeface="Cambria Math" panose="02040503050406030204" pitchFamily="18" charset="0"/>
+                              <a:ea typeface="Cambria Math" panose="02040503050406030204" pitchFamily="18" charset="0"/>
+                            </a:rPr>
+                            <m:t>∈</m:t>
+                          </m:r>
+                          <m:r>
+                            <a:rPr lang="en-US" sz="2400" i="1">
+                              <a:latin typeface="Cambria Math" panose="02040503050406030204" pitchFamily="18" charset="0"/>
+                              <a:ea typeface="Cambria Math" panose="02040503050406030204" pitchFamily="18" charset="0"/>
+                            </a:rPr>
+                            <m:t>𝑇</m:t>
+                          </m:r>
+                        </m:sub>
+                        <m:sup/>
+                        <m:e>
+                          <m:sSub>
+                            <m:sSubPr>
+                              <m:ctrlPr>
+                                <a:rPr lang="en-US" sz="2400" i="1">
+                                  <a:latin typeface="Cambria Math" panose="02040503050406030204" pitchFamily="18" charset="0"/>
+                                  <a:ea typeface="Cambria Math" panose="02040503050406030204" pitchFamily="18" charset="0"/>
+                                </a:rPr>
+                              </m:ctrlPr>
+                            </m:sSubPr>
+                            <m:e>
+                              <m:r>
+                                <a:rPr lang="en-US" sz="2400" i="1">
+                                  <a:latin typeface="Cambria Math" panose="02040503050406030204" pitchFamily="18" charset="0"/>
+                                  <a:ea typeface="Cambria Math" panose="02040503050406030204" pitchFamily="18" charset="0"/>
+                                </a:rPr>
+                                <m:t>𝑡</m:t>
+                              </m:r>
+                            </m:e>
+                            <m:sub>
+                              <m:r>
+                                <a:rPr lang="en-US" sz="2400" i="1">
+                                  <a:latin typeface="Cambria Math" panose="02040503050406030204" pitchFamily="18" charset="0"/>
+                                  <a:ea typeface="Cambria Math" panose="02040503050406030204" pitchFamily="18" charset="0"/>
+                                </a:rPr>
+                                <m:t>𝑖</m:t>
+                              </m:r>
+                            </m:sub>
+                          </m:sSub>
+                          <m:r>
+                            <a:rPr lang="en-US" sz="2400" i="1">
+                              <a:latin typeface="Cambria Math" panose="02040503050406030204" pitchFamily="18" charset="0"/>
+                              <a:ea typeface="Cambria Math" panose="02040503050406030204" pitchFamily="18" charset="0"/>
+                            </a:rPr>
+                            <m:t>≤</m:t>
+                          </m:r>
+                          <m:r>
+                            <a:rPr lang="en-US" sz="2400" i="1">
+                              <a:latin typeface="Cambria Math" panose="02040503050406030204" pitchFamily="18" charset="0"/>
+                              <a:ea typeface="Cambria Math" panose="02040503050406030204" pitchFamily="18" charset="0"/>
+                            </a:rPr>
+                            <m:t>𝑦</m:t>
+                          </m:r>
+                          <m:d>
+                            <m:dPr>
+                              <m:begChr m:val="["/>
+                              <m:endChr m:val="]"/>
+                              <m:ctrlPr>
+                                <a:rPr lang="en-US" sz="2400" i="1">
+                                  <a:latin typeface="Cambria Math" panose="02040503050406030204" pitchFamily="18" charset="0"/>
+                                  <a:ea typeface="Cambria Math" panose="02040503050406030204" pitchFamily="18" charset="0"/>
+                                </a:rPr>
+                              </m:ctrlPr>
+                            </m:dPr>
+                            <m:e>
+                              <m:r>
+                                <a:rPr lang="en-US" sz="2400" i="1">
+                                  <a:latin typeface="Cambria Math" panose="02040503050406030204" pitchFamily="18" charset="0"/>
+                                  <a:ea typeface="Cambria Math" panose="02040503050406030204" pitchFamily="18" charset="0"/>
+                                </a:rPr>
+                                <m:t>2</m:t>
+                              </m:r>
+                            </m:e>
+                          </m:d>
+                          <m:r>
+                            <a:rPr lang="en-US" sz="2400" i="1">
+                              <a:latin typeface="Cambria Math" panose="02040503050406030204" pitchFamily="18" charset="0"/>
+                              <a:ea typeface="Cambria Math" panose="02040503050406030204" pitchFamily="18" charset="0"/>
+                            </a:rPr>
+                            <m:t>×15</m:t>
+                          </m:r>
+                        </m:e>
+                      </m:nary>
+                    </m:oMath>
+                  </m:oMathPara>
+                </a14:m>
+                <a:endParaRPr lang="en-US" sz="2400" b="0" i="1" dirty="0">
+                  <a:latin typeface="Cambria Math" panose="02040503050406030204" pitchFamily="18" charset="0"/>
+                  <a:ea typeface="Cambria Math" panose="02040503050406030204" pitchFamily="18" charset="0"/>
+                </a:endParaRPr>
+              </a:p>
+              <a:p>
+                <a:pPr/>
+                <a14:m>
+                  <m:oMathPara xmlns:m="http://schemas.openxmlformats.org/officeDocument/2006/math">
+                    <m:oMathParaPr>
+                      <m:jc m:val="centerGroup"/>
+                    </m:oMathParaPr>
+                    <m:oMath xmlns:m="http://schemas.openxmlformats.org/officeDocument/2006/math">
+                      <m:r>
+                        <a:rPr lang="en-US" sz="2400" b="0" i="1" smtClean="0">
+                          <a:latin typeface="Cambria Math" panose="02040503050406030204" pitchFamily="18" charset="0"/>
+                          <a:ea typeface="Cambria Math" panose="02040503050406030204" pitchFamily="18" charset="0"/>
+                        </a:rPr>
+                        <m:t>𝐹</m:t>
+                      </m:r>
+                      <m:r>
+                        <a:rPr lang="en-US" sz="2400" i="1">
+                          <a:latin typeface="Cambria Math" panose="02040503050406030204" pitchFamily="18" charset="0"/>
+                          <a:ea typeface="Cambria Math" panose="02040503050406030204" pitchFamily="18" charset="0"/>
+                        </a:rPr>
+                        <m:t>=</m:t>
+                      </m:r>
+                      <m:d>
+                        <m:dPr>
+                          <m:begChr m:val="{"/>
+                          <m:endChr m:val="}"/>
+                          <m:ctrlPr>
+                            <a:rPr lang="en-US" sz="2400" i="1">
+                              <a:latin typeface="Cambria Math" panose="02040503050406030204" pitchFamily="18" charset="0"/>
+                              <a:ea typeface="Cambria Math" panose="02040503050406030204" pitchFamily="18" charset="0"/>
+                            </a:rPr>
+                          </m:ctrlPr>
+                        </m:dPr>
+                        <m:e>
+                          <m:r>
+                            <a:rPr lang="en-US" sz="2400" i="1">
+                              <a:latin typeface="Cambria Math" panose="02040503050406030204" pitchFamily="18" charset="0"/>
+                              <a:ea typeface="Cambria Math" panose="02040503050406030204" pitchFamily="18" charset="0"/>
+                            </a:rPr>
+                            <m:t>1,2,…,15</m:t>
+                          </m:r>
+                        </m:e>
+                      </m:d>
+                      <m:r>
+                        <a:rPr lang="en-US" sz="2400" b="0" i="1" smtClean="0">
+                          <a:latin typeface="Cambria Math" panose="02040503050406030204" pitchFamily="18" charset="0"/>
+                          <a:ea typeface="Cambria Math" panose="02040503050406030204" pitchFamily="18" charset="0"/>
+                        </a:rPr>
+                        <m:t>    </m:t>
+                      </m:r>
+                      <m:nary>
+                        <m:naryPr>
+                          <m:chr m:val="∑"/>
+                          <m:supHide m:val="on"/>
+                          <m:ctrlPr>
+                            <a:rPr lang="en-US" sz="2400" i="1">
+                              <a:latin typeface="Cambria Math" panose="02040503050406030204" pitchFamily="18" charset="0"/>
+                              <a:ea typeface="Cambria Math" panose="02040503050406030204" pitchFamily="18" charset="0"/>
+                            </a:rPr>
+                          </m:ctrlPr>
+                        </m:naryPr>
+                        <m:sub>
+                          <m:r>
+                            <a:rPr lang="en-US" sz="2400" i="1">
+                              <a:latin typeface="Cambria Math" panose="02040503050406030204" pitchFamily="18" charset="0"/>
+                              <a:ea typeface="Cambria Math" panose="02040503050406030204" pitchFamily="18" charset="0"/>
+                            </a:rPr>
+                            <m:t>𝑖</m:t>
+                          </m:r>
+                          <m:r>
+                            <a:rPr lang="en-US" sz="2400" i="1">
+                              <a:latin typeface="Cambria Math" panose="02040503050406030204" pitchFamily="18" charset="0"/>
+                              <a:ea typeface="Cambria Math" panose="02040503050406030204" pitchFamily="18" charset="0"/>
+                            </a:rPr>
+                            <m:t>∈</m:t>
+                          </m:r>
+                          <m:r>
+                            <a:rPr lang="en-US" sz="2400" i="1">
+                              <a:latin typeface="Cambria Math" panose="02040503050406030204" pitchFamily="18" charset="0"/>
+                              <a:ea typeface="Cambria Math" panose="02040503050406030204" pitchFamily="18" charset="0"/>
+                            </a:rPr>
+                            <m:t>𝑇</m:t>
+                          </m:r>
+                        </m:sub>
+                        <m:sup/>
+                        <m:e>
+                          <m:sSub>
+                            <m:sSubPr>
+                              <m:ctrlPr>
+                                <a:rPr lang="en-US" sz="2400" i="1">
+                                  <a:latin typeface="Cambria Math" panose="02040503050406030204" pitchFamily="18" charset="0"/>
+                                  <a:ea typeface="Cambria Math" panose="02040503050406030204" pitchFamily="18" charset="0"/>
+                                </a:rPr>
+                              </m:ctrlPr>
+                            </m:sSubPr>
+                            <m:e>
+                              <m:r>
+                                <a:rPr lang="en-US" sz="2400" i="1">
+                                  <a:latin typeface="Cambria Math" panose="02040503050406030204" pitchFamily="18" charset="0"/>
+                                  <a:ea typeface="Cambria Math" panose="02040503050406030204" pitchFamily="18" charset="0"/>
+                                </a:rPr>
+                                <m:t>𝑡</m:t>
+                              </m:r>
+                            </m:e>
+                            <m:sub>
+                              <m:r>
+                                <a:rPr lang="en-US" sz="2400" i="1">
+                                  <a:latin typeface="Cambria Math" panose="02040503050406030204" pitchFamily="18" charset="0"/>
+                                  <a:ea typeface="Cambria Math" panose="02040503050406030204" pitchFamily="18" charset="0"/>
+                                </a:rPr>
+                                <m:t>𝑖</m:t>
+                              </m:r>
+                            </m:sub>
+                          </m:sSub>
+                          <m:r>
+                            <a:rPr lang="en-US" sz="2400" i="1">
+                              <a:latin typeface="Cambria Math" panose="02040503050406030204" pitchFamily="18" charset="0"/>
+                              <a:ea typeface="Cambria Math" panose="02040503050406030204" pitchFamily="18" charset="0"/>
+                            </a:rPr>
+                            <m:t>≤</m:t>
+                          </m:r>
+                          <m:r>
+                            <a:rPr lang="en-US" sz="2400" i="1">
+                              <a:latin typeface="Cambria Math" panose="02040503050406030204" pitchFamily="18" charset="0"/>
+                              <a:ea typeface="Cambria Math" panose="02040503050406030204" pitchFamily="18" charset="0"/>
+                            </a:rPr>
+                            <m:t>𝑦</m:t>
+                          </m:r>
+                          <m:d>
+                            <m:dPr>
+                              <m:begChr m:val="["/>
+                              <m:endChr m:val="]"/>
+                              <m:ctrlPr>
+                                <a:rPr lang="en-US" sz="2400" i="1">
+                                  <a:latin typeface="Cambria Math" panose="02040503050406030204" pitchFamily="18" charset="0"/>
+                                  <a:ea typeface="Cambria Math" panose="02040503050406030204" pitchFamily="18" charset="0"/>
+                                </a:rPr>
+                              </m:ctrlPr>
+                            </m:dPr>
+                            <m:e>
+                              <m:r>
+                                <a:rPr lang="en-US" sz="2400" i="1">
+                                  <a:latin typeface="Cambria Math" panose="02040503050406030204" pitchFamily="18" charset="0"/>
+                                  <a:ea typeface="Cambria Math" panose="02040503050406030204" pitchFamily="18" charset="0"/>
+                                </a:rPr>
+                                <m:t>2</m:t>
+                              </m:r>
+                            </m:e>
+                          </m:d>
+                          <m:r>
+                            <a:rPr lang="en-US" sz="2400" i="1">
+                              <a:latin typeface="Cambria Math" panose="02040503050406030204" pitchFamily="18" charset="0"/>
+                              <a:ea typeface="Cambria Math" panose="02040503050406030204" pitchFamily="18" charset="0"/>
+                            </a:rPr>
+                            <m:t>×15</m:t>
+                          </m:r>
+                        </m:e>
+                      </m:nary>
+                    </m:oMath>
+                  </m:oMathPara>
+                </a14:m>
+                <a:endParaRPr lang="en-US" sz="2400" dirty="0">
+                  <a:ea typeface="Cambria Math" panose="02040503050406030204" pitchFamily="18" charset="0"/>
+                </a:endParaRPr>
+              </a:p>
+            </p:txBody>
+          </p:sp>
+        </mc:Choice>
+        <mc:Fallback>
+          <p:sp>
+            <p:nvSpPr>
+              <p:cNvPr id="4" name="TextBox 3">
+                <a:extLst>
+                  <a:ext uri="{FF2B5EF4-FFF2-40B4-BE49-F238E27FC236}">
+                    <a16:creationId xmlns:a16="http://schemas.microsoft.com/office/drawing/2014/main" id="{94B801CE-4490-4CCE-8F38-1BA262079709}"/>
+                  </a:ext>
+                </a:extLst>
+              </p:cNvPr>
+              <p:cNvSpPr txBox="1">
+                <a:spLocks noRot="1" noChangeAspect="1" noMove="1" noResize="1" noEditPoints="1" noAdjustHandles="1" noChangeArrowheads="1" noChangeShapeType="1" noTextEdit="1"/>
+              </p:cNvSpPr>
+              <p:nvPr/>
+            </p:nvSpPr>
+            <p:spPr>
+              <a:xfrm>
+                <a:off x="815388" y="34320"/>
+                <a:ext cx="8916856" cy="6789359"/>
+              </a:xfrm>
+              <a:prstGeom prst="rect">
+                <a:avLst/>
+              </a:prstGeom>
+              <a:blipFill>
+                <a:blip r:embed="rId2"/>
+                <a:stretch>
+                  <a:fillRect l="-1094" t="-719"/>
+                </a:stretch>
+              </a:blipFill>
+            </p:spPr>
+            <p:txBody>
+              <a:bodyPr/>
+              <a:lstStyle/>
+              <a:p>
+                <a:r>
+                  <a:rPr lang="en-US">
+                    <a:noFill/>
+                  </a:rPr>
+                  <a:t> </a:t>
+                </a:r>
+              </a:p>
+            </p:txBody>
+          </p:sp>
+        </mc:Fallback>
+      </mc:AlternateContent>
+    </p:spTree>
+    <p:extLst>
+      <p:ext uri="{BB962C8B-B14F-4D97-AF65-F5344CB8AC3E}">
+        <p14:creationId xmlns:p14="http://schemas.microsoft.com/office/powerpoint/2010/main" val="3949133498"/>
+      </p:ext>
+    </p:extLst>
+  </p:cSld>
+  <p:clrMapOvr>
+    <a:masterClrMapping/>
+  </p:clrMapOvr>
+</p:sld>
+</file>
+
+<file path=ppt/slides/slide6.xml><?xml version="1.0" encoding="utf-8"?>
+<p:sld xmlns:a="http://schemas.openxmlformats.org/drawingml/2006/main" xmlns:r="http://schemas.openxmlformats.org/officeDocument/2006/relationships" xmlns:p="http://schemas.openxmlformats.org/presentationml/2006/main">
+  <p:cSld>
+    <p:spTree>
+      <p:nvGrpSpPr>
+        <p:cNvPr id="1" name=""/>
+        <p:cNvGrpSpPr/>
+        <p:nvPr/>
+      </p:nvGrpSpPr>
+      <p:grpSpPr>
+        <a:xfrm>
+          <a:off x="0" y="0"/>
+          <a:ext cx="0" cy="0"/>
+          <a:chOff x="0" y="0"/>
+          <a:chExt cx="0" cy="0"/>
+        </a:xfrm>
+      </p:grpSpPr>
+      <mc:AlternateContent xmlns:mc="http://schemas.openxmlformats.org/markup-compatibility/2006">
+        <mc:Choice xmlns:a14="http://schemas.microsoft.com/office/drawing/2010/main" Requires="a14">
+          <p:sp>
+            <p:nvSpPr>
+              <p:cNvPr id="4" name="TextBox 3">
+                <a:extLst>
+                  <a:ext uri="{FF2B5EF4-FFF2-40B4-BE49-F238E27FC236}">
+                    <a16:creationId xmlns:a16="http://schemas.microsoft.com/office/drawing/2014/main" id="{94B801CE-4490-4CCE-8F38-1BA262079709}"/>
+                  </a:ext>
+                </a:extLst>
+              </p:cNvPr>
+              <p:cNvSpPr txBox="1"/>
+              <p:nvPr/>
+            </p:nvSpPr>
+            <p:spPr>
+              <a:xfrm>
+                <a:off x="815388" y="34320"/>
+                <a:ext cx="8916856" cy="5312032"/>
+              </a:xfrm>
+              <a:prstGeom prst="rect">
+                <a:avLst/>
+              </a:prstGeom>
+              <a:noFill/>
+            </p:spPr>
+            <p:txBody>
+              <a:bodyPr wrap="square" rtlCol="0">
+                <a:spAutoFit/>
+              </a:bodyPr>
+              <a:lstStyle/>
+              <a:p>
+                <a:r>
+                  <a:rPr lang="en-US" sz="2400" b="0" dirty="0">
+                    <a:latin typeface="Cambria Math" panose="02040503050406030204" pitchFamily="18" charset="0"/>
+                  </a:rPr>
+                  <a:t>Constraints:</a:t>
+                </a:r>
+              </a:p>
+              <a:p>
+                <a:pPr/>
+                <a14:m>
+                  <m:oMathPara xmlns:m="http://schemas.openxmlformats.org/officeDocument/2006/math">
+                    <m:oMathParaPr>
+                      <m:jc m:val="centerGroup"/>
+                    </m:oMathParaPr>
+                    <m:oMath xmlns:m="http://schemas.openxmlformats.org/officeDocument/2006/math">
+                      <m:r>
+                        <a:rPr lang="en-US" sz="2400" b="0" i="1" smtClean="0">
+                          <a:latin typeface="Cambria Math" panose="02040503050406030204" pitchFamily="18" charset="0"/>
+                        </a:rPr>
+                        <m:t>𝑡h𝑒𝑟𝑒</m:t>
+                      </m:r>
+                      <m:r>
+                        <a:rPr lang="en-US" sz="2400" b="0" i="1" smtClean="0">
+                          <a:latin typeface="Cambria Math" panose="02040503050406030204" pitchFamily="18" charset="0"/>
+                        </a:rPr>
+                        <m:t> </m:t>
+                      </m:r>
+                      <m:r>
+                        <a:rPr lang="en-US" sz="2400" b="0" i="1" smtClean="0">
+                          <a:latin typeface="Cambria Math" panose="02040503050406030204" pitchFamily="18" charset="0"/>
+                        </a:rPr>
+                        <m:t>𝑠h𝑜𝑢𝑙𝑑</m:t>
+                      </m:r>
+                      <m:r>
+                        <a:rPr lang="en-US" sz="2400" b="0" i="1" smtClean="0">
+                          <a:latin typeface="Cambria Math" panose="02040503050406030204" pitchFamily="18" charset="0"/>
+                        </a:rPr>
+                        <m:t> </m:t>
+                      </m:r>
+                      <m:r>
+                        <a:rPr lang="en-US" sz="2400" b="0" i="1" smtClean="0">
+                          <a:latin typeface="Cambria Math" panose="02040503050406030204" pitchFamily="18" charset="0"/>
+                        </a:rPr>
+                        <m:t>𝑏𝑒</m:t>
+                      </m:r>
+                      <m:r>
+                        <a:rPr lang="en-US" sz="2400" b="0" i="1" smtClean="0">
+                          <a:latin typeface="Cambria Math" panose="02040503050406030204" pitchFamily="18" charset="0"/>
+                        </a:rPr>
+                        <m:t> </m:t>
+                      </m:r>
+                      <m:r>
+                        <a:rPr lang="en-US" sz="2400" b="0" i="1" smtClean="0">
+                          <a:latin typeface="Cambria Math" panose="02040503050406030204" pitchFamily="18" charset="0"/>
+                        </a:rPr>
+                        <m:t>𝑎𝑡</m:t>
+                      </m:r>
+                      <m:r>
+                        <a:rPr lang="en-US" sz="2400" b="0" i="1" smtClean="0">
+                          <a:latin typeface="Cambria Math" panose="02040503050406030204" pitchFamily="18" charset="0"/>
+                        </a:rPr>
+                        <m:t> </m:t>
+                      </m:r>
+                      <m:r>
+                        <a:rPr lang="en-US" sz="2400" b="0" i="1" smtClean="0">
+                          <a:latin typeface="Cambria Math" panose="02040503050406030204" pitchFamily="18" charset="0"/>
+                        </a:rPr>
+                        <m:t>𝑙𝑒𝑎𝑠𝑡</m:t>
+                      </m:r>
+                      <m:r>
+                        <a:rPr lang="en-US" sz="2400" b="0" i="1" smtClean="0">
+                          <a:latin typeface="Cambria Math" panose="02040503050406030204" pitchFamily="18" charset="0"/>
+                        </a:rPr>
+                        <m:t> 1 </m:t>
+                      </m:r>
+                      <m:r>
+                        <a:rPr lang="en-US" sz="2400" b="0" i="1" smtClean="0">
+                          <a:latin typeface="Cambria Math" panose="02040503050406030204" pitchFamily="18" charset="0"/>
+                        </a:rPr>
+                        <m:t>h𝑜𝑢𝑟</m:t>
+                      </m:r>
+                      <m:r>
+                        <a:rPr lang="en-US" sz="2400" b="0" i="1" smtClean="0">
+                          <a:latin typeface="Cambria Math" panose="02040503050406030204" pitchFamily="18" charset="0"/>
+                        </a:rPr>
+                        <m:t> </m:t>
+                      </m:r>
+                      <m:r>
+                        <a:rPr lang="en-US" sz="2400" b="0" i="1" smtClean="0">
+                          <a:latin typeface="Cambria Math" panose="02040503050406030204" pitchFamily="18" charset="0"/>
+                        </a:rPr>
+                        <m:t>𝑓𝑜𝑟</m:t>
+                      </m:r>
+                      <m:r>
+                        <a:rPr lang="en-US" sz="2400" b="0" i="1" smtClean="0">
+                          <a:latin typeface="Cambria Math" panose="02040503050406030204" pitchFamily="18" charset="0"/>
+                        </a:rPr>
+                        <m:t> </m:t>
+                      </m:r>
+                      <m:r>
+                        <a:rPr lang="en-US" sz="2400" b="0" i="1" smtClean="0">
+                          <a:latin typeface="Cambria Math" panose="02040503050406030204" pitchFamily="18" charset="0"/>
+                        </a:rPr>
+                        <m:t>𝑙𝑢𝑛𝑐h</m:t>
+                      </m:r>
+                      <m:r>
+                        <a:rPr lang="en-US" sz="2400" b="0" i="1" smtClean="0">
+                          <a:latin typeface="Cambria Math" panose="02040503050406030204" pitchFamily="18" charset="0"/>
+                        </a:rPr>
+                        <m:t> </m:t>
+                      </m:r>
+                      <m:r>
+                        <a:rPr lang="en-US" sz="2400" b="0" i="1" smtClean="0">
+                          <a:latin typeface="Cambria Math" panose="02040503050406030204" pitchFamily="18" charset="0"/>
+                        </a:rPr>
+                        <m:t>𝑒𝑣𝑒𝑟𝑦</m:t>
+                      </m:r>
+                      <m:r>
+                        <a:rPr lang="en-US" sz="2400" b="0" i="1" smtClean="0">
+                          <a:latin typeface="Cambria Math" panose="02040503050406030204" pitchFamily="18" charset="0"/>
+                        </a:rPr>
+                        <m:t> </m:t>
+                      </m:r>
+                      <m:r>
+                        <a:rPr lang="en-US" sz="2400" b="0" i="1" smtClean="0">
+                          <a:latin typeface="Cambria Math" panose="02040503050406030204" pitchFamily="18" charset="0"/>
+                        </a:rPr>
+                        <m:t>𝑑𝑎𝑦</m:t>
+                      </m:r>
+                    </m:oMath>
+                  </m:oMathPara>
+                </a14:m>
+                <a:endParaRPr lang="en-US" sz="2400" b="0" i="1" dirty="0">
+                  <a:latin typeface="Cambria Math" panose="02040503050406030204" pitchFamily="18" charset="0"/>
+                </a:endParaRPr>
+              </a:p>
+              <a:p>
+                <a:pPr/>
+                <a14:m>
+                  <m:oMathPara xmlns:m="http://schemas.openxmlformats.org/officeDocument/2006/math">
+                    <m:oMathParaPr>
+                      <m:jc m:val="centerGroup"/>
+                    </m:oMathParaPr>
+                    <m:oMath xmlns:m="http://schemas.openxmlformats.org/officeDocument/2006/math">
+                      <m:r>
+                        <a:rPr lang="en-US" sz="2400" b="0" i="1" smtClean="0">
+                          <a:latin typeface="Cambria Math" panose="02040503050406030204" pitchFamily="18" charset="0"/>
+                          <a:ea typeface="Cambria Math" panose="02040503050406030204" pitchFamily="18" charset="0"/>
+                        </a:rPr>
+                        <m:t>𝑀</m:t>
+                      </m:r>
+                      <m:r>
+                        <a:rPr lang="en-US" sz="2400" b="0" i="1" smtClean="0">
+                          <a:latin typeface="Cambria Math" panose="02040503050406030204" pitchFamily="18" charset="0"/>
+                          <a:ea typeface="Cambria Math" panose="02040503050406030204" pitchFamily="18" charset="0"/>
+                        </a:rPr>
+                        <m:t>=</m:t>
+                      </m:r>
+                      <m:d>
+                        <m:dPr>
+                          <m:begChr m:val="{"/>
+                          <m:endChr m:val="}"/>
+                          <m:ctrlPr>
+                            <a:rPr lang="en-US" sz="2400" b="0" i="1" smtClean="0">
+                              <a:latin typeface="Cambria Math" panose="02040503050406030204" pitchFamily="18" charset="0"/>
+                              <a:ea typeface="Cambria Math" panose="02040503050406030204" pitchFamily="18" charset="0"/>
+                            </a:rPr>
+                          </m:ctrlPr>
+                        </m:dPr>
+                        <m:e>
+                          <m:r>
+                            <a:rPr lang="en-US" sz="2400" b="0" i="1" smtClean="0">
+                              <a:latin typeface="Cambria Math" panose="02040503050406030204" pitchFamily="18" charset="0"/>
+                              <a:ea typeface="Cambria Math" panose="02040503050406030204" pitchFamily="18" charset="0"/>
+                            </a:rPr>
+                            <m:t>3, 4, 5, 6</m:t>
+                          </m:r>
+                        </m:e>
+                      </m:d>
+                      <m:r>
+                        <a:rPr lang="en-US" sz="2400" b="0" i="1" smtClean="0">
+                          <a:latin typeface="Cambria Math" panose="02040503050406030204" pitchFamily="18" charset="0"/>
+                          <a:ea typeface="Cambria Math" panose="02040503050406030204" pitchFamily="18" charset="0"/>
+                        </a:rPr>
+                        <m:t>   </m:t>
+                      </m:r>
+                      <m:nary>
+                        <m:naryPr>
+                          <m:chr m:val="∑"/>
+                          <m:supHide m:val="on"/>
+                          <m:ctrlPr>
+                            <a:rPr lang="en-US" sz="2400" b="0" i="1" smtClean="0">
+                              <a:latin typeface="Cambria Math" panose="02040503050406030204" pitchFamily="18" charset="0"/>
+                              <a:ea typeface="Cambria Math" panose="02040503050406030204" pitchFamily="18" charset="0"/>
+                            </a:rPr>
+                          </m:ctrlPr>
+                        </m:naryPr>
+                        <m:sub>
+                          <m:r>
+                            <a:rPr lang="en-US" sz="2400" b="0" i="1" smtClean="0">
+                              <a:latin typeface="Cambria Math" panose="02040503050406030204" pitchFamily="18" charset="0"/>
+                              <a:ea typeface="Cambria Math" panose="02040503050406030204" pitchFamily="18" charset="0"/>
+                            </a:rPr>
+                            <m:t>𝑖</m:t>
+                          </m:r>
+                          <m:r>
+                            <a:rPr lang="en-US" sz="2400" b="0" i="1" smtClean="0">
+                              <a:latin typeface="Cambria Math" panose="02040503050406030204" pitchFamily="18" charset="0"/>
+                              <a:ea typeface="Cambria Math" panose="02040503050406030204" pitchFamily="18" charset="0"/>
+                            </a:rPr>
+                            <m:t>∈</m:t>
+                          </m:r>
+                          <m:r>
+                            <a:rPr lang="en-US" sz="2400" b="0" i="1" smtClean="0">
+                              <a:latin typeface="Cambria Math" panose="02040503050406030204" pitchFamily="18" charset="0"/>
+                              <a:ea typeface="Cambria Math" panose="02040503050406030204" pitchFamily="18" charset="0"/>
+                            </a:rPr>
+                            <m:t>𝑀</m:t>
+                          </m:r>
+                        </m:sub>
+                        <m:sup/>
+                        <m:e>
+                          <m:sSub>
+                            <m:sSubPr>
+                              <m:ctrlPr>
+                                <a:rPr lang="en-US" sz="2400" b="0" i="1" smtClean="0">
+                                  <a:latin typeface="Cambria Math" panose="02040503050406030204" pitchFamily="18" charset="0"/>
+                                  <a:ea typeface="Cambria Math" panose="02040503050406030204" pitchFamily="18" charset="0"/>
+                                </a:rPr>
+                              </m:ctrlPr>
+                            </m:sSubPr>
+                            <m:e>
+                              <m:r>
+                                <a:rPr lang="en-US" sz="2400" b="0" i="1" smtClean="0">
+                                  <a:latin typeface="Cambria Math" panose="02040503050406030204" pitchFamily="18" charset="0"/>
+                                  <a:ea typeface="Cambria Math" panose="02040503050406030204" pitchFamily="18" charset="0"/>
+                                </a:rPr>
+                                <m:t>𝑡</m:t>
+                              </m:r>
+                            </m:e>
+                            <m:sub>
+                              <m:r>
+                                <a:rPr lang="en-US" sz="2400" b="0" i="1" smtClean="0">
+                                  <a:latin typeface="Cambria Math" panose="02040503050406030204" pitchFamily="18" charset="0"/>
+                                  <a:ea typeface="Cambria Math" panose="02040503050406030204" pitchFamily="18" charset="0"/>
+                                </a:rPr>
+                                <m:t>𝑖</m:t>
+                              </m:r>
+                            </m:sub>
+                          </m:sSub>
+                          <m:r>
+                            <a:rPr lang="en-US" sz="2400" b="0" i="1" smtClean="0">
+                              <a:latin typeface="Cambria Math" panose="02040503050406030204" pitchFamily="18" charset="0"/>
+                              <a:ea typeface="Cambria Math" panose="02040503050406030204" pitchFamily="18" charset="0"/>
+                            </a:rPr>
+                            <m:t>≤3</m:t>
+                          </m:r>
+                        </m:e>
+                      </m:nary>
+                    </m:oMath>
+                  </m:oMathPara>
+                </a14:m>
+                <a:endParaRPr lang="en-US" sz="2400" b="0" i="1" dirty="0">
+                  <a:latin typeface="Cambria Math" panose="02040503050406030204" pitchFamily="18" charset="0"/>
+                  <a:ea typeface="Cambria Math" panose="02040503050406030204" pitchFamily="18" charset="0"/>
+                </a:endParaRPr>
+              </a:p>
+              <a:p>
+                <a:pPr/>
+                <a14:m>
+                  <m:oMathPara xmlns:m="http://schemas.openxmlformats.org/officeDocument/2006/math">
+                    <m:oMathParaPr>
+                      <m:jc m:val="centerGroup"/>
+                    </m:oMathParaPr>
+                    <m:oMath xmlns:m="http://schemas.openxmlformats.org/officeDocument/2006/math">
+                      <m:r>
+                        <a:rPr lang="en-US" sz="2400" b="0" i="1" smtClean="0">
+                          <a:latin typeface="Cambria Math" panose="02040503050406030204" pitchFamily="18" charset="0"/>
+                          <a:ea typeface="Cambria Math" panose="02040503050406030204" pitchFamily="18" charset="0"/>
+                        </a:rPr>
+                        <m:t>𝑇</m:t>
+                      </m:r>
+                      <m:r>
+                        <a:rPr lang="en-US" sz="2400" i="1">
+                          <a:latin typeface="Cambria Math" panose="02040503050406030204" pitchFamily="18" charset="0"/>
+                          <a:ea typeface="Cambria Math" panose="02040503050406030204" pitchFamily="18" charset="0"/>
+                        </a:rPr>
+                        <m:t>=</m:t>
+                      </m:r>
+                      <m:d>
+                        <m:dPr>
+                          <m:begChr m:val="{"/>
+                          <m:endChr m:val="}"/>
+                          <m:ctrlPr>
+                            <a:rPr lang="en-US" sz="2400" i="1">
+                              <a:latin typeface="Cambria Math" panose="02040503050406030204" pitchFamily="18" charset="0"/>
+                              <a:ea typeface="Cambria Math" panose="02040503050406030204" pitchFamily="18" charset="0"/>
+                            </a:rPr>
+                          </m:ctrlPr>
+                        </m:dPr>
+                        <m:e>
+                          <m:r>
+                            <a:rPr lang="en-US" sz="2400" b="0" i="1" smtClean="0">
+                              <a:latin typeface="Cambria Math" panose="02040503050406030204" pitchFamily="18" charset="0"/>
+                              <a:ea typeface="Cambria Math" panose="02040503050406030204" pitchFamily="18" charset="0"/>
+                            </a:rPr>
+                            <m:t>18, 19, 20, 21</m:t>
+                          </m:r>
+                        </m:e>
+                      </m:d>
+                      <m:r>
+                        <a:rPr lang="en-US" sz="2400" b="0" i="1" smtClean="0">
+                          <a:latin typeface="Cambria Math" panose="02040503050406030204" pitchFamily="18" charset="0"/>
+                          <a:ea typeface="Cambria Math" panose="02040503050406030204" pitchFamily="18" charset="0"/>
+                        </a:rPr>
+                        <m:t>   </m:t>
+                      </m:r>
+                      <m:nary>
+                        <m:naryPr>
+                          <m:chr m:val="∑"/>
+                          <m:supHide m:val="on"/>
+                          <m:ctrlPr>
+                            <a:rPr lang="en-US" sz="2400" i="1">
+                              <a:latin typeface="Cambria Math" panose="02040503050406030204" pitchFamily="18" charset="0"/>
+                              <a:ea typeface="Cambria Math" panose="02040503050406030204" pitchFamily="18" charset="0"/>
+                            </a:rPr>
+                          </m:ctrlPr>
+                        </m:naryPr>
+                        <m:sub>
+                          <m:r>
+                            <a:rPr lang="en-US" sz="2400" i="1">
+                              <a:latin typeface="Cambria Math" panose="02040503050406030204" pitchFamily="18" charset="0"/>
+                              <a:ea typeface="Cambria Math" panose="02040503050406030204" pitchFamily="18" charset="0"/>
+                            </a:rPr>
+                            <m:t>𝑖</m:t>
+                          </m:r>
+                          <m:r>
+                            <a:rPr lang="en-US" sz="2400" i="1">
+                              <a:latin typeface="Cambria Math" panose="02040503050406030204" pitchFamily="18" charset="0"/>
+                              <a:ea typeface="Cambria Math" panose="02040503050406030204" pitchFamily="18" charset="0"/>
+                            </a:rPr>
+                            <m:t>∈</m:t>
+                          </m:r>
+                          <m:r>
+                            <a:rPr lang="en-US" sz="2400" b="0" i="1" smtClean="0">
+                              <a:latin typeface="Cambria Math" panose="02040503050406030204" pitchFamily="18" charset="0"/>
+                              <a:ea typeface="Cambria Math" panose="02040503050406030204" pitchFamily="18" charset="0"/>
+                            </a:rPr>
+                            <m:t>𝑇</m:t>
+                          </m:r>
+                        </m:sub>
+                        <m:sup/>
+                        <m:e>
+                          <m:sSub>
+                            <m:sSubPr>
+                              <m:ctrlPr>
+                                <a:rPr lang="en-US" sz="2400" i="1">
+                                  <a:latin typeface="Cambria Math" panose="02040503050406030204" pitchFamily="18" charset="0"/>
+                                  <a:ea typeface="Cambria Math" panose="02040503050406030204" pitchFamily="18" charset="0"/>
+                                </a:rPr>
+                              </m:ctrlPr>
+                            </m:sSubPr>
+                            <m:e>
+                              <m:r>
+                                <a:rPr lang="en-US" sz="2400" i="1">
+                                  <a:latin typeface="Cambria Math" panose="02040503050406030204" pitchFamily="18" charset="0"/>
+                                  <a:ea typeface="Cambria Math" panose="02040503050406030204" pitchFamily="18" charset="0"/>
+                                </a:rPr>
+                                <m:t>𝑡</m:t>
+                              </m:r>
+                            </m:e>
+                            <m:sub>
+                              <m:r>
+                                <a:rPr lang="en-US" sz="2400" i="1">
+                                  <a:latin typeface="Cambria Math" panose="02040503050406030204" pitchFamily="18" charset="0"/>
+                                  <a:ea typeface="Cambria Math" panose="02040503050406030204" pitchFamily="18" charset="0"/>
+                                </a:rPr>
+                                <m:t>𝑖</m:t>
+                              </m:r>
+                            </m:sub>
+                          </m:sSub>
+                          <m:r>
+                            <a:rPr lang="en-US" sz="2400" i="1">
+                              <a:latin typeface="Cambria Math" panose="02040503050406030204" pitchFamily="18" charset="0"/>
+                              <a:ea typeface="Cambria Math" panose="02040503050406030204" pitchFamily="18" charset="0"/>
+                            </a:rPr>
+                            <m:t>≤</m:t>
+                          </m:r>
+                          <m:r>
+                            <a:rPr lang="en-US" sz="2400" i="1" smtClean="0">
+                              <a:latin typeface="Cambria Math" panose="02040503050406030204" pitchFamily="18" charset="0"/>
+                              <a:ea typeface="Cambria Math" panose="02040503050406030204" pitchFamily="18" charset="0"/>
+                            </a:rPr>
+                            <m:t>3</m:t>
+                          </m:r>
+                        </m:e>
+                      </m:nary>
+                    </m:oMath>
+                  </m:oMathPara>
+                </a14:m>
+                <a:endParaRPr lang="en-US" sz="2400" b="0" i="1" dirty="0">
+                  <a:latin typeface="Cambria Math" panose="02040503050406030204" pitchFamily="18" charset="0"/>
+                  <a:ea typeface="Cambria Math" panose="02040503050406030204" pitchFamily="18" charset="0"/>
+                </a:endParaRPr>
+              </a:p>
+              <a:p>
+                <a:pPr/>
+                <a14:m>
+                  <m:oMathPara xmlns:m="http://schemas.openxmlformats.org/officeDocument/2006/math">
+                    <m:oMathParaPr>
+                      <m:jc m:val="centerGroup"/>
+                    </m:oMathParaPr>
+                    <m:oMath xmlns:m="http://schemas.openxmlformats.org/officeDocument/2006/math">
+                      <m:r>
+                        <a:rPr lang="en-US" sz="2400" b="0" i="1" smtClean="0">
+                          <a:latin typeface="Cambria Math" panose="02040503050406030204" pitchFamily="18" charset="0"/>
+                          <a:ea typeface="Cambria Math" panose="02040503050406030204" pitchFamily="18" charset="0"/>
+                        </a:rPr>
+                        <m:t>𝑊</m:t>
+                      </m:r>
+                      <m:r>
+                        <a:rPr lang="en-US" sz="2400" i="1">
+                          <a:latin typeface="Cambria Math" panose="02040503050406030204" pitchFamily="18" charset="0"/>
+                          <a:ea typeface="Cambria Math" panose="02040503050406030204" pitchFamily="18" charset="0"/>
+                        </a:rPr>
+                        <m:t>=</m:t>
+                      </m:r>
+                      <m:d>
+                        <m:dPr>
+                          <m:begChr m:val="{"/>
+                          <m:endChr m:val="}"/>
+                          <m:ctrlPr>
+                            <a:rPr lang="en-US" sz="2400" i="1">
+                              <a:latin typeface="Cambria Math" panose="02040503050406030204" pitchFamily="18" charset="0"/>
+                              <a:ea typeface="Cambria Math" panose="02040503050406030204" pitchFamily="18" charset="0"/>
+                            </a:rPr>
+                          </m:ctrlPr>
+                        </m:dPr>
+                        <m:e>
+                          <m:r>
+                            <a:rPr lang="en-US" sz="2400" b="0" i="1" smtClean="0">
+                              <a:latin typeface="Cambria Math" panose="02040503050406030204" pitchFamily="18" charset="0"/>
+                              <a:ea typeface="Cambria Math" panose="02040503050406030204" pitchFamily="18" charset="0"/>
+                            </a:rPr>
+                            <m:t>33, 34, 35, 36</m:t>
+                          </m:r>
+                        </m:e>
+                      </m:d>
+                      <m:r>
+                        <a:rPr lang="en-US" sz="2400" b="0" i="1" smtClean="0">
+                          <a:latin typeface="Cambria Math" panose="02040503050406030204" pitchFamily="18" charset="0"/>
+                          <a:ea typeface="Cambria Math" panose="02040503050406030204" pitchFamily="18" charset="0"/>
+                        </a:rPr>
+                        <m:t>  </m:t>
+                      </m:r>
+                      <m:nary>
+                        <m:naryPr>
+                          <m:chr m:val="∑"/>
+                          <m:supHide m:val="on"/>
+                          <m:ctrlPr>
+                            <a:rPr lang="en-US" sz="2400" i="1">
+                              <a:latin typeface="Cambria Math" panose="02040503050406030204" pitchFamily="18" charset="0"/>
+                              <a:ea typeface="Cambria Math" panose="02040503050406030204" pitchFamily="18" charset="0"/>
+                            </a:rPr>
+                          </m:ctrlPr>
+                        </m:naryPr>
+                        <m:sub>
+                          <m:r>
+                            <a:rPr lang="en-US" sz="2400" i="1">
+                              <a:latin typeface="Cambria Math" panose="02040503050406030204" pitchFamily="18" charset="0"/>
+                              <a:ea typeface="Cambria Math" panose="02040503050406030204" pitchFamily="18" charset="0"/>
+                            </a:rPr>
+                            <m:t>𝑖</m:t>
+                          </m:r>
+                          <m:r>
+                            <a:rPr lang="en-US" sz="2400" i="1">
+                              <a:latin typeface="Cambria Math" panose="02040503050406030204" pitchFamily="18" charset="0"/>
+                              <a:ea typeface="Cambria Math" panose="02040503050406030204" pitchFamily="18" charset="0"/>
+                            </a:rPr>
+                            <m:t>∈</m:t>
+                          </m:r>
+                          <m:r>
+                            <a:rPr lang="en-US" sz="2400" i="1">
+                              <a:latin typeface="Cambria Math" panose="02040503050406030204" pitchFamily="18" charset="0"/>
+                              <a:ea typeface="Cambria Math" panose="02040503050406030204" pitchFamily="18" charset="0"/>
+                            </a:rPr>
+                            <m:t>𝑇</m:t>
+                          </m:r>
+                        </m:sub>
+                        <m:sup/>
+                        <m:e>
+                          <m:sSub>
+                            <m:sSubPr>
+                              <m:ctrlPr>
+                                <a:rPr lang="en-US" sz="2400" i="1">
+                                  <a:latin typeface="Cambria Math" panose="02040503050406030204" pitchFamily="18" charset="0"/>
+                                  <a:ea typeface="Cambria Math" panose="02040503050406030204" pitchFamily="18" charset="0"/>
+                                </a:rPr>
+                              </m:ctrlPr>
+                            </m:sSubPr>
+                            <m:e>
+                              <m:r>
+                                <a:rPr lang="en-US" sz="2400" i="1">
+                                  <a:latin typeface="Cambria Math" panose="02040503050406030204" pitchFamily="18" charset="0"/>
+                                  <a:ea typeface="Cambria Math" panose="02040503050406030204" pitchFamily="18" charset="0"/>
+                                </a:rPr>
+                                <m:t>𝑡</m:t>
+                              </m:r>
+                            </m:e>
+                            <m:sub>
+                              <m:r>
+                                <a:rPr lang="en-US" sz="2400" i="1">
+                                  <a:latin typeface="Cambria Math" panose="02040503050406030204" pitchFamily="18" charset="0"/>
+                                  <a:ea typeface="Cambria Math" panose="02040503050406030204" pitchFamily="18" charset="0"/>
+                                </a:rPr>
+                                <m:t>𝑖</m:t>
+                              </m:r>
+                            </m:sub>
+                          </m:sSub>
+                          <m:r>
+                            <a:rPr lang="en-US" sz="2400" i="1">
+                              <a:latin typeface="Cambria Math" panose="02040503050406030204" pitchFamily="18" charset="0"/>
+                              <a:ea typeface="Cambria Math" panose="02040503050406030204" pitchFamily="18" charset="0"/>
+                            </a:rPr>
+                            <m:t>≤</m:t>
+                          </m:r>
+                          <m:r>
+                            <a:rPr lang="en-US" sz="2400" i="1">
+                              <a:latin typeface="Cambria Math" panose="02040503050406030204" pitchFamily="18" charset="0"/>
+                              <a:ea typeface="Cambria Math" panose="02040503050406030204" pitchFamily="18" charset="0"/>
+                            </a:rPr>
+                            <m:t>𝑦</m:t>
+                          </m:r>
+                          <m:d>
+                            <m:dPr>
+                              <m:begChr m:val="["/>
+                              <m:endChr m:val="]"/>
+                              <m:ctrlPr>
+                                <a:rPr lang="en-US" sz="2400" i="1">
+                                  <a:latin typeface="Cambria Math" panose="02040503050406030204" pitchFamily="18" charset="0"/>
+                                  <a:ea typeface="Cambria Math" panose="02040503050406030204" pitchFamily="18" charset="0"/>
+                                </a:rPr>
+                              </m:ctrlPr>
+                            </m:dPr>
+                            <m:e>
+                              <m:r>
+                                <a:rPr lang="en-US" sz="2400" i="1">
+                                  <a:latin typeface="Cambria Math" panose="02040503050406030204" pitchFamily="18" charset="0"/>
+                                  <a:ea typeface="Cambria Math" panose="02040503050406030204" pitchFamily="18" charset="0"/>
+                                </a:rPr>
+                                <m:t>2</m:t>
+                              </m:r>
+                            </m:e>
+                          </m:d>
+                          <m:r>
+                            <a:rPr lang="en-US" sz="2400" i="1">
+                              <a:latin typeface="Cambria Math" panose="02040503050406030204" pitchFamily="18" charset="0"/>
+                              <a:ea typeface="Cambria Math" panose="02040503050406030204" pitchFamily="18" charset="0"/>
+                            </a:rPr>
+                            <m:t>×15</m:t>
+                          </m:r>
+                        </m:e>
+                      </m:nary>
+                    </m:oMath>
+                  </m:oMathPara>
+                </a14:m>
+                <a:endParaRPr lang="en-US" sz="2400" b="0" i="1" dirty="0">
+                  <a:latin typeface="Cambria Math" panose="02040503050406030204" pitchFamily="18" charset="0"/>
+                  <a:ea typeface="Cambria Math" panose="02040503050406030204" pitchFamily="18" charset="0"/>
+                </a:endParaRPr>
+              </a:p>
+              <a:p>
+                <a:pPr/>
+                <a14:m>
+                  <m:oMathPara xmlns:m="http://schemas.openxmlformats.org/officeDocument/2006/math">
+                    <m:oMathParaPr>
+                      <m:jc m:val="centerGroup"/>
+                    </m:oMathParaPr>
+                    <m:oMath xmlns:m="http://schemas.openxmlformats.org/officeDocument/2006/math">
+                      <m:r>
+                        <a:rPr lang="en-US" sz="2400" b="0" i="1" smtClean="0">
+                          <a:latin typeface="Cambria Math" panose="02040503050406030204" pitchFamily="18" charset="0"/>
+                          <a:ea typeface="Cambria Math" panose="02040503050406030204" pitchFamily="18" charset="0"/>
+                        </a:rPr>
+                        <m:t>𝑇h</m:t>
+                      </m:r>
+                      <m:r>
+                        <a:rPr lang="en-US" sz="2400" i="1">
+                          <a:latin typeface="Cambria Math" panose="02040503050406030204" pitchFamily="18" charset="0"/>
+                          <a:ea typeface="Cambria Math" panose="02040503050406030204" pitchFamily="18" charset="0"/>
+                        </a:rPr>
+                        <m:t>=</m:t>
+                      </m:r>
+                      <m:d>
+                        <m:dPr>
+                          <m:begChr m:val="{"/>
+                          <m:endChr m:val="}"/>
+                          <m:ctrlPr>
+                            <a:rPr lang="en-US" sz="2400" i="1">
+                              <a:latin typeface="Cambria Math" panose="02040503050406030204" pitchFamily="18" charset="0"/>
+                              <a:ea typeface="Cambria Math" panose="02040503050406030204" pitchFamily="18" charset="0"/>
+                            </a:rPr>
+                          </m:ctrlPr>
+                        </m:dPr>
+                        <m:e/>
+                      </m:d>
+                      <m:r>
+                        <a:rPr lang="en-US" sz="2400" b="0" i="1" smtClean="0">
+                          <a:latin typeface="Cambria Math" panose="02040503050406030204" pitchFamily="18" charset="0"/>
+                          <a:ea typeface="Cambria Math" panose="02040503050406030204" pitchFamily="18" charset="0"/>
+                        </a:rPr>
+                        <m:t>  </m:t>
+                      </m:r>
+                      <m:nary>
+                        <m:naryPr>
+                          <m:chr m:val="∑"/>
+                          <m:supHide m:val="on"/>
+                          <m:ctrlPr>
+                            <a:rPr lang="en-US" sz="2400" i="1">
+                              <a:latin typeface="Cambria Math" panose="02040503050406030204" pitchFamily="18" charset="0"/>
+                              <a:ea typeface="Cambria Math" panose="02040503050406030204" pitchFamily="18" charset="0"/>
+                            </a:rPr>
+                          </m:ctrlPr>
+                        </m:naryPr>
+                        <m:sub>
+                          <m:r>
+                            <a:rPr lang="en-US" sz="2400" i="1">
+                              <a:latin typeface="Cambria Math" panose="02040503050406030204" pitchFamily="18" charset="0"/>
+                              <a:ea typeface="Cambria Math" panose="02040503050406030204" pitchFamily="18" charset="0"/>
+                            </a:rPr>
+                            <m:t>𝑖</m:t>
+                          </m:r>
+                          <m:r>
+                            <a:rPr lang="en-US" sz="2400" i="1">
+                              <a:latin typeface="Cambria Math" panose="02040503050406030204" pitchFamily="18" charset="0"/>
+                              <a:ea typeface="Cambria Math" panose="02040503050406030204" pitchFamily="18" charset="0"/>
+                            </a:rPr>
+                            <m:t>∈</m:t>
+                          </m:r>
+                          <m:r>
+                            <a:rPr lang="en-US" sz="2400" i="1">
+                              <a:latin typeface="Cambria Math" panose="02040503050406030204" pitchFamily="18" charset="0"/>
+                              <a:ea typeface="Cambria Math" panose="02040503050406030204" pitchFamily="18" charset="0"/>
+                            </a:rPr>
+                            <m:t>𝑇</m:t>
+                          </m:r>
+                        </m:sub>
+                        <m:sup/>
+                        <m:e>
+                          <m:sSub>
+                            <m:sSubPr>
+                              <m:ctrlPr>
+                                <a:rPr lang="en-US" sz="2400" i="1">
+                                  <a:latin typeface="Cambria Math" panose="02040503050406030204" pitchFamily="18" charset="0"/>
+                                  <a:ea typeface="Cambria Math" panose="02040503050406030204" pitchFamily="18" charset="0"/>
+                                </a:rPr>
+                              </m:ctrlPr>
+                            </m:sSubPr>
+                            <m:e>
+                              <m:r>
+                                <a:rPr lang="en-US" sz="2400" i="1">
+                                  <a:latin typeface="Cambria Math" panose="02040503050406030204" pitchFamily="18" charset="0"/>
+                                  <a:ea typeface="Cambria Math" panose="02040503050406030204" pitchFamily="18" charset="0"/>
+                                </a:rPr>
+                                <m:t>𝑡</m:t>
+                              </m:r>
+                            </m:e>
+                            <m:sub>
+                              <m:r>
+                                <a:rPr lang="en-US" sz="2400" i="1">
+                                  <a:latin typeface="Cambria Math" panose="02040503050406030204" pitchFamily="18" charset="0"/>
+                                  <a:ea typeface="Cambria Math" panose="02040503050406030204" pitchFamily="18" charset="0"/>
+                                </a:rPr>
+                                <m:t>𝑖</m:t>
+                              </m:r>
+                            </m:sub>
+                          </m:sSub>
+                          <m:r>
+                            <a:rPr lang="en-US" sz="2400" i="1">
+                              <a:latin typeface="Cambria Math" panose="02040503050406030204" pitchFamily="18" charset="0"/>
+                              <a:ea typeface="Cambria Math" panose="02040503050406030204" pitchFamily="18" charset="0"/>
+                            </a:rPr>
+                            <m:t>≤</m:t>
+                          </m:r>
+                          <m:r>
+                            <a:rPr lang="en-US" sz="2400" i="1">
+                              <a:latin typeface="Cambria Math" panose="02040503050406030204" pitchFamily="18" charset="0"/>
+                              <a:ea typeface="Cambria Math" panose="02040503050406030204" pitchFamily="18" charset="0"/>
+                            </a:rPr>
+                            <m:t>𝑦</m:t>
+                          </m:r>
+                          <m:d>
+                            <m:dPr>
+                              <m:begChr m:val="["/>
+                              <m:endChr m:val="]"/>
+                              <m:ctrlPr>
+                                <a:rPr lang="en-US" sz="2400" i="1">
+                                  <a:latin typeface="Cambria Math" panose="02040503050406030204" pitchFamily="18" charset="0"/>
+                                  <a:ea typeface="Cambria Math" panose="02040503050406030204" pitchFamily="18" charset="0"/>
+                                </a:rPr>
+                              </m:ctrlPr>
+                            </m:dPr>
+                            <m:e>
+                              <m:r>
+                                <a:rPr lang="en-US" sz="2400" i="1">
+                                  <a:latin typeface="Cambria Math" panose="02040503050406030204" pitchFamily="18" charset="0"/>
+                                  <a:ea typeface="Cambria Math" panose="02040503050406030204" pitchFamily="18" charset="0"/>
+                                </a:rPr>
+                                <m:t>2</m:t>
+                              </m:r>
+                            </m:e>
+                          </m:d>
+                          <m:r>
+                            <a:rPr lang="en-US" sz="2400" i="1">
+                              <a:latin typeface="Cambria Math" panose="02040503050406030204" pitchFamily="18" charset="0"/>
+                              <a:ea typeface="Cambria Math" panose="02040503050406030204" pitchFamily="18" charset="0"/>
+                            </a:rPr>
+                            <m:t>×15</m:t>
+                          </m:r>
+                        </m:e>
+                      </m:nary>
+                    </m:oMath>
+                  </m:oMathPara>
+                </a14:m>
+                <a:endParaRPr lang="en-US" sz="2400" b="0" i="1" dirty="0">
+                  <a:latin typeface="Cambria Math" panose="02040503050406030204" pitchFamily="18" charset="0"/>
+                  <a:ea typeface="Cambria Math" panose="02040503050406030204" pitchFamily="18" charset="0"/>
+                </a:endParaRPr>
+              </a:p>
+              <a:p>
+                <a:pPr/>
+                <a14:m>
+                  <m:oMathPara xmlns:m="http://schemas.openxmlformats.org/officeDocument/2006/math">
+                    <m:oMathParaPr>
+                      <m:jc m:val="centerGroup"/>
+                    </m:oMathParaPr>
+                    <m:oMath xmlns:m="http://schemas.openxmlformats.org/officeDocument/2006/math">
+                      <m:r>
+                        <a:rPr lang="en-US" sz="2400" b="0" i="1" smtClean="0">
+                          <a:latin typeface="Cambria Math" panose="02040503050406030204" pitchFamily="18" charset="0"/>
+                          <a:ea typeface="Cambria Math" panose="02040503050406030204" pitchFamily="18" charset="0"/>
+                        </a:rPr>
+                        <m:t>𝐹</m:t>
+                      </m:r>
+                      <m:r>
+                        <a:rPr lang="en-US" sz="2400" i="1">
+                          <a:latin typeface="Cambria Math" panose="02040503050406030204" pitchFamily="18" charset="0"/>
+                          <a:ea typeface="Cambria Math" panose="02040503050406030204" pitchFamily="18" charset="0"/>
+                        </a:rPr>
+                        <m:t>=</m:t>
+                      </m:r>
+                      <m:d>
+                        <m:dPr>
+                          <m:begChr m:val="{"/>
+                          <m:endChr m:val="}"/>
+                          <m:ctrlPr>
+                            <a:rPr lang="en-US" sz="2400" i="1">
+                              <a:latin typeface="Cambria Math" panose="02040503050406030204" pitchFamily="18" charset="0"/>
+                              <a:ea typeface="Cambria Math" panose="02040503050406030204" pitchFamily="18" charset="0"/>
+                            </a:rPr>
+                          </m:ctrlPr>
+                        </m:dPr>
+                        <m:e>
+                          <m:r>
+                            <a:rPr lang="en-US" sz="2400" i="1">
+                              <a:latin typeface="Cambria Math" panose="02040503050406030204" pitchFamily="18" charset="0"/>
+                              <a:ea typeface="Cambria Math" panose="02040503050406030204" pitchFamily="18" charset="0"/>
+                            </a:rPr>
+                            <m:t>1,2,…,15</m:t>
+                          </m:r>
+                        </m:e>
+                      </m:d>
+                      <m:r>
+                        <a:rPr lang="en-US" sz="2400" b="0" i="1" smtClean="0">
+                          <a:latin typeface="Cambria Math" panose="02040503050406030204" pitchFamily="18" charset="0"/>
+                          <a:ea typeface="Cambria Math" panose="02040503050406030204" pitchFamily="18" charset="0"/>
+                        </a:rPr>
+                        <m:t>    </m:t>
+                      </m:r>
+                      <m:nary>
+                        <m:naryPr>
+                          <m:chr m:val="∑"/>
+                          <m:supHide m:val="on"/>
+                          <m:ctrlPr>
+                            <a:rPr lang="en-US" sz="2400" i="1">
+                              <a:latin typeface="Cambria Math" panose="02040503050406030204" pitchFamily="18" charset="0"/>
+                              <a:ea typeface="Cambria Math" panose="02040503050406030204" pitchFamily="18" charset="0"/>
+                            </a:rPr>
+                          </m:ctrlPr>
+                        </m:naryPr>
+                        <m:sub>
+                          <m:r>
+                            <a:rPr lang="en-US" sz="2400" i="1">
+                              <a:latin typeface="Cambria Math" panose="02040503050406030204" pitchFamily="18" charset="0"/>
+                              <a:ea typeface="Cambria Math" panose="02040503050406030204" pitchFamily="18" charset="0"/>
+                            </a:rPr>
+                            <m:t>𝑖</m:t>
+                          </m:r>
+                          <m:r>
+                            <a:rPr lang="en-US" sz="2400" i="1">
+                              <a:latin typeface="Cambria Math" panose="02040503050406030204" pitchFamily="18" charset="0"/>
+                              <a:ea typeface="Cambria Math" panose="02040503050406030204" pitchFamily="18" charset="0"/>
+                            </a:rPr>
+                            <m:t>∈</m:t>
+                          </m:r>
+                          <m:r>
+                            <a:rPr lang="en-US" sz="2400" i="1">
+                              <a:latin typeface="Cambria Math" panose="02040503050406030204" pitchFamily="18" charset="0"/>
+                              <a:ea typeface="Cambria Math" panose="02040503050406030204" pitchFamily="18" charset="0"/>
+                            </a:rPr>
+                            <m:t>𝑇</m:t>
+                          </m:r>
+                        </m:sub>
+                        <m:sup/>
+                        <m:e>
+                          <m:sSub>
+                            <m:sSubPr>
+                              <m:ctrlPr>
+                                <a:rPr lang="en-US" sz="2400" i="1">
+                                  <a:latin typeface="Cambria Math" panose="02040503050406030204" pitchFamily="18" charset="0"/>
+                                  <a:ea typeface="Cambria Math" panose="02040503050406030204" pitchFamily="18" charset="0"/>
+                                </a:rPr>
+                              </m:ctrlPr>
+                            </m:sSubPr>
+                            <m:e>
+                              <m:r>
+                                <a:rPr lang="en-US" sz="2400" i="1">
+                                  <a:latin typeface="Cambria Math" panose="02040503050406030204" pitchFamily="18" charset="0"/>
+                                  <a:ea typeface="Cambria Math" panose="02040503050406030204" pitchFamily="18" charset="0"/>
+                                </a:rPr>
+                                <m:t>𝑡</m:t>
+                              </m:r>
+                            </m:e>
+                            <m:sub>
+                              <m:r>
+                                <a:rPr lang="en-US" sz="2400" i="1">
+                                  <a:latin typeface="Cambria Math" panose="02040503050406030204" pitchFamily="18" charset="0"/>
+                                  <a:ea typeface="Cambria Math" panose="02040503050406030204" pitchFamily="18" charset="0"/>
+                                </a:rPr>
+                                <m:t>𝑖</m:t>
+                              </m:r>
+                            </m:sub>
+                          </m:sSub>
+                          <m:r>
+                            <a:rPr lang="en-US" sz="2400" i="1">
+                              <a:latin typeface="Cambria Math" panose="02040503050406030204" pitchFamily="18" charset="0"/>
+                              <a:ea typeface="Cambria Math" panose="02040503050406030204" pitchFamily="18" charset="0"/>
+                            </a:rPr>
+                            <m:t>≤</m:t>
+                          </m:r>
+                          <m:r>
+                            <a:rPr lang="en-US" sz="2400" i="1">
+                              <a:latin typeface="Cambria Math" panose="02040503050406030204" pitchFamily="18" charset="0"/>
+                              <a:ea typeface="Cambria Math" panose="02040503050406030204" pitchFamily="18" charset="0"/>
+                            </a:rPr>
+                            <m:t>𝑦</m:t>
+                          </m:r>
+                          <m:d>
+                            <m:dPr>
+                              <m:begChr m:val="["/>
+                              <m:endChr m:val="]"/>
+                              <m:ctrlPr>
+                                <a:rPr lang="en-US" sz="2400" i="1">
+                                  <a:latin typeface="Cambria Math" panose="02040503050406030204" pitchFamily="18" charset="0"/>
+                                  <a:ea typeface="Cambria Math" panose="02040503050406030204" pitchFamily="18" charset="0"/>
+                                </a:rPr>
+                              </m:ctrlPr>
+                            </m:dPr>
+                            <m:e>
+                              <m:r>
+                                <a:rPr lang="en-US" sz="2400" i="1">
+                                  <a:latin typeface="Cambria Math" panose="02040503050406030204" pitchFamily="18" charset="0"/>
+                                  <a:ea typeface="Cambria Math" panose="02040503050406030204" pitchFamily="18" charset="0"/>
+                                </a:rPr>
+                                <m:t>2</m:t>
+                              </m:r>
+                            </m:e>
+                          </m:d>
+                          <m:r>
+                            <a:rPr lang="en-US" sz="2400" i="1">
+                              <a:latin typeface="Cambria Math" panose="02040503050406030204" pitchFamily="18" charset="0"/>
+                              <a:ea typeface="Cambria Math" panose="02040503050406030204" pitchFamily="18" charset="0"/>
+                            </a:rPr>
+                            <m:t>×15</m:t>
+                          </m:r>
+                        </m:e>
+                      </m:nary>
+                    </m:oMath>
+                  </m:oMathPara>
+                </a14:m>
+                <a:endParaRPr lang="en-US" sz="2400" dirty="0">
+                  <a:ea typeface="Cambria Math" panose="02040503050406030204" pitchFamily="18" charset="0"/>
+                </a:endParaRPr>
+              </a:p>
+            </p:txBody>
+          </p:sp>
+        </mc:Choice>
+        <mc:Fallback>
+          <p:sp>
+            <p:nvSpPr>
+              <p:cNvPr id="4" name="TextBox 3">
+                <a:extLst>
+                  <a:ext uri="{FF2B5EF4-FFF2-40B4-BE49-F238E27FC236}">
+                    <a16:creationId xmlns:a16="http://schemas.microsoft.com/office/drawing/2014/main" id="{94B801CE-4490-4CCE-8F38-1BA262079709}"/>
+                  </a:ext>
+                </a:extLst>
+              </p:cNvPr>
+              <p:cNvSpPr txBox="1">
+                <a:spLocks noRot="1" noChangeAspect="1" noMove="1" noResize="1" noEditPoints="1" noAdjustHandles="1" noChangeArrowheads="1" noChangeShapeType="1" noTextEdit="1"/>
+              </p:cNvSpPr>
+              <p:nvPr/>
+            </p:nvSpPr>
+            <p:spPr>
+              <a:xfrm>
+                <a:off x="815388" y="34320"/>
+                <a:ext cx="8916856" cy="5312032"/>
+              </a:xfrm>
+              <a:prstGeom prst="rect">
+                <a:avLst/>
+              </a:prstGeom>
+              <a:blipFill>
+                <a:blip r:embed="rId2"/>
+                <a:stretch>
+                  <a:fillRect l="-1094" t="-918"/>
+                </a:stretch>
+              </a:blipFill>
+            </p:spPr>
+            <p:txBody>
+              <a:bodyPr/>
+              <a:lstStyle/>
+              <a:p>
+                <a:r>
+                  <a:rPr lang="en-US">
+                    <a:noFill/>
+                  </a:rPr>
+                  <a:t> </a:t>
+                </a:r>
+              </a:p>
+            </p:txBody>
+          </p:sp>
+        </mc:Fallback>
+      </mc:AlternateContent>
+    </p:spTree>
+    <p:extLst>
+      <p:ext uri="{BB962C8B-B14F-4D97-AF65-F5344CB8AC3E}">
+        <p14:creationId xmlns:p14="http://schemas.microsoft.com/office/powerpoint/2010/main" val="3865339247"/>
+      </p:ext>
+    </p:extLst>
+  </p:cSld>
+  <p:clrMapOvr>
+    <a:masterClrMapping/>
+  </p:clrMapOvr>
+</p:sld>
+</file>
+
+<file path=ppt/slides/slide7.xml><?xml version="1.0" encoding="utf-8"?>
+<p:sld xmlns:a="http://schemas.openxmlformats.org/drawingml/2006/main" xmlns:r="http://schemas.openxmlformats.org/officeDocument/2006/relationships" xmlns:p="http://schemas.openxmlformats.org/presentationml/2006/main">
+  <p:cSld>
+    <p:spTree>
+      <p:nvGrpSpPr>
+        <p:cNvPr id="1" name=""/>
+        <p:cNvGrpSpPr/>
+        <p:nvPr/>
+      </p:nvGrpSpPr>
+      <p:grpSpPr>
+        <a:xfrm>
+          <a:off x="0" y="0"/>
+          <a:ext cx="0" cy="0"/>
+          <a:chOff x="0" y="0"/>
+          <a:chExt cx="0" cy="0"/>
+        </a:xfrm>
+      </p:grpSpPr>
+      <mc:AlternateContent xmlns:mc="http://schemas.openxmlformats.org/markup-compatibility/2006">
+        <mc:Choice xmlns:a14="http://schemas.microsoft.com/office/drawing/2010/main" Requires="a14">
+          <p:sp>
+            <p:nvSpPr>
+              <p:cNvPr id="4" name="TextBox 3">
+                <a:extLst>
+                  <a:ext uri="{FF2B5EF4-FFF2-40B4-BE49-F238E27FC236}">
+                    <a16:creationId xmlns:a16="http://schemas.microsoft.com/office/drawing/2014/main" id="{94B801CE-4490-4CCE-8F38-1BA262079709}"/>
+                  </a:ext>
+                </a:extLst>
+              </p:cNvPr>
+              <p:cNvSpPr txBox="1"/>
+              <p:nvPr/>
+            </p:nvSpPr>
+            <p:spPr>
+              <a:xfrm>
+                <a:off x="815388" y="34320"/>
+                <a:ext cx="8916856" cy="3046988"/>
+              </a:xfrm>
+              <a:prstGeom prst="rect">
+                <a:avLst/>
+              </a:prstGeom>
+              <a:noFill/>
+            </p:spPr>
+            <p:txBody>
+              <a:bodyPr wrap="square" rtlCol="0">
+                <a:spAutoFit/>
+              </a:bodyPr>
+              <a:lstStyle/>
+              <a:p>
+                <a:r>
+                  <a:rPr lang="en-US" sz="2400" b="0" dirty="0">
+                    <a:latin typeface="Cambria Math" panose="02040503050406030204" pitchFamily="18" charset="0"/>
+                  </a:rPr>
+                  <a:t>Constraints:</a:t>
+                </a:r>
+              </a:p>
+              <a:p>
+                <a:pPr/>
+                <a14:m>
+                  <m:oMathPara xmlns:m="http://schemas.openxmlformats.org/officeDocument/2006/math">
+                    <m:oMathParaPr>
+                      <m:jc m:val="centerGroup"/>
+                    </m:oMathParaPr>
+                    <m:oMath xmlns:m="http://schemas.openxmlformats.org/officeDocument/2006/math">
+                      <m:r>
+                        <a:rPr lang="en-US" sz="2400" b="0" i="1" smtClean="0">
+                          <a:latin typeface="Cambria Math" panose="02040503050406030204" pitchFamily="18" charset="0"/>
+                        </a:rPr>
+                        <m:t>𝑚𝑜𝑑𝑢𝑙𝑒</m:t>
+                      </m:r>
+                      <m:r>
+                        <a:rPr lang="en-US" sz="2400" b="0" i="1" smtClean="0">
+                          <a:latin typeface="Cambria Math" panose="02040503050406030204" pitchFamily="18" charset="0"/>
+                        </a:rPr>
+                        <m:t> </m:t>
+                      </m:r>
+                      <m:r>
+                        <a:rPr lang="en-US" sz="2400" b="0" i="1" smtClean="0">
+                          <a:latin typeface="Cambria Math" panose="02040503050406030204" pitchFamily="18" charset="0"/>
+                        </a:rPr>
+                        <m:t>𝑝𝑟𝑒𝑟𝑒𝑞𝑢𝑖𝑠𝑖𝑡𝑒𝑠</m:t>
+                      </m:r>
+                      <m:r>
+                        <a:rPr lang="en-US" sz="2400" b="0" i="1" smtClean="0">
+                          <a:latin typeface="Cambria Math" panose="02040503050406030204" pitchFamily="18" charset="0"/>
+                        </a:rPr>
+                        <m:t> </m:t>
+                      </m:r>
+                      <m:r>
+                        <a:rPr lang="en-US" sz="2400" b="0" i="1" smtClean="0">
+                          <a:latin typeface="Cambria Math" panose="02040503050406030204" pitchFamily="18" charset="0"/>
+                        </a:rPr>
+                        <m:t>𝑚𝑢𝑠𝑡</m:t>
+                      </m:r>
+                      <m:r>
+                        <a:rPr lang="en-US" sz="2400" b="0" i="1" smtClean="0">
+                          <a:latin typeface="Cambria Math" panose="02040503050406030204" pitchFamily="18" charset="0"/>
+                        </a:rPr>
+                        <m:t> </m:t>
+                      </m:r>
+                      <m:r>
+                        <a:rPr lang="en-US" sz="2400" b="0" i="1" smtClean="0">
+                          <a:latin typeface="Cambria Math" panose="02040503050406030204" pitchFamily="18" charset="0"/>
+                        </a:rPr>
+                        <m:t>𝑏𝑒</m:t>
+                      </m:r>
+                      <m:r>
+                        <a:rPr lang="en-US" sz="2400" b="0" i="1" smtClean="0">
+                          <a:latin typeface="Cambria Math" panose="02040503050406030204" pitchFamily="18" charset="0"/>
+                        </a:rPr>
+                        <m:t> </m:t>
+                      </m:r>
+                      <m:r>
+                        <a:rPr lang="en-US" sz="2400" b="0" i="1" smtClean="0">
+                          <a:latin typeface="Cambria Math" panose="02040503050406030204" pitchFamily="18" charset="0"/>
+                        </a:rPr>
+                        <m:t>𝑠𝑎𝑡𝑖𝑠𝑓𝑖𝑒𝑑</m:t>
+                      </m:r>
+                    </m:oMath>
+                  </m:oMathPara>
+                </a14:m>
+                <a:endParaRPr lang="en-US" sz="2400" b="0" i="1" dirty="0">
+                  <a:latin typeface="Cambria Math" panose="02040503050406030204" pitchFamily="18" charset="0"/>
+                </a:endParaRPr>
+              </a:p>
+              <a:p>
+                <a:pPr/>
+                <a14:m>
+                  <m:oMathPara xmlns:m="http://schemas.openxmlformats.org/officeDocument/2006/math">
+                    <m:oMathParaPr>
+                      <m:jc m:val="centerGroup"/>
+                    </m:oMathParaPr>
+                    <m:oMath xmlns:m="http://schemas.openxmlformats.org/officeDocument/2006/math">
+                      <m:sSup>
+                        <m:sSupPr>
+                          <m:ctrlPr>
+                            <a:rPr lang="en-US" sz="2400" b="0" i="1" smtClean="0">
+                              <a:latin typeface="Cambria Math" panose="02040503050406030204" pitchFamily="18" charset="0"/>
+                              <a:ea typeface="Cambria Math" panose="02040503050406030204" pitchFamily="18" charset="0"/>
+                            </a:rPr>
+                          </m:ctrlPr>
+                        </m:sSupPr>
+                        <m:e>
+                          <m:r>
+                            <a:rPr lang="en-US" sz="2400" b="0" i="1" smtClean="0">
+                              <a:latin typeface="Cambria Math" panose="02040503050406030204" pitchFamily="18" charset="0"/>
+                              <a:ea typeface="Cambria Math" panose="02040503050406030204" pitchFamily="18" charset="0"/>
+                            </a:rPr>
+                            <m:t>𝑝</m:t>
+                          </m:r>
+                        </m:e>
+                        <m:sup>
+                          <m:r>
+                            <a:rPr lang="en-US" sz="2400" b="0" i="1" smtClean="0">
+                              <a:latin typeface="Cambria Math" panose="02040503050406030204" pitchFamily="18" charset="0"/>
+                              <a:ea typeface="Cambria Math" panose="02040503050406030204" pitchFamily="18" charset="0"/>
+                            </a:rPr>
+                            <m:t>𝑟</m:t>
+                          </m:r>
+                        </m:sup>
+                      </m:sSup>
+                      <m:d>
+                        <m:dPr>
+                          <m:begChr m:val="["/>
+                          <m:endChr m:val="]"/>
+                          <m:ctrlPr>
+                            <a:rPr lang="en-US" sz="2400" b="0" i="1" smtClean="0">
+                              <a:latin typeface="Cambria Math" panose="02040503050406030204" pitchFamily="18" charset="0"/>
+                              <a:ea typeface="Cambria Math" panose="02040503050406030204" pitchFamily="18" charset="0"/>
+                            </a:rPr>
+                          </m:ctrlPr>
+                        </m:dPr>
+                        <m:e>
+                          <m:r>
+                            <a:rPr lang="en-US" sz="2400" b="0" i="1" smtClean="0">
+                              <a:latin typeface="Cambria Math" panose="02040503050406030204" pitchFamily="18" charset="0"/>
+                              <a:ea typeface="Cambria Math" panose="02040503050406030204" pitchFamily="18" charset="0"/>
+                            </a:rPr>
+                            <m:t>𝑖</m:t>
+                          </m:r>
+                          <m:r>
+                            <a:rPr lang="en-US" sz="2400" b="0" i="1" smtClean="0">
+                              <a:latin typeface="Cambria Math" panose="02040503050406030204" pitchFamily="18" charset="0"/>
+                              <a:ea typeface="Cambria Math" panose="02040503050406030204" pitchFamily="18" charset="0"/>
+                            </a:rPr>
+                            <m:t>, :</m:t>
+                          </m:r>
+                        </m:e>
+                      </m:d>
+                      <m:r>
+                        <a:rPr lang="en-US" sz="2400" b="0" i="1" smtClean="0">
+                          <a:latin typeface="Cambria Math" panose="02040503050406030204" pitchFamily="18" charset="0"/>
+                          <a:ea typeface="Cambria Math" panose="02040503050406030204" pitchFamily="18" charset="0"/>
+                        </a:rPr>
+                        <m:t>×</m:t>
+                      </m:r>
+                      <m:sSup>
+                        <m:sSupPr>
+                          <m:ctrlPr>
+                            <a:rPr lang="en-US" sz="2400" b="0" i="1" smtClean="0">
+                              <a:latin typeface="Cambria Math" panose="02040503050406030204" pitchFamily="18" charset="0"/>
+                              <a:ea typeface="Cambria Math" panose="02040503050406030204" pitchFamily="18" charset="0"/>
+                            </a:rPr>
+                          </m:ctrlPr>
+                        </m:sSupPr>
+                        <m:e>
+                          <m:r>
+                            <a:rPr lang="en-US" sz="2400" b="0" i="1" smtClean="0">
+                              <a:latin typeface="Cambria Math" panose="02040503050406030204" pitchFamily="18" charset="0"/>
+                              <a:ea typeface="Cambria Math" panose="02040503050406030204" pitchFamily="18" charset="0"/>
+                            </a:rPr>
+                            <m:t>𝑚</m:t>
+                          </m:r>
+                        </m:e>
+                        <m:sup>
+                          <m:r>
+                            <a:rPr lang="en-US" sz="2400" b="0" i="1" smtClean="0">
+                              <a:latin typeface="Cambria Math" panose="02040503050406030204" pitchFamily="18" charset="0"/>
+                              <a:ea typeface="Cambria Math" panose="02040503050406030204" pitchFamily="18" charset="0"/>
+                            </a:rPr>
+                            <m:t>𝑡</m:t>
+                          </m:r>
+                        </m:sup>
+                      </m:sSup>
+                      <m:r>
+                        <a:rPr lang="en-US" sz="2400" b="0" i="1" smtClean="0">
+                          <a:latin typeface="Cambria Math" panose="02040503050406030204" pitchFamily="18" charset="0"/>
+                          <a:ea typeface="Cambria Math" panose="02040503050406030204" pitchFamily="18" charset="0"/>
+                        </a:rPr>
+                        <m:t>≥</m:t>
+                      </m:r>
+                      <m:r>
+                        <a:rPr lang="en-US" sz="2400" b="0" i="1" smtClean="0">
+                          <a:latin typeface="Cambria Math" panose="02040503050406030204" pitchFamily="18" charset="0"/>
+                          <a:ea typeface="Cambria Math" panose="02040503050406030204" pitchFamily="18" charset="0"/>
+                        </a:rPr>
+                        <m:t>𝑠𝑢𝑚</m:t>
+                      </m:r>
+                      <m:d>
+                        <m:dPr>
+                          <m:ctrlPr>
+                            <a:rPr lang="en-US" sz="2400" b="0" i="1" smtClean="0">
+                              <a:latin typeface="Cambria Math" panose="02040503050406030204" pitchFamily="18" charset="0"/>
+                              <a:ea typeface="Cambria Math" panose="02040503050406030204" pitchFamily="18" charset="0"/>
+                            </a:rPr>
+                          </m:ctrlPr>
+                        </m:dPr>
+                        <m:e>
+                          <m:sSup>
+                            <m:sSupPr>
+                              <m:ctrlPr>
+                                <a:rPr lang="en-US" sz="2400" b="0" i="1" smtClean="0">
+                                  <a:latin typeface="Cambria Math" panose="02040503050406030204" pitchFamily="18" charset="0"/>
+                                  <a:ea typeface="Cambria Math" panose="02040503050406030204" pitchFamily="18" charset="0"/>
+                                </a:rPr>
+                              </m:ctrlPr>
+                            </m:sSupPr>
+                            <m:e>
+                              <m:r>
+                                <a:rPr lang="en-US" sz="2400" b="0" i="1" smtClean="0">
+                                  <a:latin typeface="Cambria Math" panose="02040503050406030204" pitchFamily="18" charset="0"/>
+                                  <a:ea typeface="Cambria Math" panose="02040503050406030204" pitchFamily="18" charset="0"/>
+                                </a:rPr>
+                                <m:t>𝑝</m:t>
+                              </m:r>
+                            </m:e>
+                            <m:sup>
+                              <m:r>
+                                <a:rPr lang="en-US" sz="2400" b="0" i="1" smtClean="0">
+                                  <a:latin typeface="Cambria Math" panose="02040503050406030204" pitchFamily="18" charset="0"/>
+                                  <a:ea typeface="Cambria Math" panose="02040503050406030204" pitchFamily="18" charset="0"/>
+                                </a:rPr>
+                                <m:t>𝑟</m:t>
+                              </m:r>
+                            </m:sup>
+                          </m:sSup>
+                          <m:d>
+                            <m:dPr>
+                              <m:begChr m:val="["/>
+                              <m:endChr m:val="]"/>
+                              <m:ctrlPr>
+                                <a:rPr lang="en-US" sz="2400" b="0" i="0" smtClean="0">
+                                  <a:latin typeface="Cambria Math" panose="02040503050406030204" pitchFamily="18" charset="0"/>
+                                  <a:ea typeface="Cambria Math" panose="02040503050406030204" pitchFamily="18" charset="0"/>
+                                </a:rPr>
+                              </m:ctrlPr>
+                            </m:dPr>
+                            <m:e>
+                              <m:r>
+                                <m:rPr>
+                                  <m:sty m:val="p"/>
+                                </m:rPr>
+                                <a:rPr lang="en-US" sz="2400" b="0" i="0" smtClean="0">
+                                  <a:latin typeface="Cambria Math" panose="02040503050406030204" pitchFamily="18" charset="0"/>
+                                  <a:ea typeface="Cambria Math" panose="02040503050406030204" pitchFamily="18" charset="0"/>
+                                </a:rPr>
+                                <m:t>i</m:t>
+                              </m:r>
+                              <m:r>
+                                <a:rPr lang="en-US" sz="2400" b="0" i="0" smtClean="0">
+                                  <a:latin typeface="Cambria Math" panose="02040503050406030204" pitchFamily="18" charset="0"/>
+                                  <a:ea typeface="Cambria Math" panose="02040503050406030204" pitchFamily="18" charset="0"/>
+                                </a:rPr>
+                                <m:t>, :</m:t>
+                              </m:r>
+                            </m:e>
+                          </m:d>
+                        </m:e>
+                      </m:d>
+                      <m:r>
+                        <a:rPr lang="en-US" sz="2400" b="0" i="1" smtClean="0">
+                          <a:latin typeface="Cambria Math" panose="02040503050406030204" pitchFamily="18" charset="0"/>
+                          <a:ea typeface="Cambria Math" panose="02040503050406030204" pitchFamily="18" charset="0"/>
+                        </a:rPr>
+                        <m:t>×</m:t>
+                      </m:r>
+                      <m:r>
+                        <a:rPr lang="en-US" sz="2400" b="0" i="1" smtClean="0">
+                          <a:latin typeface="Cambria Math" panose="02040503050406030204" pitchFamily="18" charset="0"/>
+                          <a:ea typeface="Cambria Math" panose="02040503050406030204" pitchFamily="18" charset="0"/>
+                        </a:rPr>
+                        <m:t>𝑧</m:t>
+                      </m:r>
+                      <m:d>
+                        <m:dPr>
+                          <m:begChr m:val="["/>
+                          <m:endChr m:val="]"/>
+                          <m:ctrlPr>
+                            <a:rPr lang="en-US" sz="2400" b="0" i="1" smtClean="0">
+                              <a:latin typeface="Cambria Math" panose="02040503050406030204" pitchFamily="18" charset="0"/>
+                              <a:ea typeface="Cambria Math" panose="02040503050406030204" pitchFamily="18" charset="0"/>
+                            </a:rPr>
+                          </m:ctrlPr>
+                        </m:dPr>
+                        <m:e>
+                          <m:r>
+                            <a:rPr lang="en-US" sz="2400" b="0" i="1" smtClean="0">
+                              <a:latin typeface="Cambria Math" panose="02040503050406030204" pitchFamily="18" charset="0"/>
+                              <a:ea typeface="Cambria Math" panose="02040503050406030204" pitchFamily="18" charset="0"/>
+                            </a:rPr>
+                            <m:t>𝑖</m:t>
+                          </m:r>
+                        </m:e>
+                      </m:d>
+                      <m:r>
+                        <a:rPr lang="en-US" sz="2400" b="0" i="1" smtClean="0">
+                          <a:latin typeface="Cambria Math" panose="02040503050406030204" pitchFamily="18" charset="0"/>
+                          <a:ea typeface="Cambria Math" panose="02040503050406030204" pitchFamily="18" charset="0"/>
+                        </a:rPr>
+                        <m:t>, ∀ </m:t>
+                      </m:r>
+                      <m:r>
+                        <a:rPr lang="en-US" sz="2400" b="0" i="1" smtClean="0">
+                          <a:latin typeface="Cambria Math" panose="02040503050406030204" pitchFamily="18" charset="0"/>
+                          <a:ea typeface="Cambria Math" panose="02040503050406030204" pitchFamily="18" charset="0"/>
+                        </a:rPr>
+                        <m:t>𝑖</m:t>
+                      </m:r>
+                      <m:r>
+                        <a:rPr lang="en-US" sz="2400" b="0" i="1" smtClean="0">
+                          <a:latin typeface="Cambria Math" panose="02040503050406030204" pitchFamily="18" charset="0"/>
+                          <a:ea typeface="Cambria Math" panose="02040503050406030204" pitchFamily="18" charset="0"/>
+                        </a:rPr>
+                        <m:t>∈</m:t>
+                      </m:r>
+                      <m:d>
+                        <m:dPr>
+                          <m:begChr m:val="{"/>
+                          <m:endChr m:val="}"/>
+                          <m:ctrlPr>
+                            <a:rPr lang="en-US" sz="2400" b="0" i="1" smtClean="0">
+                              <a:latin typeface="Cambria Math" panose="02040503050406030204" pitchFamily="18" charset="0"/>
+                              <a:ea typeface="Cambria Math" panose="02040503050406030204" pitchFamily="18" charset="0"/>
+                            </a:rPr>
+                          </m:ctrlPr>
+                        </m:dPr>
+                        <m:e>
+                          <m:r>
+                            <a:rPr lang="en-US" sz="2400" b="0" i="1" smtClean="0">
+                              <a:latin typeface="Cambria Math" panose="02040503050406030204" pitchFamily="18" charset="0"/>
+                              <a:ea typeface="Cambria Math" panose="02040503050406030204" pitchFamily="18" charset="0"/>
+                            </a:rPr>
+                            <m:t>1, 2, …, </m:t>
+                          </m:r>
+                          <m:r>
+                            <a:rPr lang="en-US" sz="2400" b="0" i="1" smtClean="0">
+                              <a:latin typeface="Cambria Math" panose="02040503050406030204" pitchFamily="18" charset="0"/>
+                              <a:ea typeface="Cambria Math" panose="02040503050406030204" pitchFamily="18" charset="0"/>
+                            </a:rPr>
+                            <m:t>𝑚</m:t>
+                          </m:r>
+                        </m:e>
+                      </m:d>
+                    </m:oMath>
+                  </m:oMathPara>
+                </a14:m>
+                <a:endParaRPr lang="en-US" sz="2400" b="0" i="1" dirty="0">
+                  <a:latin typeface="Cambria Math" panose="02040503050406030204" pitchFamily="18" charset="0"/>
+                  <a:ea typeface="Cambria Math" panose="02040503050406030204" pitchFamily="18" charset="0"/>
+                </a:endParaRPr>
+              </a:p>
+              <a:p>
+                <a:pPr/>
+                <a:endParaRPr lang="en-US" sz="2400" b="0" i="1" dirty="0">
+                  <a:latin typeface="Cambria Math" panose="02040503050406030204" pitchFamily="18" charset="0"/>
+                  <a:ea typeface="Cambria Math" panose="02040503050406030204" pitchFamily="18" charset="0"/>
+                </a:endParaRPr>
+              </a:p>
+              <a:p>
+                <a:pPr/>
+                <a14:m>
+                  <m:oMathPara xmlns:m="http://schemas.openxmlformats.org/officeDocument/2006/math">
+                    <m:oMathParaPr>
+                      <m:jc m:val="centerGroup"/>
+                    </m:oMathParaPr>
+                    <m:oMath xmlns:m="http://schemas.openxmlformats.org/officeDocument/2006/math">
+                      <m:r>
+                        <a:rPr lang="en-US" sz="2400" b="0" i="1" smtClean="0">
+                          <a:latin typeface="Cambria Math" panose="02040503050406030204" pitchFamily="18" charset="0"/>
+                          <a:ea typeface="Cambria Math" panose="02040503050406030204" pitchFamily="18" charset="0"/>
+                        </a:rPr>
+                        <m:t>𝑚𝑜𝑑𝑢𝑙𝑒</m:t>
+                      </m:r>
+                      <m:r>
+                        <a:rPr lang="en-US" sz="2400" b="0" i="1" smtClean="0">
+                          <a:latin typeface="Cambria Math" panose="02040503050406030204" pitchFamily="18" charset="0"/>
+                          <a:ea typeface="Cambria Math" panose="02040503050406030204" pitchFamily="18" charset="0"/>
+                        </a:rPr>
+                        <m:t> </m:t>
+                      </m:r>
+                      <m:r>
+                        <a:rPr lang="en-US" sz="2400" b="0" i="1" smtClean="0">
+                          <a:latin typeface="Cambria Math" panose="02040503050406030204" pitchFamily="18" charset="0"/>
+                          <a:ea typeface="Cambria Math" panose="02040503050406030204" pitchFamily="18" charset="0"/>
+                        </a:rPr>
+                        <m:t>𝑝𝑟𝑒𝑐𝑙𝑢𝑠𝑖𝑜𝑛𝑠</m:t>
+                      </m:r>
+                      <m:r>
+                        <a:rPr lang="en-US" sz="2400" b="0" i="1" smtClean="0">
+                          <a:latin typeface="Cambria Math" panose="02040503050406030204" pitchFamily="18" charset="0"/>
+                          <a:ea typeface="Cambria Math" panose="02040503050406030204" pitchFamily="18" charset="0"/>
+                        </a:rPr>
+                        <m:t> </m:t>
+                      </m:r>
+                      <m:r>
+                        <a:rPr lang="en-US" sz="2400" b="0" i="1" smtClean="0">
+                          <a:latin typeface="Cambria Math" panose="02040503050406030204" pitchFamily="18" charset="0"/>
+                          <a:ea typeface="Cambria Math" panose="02040503050406030204" pitchFamily="18" charset="0"/>
+                        </a:rPr>
+                        <m:t>𝑎𝑟𝑒</m:t>
+                      </m:r>
+                      <m:r>
+                        <a:rPr lang="en-US" sz="2400" b="0" i="1" smtClean="0">
+                          <a:latin typeface="Cambria Math" panose="02040503050406030204" pitchFamily="18" charset="0"/>
+                          <a:ea typeface="Cambria Math" panose="02040503050406030204" pitchFamily="18" charset="0"/>
+                        </a:rPr>
+                        <m:t> </m:t>
+                      </m:r>
+                      <m:d>
+                        <m:dPr>
+                          <m:ctrlPr>
+                            <a:rPr lang="en-US" sz="2400" b="0" i="1" smtClean="0">
+                              <a:latin typeface="Cambria Math" panose="02040503050406030204" pitchFamily="18" charset="0"/>
+                              <a:ea typeface="Cambria Math" panose="02040503050406030204" pitchFamily="18" charset="0"/>
+                            </a:rPr>
+                          </m:ctrlPr>
+                        </m:dPr>
+                        <m:e>
+                          <m:r>
+                            <a:rPr lang="en-US" sz="2400" b="0" i="1" smtClean="0">
+                              <a:latin typeface="Cambria Math" panose="02040503050406030204" pitchFamily="18" charset="0"/>
+                              <a:ea typeface="Cambria Math" panose="02040503050406030204" pitchFamily="18" charset="0"/>
+                            </a:rPr>
+                            <m:t>𝑠𝑎𝑡𝑖𝑠𝑓𝑖𝑒𝑑</m:t>
+                          </m:r>
+                        </m:e>
+                      </m:d>
+                      <m:r>
+                        <a:rPr lang="en-US" sz="2400" b="0" i="1" smtClean="0">
+                          <a:latin typeface="Cambria Math" panose="02040503050406030204" pitchFamily="18" charset="0"/>
+                          <a:ea typeface="Cambria Math" panose="02040503050406030204" pitchFamily="18" charset="0"/>
+                        </a:rPr>
+                        <m:t> </m:t>
+                      </m:r>
+                      <m:r>
+                        <a:rPr lang="en-US" sz="2400" b="0" i="1" smtClean="0">
+                          <a:latin typeface="Cambria Math" panose="02040503050406030204" pitchFamily="18" charset="0"/>
+                          <a:ea typeface="Cambria Math" panose="02040503050406030204" pitchFamily="18" charset="0"/>
+                        </a:rPr>
+                        <m:t>𝑛𝑜𝑡</m:t>
+                      </m:r>
+                      <m:r>
+                        <a:rPr lang="en-US" sz="2400" b="0" i="1" smtClean="0">
+                          <a:latin typeface="Cambria Math" panose="02040503050406030204" pitchFamily="18" charset="0"/>
+                          <a:ea typeface="Cambria Math" panose="02040503050406030204" pitchFamily="18" charset="0"/>
+                        </a:rPr>
+                        <m:t> </m:t>
+                      </m:r>
+                      <m:r>
+                        <a:rPr lang="en-US" sz="2400" b="0" i="1" smtClean="0">
+                          <a:latin typeface="Cambria Math" panose="02040503050406030204" pitchFamily="18" charset="0"/>
+                          <a:ea typeface="Cambria Math" panose="02040503050406030204" pitchFamily="18" charset="0"/>
+                        </a:rPr>
+                        <m:t>𝑡𝑎𝑘𝑒𝑛</m:t>
+                      </m:r>
+                      <m:r>
+                        <a:rPr lang="en-US" sz="2400" b="0" i="1" smtClean="0">
+                          <a:latin typeface="Cambria Math" panose="02040503050406030204" pitchFamily="18" charset="0"/>
+                          <a:ea typeface="Cambria Math" panose="02040503050406030204" pitchFamily="18" charset="0"/>
+                        </a:rPr>
+                        <m:t> </m:t>
+                      </m:r>
+                    </m:oMath>
+                  </m:oMathPara>
+                </a14:m>
+                <a:endParaRPr lang="en-US" sz="2400" b="0" dirty="0">
+                  <a:ea typeface="Cambria Math" panose="02040503050406030204" pitchFamily="18" charset="0"/>
+                </a:endParaRPr>
+              </a:p>
+              <a:p>
+                <a:pPr/>
+                <a14:m>
+                  <m:oMathPara xmlns:m="http://schemas.openxmlformats.org/officeDocument/2006/math">
+                    <m:oMathParaPr>
+                      <m:jc m:val="centerGroup"/>
+                    </m:oMathParaPr>
+                    <m:oMath xmlns:m="http://schemas.openxmlformats.org/officeDocument/2006/math">
+                      <m:sSup>
+                        <m:sSupPr>
+                          <m:ctrlPr>
+                            <a:rPr lang="en-US" sz="2400" b="0" i="1" smtClean="0">
+                              <a:latin typeface="Cambria Math" panose="02040503050406030204" pitchFamily="18" charset="0"/>
+                              <a:ea typeface="Cambria Math" panose="02040503050406030204" pitchFamily="18" charset="0"/>
+                            </a:rPr>
+                          </m:ctrlPr>
+                        </m:sSupPr>
+                        <m:e>
+                          <m:r>
+                            <a:rPr lang="en-US" sz="2400" b="0" i="1" smtClean="0">
+                              <a:latin typeface="Cambria Math" panose="02040503050406030204" pitchFamily="18" charset="0"/>
+                              <a:ea typeface="Cambria Math" panose="02040503050406030204" pitchFamily="18" charset="0"/>
+                            </a:rPr>
+                            <m:t>𝑝</m:t>
+                          </m:r>
+                        </m:e>
+                        <m:sup>
+                          <m:r>
+                            <a:rPr lang="en-US" sz="2400" b="0" i="1" smtClean="0">
+                              <a:latin typeface="Cambria Math" panose="02040503050406030204" pitchFamily="18" charset="0"/>
+                              <a:ea typeface="Cambria Math" panose="02040503050406030204" pitchFamily="18" charset="0"/>
+                            </a:rPr>
+                            <m:t>𝑐</m:t>
+                          </m:r>
+                        </m:sup>
+                      </m:sSup>
+                      <m:d>
+                        <m:dPr>
+                          <m:begChr m:val="["/>
+                          <m:endChr m:val="]"/>
+                          <m:ctrlPr>
+                            <a:rPr lang="en-US" sz="2400" b="0" i="1" smtClean="0">
+                              <a:latin typeface="Cambria Math" panose="02040503050406030204" pitchFamily="18" charset="0"/>
+                              <a:ea typeface="Cambria Math" panose="02040503050406030204" pitchFamily="18" charset="0"/>
+                            </a:rPr>
+                          </m:ctrlPr>
+                        </m:dPr>
+                        <m:e>
+                          <m:r>
+                            <a:rPr lang="en-US" sz="2400" b="0" i="1" smtClean="0">
+                              <a:latin typeface="Cambria Math" panose="02040503050406030204" pitchFamily="18" charset="0"/>
+                              <a:ea typeface="Cambria Math" panose="02040503050406030204" pitchFamily="18" charset="0"/>
+                            </a:rPr>
+                            <m:t>𝑖</m:t>
+                          </m:r>
+                          <m:r>
+                            <a:rPr lang="en-US" sz="2400" b="0" i="1" smtClean="0">
+                              <a:latin typeface="Cambria Math" panose="02040503050406030204" pitchFamily="18" charset="0"/>
+                              <a:ea typeface="Cambria Math" panose="02040503050406030204" pitchFamily="18" charset="0"/>
+                            </a:rPr>
+                            <m:t>, :</m:t>
+                          </m:r>
+                        </m:e>
+                      </m:d>
+                      <m:r>
+                        <a:rPr lang="en-US" sz="2400" b="0" i="1" smtClean="0">
+                          <a:latin typeface="Cambria Math" panose="02040503050406030204" pitchFamily="18" charset="0"/>
+                          <a:ea typeface="Cambria Math" panose="02040503050406030204" pitchFamily="18" charset="0"/>
+                        </a:rPr>
+                        <m:t>×</m:t>
+                      </m:r>
+                      <m:d>
+                        <m:dPr>
+                          <m:ctrlPr>
+                            <a:rPr lang="en-US" sz="2400" b="0" i="1" smtClean="0">
+                              <a:latin typeface="Cambria Math" panose="02040503050406030204" pitchFamily="18" charset="0"/>
+                              <a:ea typeface="Cambria Math" panose="02040503050406030204" pitchFamily="18" charset="0"/>
+                            </a:rPr>
+                          </m:ctrlPr>
+                        </m:dPr>
+                        <m:e>
+                          <m:r>
+                            <a:rPr lang="en-US" sz="2400" b="0" i="1" smtClean="0">
+                              <a:latin typeface="Cambria Math" panose="02040503050406030204" pitchFamily="18" charset="0"/>
+                              <a:ea typeface="Cambria Math" panose="02040503050406030204" pitchFamily="18" charset="0"/>
+                            </a:rPr>
+                            <m:t>𝑧</m:t>
+                          </m:r>
+                          <m:r>
+                            <a:rPr lang="en-US" sz="2400" b="0" i="1" smtClean="0">
+                              <a:latin typeface="Cambria Math" panose="02040503050406030204" pitchFamily="18" charset="0"/>
+                              <a:ea typeface="Cambria Math" panose="02040503050406030204" pitchFamily="18" charset="0"/>
+                            </a:rPr>
+                            <m:t>+</m:t>
+                          </m:r>
+                          <m:sSup>
+                            <m:sSupPr>
+                              <m:ctrlPr>
+                                <a:rPr lang="en-US" sz="2400" b="0" i="1" smtClean="0">
+                                  <a:latin typeface="Cambria Math" panose="02040503050406030204" pitchFamily="18" charset="0"/>
+                                  <a:ea typeface="Cambria Math" panose="02040503050406030204" pitchFamily="18" charset="0"/>
+                                </a:rPr>
+                              </m:ctrlPr>
+                            </m:sSupPr>
+                            <m:e>
+                              <m:r>
+                                <a:rPr lang="en-US" sz="2400" b="0" i="1" smtClean="0">
+                                  <a:latin typeface="Cambria Math" panose="02040503050406030204" pitchFamily="18" charset="0"/>
+                                  <a:ea typeface="Cambria Math" panose="02040503050406030204" pitchFamily="18" charset="0"/>
+                                </a:rPr>
+                                <m:t>𝑚</m:t>
+                              </m:r>
+                            </m:e>
+                            <m:sup>
+                              <m:r>
+                                <a:rPr lang="en-US" sz="2400" b="0" i="1" smtClean="0">
+                                  <a:latin typeface="Cambria Math" panose="02040503050406030204" pitchFamily="18" charset="0"/>
+                                  <a:ea typeface="Cambria Math" panose="02040503050406030204" pitchFamily="18" charset="0"/>
+                                </a:rPr>
+                                <m:t>𝑡</m:t>
+                              </m:r>
+                            </m:sup>
+                          </m:sSup>
+                        </m:e>
+                      </m:d>
+                      <m:r>
+                        <a:rPr lang="en-US" sz="2400" b="0" i="1" smtClean="0">
+                          <a:latin typeface="Cambria Math" panose="02040503050406030204" pitchFamily="18" charset="0"/>
+                          <a:ea typeface="Cambria Math" panose="02040503050406030204" pitchFamily="18" charset="0"/>
+                        </a:rPr>
+                        <m:t>≤</m:t>
+                      </m:r>
+                      <m:d>
+                        <m:dPr>
+                          <m:begChr m:val="["/>
+                          <m:endChr m:val="]"/>
+                          <m:ctrlPr>
+                            <a:rPr lang="en-US" sz="2400" b="0" i="1" smtClean="0">
+                              <a:latin typeface="Cambria Math" panose="02040503050406030204" pitchFamily="18" charset="0"/>
+                              <a:ea typeface="Cambria Math" panose="02040503050406030204" pitchFamily="18" charset="0"/>
+                            </a:rPr>
+                          </m:ctrlPr>
+                        </m:dPr>
+                        <m:e>
+                          <m:r>
+                            <a:rPr lang="en-US" sz="2400" b="0" i="1" smtClean="0">
+                              <a:latin typeface="Cambria Math" panose="02040503050406030204" pitchFamily="18" charset="0"/>
+                              <a:ea typeface="Cambria Math" panose="02040503050406030204" pitchFamily="18" charset="0"/>
+                            </a:rPr>
+                            <m:t>1−</m:t>
+                          </m:r>
+                          <m:d>
+                            <m:dPr>
+                              <m:ctrlPr>
+                                <a:rPr lang="en-US" sz="2400" b="0" i="1" smtClean="0">
+                                  <a:latin typeface="Cambria Math" panose="02040503050406030204" pitchFamily="18" charset="0"/>
+                                  <a:ea typeface="Cambria Math" panose="02040503050406030204" pitchFamily="18" charset="0"/>
+                                </a:rPr>
+                              </m:ctrlPr>
+                            </m:dPr>
+                            <m:e>
+                              <m:r>
+                                <a:rPr lang="en-US" sz="2400" b="0" i="1" smtClean="0">
+                                  <a:latin typeface="Cambria Math" panose="02040503050406030204" pitchFamily="18" charset="0"/>
+                                  <a:ea typeface="Cambria Math" panose="02040503050406030204" pitchFamily="18" charset="0"/>
+                                </a:rPr>
+                                <m:t>𝑧</m:t>
+                              </m:r>
+                              <m:r>
+                                <a:rPr lang="en-US" sz="2400" b="0" i="1" smtClean="0">
+                                  <a:latin typeface="Cambria Math" panose="02040503050406030204" pitchFamily="18" charset="0"/>
+                                  <a:ea typeface="Cambria Math" panose="02040503050406030204" pitchFamily="18" charset="0"/>
+                                </a:rPr>
+                                <m:t>[</m:t>
+                              </m:r>
+                              <m:r>
+                                <a:rPr lang="en-US" sz="2400" b="0" i="1" smtClean="0">
+                                  <a:latin typeface="Cambria Math" panose="02040503050406030204" pitchFamily="18" charset="0"/>
+                                  <a:ea typeface="Cambria Math" panose="02040503050406030204" pitchFamily="18" charset="0"/>
+                                </a:rPr>
+                                <m:t>𝑖</m:t>
+                              </m:r>
+                              <m:r>
+                                <a:rPr lang="en-US" sz="2400" b="0" i="1" smtClean="0">
+                                  <a:latin typeface="Cambria Math" panose="02040503050406030204" pitchFamily="18" charset="0"/>
+                                  <a:ea typeface="Cambria Math" panose="02040503050406030204" pitchFamily="18" charset="0"/>
+                                </a:rPr>
+                                <m:t>]+</m:t>
+                              </m:r>
+                              <m:sSup>
+                                <m:sSupPr>
+                                  <m:ctrlPr>
+                                    <a:rPr lang="en-US" sz="2400" b="0" i="1" smtClean="0">
+                                      <a:latin typeface="Cambria Math" panose="02040503050406030204" pitchFamily="18" charset="0"/>
+                                      <a:ea typeface="Cambria Math" panose="02040503050406030204" pitchFamily="18" charset="0"/>
+                                    </a:rPr>
+                                  </m:ctrlPr>
+                                </m:sSupPr>
+                                <m:e>
+                                  <m:r>
+                                    <a:rPr lang="en-US" sz="2400" b="0" i="1" smtClean="0">
+                                      <a:latin typeface="Cambria Math" panose="02040503050406030204" pitchFamily="18" charset="0"/>
+                                      <a:ea typeface="Cambria Math" panose="02040503050406030204" pitchFamily="18" charset="0"/>
+                                    </a:rPr>
+                                    <m:t>𝑚</m:t>
+                                  </m:r>
+                                </m:e>
+                                <m:sup>
+                                  <m:r>
+                                    <a:rPr lang="en-US" sz="2400" b="0" i="1" smtClean="0">
+                                      <a:latin typeface="Cambria Math" panose="02040503050406030204" pitchFamily="18" charset="0"/>
+                                      <a:ea typeface="Cambria Math" panose="02040503050406030204" pitchFamily="18" charset="0"/>
+                                    </a:rPr>
+                                    <m:t>𝑡</m:t>
+                                  </m:r>
+                                </m:sup>
+                              </m:sSup>
+                              <m:r>
+                                <a:rPr lang="en-US" sz="2400" b="0" i="1" smtClean="0">
+                                  <a:latin typeface="Cambria Math" panose="02040503050406030204" pitchFamily="18" charset="0"/>
+                                  <a:ea typeface="Cambria Math" panose="02040503050406030204" pitchFamily="18" charset="0"/>
+                                </a:rPr>
+                                <m:t>[</m:t>
+                              </m:r>
+                              <m:r>
+                                <a:rPr lang="en-US" sz="2400" b="0" i="1" smtClean="0">
+                                  <a:latin typeface="Cambria Math" panose="02040503050406030204" pitchFamily="18" charset="0"/>
+                                  <a:ea typeface="Cambria Math" panose="02040503050406030204" pitchFamily="18" charset="0"/>
+                                </a:rPr>
+                                <m:t>𝑖</m:t>
+                              </m:r>
+                              <m:r>
+                                <a:rPr lang="en-US" sz="2400" b="0" i="1" smtClean="0">
+                                  <a:latin typeface="Cambria Math" panose="02040503050406030204" pitchFamily="18" charset="0"/>
+                                  <a:ea typeface="Cambria Math" panose="02040503050406030204" pitchFamily="18" charset="0"/>
+                                </a:rPr>
+                                <m:t>]</m:t>
+                              </m:r>
+                            </m:e>
+                          </m:d>
+                        </m:e>
+                      </m:d>
+                      <m:r>
+                        <a:rPr lang="en-US" sz="2400" b="0" i="1" smtClean="0">
+                          <a:latin typeface="Cambria Math" panose="02040503050406030204" pitchFamily="18" charset="0"/>
+                          <a:ea typeface="Cambria Math" panose="02040503050406030204" pitchFamily="18" charset="0"/>
+                        </a:rPr>
+                        <m:t>×</m:t>
+                      </m:r>
+                      <m:r>
+                        <a:rPr lang="en-US" sz="2400" b="0" i="1" smtClean="0">
+                          <a:latin typeface="Cambria Math" panose="02040503050406030204" pitchFamily="18" charset="0"/>
+                          <a:ea typeface="Cambria Math" panose="02040503050406030204" pitchFamily="18" charset="0"/>
+                        </a:rPr>
+                        <m:t>𝑚</m:t>
+                      </m:r>
+                      <m:r>
+                        <a:rPr lang="en-US" sz="2400" i="1">
+                          <a:latin typeface="Cambria Math" panose="02040503050406030204" pitchFamily="18" charset="0"/>
+                          <a:ea typeface="Cambria Math" panose="02040503050406030204" pitchFamily="18" charset="0"/>
+                        </a:rPr>
+                        <m:t>∀ </m:t>
+                      </m:r>
+                      <m:r>
+                        <a:rPr lang="en-US" sz="2400" i="1">
+                          <a:latin typeface="Cambria Math" panose="02040503050406030204" pitchFamily="18" charset="0"/>
+                          <a:ea typeface="Cambria Math" panose="02040503050406030204" pitchFamily="18" charset="0"/>
+                        </a:rPr>
+                        <m:t>𝑖</m:t>
+                      </m:r>
+                      <m:r>
+                        <a:rPr lang="en-US" sz="2400" i="1">
+                          <a:latin typeface="Cambria Math" panose="02040503050406030204" pitchFamily="18" charset="0"/>
+                          <a:ea typeface="Cambria Math" panose="02040503050406030204" pitchFamily="18" charset="0"/>
+                        </a:rPr>
+                        <m:t>∈</m:t>
+                      </m:r>
+                      <m:d>
+                        <m:dPr>
+                          <m:begChr m:val="{"/>
+                          <m:endChr m:val="}"/>
+                          <m:ctrlPr>
+                            <a:rPr lang="en-US" sz="2400" i="1">
+                              <a:latin typeface="Cambria Math" panose="02040503050406030204" pitchFamily="18" charset="0"/>
+                              <a:ea typeface="Cambria Math" panose="02040503050406030204" pitchFamily="18" charset="0"/>
+                            </a:rPr>
+                          </m:ctrlPr>
+                        </m:dPr>
+                        <m:e>
+                          <m:r>
+                            <a:rPr lang="en-US" sz="2400" i="1">
+                              <a:latin typeface="Cambria Math" panose="02040503050406030204" pitchFamily="18" charset="0"/>
+                              <a:ea typeface="Cambria Math" panose="02040503050406030204" pitchFamily="18" charset="0"/>
+                            </a:rPr>
+                            <m:t>1, 2, …, </m:t>
+                          </m:r>
+                          <m:r>
+                            <a:rPr lang="en-US" sz="2400" i="1">
+                              <a:latin typeface="Cambria Math" panose="02040503050406030204" pitchFamily="18" charset="0"/>
+                              <a:ea typeface="Cambria Math" panose="02040503050406030204" pitchFamily="18" charset="0"/>
+                            </a:rPr>
+                            <m:t>𝑚</m:t>
+                          </m:r>
+                        </m:e>
+                      </m:d>
+                    </m:oMath>
+                  </m:oMathPara>
+                </a14:m>
+                <a:endParaRPr lang="en-US" sz="2400" i="1" dirty="0">
+                  <a:latin typeface="Cambria Math" panose="02040503050406030204" pitchFamily="18" charset="0"/>
+                  <a:ea typeface="Cambria Math" panose="02040503050406030204" pitchFamily="18" charset="0"/>
+                </a:endParaRPr>
+              </a:p>
+              <a:p>
+                <a:endParaRPr lang="en-US" sz="2400" i="1" dirty="0">
+                  <a:latin typeface="Cambria Math" panose="02040503050406030204" pitchFamily="18" charset="0"/>
+                  <a:ea typeface="Cambria Math" panose="02040503050406030204" pitchFamily="18" charset="0"/>
+                </a:endParaRPr>
+              </a:p>
+              <a:p>
+                <a:pPr/>
+                <a:endParaRPr lang="en-US" sz="2400" dirty="0">
+                  <a:ea typeface="Cambria Math" panose="02040503050406030204" pitchFamily="18" charset="0"/>
+                </a:endParaRPr>
+              </a:p>
+            </p:txBody>
+          </p:sp>
+        </mc:Choice>
+        <mc:Fallback>
+          <p:sp>
+            <p:nvSpPr>
+              <p:cNvPr id="4" name="TextBox 3">
+                <a:extLst>
+                  <a:ext uri="{FF2B5EF4-FFF2-40B4-BE49-F238E27FC236}">
+                    <a16:creationId xmlns:a16="http://schemas.microsoft.com/office/drawing/2014/main" id="{94B801CE-4490-4CCE-8F38-1BA262079709}"/>
+                  </a:ext>
+                </a:extLst>
+              </p:cNvPr>
+              <p:cNvSpPr txBox="1">
+                <a:spLocks noRot="1" noChangeAspect="1" noMove="1" noResize="1" noEditPoints="1" noAdjustHandles="1" noChangeArrowheads="1" noChangeShapeType="1" noTextEdit="1"/>
+              </p:cNvSpPr>
+              <p:nvPr/>
+            </p:nvSpPr>
+            <p:spPr>
+              <a:xfrm>
+                <a:off x="815388" y="34320"/>
+                <a:ext cx="8916856" cy="3046988"/>
+              </a:xfrm>
+              <a:prstGeom prst="rect">
+                <a:avLst/>
+              </a:prstGeom>
+              <a:blipFill>
+                <a:blip r:embed="rId2"/>
+                <a:stretch>
+                  <a:fillRect l="-1094" t="-1603"/>
+                </a:stretch>
+              </a:blipFill>
+            </p:spPr>
+            <p:txBody>
+              <a:bodyPr/>
+              <a:lstStyle/>
+              <a:p>
+                <a:r>
+                  <a:rPr lang="en-US">
+                    <a:noFill/>
+                  </a:rPr>
+                  <a:t> </a:t>
+                </a:r>
+              </a:p>
+            </p:txBody>
+          </p:sp>
+        </mc:Fallback>
+      </mc:AlternateContent>
+    </p:spTree>
+    <p:extLst>
+      <p:ext uri="{BB962C8B-B14F-4D97-AF65-F5344CB8AC3E}">
+        <p14:creationId xmlns:p14="http://schemas.microsoft.com/office/powerpoint/2010/main" val="3447635687"/>
+      </p:ext>
+    </p:extLst>
+  </p:cSld>
+  <p:clrMapOvr>
+    <a:masterClrMapping/>
+  </p:clrMapOvr>
+</p:sld>
+</file>
+
+<file path=ppt/slides/slide8.xml><?xml version="1.0" encoding="utf-8"?>
+<p:sld xmlns:a="http://schemas.openxmlformats.org/drawingml/2006/main" xmlns:r="http://schemas.openxmlformats.org/officeDocument/2006/relationships" xmlns:p="http://schemas.openxmlformats.org/presentationml/2006/main">
+  <p:cSld>
+    <p:spTree>
+      <p:nvGrpSpPr>
+        <p:cNvPr id="1" name=""/>
+        <p:cNvGrpSpPr/>
+        <p:nvPr/>
+      </p:nvGrpSpPr>
+      <p:grpSpPr>
+        <a:xfrm>
+          <a:off x="0" y="0"/>
+          <a:ext cx="0" cy="0"/>
+          <a:chOff x="0" y="0"/>
+          <a:chExt cx="0" cy="0"/>
+        </a:xfrm>
+      </p:grpSpPr>
+      <p:sp>
+        <p:nvSpPr>
+          <p:cNvPr id="2" name="Title 1">
+            <a:extLst>
+              <a:ext uri="{FF2B5EF4-FFF2-40B4-BE49-F238E27FC236}">
+                <a16:creationId xmlns:a16="http://schemas.microsoft.com/office/drawing/2014/main" id="{25F622DC-AB65-477C-94DD-F65575B7E833}"/>
+              </a:ext>
+            </a:extLst>
+          </p:cNvPr>
+          <p:cNvSpPr>
+            <a:spLocks noGrp="1"/>
+          </p:cNvSpPr>
+          <p:nvPr>
+            <p:ph type="title"/>
+          </p:nvPr>
+        </p:nvSpPr>
+        <p:spPr/>
+        <p:txBody>
+          <a:bodyPr/>
+          <a:lstStyle/>
+          <a:p>
+            <a:endParaRPr lang="en-US" dirty="0"/>
+          </a:p>
+        </p:txBody>
+      </p:sp>
+      <p:sp>
+        <p:nvSpPr>
+          <p:cNvPr id="3" name="Content Placeholder 2">
+            <a:extLst>
+              <a:ext uri="{FF2B5EF4-FFF2-40B4-BE49-F238E27FC236}">
+                <a16:creationId xmlns:a16="http://schemas.microsoft.com/office/drawing/2014/main" id="{7CA45487-D16A-4F3D-82B9-95756622A70C}"/>
+              </a:ext>
+            </a:extLst>
+          </p:cNvPr>
+          <p:cNvSpPr>
+            <a:spLocks noGrp="1"/>
+          </p:cNvSpPr>
+          <p:nvPr>
+            <p:ph idx="1"/>
+          </p:nvPr>
+        </p:nvSpPr>
+        <p:spPr/>
+        <p:txBody>
+          <a:bodyPr/>
+          <a:lstStyle/>
+          <a:p>
+            <a:endParaRPr lang="en-US" dirty="0"/>
+          </a:p>
+        </p:txBody>
+      </p:sp>
+    </p:spTree>
+    <p:extLst>
+      <p:ext uri="{BB962C8B-B14F-4D97-AF65-F5344CB8AC3E}">
+        <p14:creationId xmlns:p14="http://schemas.microsoft.com/office/powerpoint/2010/main" val="1222136112"/>
       </p:ext>
     </p:extLst>
   </p:cSld>

--- a/eqn_slides.pptx
+++ b/eqn_slides.pptx
@@ -270,7 +270,7 @@
           <a:p>
             <a:fld id="{3899492A-6C5B-48E7-873A-FDECDB169B52}" type="datetimeFigureOut">
               <a:rPr lang="en-US" smtClean="0"/>
-              <a:t>11/13/2017</a:t>
+              <a:t>11/15/2017</a:t>
             </a:fld>
             <a:endParaRPr lang="en-US"/>
           </a:p>
@@ -468,7 +468,7 @@
           <a:p>
             <a:fld id="{3899492A-6C5B-48E7-873A-FDECDB169B52}" type="datetimeFigureOut">
               <a:rPr lang="en-US" smtClean="0"/>
-              <a:t>11/13/2017</a:t>
+              <a:t>11/15/2017</a:t>
             </a:fld>
             <a:endParaRPr lang="en-US"/>
           </a:p>
@@ -676,7 +676,7 @@
           <a:p>
             <a:fld id="{3899492A-6C5B-48E7-873A-FDECDB169B52}" type="datetimeFigureOut">
               <a:rPr lang="en-US" smtClean="0"/>
-              <a:t>11/13/2017</a:t>
+              <a:t>11/15/2017</a:t>
             </a:fld>
             <a:endParaRPr lang="en-US"/>
           </a:p>
@@ -874,7 +874,7 @@
           <a:p>
             <a:fld id="{3899492A-6C5B-48E7-873A-FDECDB169B52}" type="datetimeFigureOut">
               <a:rPr lang="en-US" smtClean="0"/>
-              <a:t>11/13/2017</a:t>
+              <a:t>11/15/2017</a:t>
             </a:fld>
             <a:endParaRPr lang="en-US"/>
           </a:p>
@@ -1149,7 +1149,7 @@
           <a:p>
             <a:fld id="{3899492A-6C5B-48E7-873A-FDECDB169B52}" type="datetimeFigureOut">
               <a:rPr lang="en-US" smtClean="0"/>
-              <a:t>11/13/2017</a:t>
+              <a:t>11/15/2017</a:t>
             </a:fld>
             <a:endParaRPr lang="en-US"/>
           </a:p>
@@ -1414,7 +1414,7 @@
           <a:p>
             <a:fld id="{3899492A-6C5B-48E7-873A-FDECDB169B52}" type="datetimeFigureOut">
               <a:rPr lang="en-US" smtClean="0"/>
-              <a:t>11/13/2017</a:t>
+              <a:t>11/15/2017</a:t>
             </a:fld>
             <a:endParaRPr lang="en-US"/>
           </a:p>
@@ -1826,7 +1826,7 @@
           <a:p>
             <a:fld id="{3899492A-6C5B-48E7-873A-FDECDB169B52}" type="datetimeFigureOut">
               <a:rPr lang="en-US" smtClean="0"/>
-              <a:t>11/13/2017</a:t>
+              <a:t>11/15/2017</a:t>
             </a:fld>
             <a:endParaRPr lang="en-US"/>
           </a:p>
@@ -1967,7 +1967,7 @@
           <a:p>
             <a:fld id="{3899492A-6C5B-48E7-873A-FDECDB169B52}" type="datetimeFigureOut">
               <a:rPr lang="en-US" smtClean="0"/>
-              <a:t>11/13/2017</a:t>
+              <a:t>11/15/2017</a:t>
             </a:fld>
             <a:endParaRPr lang="en-US"/>
           </a:p>
@@ -2080,7 +2080,7 @@
           <a:p>
             <a:fld id="{3899492A-6C5B-48E7-873A-FDECDB169B52}" type="datetimeFigureOut">
               <a:rPr lang="en-US" smtClean="0"/>
-              <a:t>11/13/2017</a:t>
+              <a:t>11/15/2017</a:t>
             </a:fld>
             <a:endParaRPr lang="en-US"/>
           </a:p>
@@ -2391,7 +2391,7 @@
           <a:p>
             <a:fld id="{3899492A-6C5B-48E7-873A-FDECDB169B52}" type="datetimeFigureOut">
               <a:rPr lang="en-US" smtClean="0"/>
-              <a:t>11/13/2017</a:t>
+              <a:t>11/15/2017</a:t>
             </a:fld>
             <a:endParaRPr lang="en-US"/>
           </a:p>
@@ -2679,7 +2679,7 @@
           <a:p>
             <a:fld id="{3899492A-6C5B-48E7-873A-FDECDB169B52}" type="datetimeFigureOut">
               <a:rPr lang="en-US" smtClean="0"/>
-              <a:t>11/13/2017</a:t>
+              <a:t>11/15/2017</a:t>
             </a:fld>
             <a:endParaRPr lang="en-US"/>
           </a:p>
@@ -2920,7 +2920,7 @@
           <a:p>
             <a:fld id="{3899492A-6C5B-48E7-873A-FDECDB169B52}" type="datetimeFigureOut">
               <a:rPr lang="en-US" smtClean="0"/>
-              <a:t>11/13/2017</a:t>
+              <a:t>11/15/2017</a:t>
             </a:fld>
             <a:endParaRPr lang="en-US"/>
           </a:p>
@@ -3354,7 +3354,7 @@
             <p:spPr>
               <a:xfrm>
                 <a:off x="1030884" y="268085"/>
-                <a:ext cx="9704248" cy="6463308"/>
+                <a:ext cx="9704248" cy="6771084"/>
               </a:xfrm>
               <a:prstGeom prst="rect">
                 <a:avLst/>
@@ -3552,6 +3552,112 @@
                       </m:r>
                     </m:oMath>
                   </m:oMathPara>
+                </a14:m>
+                <a:endParaRPr lang="en-US" sz="2000" b="0" i="1" dirty="0">
+                  <a:latin typeface="Cambria Math" panose="02040503050406030204" pitchFamily="18" charset="0"/>
+                </a:endParaRPr>
+              </a:p>
+              <a:p>
+                <a:pPr/>
+                <a:r>
+                  <a:rPr lang="en-US" sz="2000" i="1" dirty="0">
+                    <a:latin typeface="Cambria Math" panose="02040503050406030204" pitchFamily="18" charset="0"/>
+                  </a:rPr>
+                  <a:t>			</a:t>
+                </a:r>
+                <a14:m>
+                  <m:oMath xmlns:m="http://schemas.openxmlformats.org/officeDocument/2006/math">
+                    <m:r>
+                      <a:rPr lang="en-US" sz="2000" b="0" i="1" smtClean="0">
+                        <a:latin typeface="Cambria Math" panose="02040503050406030204" pitchFamily="18" charset="0"/>
+                      </a:rPr>
+                      <m:t>𝑑</m:t>
+                    </m:r>
+                    <m:r>
+                      <a:rPr lang="en-US" sz="2000" b="0" i="1" smtClean="0">
+                        <a:latin typeface="Cambria Math" panose="02040503050406030204" pitchFamily="18" charset="0"/>
+                      </a:rPr>
+                      <m:t>:</m:t>
+                    </m:r>
+                    <m:r>
+                      <a:rPr lang="en-US" sz="2000" b="0" i="1" smtClean="0">
+                        <a:latin typeface="Cambria Math" panose="02040503050406030204" pitchFamily="18" charset="0"/>
+                      </a:rPr>
+                      <m:t>𝑛𝑢𝑚𝑏𝑒𝑟</m:t>
+                    </m:r>
+                    <m:r>
+                      <a:rPr lang="en-US" sz="2000" b="0" i="1" smtClean="0">
+                        <a:latin typeface="Cambria Math" panose="02040503050406030204" pitchFamily="18" charset="0"/>
+                      </a:rPr>
+                      <m:t> </m:t>
+                    </m:r>
+                    <m:r>
+                      <a:rPr lang="en-US" sz="2000" b="0" i="1" smtClean="0">
+                        <a:latin typeface="Cambria Math" panose="02040503050406030204" pitchFamily="18" charset="0"/>
+                      </a:rPr>
+                      <m:t>𝑜𝑓</m:t>
+                    </m:r>
+                    <m:r>
+                      <a:rPr lang="en-US" sz="2000" b="0" i="1" smtClean="0">
+                        <a:latin typeface="Cambria Math" panose="02040503050406030204" pitchFamily="18" charset="0"/>
+                      </a:rPr>
+                      <m:t> </m:t>
+                    </m:r>
+                    <m:r>
+                      <a:rPr lang="en-US" sz="2000" b="0" i="1" smtClean="0">
+                        <a:latin typeface="Cambria Math" panose="02040503050406030204" pitchFamily="18" charset="0"/>
+                      </a:rPr>
+                      <m:t>𝑐𝑢𝑟𝑟𝑖𝑐𝑢𝑙𝑢𝑚</m:t>
+                    </m:r>
+                    <m:r>
+                      <a:rPr lang="en-US" sz="2000" b="0" i="1" smtClean="0">
+                        <a:latin typeface="Cambria Math" panose="02040503050406030204" pitchFamily="18" charset="0"/>
+                      </a:rPr>
+                      <m:t> </m:t>
+                    </m:r>
+                    <m:r>
+                      <a:rPr lang="en-US" sz="2000" b="0" i="1" smtClean="0">
+                        <a:latin typeface="Cambria Math" panose="02040503050406030204" pitchFamily="18" charset="0"/>
+                      </a:rPr>
+                      <m:t>𝑑𝑎𝑦𝑠</m:t>
+                    </m:r>
+                    <m:r>
+                      <a:rPr lang="en-US" sz="2000" b="0" i="1" smtClean="0">
+                        <a:latin typeface="Cambria Math" panose="02040503050406030204" pitchFamily="18" charset="0"/>
+                      </a:rPr>
+                      <m:t> </m:t>
+                    </m:r>
+                    <m:r>
+                      <a:rPr lang="en-US" sz="2000" b="0" i="1" smtClean="0">
+                        <a:latin typeface="Cambria Math" panose="02040503050406030204" pitchFamily="18" charset="0"/>
+                      </a:rPr>
+                      <m:t>𝑖𝑛</m:t>
+                    </m:r>
+                    <m:r>
+                      <a:rPr lang="en-US" sz="2000" b="0" i="1" smtClean="0">
+                        <a:latin typeface="Cambria Math" panose="02040503050406030204" pitchFamily="18" charset="0"/>
+                      </a:rPr>
+                      <m:t> </m:t>
+                    </m:r>
+                    <m:r>
+                      <a:rPr lang="en-US" sz="2000" b="0" i="1" smtClean="0">
+                        <a:latin typeface="Cambria Math" panose="02040503050406030204" pitchFamily="18" charset="0"/>
+                      </a:rPr>
+                      <m:t>𝑎</m:t>
+                    </m:r>
+                    <m:r>
+                      <a:rPr lang="en-US" sz="2000" b="0" i="1" smtClean="0">
+                        <a:latin typeface="Cambria Math" panose="02040503050406030204" pitchFamily="18" charset="0"/>
+                      </a:rPr>
+                      <m:t> </m:t>
+                    </m:r>
+                    <m:r>
+                      <a:rPr lang="en-US" sz="2000" b="0" i="1" smtClean="0">
+                        <a:latin typeface="Cambria Math" panose="02040503050406030204" pitchFamily="18" charset="0"/>
+                      </a:rPr>
+                      <m:t>𝑤𝑒𝑒𝑘</m:t>
+                    </m:r>
+                  </m:oMath>
                 </a14:m>
                 <a:endParaRPr lang="en-US" sz="2000" b="0" i="1" dirty="0">
                   <a:latin typeface="Cambria Math" panose="02040503050406030204" pitchFamily="18" charset="0"/>
@@ -4593,14 +4699,11 @@
                         </m:sSubSupPr>
                         <m:e>
                           <m:r>
-                            <m:rPr>
-                              <m:sty m:val="p"/>
-                            </m:rPr>
-                            <a:rPr lang="el-GR" sz="2000" b="0" i="1" smtClean="0">
-                              <a:latin typeface="Cambria Math" panose="02040503050406030204" pitchFamily="18" charset="0"/>
-                              <a:ea typeface="Cambria Math" panose="02040503050406030204" pitchFamily="18" charset="0"/>
-                            </a:rPr>
-                            <m:t>Ζ</m:t>
+                            <a:rPr lang="en-US" sz="2000" i="1">
+                              <a:latin typeface="Cambria Math" panose="02040503050406030204" pitchFamily="18" charset="0"/>
+                              <a:ea typeface="Cambria Math" panose="02040503050406030204" pitchFamily="18" charset="0"/>
+                            </a:rPr>
+                            <m:t>ℤ</m:t>
                           </m:r>
                         </m:e>
                         <m:sub>
@@ -4697,11 +4800,11 @@
                         </m:sSubSupPr>
                         <m:e>
                           <m:r>
-                            <a:rPr lang="en-US" sz="2000" b="0" i="1" smtClean="0">
-                              <a:latin typeface="Cambria Math" panose="02040503050406030204" pitchFamily="18" charset="0"/>
-                              <a:ea typeface="Cambria Math" panose="02040503050406030204" pitchFamily="18" charset="0"/>
-                            </a:rPr>
-                            <m:t>𝑍</m:t>
+                            <a:rPr lang="en-US" sz="2000" i="1">
+                              <a:latin typeface="Cambria Math" panose="02040503050406030204" pitchFamily="18" charset="0"/>
+                              <a:ea typeface="Cambria Math" panose="02040503050406030204" pitchFamily="18" charset="0"/>
+                            </a:rPr>
+                            <m:t>ℤ</m:t>
                           </m:r>
                         </m:e>
                         <m:sub>
@@ -4784,11 +4887,11 @@
                         </m:sSubSupPr>
                         <m:e>
                           <m:r>
-                            <a:rPr lang="en-US" sz="2000" b="0" i="1" smtClean="0">
-                              <a:latin typeface="Cambria Math" panose="02040503050406030204" pitchFamily="18" charset="0"/>
-                              <a:ea typeface="Cambria Math" panose="02040503050406030204" pitchFamily="18" charset="0"/>
-                            </a:rPr>
-                            <m:t>𝑍</m:t>
+                            <a:rPr lang="en-US" sz="2000" i="1">
+                              <a:latin typeface="Cambria Math" panose="02040503050406030204" pitchFamily="18" charset="0"/>
+                              <a:ea typeface="Cambria Math" panose="02040503050406030204" pitchFamily="18" charset="0"/>
+                            </a:rPr>
+                            <m:t>ℤ</m:t>
                           </m:r>
                         </m:e>
                         <m:sub>
@@ -4839,7 +4942,7 @@
             <p:spPr>
               <a:xfrm>
                 <a:off x="1030884" y="268085"/>
-                <a:ext cx="9704248" cy="6463308"/>
+                <a:ext cx="9704248" cy="6771084"/>
               </a:xfrm>
               <a:prstGeom prst="rect">
                 <a:avLst/>
@@ -4847,7 +4950,7 @@
               <a:blipFill>
                 <a:blip r:embed="rId2"/>
                 <a:stretch>
-                  <a:fillRect l="-1570" t="-1226"/>
+                  <a:fillRect l="-1570" t="-1170"/>
                 </a:stretch>
               </a:blipFill>
             </p:spPr>
@@ -5661,8 +5764,8 @@
           </a:p>
         </p:txBody>
       </p:sp>
-      <mc:AlternateContent xmlns:mc="http://schemas.openxmlformats.org/markup-compatibility/2006">
-        <mc:Choice xmlns:a14="http://schemas.microsoft.com/office/drawing/2010/main" Requires="a14">
+      <mc:AlternateContent xmlns:mc="http://schemas.openxmlformats.org/markup-compatibility/2006" xmlns:a14="http://schemas.microsoft.com/office/drawing/2010/main">
+        <mc:Choice Requires="a14">
           <p:sp>
             <p:nvSpPr>
               <p:cNvPr id="4" name="TextBox 3">
@@ -5691,6 +5794,7 @@
               </a:bodyPr>
               <a:lstStyle/>
               <a:p>
+                <a:pPr/>
                 <a14:m>
                   <m:oMathPara xmlns:m="http://schemas.openxmlformats.org/officeDocument/2006/math">
                     <m:oMathParaPr>
@@ -5722,7 +5826,13 @@
                               <a:rPr lang="en-US" b="0" i="1" smtClean="0">
                                 <a:latin typeface="Cambria Math" panose="02040503050406030204" pitchFamily="18" charset="0"/>
                               </a:rPr>
-                              <m:t>𝑚𝑜𝑑</m:t>
+                              <m:t>𝑚</m:t>
+                            </m:r>
+                            <m:r>
+                              <a:rPr lang="en-US" b="0" i="1" smtClean="0">
+                                <a:latin typeface="Cambria Math" panose="02040503050406030204" pitchFamily="18" charset="0"/>
+                              </a:rPr>
+                              <m:t>𝑜𝑑</m:t>
                             </m:r>
                             <m:r>
                               <a:rPr lang="en-US" b="0" i="1" smtClean="0">
@@ -5800,7 +5910,7 @@
             </p:txBody>
           </p:sp>
         </mc:Choice>
-        <mc:Fallback>
+        <mc:Fallback xmlns="">
           <p:sp>
             <p:nvSpPr>
               <p:cNvPr id="4" name="TextBox 3">
@@ -5845,8 +5955,8 @@
           </p:sp>
         </mc:Fallback>
       </mc:AlternateContent>
-      <mc:AlternateContent xmlns:mc="http://schemas.openxmlformats.org/markup-compatibility/2006">
-        <mc:Choice xmlns:a14="http://schemas.microsoft.com/office/drawing/2010/main" Requires="a14">
+      <mc:AlternateContent xmlns:mc="http://schemas.openxmlformats.org/markup-compatibility/2006" xmlns:a14="http://schemas.microsoft.com/office/drawing/2010/main">
+        <mc:Choice Requires="a14">
           <p:sp>
             <p:nvSpPr>
               <p:cNvPr id="5" name="TextBox 4">
@@ -5875,6 +5985,7 @@
               </a:bodyPr>
               <a:lstStyle/>
               <a:p>
+                <a:pPr/>
                 <a14:m>
                   <m:oMathPara xmlns:m="http://schemas.openxmlformats.org/officeDocument/2006/math">
                     <m:oMathParaPr>
@@ -5906,7 +6017,13 @@
                               <a:rPr lang="en-US" b="0" i="1" smtClean="0">
                                 <a:latin typeface="Cambria Math" panose="02040503050406030204" pitchFamily="18" charset="0"/>
                               </a:rPr>
-                              <m:t>𝑚𝑜𝑑</m:t>
+                              <m:t>𝑚</m:t>
+                            </m:r>
+                            <m:r>
+                              <a:rPr lang="en-US" b="0" i="1" smtClean="0">
+                                <a:latin typeface="Cambria Math" panose="02040503050406030204" pitchFamily="18" charset="0"/>
+                              </a:rPr>
+                              <m:t>𝑜𝑑</m:t>
                             </m:r>
                             <m:r>
                               <a:rPr lang="en-US" b="0" i="1" smtClean="0">
@@ -6108,7 +6225,7 @@
             </p:txBody>
           </p:sp>
         </mc:Choice>
-        <mc:Fallback>
+        <mc:Fallback xmlns="">
           <p:sp>
             <p:nvSpPr>
               <p:cNvPr id="5" name="TextBox 4">
@@ -6979,8 +7096,8 @@
           <a:chExt cx="0" cy="0"/>
         </a:xfrm>
       </p:grpSpPr>
-      <mc:AlternateContent xmlns:mc="http://schemas.openxmlformats.org/markup-compatibility/2006">
-        <mc:Choice xmlns:a14="http://schemas.microsoft.com/office/drawing/2010/main" Requires="a14">
+      <mc:AlternateContent xmlns:mc="http://schemas.openxmlformats.org/markup-compatibility/2006" xmlns:a14="http://schemas.microsoft.com/office/drawing/2010/main">
+        <mc:Choice Requires="a14">
           <p:sp>
             <p:nvSpPr>
               <p:cNvPr id="4" name="TextBox 3">
@@ -7653,14 +7770,7 @@
                           <a:latin typeface="Cambria Math" panose="02040503050406030204" pitchFamily="18" charset="0"/>
                           <a:ea typeface="Cambria Math" panose="02040503050406030204" pitchFamily="18" charset="0"/>
                         </a:rPr>
-                        <m:t>≤1</m:t>
-                      </m:r>
-                      <m:r>
-                        <a:rPr lang="en-US" sz="2400" b="0" i="1" smtClean="0">
-                          <a:latin typeface="Cambria Math" panose="02040503050406030204" pitchFamily="18" charset="0"/>
-                          <a:ea typeface="Cambria Math" panose="02040503050406030204" pitchFamily="18" charset="0"/>
-                        </a:rPr>
-                        <m:t> ∀ </m:t>
+                        <m:t>≤1 ∀ </m:t>
                       </m:r>
                       <m:r>
                         <a:rPr lang="en-US" sz="2400" b="0" i="1" smtClean="0">
@@ -7718,6 +7828,7 @@
                 </a:r>
               </a:p>
               <a:p>
+                <a:pPr/>
                 <a14:m>
                   <m:oMathPara xmlns:m="http://schemas.openxmlformats.org/officeDocument/2006/math">
                     <m:oMathParaPr>
@@ -7884,6 +7995,7 @@
                 </a:r>
               </a:p>
               <a:p>
+                <a:pPr/>
                 <a14:m>
                   <m:oMathPara xmlns:m="http://schemas.openxmlformats.org/officeDocument/2006/math">
                     <m:oMathParaPr>
@@ -7984,7 +8096,7 @@
             </p:txBody>
           </p:sp>
         </mc:Choice>
-        <mc:Fallback>
+        <mc:Fallback xmlns="">
           <p:sp>
             <p:nvSpPr>
               <p:cNvPr id="4" name="TextBox 3">
@@ -8164,7 +8276,7 @@
                           <a:latin typeface="Cambria Math" panose="02040503050406030204" pitchFamily="18" charset="0"/>
                           <a:ea typeface="Cambria Math" panose="02040503050406030204" pitchFamily="18" charset="0"/>
                         </a:rPr>
-                        <m:t>𝑦</m:t>
+                        <m:t>𝑇</m:t>
                       </m:r>
                       <m:d>
                         <m:dPr>
@@ -8352,7 +8464,7 @@
                           <a:latin typeface="Cambria Math" panose="02040503050406030204" pitchFamily="18" charset="0"/>
                           <a:ea typeface="Cambria Math" panose="02040503050406030204" pitchFamily="18" charset="0"/>
                         </a:rPr>
-                        <m:t>𝑦</m:t>
+                        <m:t>𝑇</m:t>
                       </m:r>
                       <m:d>
                         <m:dPr>
@@ -8432,7 +8544,6 @@
                 </a:endParaRPr>
               </a:p>
               <a:p>
-                <a:pPr/>
                 <a:endParaRPr lang="en-US" sz="2400" b="0" dirty="0">
                   <a:ea typeface="Cambria Math" panose="02040503050406030204" pitchFamily="18" charset="0"/>
                 </a:endParaRPr>
@@ -8615,40 +8726,33 @@
                         </m:sub>
                         <m:sup/>
                         <m:e>
-                          <m:sSub>
-                            <m:sSubPr>
-                              <m:ctrlPr>
-                                <a:rPr lang="en-US" sz="2400" b="0" i="1" smtClean="0">
-                                  <a:latin typeface="Cambria Math" panose="02040503050406030204" pitchFamily="18" charset="0"/>
-                                  <a:ea typeface="Cambria Math" panose="02040503050406030204" pitchFamily="18" charset="0"/>
-                                </a:rPr>
-                              </m:ctrlPr>
-                            </m:sSubPr>
-                            <m:e>
-                              <m:r>
-                                <a:rPr lang="en-US" sz="2400" b="0" i="1" smtClean="0">
-                                  <a:latin typeface="Cambria Math" panose="02040503050406030204" pitchFamily="18" charset="0"/>
-                                  <a:ea typeface="Cambria Math" panose="02040503050406030204" pitchFamily="18" charset="0"/>
-                                </a:rPr>
-                                <m:t>𝑡</m:t>
-                              </m:r>
-                            </m:e>
-                            <m:sub>
-                              <m:r>
-                                <a:rPr lang="en-US" sz="2400" b="0" i="1" smtClean="0">
-                                  <a:latin typeface="Cambria Math" panose="02040503050406030204" pitchFamily="18" charset="0"/>
-                                  <a:ea typeface="Cambria Math" panose="02040503050406030204" pitchFamily="18" charset="0"/>
-                                </a:rPr>
-                                <m:t>𝑖</m:t>
-                              </m:r>
-                            </m:sub>
-                          </m:sSub>
-                          <m:r>
-                            <a:rPr lang="en-US" sz="2400" b="0" i="1" smtClean="0">
-                              <a:latin typeface="Cambria Math" panose="02040503050406030204" pitchFamily="18" charset="0"/>
-                              <a:ea typeface="Cambria Math" panose="02040503050406030204" pitchFamily="18" charset="0"/>
-                            </a:rPr>
-                            <m:t>≤</m:t>
+                          <m:r>
+                            <a:rPr lang="en-US" sz="2400" b="0" i="1" smtClean="0">
+                              <a:latin typeface="Cambria Math" panose="02040503050406030204" pitchFamily="18" charset="0"/>
+                              <a:ea typeface="Cambria Math" panose="02040503050406030204" pitchFamily="18" charset="0"/>
+                            </a:rPr>
+                            <m:t>𝑇</m:t>
+                          </m:r>
+                          <m:r>
+                            <a:rPr lang="en-US" sz="2400" b="0" i="1" smtClean="0">
+                              <a:latin typeface="Cambria Math" panose="02040503050406030204" pitchFamily="18" charset="0"/>
+                              <a:ea typeface="Cambria Math" panose="02040503050406030204" pitchFamily="18" charset="0"/>
+                            </a:rPr>
+                            <m:t>[</m:t>
+                          </m:r>
+                          <m:r>
+                            <a:rPr lang="en-US" sz="2400" b="0" i="1" smtClean="0">
+                              <a:latin typeface="Cambria Math" panose="02040503050406030204" pitchFamily="18" charset="0"/>
+                              <a:ea typeface="Cambria Math" panose="02040503050406030204" pitchFamily="18" charset="0"/>
+                            </a:rPr>
+                            <m:t>𝑖</m:t>
+                          </m:r>
+                          <m:r>
+                            <a:rPr lang="en-US" sz="2400" b="0" i="1" smtClean="0">
+                              <a:latin typeface="Cambria Math" panose="02040503050406030204" pitchFamily="18" charset="0"/>
+                              <a:ea typeface="Cambria Math" panose="02040503050406030204" pitchFamily="18" charset="0"/>
+                            </a:rPr>
+                            <m:t>]≤</m:t>
                           </m:r>
                           <m:r>
                             <a:rPr lang="en-US" sz="2400" b="0" i="1" smtClean="0">
@@ -8788,40 +8892,33 @@
                         </m:sub>
                         <m:sup/>
                         <m:e>
-                          <m:sSub>
-                            <m:sSubPr>
-                              <m:ctrlPr>
-                                <a:rPr lang="en-US" sz="2400" i="1">
-                                  <a:latin typeface="Cambria Math" panose="02040503050406030204" pitchFamily="18" charset="0"/>
-                                  <a:ea typeface="Cambria Math" panose="02040503050406030204" pitchFamily="18" charset="0"/>
-                                </a:rPr>
-                              </m:ctrlPr>
-                            </m:sSubPr>
-                            <m:e>
-                              <m:r>
-                                <a:rPr lang="en-US" sz="2400" i="1">
-                                  <a:latin typeface="Cambria Math" panose="02040503050406030204" pitchFamily="18" charset="0"/>
-                                  <a:ea typeface="Cambria Math" panose="02040503050406030204" pitchFamily="18" charset="0"/>
-                                </a:rPr>
-                                <m:t>𝑡</m:t>
-                              </m:r>
-                            </m:e>
-                            <m:sub>
-                              <m:r>
-                                <a:rPr lang="en-US" sz="2400" i="1">
-                                  <a:latin typeface="Cambria Math" panose="02040503050406030204" pitchFamily="18" charset="0"/>
-                                  <a:ea typeface="Cambria Math" panose="02040503050406030204" pitchFamily="18" charset="0"/>
-                                </a:rPr>
-                                <m:t>𝑖</m:t>
-                              </m:r>
-                            </m:sub>
-                          </m:sSub>
                           <m:r>
                             <a:rPr lang="en-US" sz="2400" i="1">
                               <a:latin typeface="Cambria Math" panose="02040503050406030204" pitchFamily="18" charset="0"/>
                               <a:ea typeface="Cambria Math" panose="02040503050406030204" pitchFamily="18" charset="0"/>
                             </a:rPr>
-                            <m:t>≤</m:t>
+                            <m:t>𝑇</m:t>
+                          </m:r>
+                          <m:r>
+                            <a:rPr lang="en-US" sz="2400" i="1">
+                              <a:latin typeface="Cambria Math" panose="02040503050406030204" pitchFamily="18" charset="0"/>
+                              <a:ea typeface="Cambria Math" panose="02040503050406030204" pitchFamily="18" charset="0"/>
+                            </a:rPr>
+                            <m:t>[</m:t>
+                          </m:r>
+                          <m:r>
+                            <a:rPr lang="en-US" sz="2400" i="1">
+                              <a:latin typeface="Cambria Math" panose="02040503050406030204" pitchFamily="18" charset="0"/>
+                              <a:ea typeface="Cambria Math" panose="02040503050406030204" pitchFamily="18" charset="0"/>
+                            </a:rPr>
+                            <m:t>𝑖</m:t>
+                          </m:r>
+                          <m:r>
+                            <a:rPr lang="en-US" sz="2400" i="1">
+                              <a:latin typeface="Cambria Math" panose="02040503050406030204" pitchFamily="18" charset="0"/>
+                              <a:ea typeface="Cambria Math" panose="02040503050406030204" pitchFamily="18" charset="0"/>
+                            </a:rPr>
+                            <m:t>]≤</m:t>
                           </m:r>
                           <m:r>
                             <a:rPr lang="en-US" sz="2400" i="1">
@@ -8945,49 +9042,42 @@
                             <m:t>∈</m:t>
                           </m:r>
                           <m:r>
-                            <a:rPr lang="en-US" sz="2400" i="1">
-                              <a:latin typeface="Cambria Math" panose="02040503050406030204" pitchFamily="18" charset="0"/>
-                              <a:ea typeface="Cambria Math" panose="02040503050406030204" pitchFamily="18" charset="0"/>
-                            </a:rPr>
-                            <m:t>𝑇</m:t>
+                            <a:rPr lang="en-US" sz="2400" b="0" i="1" smtClean="0">
+                              <a:latin typeface="Cambria Math" panose="02040503050406030204" pitchFamily="18" charset="0"/>
+                              <a:ea typeface="Cambria Math" panose="02040503050406030204" pitchFamily="18" charset="0"/>
+                            </a:rPr>
+                            <m:t>𝑊</m:t>
                           </m:r>
                         </m:sub>
                         <m:sup/>
                         <m:e>
-                          <m:sSub>
-                            <m:sSubPr>
-                              <m:ctrlPr>
-                                <a:rPr lang="en-US" sz="2400" i="1">
-                                  <a:latin typeface="Cambria Math" panose="02040503050406030204" pitchFamily="18" charset="0"/>
-                                  <a:ea typeface="Cambria Math" panose="02040503050406030204" pitchFamily="18" charset="0"/>
-                                </a:rPr>
-                              </m:ctrlPr>
-                            </m:sSubPr>
-                            <m:e>
-                              <m:r>
-                                <a:rPr lang="en-US" sz="2400" i="1">
-                                  <a:latin typeface="Cambria Math" panose="02040503050406030204" pitchFamily="18" charset="0"/>
-                                  <a:ea typeface="Cambria Math" panose="02040503050406030204" pitchFamily="18" charset="0"/>
-                                </a:rPr>
-                                <m:t>𝑡</m:t>
-                              </m:r>
-                            </m:e>
-                            <m:sub>
-                              <m:r>
-                                <a:rPr lang="en-US" sz="2400" i="1">
-                                  <a:latin typeface="Cambria Math" panose="02040503050406030204" pitchFamily="18" charset="0"/>
-                                  <a:ea typeface="Cambria Math" panose="02040503050406030204" pitchFamily="18" charset="0"/>
-                                </a:rPr>
-                                <m:t>𝑖</m:t>
-                              </m:r>
-                            </m:sub>
-                          </m:sSub>
                           <m:r>
                             <a:rPr lang="en-US" sz="2400" i="1">
                               <a:latin typeface="Cambria Math" panose="02040503050406030204" pitchFamily="18" charset="0"/>
                               <a:ea typeface="Cambria Math" panose="02040503050406030204" pitchFamily="18" charset="0"/>
                             </a:rPr>
-                            <m:t>≤</m:t>
+                            <m:t>𝑇</m:t>
+                          </m:r>
+                          <m:r>
+                            <a:rPr lang="en-US" sz="2400" i="1">
+                              <a:latin typeface="Cambria Math" panose="02040503050406030204" pitchFamily="18" charset="0"/>
+                              <a:ea typeface="Cambria Math" panose="02040503050406030204" pitchFamily="18" charset="0"/>
+                            </a:rPr>
+                            <m:t>[</m:t>
+                          </m:r>
+                          <m:r>
+                            <a:rPr lang="en-US" sz="2400" i="1">
+                              <a:latin typeface="Cambria Math" panose="02040503050406030204" pitchFamily="18" charset="0"/>
+                              <a:ea typeface="Cambria Math" panose="02040503050406030204" pitchFamily="18" charset="0"/>
+                            </a:rPr>
+                            <m:t>𝑖</m:t>
+                          </m:r>
+                          <m:r>
+                            <a:rPr lang="en-US" sz="2400" i="1">
+                              <a:latin typeface="Cambria Math" panose="02040503050406030204" pitchFamily="18" charset="0"/>
+                              <a:ea typeface="Cambria Math" panose="02040503050406030204" pitchFamily="18" charset="0"/>
+                            </a:rPr>
+                            <m:t>]≤</m:t>
                           </m:r>
                           <m:r>
                             <a:rPr lang="en-US" sz="2400" i="1">
@@ -9009,11 +9099,11 @@
                             </m:dPr>
                             <m:e>
                               <m:r>
-                                <a:rPr lang="en-US" sz="2400" i="1">
+                                <a:rPr lang="en-US" sz="2400" b="0" i="1" smtClean="0">
                                   <a:latin typeface="Cambria Math" panose="02040503050406030204" pitchFamily="18" charset="0"/>
                                   <a:ea typeface="Cambria Math" panose="02040503050406030204" pitchFamily="18" charset="0"/>
                                 </a:rPr>
-                                <m:t>2</m:t>
+                                <m:t>3</m:t>
                               </m:r>
                             </m:e>
                           </m:d>
@@ -9069,11 +9159,39 @@
                         </m:dPr>
                         <m:e>
                           <m:r>
+                            <a:rPr lang="en-US" sz="2400" b="0" i="1" smtClean="0">
+                              <a:latin typeface="Cambria Math" panose="02040503050406030204" pitchFamily="18" charset="0"/>
+                              <a:ea typeface="Cambria Math" panose="02040503050406030204" pitchFamily="18" charset="0"/>
+                            </a:rPr>
+                            <m:t>46</m:t>
+                          </m:r>
+                          <m:r>
                             <a:rPr lang="en-US" sz="2400" i="1">
                               <a:latin typeface="Cambria Math" panose="02040503050406030204" pitchFamily="18" charset="0"/>
                               <a:ea typeface="Cambria Math" panose="02040503050406030204" pitchFamily="18" charset="0"/>
                             </a:rPr>
-                            <m:t>1,2,…,15</m:t>
+                            <m:t>,</m:t>
+                          </m:r>
+                          <m:r>
+                            <a:rPr lang="en-US" sz="2400" b="0" i="1" smtClean="0">
+                              <a:latin typeface="Cambria Math" panose="02040503050406030204" pitchFamily="18" charset="0"/>
+                              <a:ea typeface="Cambria Math" panose="02040503050406030204" pitchFamily="18" charset="0"/>
+                            </a:rPr>
+                            <m:t>47</m:t>
+                          </m:r>
+                          <m:r>
+                            <a:rPr lang="en-US" sz="2400" i="1">
+                              <a:latin typeface="Cambria Math" panose="02040503050406030204" pitchFamily="18" charset="0"/>
+                              <a:ea typeface="Cambria Math" panose="02040503050406030204" pitchFamily="18" charset="0"/>
+                            </a:rPr>
+                            <m:t>,…,</m:t>
+                          </m:r>
+                          <m:r>
+                            <a:rPr lang="en-US" sz="2400" b="0" i="1" smtClean="0">
+                              <a:latin typeface="Cambria Math" panose="02040503050406030204" pitchFamily="18" charset="0"/>
+                              <a:ea typeface="Cambria Math" panose="02040503050406030204" pitchFamily="18" charset="0"/>
+                            </a:rPr>
+                            <m:t>60</m:t>
                           </m:r>
                         </m:e>
                       </m:d>
@@ -9115,45 +9233,38 @@
                               <a:latin typeface="Cambria Math" panose="02040503050406030204" pitchFamily="18" charset="0"/>
                               <a:ea typeface="Cambria Math" panose="02040503050406030204" pitchFamily="18" charset="0"/>
                             </a:rPr>
-                            <m:t>𝑇</m:t>
+                            <m:t>𝑇h</m:t>
                           </m:r>
                         </m:sub>
                         <m:sup/>
                         <m:e>
-                          <m:sSub>
-                            <m:sSubPr>
-                              <m:ctrlPr>
-                                <a:rPr lang="en-US" sz="2400" i="1">
-                                  <a:latin typeface="Cambria Math" panose="02040503050406030204" pitchFamily="18" charset="0"/>
-                                  <a:ea typeface="Cambria Math" panose="02040503050406030204" pitchFamily="18" charset="0"/>
-                                </a:rPr>
-                              </m:ctrlPr>
-                            </m:sSubPr>
-                            <m:e>
-                              <m:r>
-                                <a:rPr lang="en-US" sz="2400" i="1">
-                                  <a:latin typeface="Cambria Math" panose="02040503050406030204" pitchFamily="18" charset="0"/>
-                                  <a:ea typeface="Cambria Math" panose="02040503050406030204" pitchFamily="18" charset="0"/>
-                                </a:rPr>
-                                <m:t>𝑡</m:t>
-                              </m:r>
-                            </m:e>
-                            <m:sub>
-                              <m:r>
-                                <a:rPr lang="en-US" sz="2400" i="1">
-                                  <a:latin typeface="Cambria Math" panose="02040503050406030204" pitchFamily="18" charset="0"/>
-                                  <a:ea typeface="Cambria Math" panose="02040503050406030204" pitchFamily="18" charset="0"/>
-                                </a:rPr>
-                                <m:t>𝑖</m:t>
-                              </m:r>
-                            </m:sub>
-                          </m:sSub>
                           <m:r>
                             <a:rPr lang="en-US" sz="2400" i="1">
                               <a:latin typeface="Cambria Math" panose="02040503050406030204" pitchFamily="18" charset="0"/>
                               <a:ea typeface="Cambria Math" panose="02040503050406030204" pitchFamily="18" charset="0"/>
                             </a:rPr>
-                            <m:t>≤</m:t>
+                            <m:t>𝑇</m:t>
+                          </m:r>
+                          <m:r>
+                            <a:rPr lang="en-US" sz="2400" i="1">
+                              <a:latin typeface="Cambria Math" panose="02040503050406030204" pitchFamily="18" charset="0"/>
+                              <a:ea typeface="Cambria Math" panose="02040503050406030204" pitchFamily="18" charset="0"/>
+                            </a:rPr>
+                            <m:t>[</m:t>
+                          </m:r>
+                          <m:r>
+                            <a:rPr lang="en-US" sz="2400" i="1">
+                              <a:latin typeface="Cambria Math" panose="02040503050406030204" pitchFamily="18" charset="0"/>
+                              <a:ea typeface="Cambria Math" panose="02040503050406030204" pitchFamily="18" charset="0"/>
+                            </a:rPr>
+                            <m:t>𝑖</m:t>
+                          </m:r>
+                          <m:r>
+                            <a:rPr lang="en-US" sz="2400" i="1">
+                              <a:latin typeface="Cambria Math" panose="02040503050406030204" pitchFamily="18" charset="0"/>
+                              <a:ea typeface="Cambria Math" panose="02040503050406030204" pitchFamily="18" charset="0"/>
+                            </a:rPr>
+                            <m:t>]≤</m:t>
                           </m:r>
                           <m:r>
                             <a:rPr lang="en-US" sz="2400" i="1">
@@ -9175,11 +9286,11 @@
                             </m:dPr>
                             <m:e>
                               <m:r>
-                                <a:rPr lang="en-US" sz="2400" i="1">
+                                <a:rPr lang="en-US" sz="2400" b="0" i="1" smtClean="0">
                                   <a:latin typeface="Cambria Math" panose="02040503050406030204" pitchFamily="18" charset="0"/>
                                   <a:ea typeface="Cambria Math" panose="02040503050406030204" pitchFamily="18" charset="0"/>
                                 </a:rPr>
-                                <m:t>2</m:t>
+                                <m:t>4</m:t>
                               </m:r>
                             </m:e>
                           </m:d>
@@ -9235,11 +9346,46 @@
                         </m:dPr>
                         <m:e>
                           <m:r>
+                            <a:rPr lang="en-US" sz="2400" b="0" i="1" smtClean="0">
+                              <a:latin typeface="Cambria Math" panose="02040503050406030204" pitchFamily="18" charset="0"/>
+                              <a:ea typeface="Cambria Math" panose="02040503050406030204" pitchFamily="18" charset="0"/>
+                            </a:rPr>
+                            <m:t>61</m:t>
+                          </m:r>
+                          <m:r>
                             <a:rPr lang="en-US" sz="2400" i="1">
                               <a:latin typeface="Cambria Math" panose="02040503050406030204" pitchFamily="18" charset="0"/>
                               <a:ea typeface="Cambria Math" panose="02040503050406030204" pitchFamily="18" charset="0"/>
                             </a:rPr>
-                            <m:t>1,2,…,15</m:t>
+                            <m:t>,</m:t>
+                          </m:r>
+                          <m:r>
+                            <a:rPr lang="en-US" sz="2400" b="0" i="1" smtClean="0">
+                              <a:latin typeface="Cambria Math" panose="02040503050406030204" pitchFamily="18" charset="0"/>
+                              <a:ea typeface="Cambria Math" panose="02040503050406030204" pitchFamily="18" charset="0"/>
+                            </a:rPr>
+                            <m:t>62</m:t>
+                          </m:r>
+                          <m:r>
+                            <a:rPr lang="en-US" sz="2400" i="1">
+                              <a:latin typeface="Cambria Math" panose="02040503050406030204" pitchFamily="18" charset="0"/>
+                              <a:ea typeface="Cambria Math" panose="02040503050406030204" pitchFamily="18" charset="0"/>
+                            </a:rPr>
+                            <m:t>,…,</m:t>
+                          </m:r>
+                          <m:r>
+                            <a:rPr lang="en-US" sz="2400" b="0" i="1" smtClean="0">
+                              <a:latin typeface="Cambria Math" panose="02040503050406030204" pitchFamily="18" charset="0"/>
+                              <a:ea typeface="Cambria Math" panose="02040503050406030204" pitchFamily="18" charset="0"/>
+                            </a:rPr>
+                            <m:t>7</m:t>
+                          </m:r>
+                          <m:r>
+                            <a:rPr lang="en-US" sz="2400" i="1">
+                              <a:latin typeface="Cambria Math" panose="02040503050406030204" pitchFamily="18" charset="0"/>
+                              <a:ea typeface="Cambria Math" panose="02040503050406030204" pitchFamily="18" charset="0"/>
+                            </a:rPr>
+                            <m:t>5</m:t>
                           </m:r>
                         </m:e>
                       </m:d>
@@ -9277,49 +9423,42 @@
                             <m:t>∈</m:t>
                           </m:r>
                           <m:r>
-                            <a:rPr lang="en-US" sz="2400" i="1">
-                              <a:latin typeface="Cambria Math" panose="02040503050406030204" pitchFamily="18" charset="0"/>
-                              <a:ea typeface="Cambria Math" panose="02040503050406030204" pitchFamily="18" charset="0"/>
-                            </a:rPr>
-                            <m:t>𝑇</m:t>
+                            <a:rPr lang="en-US" sz="2400" b="0" i="1" smtClean="0">
+                              <a:latin typeface="Cambria Math" panose="02040503050406030204" pitchFamily="18" charset="0"/>
+                              <a:ea typeface="Cambria Math" panose="02040503050406030204" pitchFamily="18" charset="0"/>
+                            </a:rPr>
+                            <m:t>𝐹</m:t>
                           </m:r>
                         </m:sub>
                         <m:sup/>
                         <m:e>
-                          <m:sSub>
-                            <m:sSubPr>
-                              <m:ctrlPr>
-                                <a:rPr lang="en-US" sz="2400" i="1">
-                                  <a:latin typeface="Cambria Math" panose="02040503050406030204" pitchFamily="18" charset="0"/>
-                                  <a:ea typeface="Cambria Math" panose="02040503050406030204" pitchFamily="18" charset="0"/>
-                                </a:rPr>
-                              </m:ctrlPr>
-                            </m:sSubPr>
-                            <m:e>
-                              <m:r>
-                                <a:rPr lang="en-US" sz="2400" i="1">
-                                  <a:latin typeface="Cambria Math" panose="02040503050406030204" pitchFamily="18" charset="0"/>
-                                  <a:ea typeface="Cambria Math" panose="02040503050406030204" pitchFamily="18" charset="0"/>
-                                </a:rPr>
-                                <m:t>𝑡</m:t>
-                              </m:r>
-                            </m:e>
-                            <m:sub>
-                              <m:r>
-                                <a:rPr lang="en-US" sz="2400" i="1">
-                                  <a:latin typeface="Cambria Math" panose="02040503050406030204" pitchFamily="18" charset="0"/>
-                                  <a:ea typeface="Cambria Math" panose="02040503050406030204" pitchFamily="18" charset="0"/>
-                                </a:rPr>
-                                <m:t>𝑖</m:t>
-                              </m:r>
-                            </m:sub>
-                          </m:sSub>
                           <m:r>
                             <a:rPr lang="en-US" sz="2400" i="1">
                               <a:latin typeface="Cambria Math" panose="02040503050406030204" pitchFamily="18" charset="0"/>
                               <a:ea typeface="Cambria Math" panose="02040503050406030204" pitchFamily="18" charset="0"/>
                             </a:rPr>
-                            <m:t>≤</m:t>
+                            <m:t>𝑇</m:t>
+                          </m:r>
+                          <m:r>
+                            <a:rPr lang="en-US" sz="2400" i="1">
+                              <a:latin typeface="Cambria Math" panose="02040503050406030204" pitchFamily="18" charset="0"/>
+                              <a:ea typeface="Cambria Math" panose="02040503050406030204" pitchFamily="18" charset="0"/>
+                            </a:rPr>
+                            <m:t>[</m:t>
+                          </m:r>
+                          <m:r>
+                            <a:rPr lang="en-US" sz="2400" i="1">
+                              <a:latin typeface="Cambria Math" panose="02040503050406030204" pitchFamily="18" charset="0"/>
+                              <a:ea typeface="Cambria Math" panose="02040503050406030204" pitchFamily="18" charset="0"/>
+                            </a:rPr>
+                            <m:t>𝑖</m:t>
+                          </m:r>
+                          <m:r>
+                            <a:rPr lang="en-US" sz="2400" i="1">
+                              <a:latin typeface="Cambria Math" panose="02040503050406030204" pitchFamily="18" charset="0"/>
+                              <a:ea typeface="Cambria Math" panose="02040503050406030204" pitchFamily="18" charset="0"/>
+                            </a:rPr>
+                            <m:t>]≤</m:t>
                           </m:r>
                           <m:r>
                             <a:rPr lang="en-US" sz="2400" i="1">
@@ -9341,11 +9480,11 @@
                             </m:dPr>
                             <m:e>
                               <m:r>
-                                <a:rPr lang="en-US" sz="2400" i="1">
+                                <a:rPr lang="en-US" sz="2400" b="0" i="1" smtClean="0">
                                   <a:latin typeface="Cambria Math" panose="02040503050406030204" pitchFamily="18" charset="0"/>
                                   <a:ea typeface="Cambria Math" panose="02040503050406030204" pitchFamily="18" charset="0"/>
                                 </a:rPr>
-                                <m:t>2</m:t>
+                                <m:t>5</m:t>
                               </m:r>
                             </m:e>
                           </m:d>
@@ -9695,40 +9834,33 @@
                         </m:sub>
                         <m:sup/>
                         <m:e>
-                          <m:sSub>
-                            <m:sSubPr>
-                              <m:ctrlPr>
-                                <a:rPr lang="en-US" sz="2400" b="0" i="1" smtClean="0">
-                                  <a:latin typeface="Cambria Math" panose="02040503050406030204" pitchFamily="18" charset="0"/>
-                                  <a:ea typeface="Cambria Math" panose="02040503050406030204" pitchFamily="18" charset="0"/>
-                                </a:rPr>
-                              </m:ctrlPr>
-                            </m:sSubPr>
-                            <m:e>
-                              <m:r>
-                                <a:rPr lang="en-US" sz="2400" b="0" i="1" smtClean="0">
-                                  <a:latin typeface="Cambria Math" panose="02040503050406030204" pitchFamily="18" charset="0"/>
-                                  <a:ea typeface="Cambria Math" panose="02040503050406030204" pitchFamily="18" charset="0"/>
-                                </a:rPr>
-                                <m:t>𝑡</m:t>
-                              </m:r>
-                            </m:e>
-                            <m:sub>
-                              <m:r>
-                                <a:rPr lang="en-US" sz="2400" b="0" i="1" smtClean="0">
-                                  <a:latin typeface="Cambria Math" panose="02040503050406030204" pitchFamily="18" charset="0"/>
-                                  <a:ea typeface="Cambria Math" panose="02040503050406030204" pitchFamily="18" charset="0"/>
-                                </a:rPr>
-                                <m:t>𝑖</m:t>
-                              </m:r>
-                            </m:sub>
-                          </m:sSub>
-                          <m:r>
-                            <a:rPr lang="en-US" sz="2400" b="0" i="1" smtClean="0">
-                              <a:latin typeface="Cambria Math" panose="02040503050406030204" pitchFamily="18" charset="0"/>
-                              <a:ea typeface="Cambria Math" panose="02040503050406030204" pitchFamily="18" charset="0"/>
-                            </a:rPr>
-                            <m:t>≤3</m:t>
+                          <m:r>
+                            <a:rPr lang="en-US" sz="2400" i="1">
+                              <a:latin typeface="Cambria Math" panose="02040503050406030204" pitchFamily="18" charset="0"/>
+                              <a:ea typeface="Cambria Math" panose="02040503050406030204" pitchFamily="18" charset="0"/>
+                            </a:rPr>
+                            <m:t>𝑇</m:t>
+                          </m:r>
+                          <m:r>
+                            <a:rPr lang="en-US" sz="2400" i="1">
+                              <a:latin typeface="Cambria Math" panose="02040503050406030204" pitchFamily="18" charset="0"/>
+                              <a:ea typeface="Cambria Math" panose="02040503050406030204" pitchFamily="18" charset="0"/>
+                            </a:rPr>
+                            <m:t>[</m:t>
+                          </m:r>
+                          <m:r>
+                            <a:rPr lang="en-US" sz="2400" i="1">
+                              <a:latin typeface="Cambria Math" panose="02040503050406030204" pitchFamily="18" charset="0"/>
+                              <a:ea typeface="Cambria Math" panose="02040503050406030204" pitchFamily="18" charset="0"/>
+                            </a:rPr>
+                            <m:t>𝑖</m:t>
+                          </m:r>
+                          <m:r>
+                            <a:rPr lang="en-US" sz="2400" i="1">
+                              <a:latin typeface="Cambria Math" panose="02040503050406030204" pitchFamily="18" charset="0"/>
+                              <a:ea typeface="Cambria Math" panose="02040503050406030204" pitchFamily="18" charset="0"/>
+                            </a:rPr>
+                            <m:t>]≤3</m:t>
                           </m:r>
                         </m:e>
                       </m:nary>
@@ -9826,47 +9958,33 @@
                         </m:sub>
                         <m:sup/>
                         <m:e>
-                          <m:sSub>
-                            <m:sSubPr>
-                              <m:ctrlPr>
-                                <a:rPr lang="en-US" sz="2400" i="1">
-                                  <a:latin typeface="Cambria Math" panose="02040503050406030204" pitchFamily="18" charset="0"/>
-                                  <a:ea typeface="Cambria Math" panose="02040503050406030204" pitchFamily="18" charset="0"/>
-                                </a:rPr>
-                              </m:ctrlPr>
-                            </m:sSubPr>
-                            <m:e>
-                              <m:r>
-                                <a:rPr lang="en-US" sz="2400" i="1">
-                                  <a:latin typeface="Cambria Math" panose="02040503050406030204" pitchFamily="18" charset="0"/>
-                                  <a:ea typeface="Cambria Math" panose="02040503050406030204" pitchFamily="18" charset="0"/>
-                                </a:rPr>
-                                <m:t>𝑡</m:t>
-                              </m:r>
-                            </m:e>
-                            <m:sub>
-                              <m:r>
-                                <a:rPr lang="en-US" sz="2400" i="1">
-                                  <a:latin typeface="Cambria Math" panose="02040503050406030204" pitchFamily="18" charset="0"/>
-                                  <a:ea typeface="Cambria Math" panose="02040503050406030204" pitchFamily="18" charset="0"/>
-                                </a:rPr>
-                                <m:t>𝑖</m:t>
-                              </m:r>
-                            </m:sub>
-                          </m:sSub>
                           <m:r>
                             <a:rPr lang="en-US" sz="2400" i="1">
                               <a:latin typeface="Cambria Math" panose="02040503050406030204" pitchFamily="18" charset="0"/>
                               <a:ea typeface="Cambria Math" panose="02040503050406030204" pitchFamily="18" charset="0"/>
                             </a:rPr>
-                            <m:t>≤</m:t>
-                          </m:r>
-                          <m:r>
-                            <a:rPr lang="en-US" sz="2400" i="1" smtClean="0">
-                              <a:latin typeface="Cambria Math" panose="02040503050406030204" pitchFamily="18" charset="0"/>
-                              <a:ea typeface="Cambria Math" panose="02040503050406030204" pitchFamily="18" charset="0"/>
-                            </a:rPr>
-                            <m:t>3</m:t>
+                            <m:t>𝑇</m:t>
+                          </m:r>
+                          <m:r>
+                            <a:rPr lang="en-US" sz="2400" i="1">
+                              <a:latin typeface="Cambria Math" panose="02040503050406030204" pitchFamily="18" charset="0"/>
+                              <a:ea typeface="Cambria Math" panose="02040503050406030204" pitchFamily="18" charset="0"/>
+                            </a:rPr>
+                            <m:t>[</m:t>
+                          </m:r>
+                          <m:r>
+                            <a:rPr lang="en-US" sz="2400" i="1">
+                              <a:latin typeface="Cambria Math" panose="02040503050406030204" pitchFamily="18" charset="0"/>
+                              <a:ea typeface="Cambria Math" panose="02040503050406030204" pitchFamily="18" charset="0"/>
+                            </a:rPr>
+                            <m:t>𝑖</m:t>
+                          </m:r>
+                          <m:r>
+                            <a:rPr lang="en-US" sz="2400" i="1">
+                              <a:latin typeface="Cambria Math" panose="02040503050406030204" pitchFamily="18" charset="0"/>
+                              <a:ea typeface="Cambria Math" panose="02040503050406030204" pitchFamily="18" charset="0"/>
+                            </a:rPr>
+                            <m:t>]≤3</m:t>
                           </m:r>
                         </m:e>
                       </m:nary>
@@ -9921,13 +10039,6 @@
                           </m:r>
                         </m:e>
                       </m:d>
-                      <m:r>
-                        <a:rPr lang="en-US" sz="2400" b="0" i="1" smtClean="0">
-                          <a:latin typeface="Cambria Math" panose="02040503050406030204" pitchFamily="18" charset="0"/>
-                          <a:ea typeface="Cambria Math" panose="02040503050406030204" pitchFamily="18" charset="0"/>
-                        </a:rPr>
-                        <m:t>  </m:t>
-                      </m:r>
                       <m:nary>
                         <m:naryPr>
                           <m:chr m:val="∑"/>
@@ -9955,84 +10066,42 @@
                             <m:t>∈</m:t>
                           </m:r>
                           <m:r>
-                            <a:rPr lang="en-US" sz="2400" i="1">
-                              <a:latin typeface="Cambria Math" panose="02040503050406030204" pitchFamily="18" charset="0"/>
-                              <a:ea typeface="Cambria Math" panose="02040503050406030204" pitchFamily="18" charset="0"/>
-                            </a:rPr>
-                            <m:t>𝑇</m:t>
+                            <a:rPr lang="en-US" sz="2400" b="0" i="1" smtClean="0">
+                              <a:latin typeface="Cambria Math" panose="02040503050406030204" pitchFamily="18" charset="0"/>
+                              <a:ea typeface="Cambria Math" panose="02040503050406030204" pitchFamily="18" charset="0"/>
+                            </a:rPr>
+                            <m:t>𝑊</m:t>
                           </m:r>
                         </m:sub>
                         <m:sup/>
                         <m:e>
-                          <m:sSub>
-                            <m:sSubPr>
-                              <m:ctrlPr>
-                                <a:rPr lang="en-US" sz="2400" i="1">
-                                  <a:latin typeface="Cambria Math" panose="02040503050406030204" pitchFamily="18" charset="0"/>
-                                  <a:ea typeface="Cambria Math" panose="02040503050406030204" pitchFamily="18" charset="0"/>
-                                </a:rPr>
-                              </m:ctrlPr>
-                            </m:sSubPr>
-                            <m:e>
-                              <m:r>
-                                <a:rPr lang="en-US" sz="2400" i="1">
-                                  <a:latin typeface="Cambria Math" panose="02040503050406030204" pitchFamily="18" charset="0"/>
-                                  <a:ea typeface="Cambria Math" panose="02040503050406030204" pitchFamily="18" charset="0"/>
-                                </a:rPr>
-                                <m:t>𝑡</m:t>
-                              </m:r>
-                            </m:e>
-                            <m:sub>
-                              <m:r>
-                                <a:rPr lang="en-US" sz="2400" i="1">
-                                  <a:latin typeface="Cambria Math" panose="02040503050406030204" pitchFamily="18" charset="0"/>
-                                  <a:ea typeface="Cambria Math" panose="02040503050406030204" pitchFamily="18" charset="0"/>
-                                </a:rPr>
-                                <m:t>𝑖</m:t>
-                              </m:r>
-                            </m:sub>
-                          </m:sSub>
                           <m:r>
                             <a:rPr lang="en-US" sz="2400" i="1">
                               <a:latin typeface="Cambria Math" panose="02040503050406030204" pitchFamily="18" charset="0"/>
                               <a:ea typeface="Cambria Math" panose="02040503050406030204" pitchFamily="18" charset="0"/>
                             </a:rPr>
-                            <m:t>≤</m:t>
+                            <m:t>𝑇</m:t>
                           </m:r>
                           <m:r>
                             <a:rPr lang="en-US" sz="2400" i="1">
                               <a:latin typeface="Cambria Math" panose="02040503050406030204" pitchFamily="18" charset="0"/>
                               <a:ea typeface="Cambria Math" panose="02040503050406030204" pitchFamily="18" charset="0"/>
                             </a:rPr>
-                            <m:t>𝑦</m:t>
-                          </m:r>
-                          <m:d>
-                            <m:dPr>
-                              <m:begChr m:val="["/>
-                              <m:endChr m:val="]"/>
-                              <m:ctrlPr>
-                                <a:rPr lang="en-US" sz="2400" i="1">
-                                  <a:latin typeface="Cambria Math" panose="02040503050406030204" pitchFamily="18" charset="0"/>
-                                  <a:ea typeface="Cambria Math" panose="02040503050406030204" pitchFamily="18" charset="0"/>
-                                </a:rPr>
-                              </m:ctrlPr>
-                            </m:dPr>
-                            <m:e>
-                              <m:r>
-                                <a:rPr lang="en-US" sz="2400" i="1">
-                                  <a:latin typeface="Cambria Math" panose="02040503050406030204" pitchFamily="18" charset="0"/>
-                                  <a:ea typeface="Cambria Math" panose="02040503050406030204" pitchFamily="18" charset="0"/>
-                                </a:rPr>
-                                <m:t>2</m:t>
-                              </m:r>
-                            </m:e>
-                          </m:d>
+                            <m:t>[</m:t>
+                          </m:r>
                           <m:r>
                             <a:rPr lang="en-US" sz="2400" i="1">
                               <a:latin typeface="Cambria Math" panose="02040503050406030204" pitchFamily="18" charset="0"/>
                               <a:ea typeface="Cambria Math" panose="02040503050406030204" pitchFamily="18" charset="0"/>
                             </a:rPr>
-                            <m:t>×15</m:t>
+                            <m:t>𝑖</m:t>
+                          </m:r>
+                          <m:r>
+                            <a:rPr lang="en-US" sz="2400" i="1">
+                              <a:latin typeface="Cambria Math" panose="02040503050406030204" pitchFamily="18" charset="0"/>
+                              <a:ea typeface="Cambria Math" panose="02040503050406030204" pitchFamily="18" charset="0"/>
+                            </a:rPr>
+                            <m:t>]≤3</m:t>
                           </m:r>
                         </m:e>
                       </m:nary>
@@ -10077,15 +10146,16 @@
                             </a:rPr>
                           </m:ctrlPr>
                         </m:dPr>
-                        <m:e/>
+                        <m:e>
+                          <m:r>
+                            <a:rPr lang="en-US" sz="2400" b="0" i="1" smtClean="0">
+                              <a:latin typeface="Cambria Math" panose="02040503050406030204" pitchFamily="18" charset="0"/>
+                              <a:ea typeface="Cambria Math" panose="02040503050406030204" pitchFamily="18" charset="0"/>
+                            </a:rPr>
+                            <m:t>48, 49, 50, 51</m:t>
+                          </m:r>
+                        </m:e>
                       </m:d>
-                      <m:r>
-                        <a:rPr lang="en-US" sz="2400" b="0" i="1" smtClean="0">
-                          <a:latin typeface="Cambria Math" panose="02040503050406030204" pitchFamily="18" charset="0"/>
-                          <a:ea typeface="Cambria Math" panose="02040503050406030204" pitchFamily="18" charset="0"/>
-                        </a:rPr>
-                        <m:t>  </m:t>
-                      </m:r>
                       <m:nary>
                         <m:naryPr>
                           <m:chr m:val="∑"/>
@@ -10113,84 +10183,42 @@
                             <m:t>∈</m:t>
                           </m:r>
                           <m:r>
-                            <a:rPr lang="en-US" sz="2400" i="1">
-                              <a:latin typeface="Cambria Math" panose="02040503050406030204" pitchFamily="18" charset="0"/>
-                              <a:ea typeface="Cambria Math" panose="02040503050406030204" pitchFamily="18" charset="0"/>
-                            </a:rPr>
-                            <m:t>𝑇</m:t>
+                            <a:rPr lang="en-US" sz="2400" b="0" i="1" smtClean="0">
+                              <a:latin typeface="Cambria Math" panose="02040503050406030204" pitchFamily="18" charset="0"/>
+                              <a:ea typeface="Cambria Math" panose="02040503050406030204" pitchFamily="18" charset="0"/>
+                            </a:rPr>
+                            <m:t>𝑇h</m:t>
                           </m:r>
                         </m:sub>
                         <m:sup/>
                         <m:e>
-                          <m:sSub>
-                            <m:sSubPr>
-                              <m:ctrlPr>
-                                <a:rPr lang="en-US" sz="2400" i="1">
-                                  <a:latin typeface="Cambria Math" panose="02040503050406030204" pitchFamily="18" charset="0"/>
-                                  <a:ea typeface="Cambria Math" panose="02040503050406030204" pitchFamily="18" charset="0"/>
-                                </a:rPr>
-                              </m:ctrlPr>
-                            </m:sSubPr>
-                            <m:e>
-                              <m:r>
-                                <a:rPr lang="en-US" sz="2400" i="1">
-                                  <a:latin typeface="Cambria Math" panose="02040503050406030204" pitchFamily="18" charset="0"/>
-                                  <a:ea typeface="Cambria Math" panose="02040503050406030204" pitchFamily="18" charset="0"/>
-                                </a:rPr>
-                                <m:t>𝑡</m:t>
-                              </m:r>
-                            </m:e>
-                            <m:sub>
-                              <m:r>
-                                <a:rPr lang="en-US" sz="2400" i="1">
-                                  <a:latin typeface="Cambria Math" panose="02040503050406030204" pitchFamily="18" charset="0"/>
-                                  <a:ea typeface="Cambria Math" panose="02040503050406030204" pitchFamily="18" charset="0"/>
-                                </a:rPr>
-                                <m:t>𝑖</m:t>
-                              </m:r>
-                            </m:sub>
-                          </m:sSub>
                           <m:r>
                             <a:rPr lang="en-US" sz="2400" i="1">
                               <a:latin typeface="Cambria Math" panose="02040503050406030204" pitchFamily="18" charset="0"/>
                               <a:ea typeface="Cambria Math" panose="02040503050406030204" pitchFamily="18" charset="0"/>
                             </a:rPr>
-                            <m:t>≤</m:t>
+                            <m:t>𝑇</m:t>
                           </m:r>
                           <m:r>
                             <a:rPr lang="en-US" sz="2400" i="1">
                               <a:latin typeface="Cambria Math" panose="02040503050406030204" pitchFamily="18" charset="0"/>
                               <a:ea typeface="Cambria Math" panose="02040503050406030204" pitchFamily="18" charset="0"/>
                             </a:rPr>
-                            <m:t>𝑦</m:t>
-                          </m:r>
-                          <m:d>
-                            <m:dPr>
-                              <m:begChr m:val="["/>
-                              <m:endChr m:val="]"/>
-                              <m:ctrlPr>
-                                <a:rPr lang="en-US" sz="2400" i="1">
-                                  <a:latin typeface="Cambria Math" panose="02040503050406030204" pitchFamily="18" charset="0"/>
-                                  <a:ea typeface="Cambria Math" panose="02040503050406030204" pitchFamily="18" charset="0"/>
-                                </a:rPr>
-                              </m:ctrlPr>
-                            </m:dPr>
-                            <m:e>
-                              <m:r>
-                                <a:rPr lang="en-US" sz="2400" i="1">
-                                  <a:latin typeface="Cambria Math" panose="02040503050406030204" pitchFamily="18" charset="0"/>
-                                  <a:ea typeface="Cambria Math" panose="02040503050406030204" pitchFamily="18" charset="0"/>
-                                </a:rPr>
-                                <m:t>2</m:t>
-                              </m:r>
-                            </m:e>
-                          </m:d>
+                            <m:t>[</m:t>
+                          </m:r>
                           <m:r>
                             <a:rPr lang="en-US" sz="2400" i="1">
                               <a:latin typeface="Cambria Math" panose="02040503050406030204" pitchFamily="18" charset="0"/>
                               <a:ea typeface="Cambria Math" panose="02040503050406030204" pitchFamily="18" charset="0"/>
                             </a:rPr>
-                            <m:t>×15</m:t>
+                            <m:t>𝑖</m:t>
+                          </m:r>
+                          <m:r>
+                            <a:rPr lang="en-US" sz="2400" i="1">
+                              <a:latin typeface="Cambria Math" panose="02040503050406030204" pitchFamily="18" charset="0"/>
+                              <a:ea typeface="Cambria Math" panose="02040503050406030204" pitchFamily="18" charset="0"/>
+                            </a:rPr>
+                            <m:t>]≤3</m:t>
                           </m:r>
                         </m:e>
                       </m:nary>
@@ -10237,21 +10265,14 @@
                         </m:dPr>
                         <m:e>
                           <m:r>
-                            <a:rPr lang="en-US" sz="2400" i="1">
-                              <a:latin typeface="Cambria Math" panose="02040503050406030204" pitchFamily="18" charset="0"/>
-                              <a:ea typeface="Cambria Math" panose="02040503050406030204" pitchFamily="18" charset="0"/>
-                            </a:rPr>
-                            <m:t>1,2,…,15</m:t>
+                            <a:rPr lang="en-US" sz="2400" b="0" i="1" smtClean="0">
+                              <a:latin typeface="Cambria Math" panose="02040503050406030204" pitchFamily="18" charset="0"/>
+                              <a:ea typeface="Cambria Math" panose="02040503050406030204" pitchFamily="18" charset="0"/>
+                            </a:rPr>
+                            <m:t>63, 64, 65, 66</m:t>
                           </m:r>
                         </m:e>
                       </m:d>
-                      <m:r>
-                        <a:rPr lang="en-US" sz="2400" b="0" i="1" smtClean="0">
-                          <a:latin typeface="Cambria Math" panose="02040503050406030204" pitchFamily="18" charset="0"/>
-                          <a:ea typeface="Cambria Math" panose="02040503050406030204" pitchFamily="18" charset="0"/>
-                        </a:rPr>
-                        <m:t>    </m:t>
-                      </m:r>
                       <m:nary>
                         <m:naryPr>
                           <m:chr m:val="∑"/>
@@ -10279,84 +10300,42 @@
                             <m:t>∈</m:t>
                           </m:r>
                           <m:r>
-                            <a:rPr lang="en-US" sz="2400" i="1">
-                              <a:latin typeface="Cambria Math" panose="02040503050406030204" pitchFamily="18" charset="0"/>
-                              <a:ea typeface="Cambria Math" panose="02040503050406030204" pitchFamily="18" charset="0"/>
-                            </a:rPr>
-                            <m:t>𝑇</m:t>
+                            <a:rPr lang="en-US" sz="2400" b="0" i="1" smtClean="0">
+                              <a:latin typeface="Cambria Math" panose="02040503050406030204" pitchFamily="18" charset="0"/>
+                              <a:ea typeface="Cambria Math" panose="02040503050406030204" pitchFamily="18" charset="0"/>
+                            </a:rPr>
+                            <m:t>𝐹</m:t>
                           </m:r>
                         </m:sub>
                         <m:sup/>
                         <m:e>
-                          <m:sSub>
-                            <m:sSubPr>
-                              <m:ctrlPr>
-                                <a:rPr lang="en-US" sz="2400" i="1">
-                                  <a:latin typeface="Cambria Math" panose="02040503050406030204" pitchFamily="18" charset="0"/>
-                                  <a:ea typeface="Cambria Math" panose="02040503050406030204" pitchFamily="18" charset="0"/>
-                                </a:rPr>
-                              </m:ctrlPr>
-                            </m:sSubPr>
-                            <m:e>
-                              <m:r>
-                                <a:rPr lang="en-US" sz="2400" i="1">
-                                  <a:latin typeface="Cambria Math" panose="02040503050406030204" pitchFamily="18" charset="0"/>
-                                  <a:ea typeface="Cambria Math" panose="02040503050406030204" pitchFamily="18" charset="0"/>
-                                </a:rPr>
-                                <m:t>𝑡</m:t>
-                              </m:r>
-                            </m:e>
-                            <m:sub>
-                              <m:r>
-                                <a:rPr lang="en-US" sz="2400" i="1">
-                                  <a:latin typeface="Cambria Math" panose="02040503050406030204" pitchFamily="18" charset="0"/>
-                                  <a:ea typeface="Cambria Math" panose="02040503050406030204" pitchFamily="18" charset="0"/>
-                                </a:rPr>
-                                <m:t>𝑖</m:t>
-                              </m:r>
-                            </m:sub>
-                          </m:sSub>
                           <m:r>
                             <a:rPr lang="en-US" sz="2400" i="1">
                               <a:latin typeface="Cambria Math" panose="02040503050406030204" pitchFamily="18" charset="0"/>
                               <a:ea typeface="Cambria Math" panose="02040503050406030204" pitchFamily="18" charset="0"/>
                             </a:rPr>
-                            <m:t>≤</m:t>
+                            <m:t>𝑇</m:t>
                           </m:r>
                           <m:r>
                             <a:rPr lang="en-US" sz="2400" i="1">
                               <a:latin typeface="Cambria Math" panose="02040503050406030204" pitchFamily="18" charset="0"/>
                               <a:ea typeface="Cambria Math" panose="02040503050406030204" pitchFamily="18" charset="0"/>
                             </a:rPr>
-                            <m:t>𝑦</m:t>
-                          </m:r>
-                          <m:d>
-                            <m:dPr>
-                              <m:begChr m:val="["/>
-                              <m:endChr m:val="]"/>
-                              <m:ctrlPr>
-                                <a:rPr lang="en-US" sz="2400" i="1">
-                                  <a:latin typeface="Cambria Math" panose="02040503050406030204" pitchFamily="18" charset="0"/>
-                                  <a:ea typeface="Cambria Math" panose="02040503050406030204" pitchFamily="18" charset="0"/>
-                                </a:rPr>
-                              </m:ctrlPr>
-                            </m:dPr>
-                            <m:e>
-                              <m:r>
-                                <a:rPr lang="en-US" sz="2400" i="1">
-                                  <a:latin typeface="Cambria Math" panose="02040503050406030204" pitchFamily="18" charset="0"/>
-                                  <a:ea typeface="Cambria Math" panose="02040503050406030204" pitchFamily="18" charset="0"/>
-                                </a:rPr>
-                                <m:t>2</m:t>
-                              </m:r>
-                            </m:e>
-                          </m:d>
+                            <m:t>[</m:t>
+                          </m:r>
                           <m:r>
                             <a:rPr lang="en-US" sz="2400" i="1">
                               <a:latin typeface="Cambria Math" panose="02040503050406030204" pitchFamily="18" charset="0"/>
                               <a:ea typeface="Cambria Math" panose="02040503050406030204" pitchFamily="18" charset="0"/>
                             </a:rPr>
-                            <m:t>×15</m:t>
+                            <m:t>𝑖</m:t>
+                          </m:r>
+                          <m:r>
+                            <a:rPr lang="en-US" sz="2400" i="1">
+                              <a:latin typeface="Cambria Math" panose="02040503050406030204" pitchFamily="18" charset="0"/>
+                              <a:ea typeface="Cambria Math" panose="02040503050406030204" pitchFamily="18" charset="0"/>
+                            </a:rPr>
+                            <m:t>]≤3</m:t>
                           </m:r>
                         </m:e>
                       </m:nary>
@@ -10462,7 +10441,7 @@
             <p:spPr>
               <a:xfrm>
                 <a:off x="815388" y="34320"/>
-                <a:ext cx="8916856" cy="3046988"/>
+                <a:ext cx="8916856" cy="4895956"/>
               </a:xfrm>
               <a:prstGeom prst="rect">
                 <a:avLst/>
@@ -10707,7 +10686,7 @@
                               <m:begChr m:val="["/>
                               <m:endChr m:val="]"/>
                               <m:ctrlPr>
-                                <a:rPr lang="en-US" sz="2400" b="0" i="0" smtClean="0">
+                                <a:rPr lang="en-US" sz="2400" b="0" i="1" smtClean="0">
                                   <a:latin typeface="Cambria Math" panose="02040503050406030204" pitchFamily="18" charset="0"/>
                                   <a:ea typeface="Cambria Math" panose="02040503050406030204" pitchFamily="18" charset="0"/>
                                 </a:rPr>
@@ -10828,7 +10807,6 @@
                 </a:endParaRPr>
               </a:p>
               <a:p>
-                <a:pPr/>
                 <a:endParaRPr lang="en-US" sz="2400" b="0" i="1" dirty="0">
                   <a:latin typeface="Cambria Math" panose="02040503050406030204" pitchFamily="18" charset="0"/>
                   <a:ea typeface="Cambria Math" panose="02040503050406030204" pitchFamily="18" charset="0"/>
@@ -11265,7 +11243,356 @@
                 </a:endParaRPr>
               </a:p>
               <a:p>
-                <a:pPr/>
+                <a:r>
+                  <a:rPr lang="en-US" sz="2400" dirty="0">
+                    <a:ea typeface="Cambria Math" panose="02040503050406030204" pitchFamily="18" charset="0"/>
+                  </a:rPr>
+                  <a:t>Objective Function</a:t>
+                </a:r>
+              </a:p>
+              <a:p>
+                <a14:m>
+                  <m:oMathPara xmlns:m="http://schemas.openxmlformats.org/officeDocument/2006/math">
+                    <m:oMathParaPr>
+                      <m:jc m:val="centerGroup"/>
+                    </m:oMathParaPr>
+                    <m:oMath xmlns:m="http://schemas.openxmlformats.org/officeDocument/2006/math">
+                      <m:nary>
+                        <m:naryPr>
+                          <m:chr m:val="∑"/>
+                          <m:supHide m:val="on"/>
+                          <m:ctrlPr>
+                            <a:rPr lang="en-US" sz="2400" b="0" i="1" smtClean="0">
+                              <a:latin typeface="Cambria Math" panose="02040503050406030204" pitchFamily="18" charset="0"/>
+                              <a:ea typeface="Cambria Math" panose="02040503050406030204" pitchFamily="18" charset="0"/>
+                            </a:rPr>
+                          </m:ctrlPr>
+                        </m:naryPr>
+                        <m:sub>
+                          <m:r>
+                            <m:rPr>
+                              <m:brk m:alnAt="7"/>
+                            </m:rPr>
+                            <a:rPr lang="en-US" sz="2400" i="1">
+                              <a:latin typeface="Cambria Math" panose="02040503050406030204" pitchFamily="18" charset="0"/>
+                              <a:ea typeface="Cambria Math" panose="02040503050406030204" pitchFamily="18" charset="0"/>
+                            </a:rPr>
+                            <m:t>𝑖</m:t>
+                          </m:r>
+                          <m:r>
+                            <a:rPr lang="en-US" sz="2400" i="1">
+                              <a:latin typeface="Cambria Math" panose="02040503050406030204" pitchFamily="18" charset="0"/>
+                              <a:ea typeface="Cambria Math" panose="02040503050406030204" pitchFamily="18" charset="0"/>
+                            </a:rPr>
+                            <m:t>=1,2,..,,</m:t>
+                          </m:r>
+                          <m:r>
+                            <a:rPr lang="en-US" sz="2400" b="0" i="1" smtClean="0">
+                              <a:latin typeface="Cambria Math" panose="02040503050406030204" pitchFamily="18" charset="0"/>
+                              <a:ea typeface="Cambria Math" panose="02040503050406030204" pitchFamily="18" charset="0"/>
+                            </a:rPr>
+                            <m:t>𝑁</m:t>
+                          </m:r>
+                        </m:sub>
+                        <m:sup/>
+                        <m:e>
+                          <m:r>
+                            <a:rPr lang="en-US" sz="2400" b="0" i="1" smtClean="0">
+                              <a:latin typeface="Cambria Math" panose="02040503050406030204" pitchFamily="18" charset="0"/>
+                              <a:ea typeface="Cambria Math" panose="02040503050406030204" pitchFamily="18" charset="0"/>
+                            </a:rPr>
+                            <m:t>𝑢𝑡𝑖𝑙𝑖𝑡𝑦</m:t>
+                          </m:r>
+                          <m:d>
+                            <m:dPr>
+                              <m:begChr m:val="["/>
+                              <m:endChr m:val="]"/>
+                              <m:ctrlPr>
+                                <a:rPr lang="en-US" sz="2400" b="0" i="1" smtClean="0">
+                                  <a:latin typeface="Cambria Math" panose="02040503050406030204" pitchFamily="18" charset="0"/>
+                                  <a:ea typeface="Cambria Math" panose="02040503050406030204" pitchFamily="18" charset="0"/>
+                                </a:rPr>
+                              </m:ctrlPr>
+                            </m:dPr>
+                            <m:e>
+                              <m:r>
+                                <a:rPr lang="en-US" sz="2400" b="0" i="1" smtClean="0">
+                                  <a:latin typeface="Cambria Math" panose="02040503050406030204" pitchFamily="18" charset="0"/>
+                                  <a:ea typeface="Cambria Math" panose="02040503050406030204" pitchFamily="18" charset="0"/>
+                                </a:rPr>
+                                <m:t>𝑖</m:t>
+                              </m:r>
+                            </m:e>
+                          </m:d>
+                          <m:r>
+                            <a:rPr lang="en-US" sz="2400" b="0" i="1" smtClean="0">
+                              <a:latin typeface="Cambria Math" panose="02040503050406030204" pitchFamily="18" charset="0"/>
+                              <a:ea typeface="Cambria Math" panose="02040503050406030204" pitchFamily="18" charset="0"/>
+                            </a:rPr>
+                            <m:t>∗</m:t>
+                          </m:r>
+                          <m:r>
+                            <a:rPr lang="en-US" sz="2400" b="0" i="1" smtClean="0">
+                              <a:latin typeface="Cambria Math" panose="02040503050406030204" pitchFamily="18" charset="0"/>
+                              <a:ea typeface="Cambria Math" panose="02040503050406030204" pitchFamily="18" charset="0"/>
+                            </a:rPr>
+                            <m:t>𝑥</m:t>
+                          </m:r>
+                          <m:d>
+                            <m:dPr>
+                              <m:begChr m:val="["/>
+                              <m:endChr m:val="]"/>
+                              <m:ctrlPr>
+                                <a:rPr lang="en-US" sz="2400" b="0" i="1" smtClean="0">
+                                  <a:latin typeface="Cambria Math" panose="02040503050406030204" pitchFamily="18" charset="0"/>
+                                  <a:ea typeface="Cambria Math" panose="02040503050406030204" pitchFamily="18" charset="0"/>
+                                </a:rPr>
+                              </m:ctrlPr>
+                            </m:dPr>
+                            <m:e>
+                              <m:r>
+                                <a:rPr lang="en-US" sz="2400" b="0" i="1" smtClean="0">
+                                  <a:latin typeface="Cambria Math" panose="02040503050406030204" pitchFamily="18" charset="0"/>
+                                  <a:ea typeface="Cambria Math" panose="02040503050406030204" pitchFamily="18" charset="0"/>
+                                </a:rPr>
+                                <m:t>𝑖</m:t>
+                              </m:r>
+                            </m:e>
+                          </m:d>
+                        </m:e>
+                      </m:nary>
+                      <m:r>
+                        <a:rPr lang="en-US" sz="2400" b="0" i="1" smtClean="0">
+                          <a:latin typeface="Cambria Math" panose="02040503050406030204" pitchFamily="18" charset="0"/>
+                          <a:ea typeface="Cambria Math" panose="02040503050406030204" pitchFamily="18" charset="0"/>
+                        </a:rPr>
+                        <m:t>+</m:t>
+                      </m:r>
+                      <m:nary>
+                        <m:naryPr>
+                          <m:chr m:val="∑"/>
+                          <m:supHide m:val="on"/>
+                          <m:ctrlPr>
+                            <a:rPr lang="en-US" sz="2400" b="0" i="1" smtClean="0">
+                              <a:latin typeface="Cambria Math" panose="02040503050406030204" pitchFamily="18" charset="0"/>
+                              <a:ea typeface="Cambria Math" panose="02040503050406030204" pitchFamily="18" charset="0"/>
+                            </a:rPr>
+                          </m:ctrlPr>
+                        </m:naryPr>
+                        <m:sub>
+                          <m:r>
+                            <m:rPr>
+                              <m:brk m:alnAt="7"/>
+                            </m:rPr>
+                            <a:rPr lang="en-US" sz="2400" i="1">
+                              <a:latin typeface="Cambria Math" panose="02040503050406030204" pitchFamily="18" charset="0"/>
+                              <a:ea typeface="Cambria Math" panose="02040503050406030204" pitchFamily="18" charset="0"/>
+                            </a:rPr>
+                            <m:t>𝑖</m:t>
+                          </m:r>
+                          <m:r>
+                            <a:rPr lang="en-US" sz="2400" i="1">
+                              <a:latin typeface="Cambria Math" panose="02040503050406030204" pitchFamily="18" charset="0"/>
+                              <a:ea typeface="Cambria Math" panose="02040503050406030204" pitchFamily="18" charset="0"/>
+                            </a:rPr>
+                            <m:t>=1,2,..,,</m:t>
+                          </m:r>
+                          <m:r>
+                            <a:rPr lang="en-US" sz="2400" b="0" i="1" smtClean="0">
+                              <a:latin typeface="Cambria Math" panose="02040503050406030204" pitchFamily="18" charset="0"/>
+                              <a:ea typeface="Cambria Math" panose="02040503050406030204" pitchFamily="18" charset="0"/>
+                            </a:rPr>
+                            <m:t>𝑑</m:t>
+                          </m:r>
+                        </m:sub>
+                        <m:sup/>
+                        <m:e>
+                          <m:r>
+                            <a:rPr lang="en-US" sz="2400" b="0" i="1" smtClean="0">
+                              <a:latin typeface="Cambria Math" panose="02040503050406030204" pitchFamily="18" charset="0"/>
+                              <a:ea typeface="Cambria Math" panose="02040503050406030204" pitchFamily="18" charset="0"/>
+                            </a:rPr>
+                            <m:t>𝑦</m:t>
+                          </m:r>
+                          <m:d>
+                            <m:dPr>
+                              <m:begChr m:val="["/>
+                              <m:endChr m:val="]"/>
+                              <m:ctrlPr>
+                                <a:rPr lang="en-US" sz="2400" b="0" i="1" smtClean="0">
+                                  <a:latin typeface="Cambria Math" panose="02040503050406030204" pitchFamily="18" charset="0"/>
+                                  <a:ea typeface="Cambria Math" panose="02040503050406030204" pitchFamily="18" charset="0"/>
+                                </a:rPr>
+                              </m:ctrlPr>
+                            </m:dPr>
+                            <m:e>
+                              <m:r>
+                                <a:rPr lang="en-US" sz="2400" b="0" i="1" smtClean="0">
+                                  <a:latin typeface="Cambria Math" panose="02040503050406030204" pitchFamily="18" charset="0"/>
+                                  <a:ea typeface="Cambria Math" panose="02040503050406030204" pitchFamily="18" charset="0"/>
+                                </a:rPr>
+                                <m:t>𝑖</m:t>
+                              </m:r>
+                            </m:e>
+                          </m:d>
+                          <m:r>
+                            <a:rPr lang="en-US" sz="2400" b="0" i="1" smtClean="0">
+                              <a:latin typeface="Cambria Math" panose="02040503050406030204" pitchFamily="18" charset="0"/>
+                              <a:ea typeface="Cambria Math" panose="02040503050406030204" pitchFamily="18" charset="0"/>
+                            </a:rPr>
+                            <m:t>×</m:t>
+                          </m:r>
+                          <m:r>
+                            <a:rPr lang="en-US" sz="2400" b="0" i="1" smtClean="0">
+                              <a:latin typeface="Cambria Math" panose="02040503050406030204" pitchFamily="18" charset="0"/>
+                              <a:ea typeface="Cambria Math" panose="02040503050406030204" pitchFamily="18" charset="0"/>
+                            </a:rPr>
+                            <m:t>𝑑𝑎𝑦𝑐𝑜𝑠𝑡</m:t>
+                          </m:r>
+                          <m:d>
+                            <m:dPr>
+                              <m:begChr m:val="["/>
+                              <m:endChr m:val="]"/>
+                              <m:ctrlPr>
+                                <a:rPr lang="en-US" sz="2400" b="0" i="1" smtClean="0">
+                                  <a:latin typeface="Cambria Math" panose="02040503050406030204" pitchFamily="18" charset="0"/>
+                                  <a:ea typeface="Cambria Math" panose="02040503050406030204" pitchFamily="18" charset="0"/>
+                                </a:rPr>
+                              </m:ctrlPr>
+                            </m:dPr>
+                            <m:e>
+                              <m:r>
+                                <a:rPr lang="en-US" sz="2400" b="0" i="1" smtClean="0">
+                                  <a:latin typeface="Cambria Math" panose="02040503050406030204" pitchFamily="18" charset="0"/>
+                                  <a:ea typeface="Cambria Math" panose="02040503050406030204" pitchFamily="18" charset="0"/>
+                                </a:rPr>
+                                <m:t>𝑖</m:t>
+                              </m:r>
+                            </m:e>
+                          </m:d>
+                        </m:e>
+                      </m:nary>
+                      <m:r>
+                        <a:rPr lang="en-US" sz="2400" b="0" i="1" smtClean="0">
+                          <a:latin typeface="Cambria Math" panose="02040503050406030204" pitchFamily="18" charset="0"/>
+                          <a:ea typeface="Cambria Math" panose="02040503050406030204" pitchFamily="18" charset="0"/>
+                        </a:rPr>
+                        <m:t>+</m:t>
+                      </m:r>
+                      <m:nary>
+                        <m:naryPr>
+                          <m:chr m:val="∑"/>
+                          <m:supHide m:val="on"/>
+                          <m:ctrlPr>
+                            <a:rPr lang="en-US" sz="2400" b="0" i="1" smtClean="0">
+                              <a:latin typeface="Cambria Math" panose="02040503050406030204" pitchFamily="18" charset="0"/>
+                              <a:ea typeface="Cambria Math" panose="02040503050406030204" pitchFamily="18" charset="0"/>
+                            </a:rPr>
+                          </m:ctrlPr>
+                        </m:naryPr>
+                        <m:sub>
+                          <m:r>
+                            <m:rPr>
+                              <m:brk m:alnAt="7"/>
+                            </m:rPr>
+                            <a:rPr lang="en-US" sz="2400" b="0" i="1" smtClean="0">
+                              <a:latin typeface="Cambria Math" panose="02040503050406030204" pitchFamily="18" charset="0"/>
+                              <a:ea typeface="Cambria Math" panose="02040503050406030204" pitchFamily="18" charset="0"/>
+                            </a:rPr>
+                            <m:t>𝑖</m:t>
+                          </m:r>
+                          <m:r>
+                            <a:rPr lang="en-US" sz="2400" b="0" i="1" smtClean="0">
+                              <a:latin typeface="Cambria Math" panose="02040503050406030204" pitchFamily="18" charset="0"/>
+                              <a:ea typeface="Cambria Math" panose="02040503050406030204" pitchFamily="18" charset="0"/>
+                            </a:rPr>
+                            <m:t>=1,2,..,,</m:t>
+                          </m:r>
+                          <m:r>
+                            <a:rPr lang="en-US" sz="2400" b="0" i="1" smtClean="0">
+                              <a:latin typeface="Cambria Math" panose="02040503050406030204" pitchFamily="18" charset="0"/>
+                              <a:ea typeface="Cambria Math" panose="02040503050406030204" pitchFamily="18" charset="0"/>
+                            </a:rPr>
+                            <m:t>𝑠</m:t>
+                          </m:r>
+                        </m:sub>
+                        <m:sup/>
+                        <m:e>
+                          <m:r>
+                            <a:rPr lang="en-US" sz="2400" b="0" i="1" smtClean="0">
+                              <a:latin typeface="Cambria Math" panose="02040503050406030204" pitchFamily="18" charset="0"/>
+                              <a:ea typeface="Cambria Math" panose="02040503050406030204" pitchFamily="18" charset="0"/>
+                            </a:rPr>
+                            <m:t>𝑇</m:t>
+                          </m:r>
+                          <m:d>
+                            <m:dPr>
+                              <m:begChr m:val="["/>
+                              <m:endChr m:val="]"/>
+                              <m:ctrlPr>
+                                <a:rPr lang="en-US" sz="2400" i="1">
+                                  <a:latin typeface="Cambria Math" panose="02040503050406030204" pitchFamily="18" charset="0"/>
+                                  <a:ea typeface="Cambria Math" panose="02040503050406030204" pitchFamily="18" charset="0"/>
+                                </a:rPr>
+                              </m:ctrlPr>
+                            </m:dPr>
+                            <m:e>
+                              <m:r>
+                                <a:rPr lang="en-US" sz="2400" i="1">
+                                  <a:latin typeface="Cambria Math" panose="02040503050406030204" pitchFamily="18" charset="0"/>
+                                  <a:ea typeface="Cambria Math" panose="02040503050406030204" pitchFamily="18" charset="0"/>
+                                </a:rPr>
+                                <m:t>𝑖</m:t>
+                              </m:r>
+                            </m:e>
+                          </m:d>
+                          <m:r>
+                            <a:rPr lang="en-US" sz="2400" i="1">
+                              <a:latin typeface="Cambria Math" panose="02040503050406030204" pitchFamily="18" charset="0"/>
+                              <a:ea typeface="Cambria Math" panose="02040503050406030204" pitchFamily="18" charset="0"/>
+                            </a:rPr>
+                            <m:t>×</m:t>
+                          </m:r>
+                          <m:r>
+                            <a:rPr lang="en-US" sz="2400" b="0" i="1" smtClean="0">
+                              <a:latin typeface="Cambria Math" panose="02040503050406030204" pitchFamily="18" charset="0"/>
+                              <a:ea typeface="Cambria Math" panose="02040503050406030204" pitchFamily="18" charset="0"/>
+                            </a:rPr>
+                            <m:t>𝑡𝑖𝑚𝑒</m:t>
+                          </m:r>
+                          <m:r>
+                            <a:rPr lang="en-US" sz="2400" i="1">
+                              <a:latin typeface="Cambria Math" panose="02040503050406030204" pitchFamily="18" charset="0"/>
+                              <a:ea typeface="Cambria Math" panose="02040503050406030204" pitchFamily="18" charset="0"/>
+                            </a:rPr>
+                            <m:t>𝑐𝑜𝑠𝑡</m:t>
+                          </m:r>
+                          <m:d>
+                            <m:dPr>
+                              <m:begChr m:val="["/>
+                              <m:endChr m:val="]"/>
+                              <m:ctrlPr>
+                                <a:rPr lang="en-US" sz="2400" i="1">
+                                  <a:latin typeface="Cambria Math" panose="02040503050406030204" pitchFamily="18" charset="0"/>
+                                  <a:ea typeface="Cambria Math" panose="02040503050406030204" pitchFamily="18" charset="0"/>
+                                </a:rPr>
+                              </m:ctrlPr>
+                            </m:dPr>
+                            <m:e>
+                              <m:r>
+                                <a:rPr lang="en-US" sz="2400" i="1">
+                                  <a:latin typeface="Cambria Math" panose="02040503050406030204" pitchFamily="18" charset="0"/>
+                                  <a:ea typeface="Cambria Math" panose="02040503050406030204" pitchFamily="18" charset="0"/>
+                                </a:rPr>
+                                <m:t>𝑖</m:t>
+                              </m:r>
+                            </m:e>
+                          </m:d>
+                        </m:e>
+                      </m:nary>
+                    </m:oMath>
+                  </m:oMathPara>
+                </a14:m>
                 <a:endParaRPr lang="en-US" sz="2400" dirty="0">
                   <a:ea typeface="Cambria Math" panose="02040503050406030204" pitchFamily="18" charset="0"/>
                 </a:endParaRPr>
@@ -11291,7 +11618,7 @@
             <p:spPr>
               <a:xfrm>
                 <a:off x="815388" y="34320"/>
-                <a:ext cx="8916856" cy="3046988"/>
+                <a:ext cx="8916856" cy="4895956"/>
               </a:xfrm>
               <a:prstGeom prst="rect">
                 <a:avLst/>
@@ -11299,7 +11626,7 @@
               <a:blipFill>
                 <a:blip r:embed="rId2"/>
                 <a:stretch>
-                  <a:fillRect l="-1094" t="-1603"/>
+                  <a:fillRect l="-1094" t="-996"/>
                 </a:stretch>
               </a:blipFill>
             </p:spPr>

--- a/eqn_slides.pptx
+++ b/eqn_slides.pptx
@@ -12,7 +12,6 @@
     <p:sldId id="261" r:id="rId6"/>
     <p:sldId id="262" r:id="rId7"/>
     <p:sldId id="263" r:id="rId8"/>
-    <p:sldId id="260" r:id="rId9"/>
   </p:sldIdLst>
   <p:sldSz cx="12192000" cy="6858000"/>
   <p:notesSz cx="6858000" cy="9144000"/>
@@ -270,7 +269,7 @@
           <a:p>
             <a:fld id="{3899492A-6C5B-48E7-873A-FDECDB169B52}" type="datetimeFigureOut">
               <a:rPr lang="en-US" smtClean="0"/>
-              <a:t>11/15/2017</a:t>
+              <a:t>11/22/2017</a:t>
             </a:fld>
             <a:endParaRPr lang="en-US"/>
           </a:p>
@@ -468,7 +467,7 @@
           <a:p>
             <a:fld id="{3899492A-6C5B-48E7-873A-FDECDB169B52}" type="datetimeFigureOut">
               <a:rPr lang="en-US" smtClean="0"/>
-              <a:t>11/15/2017</a:t>
+              <a:t>11/22/2017</a:t>
             </a:fld>
             <a:endParaRPr lang="en-US"/>
           </a:p>
@@ -676,7 +675,7 @@
           <a:p>
             <a:fld id="{3899492A-6C5B-48E7-873A-FDECDB169B52}" type="datetimeFigureOut">
               <a:rPr lang="en-US" smtClean="0"/>
-              <a:t>11/15/2017</a:t>
+              <a:t>11/22/2017</a:t>
             </a:fld>
             <a:endParaRPr lang="en-US"/>
           </a:p>
@@ -874,7 +873,7 @@
           <a:p>
             <a:fld id="{3899492A-6C5B-48E7-873A-FDECDB169B52}" type="datetimeFigureOut">
               <a:rPr lang="en-US" smtClean="0"/>
-              <a:t>11/15/2017</a:t>
+              <a:t>11/22/2017</a:t>
             </a:fld>
             <a:endParaRPr lang="en-US"/>
           </a:p>
@@ -1149,7 +1148,7 @@
           <a:p>
             <a:fld id="{3899492A-6C5B-48E7-873A-FDECDB169B52}" type="datetimeFigureOut">
               <a:rPr lang="en-US" smtClean="0"/>
-              <a:t>11/15/2017</a:t>
+              <a:t>11/22/2017</a:t>
             </a:fld>
             <a:endParaRPr lang="en-US"/>
           </a:p>
@@ -1414,7 +1413,7 @@
           <a:p>
             <a:fld id="{3899492A-6C5B-48E7-873A-FDECDB169B52}" type="datetimeFigureOut">
               <a:rPr lang="en-US" smtClean="0"/>
-              <a:t>11/15/2017</a:t>
+              <a:t>11/22/2017</a:t>
             </a:fld>
             <a:endParaRPr lang="en-US"/>
           </a:p>
@@ -1826,7 +1825,7 @@
           <a:p>
             <a:fld id="{3899492A-6C5B-48E7-873A-FDECDB169B52}" type="datetimeFigureOut">
               <a:rPr lang="en-US" smtClean="0"/>
-              <a:t>11/15/2017</a:t>
+              <a:t>11/22/2017</a:t>
             </a:fld>
             <a:endParaRPr lang="en-US"/>
           </a:p>
@@ -1967,7 +1966,7 @@
           <a:p>
             <a:fld id="{3899492A-6C5B-48E7-873A-FDECDB169B52}" type="datetimeFigureOut">
               <a:rPr lang="en-US" smtClean="0"/>
-              <a:t>11/15/2017</a:t>
+              <a:t>11/22/2017</a:t>
             </a:fld>
             <a:endParaRPr lang="en-US"/>
           </a:p>
@@ -2080,7 +2079,7 @@
           <a:p>
             <a:fld id="{3899492A-6C5B-48E7-873A-FDECDB169B52}" type="datetimeFigureOut">
               <a:rPr lang="en-US" smtClean="0"/>
-              <a:t>11/15/2017</a:t>
+              <a:t>11/22/2017</a:t>
             </a:fld>
             <a:endParaRPr lang="en-US"/>
           </a:p>
@@ -2391,7 +2390,7 @@
           <a:p>
             <a:fld id="{3899492A-6C5B-48E7-873A-FDECDB169B52}" type="datetimeFigureOut">
               <a:rPr lang="en-US" smtClean="0"/>
-              <a:t>11/15/2017</a:t>
+              <a:t>11/22/2017</a:t>
             </a:fld>
             <a:endParaRPr lang="en-US"/>
           </a:p>
@@ -2679,7 +2678,7 @@
           <a:p>
             <a:fld id="{3899492A-6C5B-48E7-873A-FDECDB169B52}" type="datetimeFigureOut">
               <a:rPr lang="en-US" smtClean="0"/>
-              <a:t>11/15/2017</a:t>
+              <a:t>11/22/2017</a:t>
             </a:fld>
             <a:endParaRPr lang="en-US"/>
           </a:p>
@@ -2920,7 +2919,7 @@
           <a:p>
             <a:fld id="{3899492A-6C5B-48E7-873A-FDECDB169B52}" type="datetimeFigureOut">
               <a:rPr lang="en-US" smtClean="0"/>
-              <a:t>11/15/2017</a:t>
+              <a:t>11/22/2017</a:t>
             </a:fld>
             <a:endParaRPr lang="en-US"/>
           </a:p>
@@ -3353,8 +3352,8 @@
             </p:nvSpPr>
             <p:spPr>
               <a:xfrm>
-                <a:off x="1030884" y="268085"/>
-                <a:ext cx="9704248" cy="6771084"/>
+                <a:off x="1030884" y="243512"/>
+                <a:ext cx="9704248" cy="6370975"/>
               </a:xfrm>
               <a:prstGeom prst="rect">
                 <a:avLst/>
@@ -3368,7 +3367,7 @@
               <a:lstStyle/>
               <a:p>
                 <a:r>
-                  <a:rPr lang="en-US" sz="2000" b="0" dirty="0">
+                  <a:rPr lang="en-US" b="0" dirty="0">
                     <a:latin typeface="Cambria Math" panose="02040503050406030204" pitchFamily="18" charset="0"/>
                   </a:rPr>
                   <a:t>Values:</a:t>
@@ -3383,43 +3382,43 @@
                     </m:oMathParaPr>
                     <m:oMath xmlns:m="http://schemas.openxmlformats.org/officeDocument/2006/math">
                       <m:r>
-                        <a:rPr lang="en-US" sz="2000" b="0" i="1" smtClean="0">
+                        <a:rPr lang="en-US" b="0" i="1" smtClean="0">
                           <a:latin typeface="Cambria Math" panose="02040503050406030204" pitchFamily="18" charset="0"/>
                         </a:rPr>
                         <m:t>𝑚</m:t>
                       </m:r>
                       <m:r>
-                        <a:rPr lang="en-US" sz="2000" b="0" i="1" smtClean="0">
+                        <a:rPr lang="en-US" b="0" i="1" smtClean="0">
                           <a:latin typeface="Cambria Math" panose="02040503050406030204" pitchFamily="18" charset="0"/>
                         </a:rPr>
                         <m:t>:</m:t>
                       </m:r>
                       <m:r>
-                        <a:rPr lang="en-US" sz="2000" b="0" i="1" smtClean="0">
+                        <a:rPr lang="en-US" b="0" i="1" smtClean="0">
                           <a:latin typeface="Cambria Math" panose="02040503050406030204" pitchFamily="18" charset="0"/>
                         </a:rPr>
                         <m:t>𝑛𝑢𝑚𝑏𝑒𝑟</m:t>
                       </m:r>
                       <m:r>
-                        <a:rPr lang="en-US" sz="2000" b="0" i="1" smtClean="0">
+                        <a:rPr lang="en-US" b="0" i="1" smtClean="0">
                           <a:latin typeface="Cambria Math" panose="02040503050406030204" pitchFamily="18" charset="0"/>
                         </a:rPr>
                         <m:t> </m:t>
                       </m:r>
                       <m:r>
-                        <a:rPr lang="en-US" sz="2000" b="0" i="1" smtClean="0">
+                        <a:rPr lang="en-US" b="0" i="1" smtClean="0">
                           <a:latin typeface="Cambria Math" panose="02040503050406030204" pitchFamily="18" charset="0"/>
                         </a:rPr>
                         <m:t>𝑜𝑓</m:t>
                       </m:r>
                       <m:r>
-                        <a:rPr lang="en-US" sz="2000" b="0" i="1" smtClean="0">
+                        <a:rPr lang="en-US" b="0" i="1" smtClean="0">
                           <a:latin typeface="Cambria Math" panose="02040503050406030204" pitchFamily="18" charset="0"/>
                         </a:rPr>
                         <m:t> </m:t>
                       </m:r>
                       <m:r>
-                        <a:rPr lang="en-US" sz="2000" b="0" i="1" smtClean="0">
+                        <a:rPr lang="en-US" b="0" i="1" smtClean="0">
                           <a:latin typeface="Cambria Math" panose="02040503050406030204" pitchFamily="18" charset="0"/>
                         </a:rPr>
                         <m:t>𝑚𝑜𝑑𝑢𝑙𝑒𝑠</m:t>
@@ -3427,7 +3426,7 @@
                     </m:oMath>
                   </m:oMathPara>
                 </a14:m>
-                <a:endParaRPr lang="en-US" sz="2000" i="1" dirty="0">
+                <a:endParaRPr lang="en-US" i="1" dirty="0">
                   <a:latin typeface="Cambria Math" panose="02040503050406030204" pitchFamily="18" charset="0"/>
                 </a:endParaRPr>
               </a:p>
@@ -3440,43 +3439,43 @@
                     </m:oMathParaPr>
                     <m:oMath xmlns:m="http://schemas.openxmlformats.org/officeDocument/2006/math">
                       <m:r>
-                        <a:rPr lang="en-US" sz="2000" b="0" i="1" smtClean="0">
+                        <a:rPr lang="en-US" b="0" i="1" smtClean="0">
                           <a:latin typeface="Cambria Math" panose="02040503050406030204" pitchFamily="18" charset="0"/>
                         </a:rPr>
                         <m:t>𝑠</m:t>
                       </m:r>
                       <m:r>
-                        <a:rPr lang="en-US" sz="2000" b="0" i="1" smtClean="0">
+                        <a:rPr lang="en-US" b="0" i="1" smtClean="0">
                           <a:latin typeface="Cambria Math" panose="02040503050406030204" pitchFamily="18" charset="0"/>
                         </a:rPr>
                         <m:t>:</m:t>
                       </m:r>
                       <m:r>
-                        <a:rPr lang="en-US" sz="2000" b="0" i="1" smtClean="0">
+                        <a:rPr lang="en-US" b="0" i="1" smtClean="0">
                           <a:latin typeface="Cambria Math" panose="02040503050406030204" pitchFamily="18" charset="0"/>
                         </a:rPr>
                         <m:t>𝑛𝑢𝑚𝑏𝑒𝑟</m:t>
                       </m:r>
                       <m:r>
-                        <a:rPr lang="en-US" sz="2000" b="0" i="1" smtClean="0">
+                        <a:rPr lang="en-US" b="0" i="1" smtClean="0">
                           <a:latin typeface="Cambria Math" panose="02040503050406030204" pitchFamily="18" charset="0"/>
                         </a:rPr>
                         <m:t> </m:t>
                       </m:r>
                       <m:r>
-                        <a:rPr lang="en-US" sz="2000" b="0" i="1" smtClean="0">
+                        <a:rPr lang="en-US" b="0" i="1" smtClean="0">
                           <a:latin typeface="Cambria Math" panose="02040503050406030204" pitchFamily="18" charset="0"/>
                         </a:rPr>
                         <m:t>𝑜𝑓</m:t>
                       </m:r>
                       <m:r>
-                        <a:rPr lang="en-US" sz="2000" b="0" i="1" smtClean="0">
+                        <a:rPr lang="en-US" b="0" i="1" smtClean="0">
                           <a:latin typeface="Cambria Math" panose="02040503050406030204" pitchFamily="18" charset="0"/>
                         </a:rPr>
                         <m:t> </m:t>
                       </m:r>
                       <m:r>
-                        <a:rPr lang="en-US" sz="2000" b="0" i="1" smtClean="0">
+                        <a:rPr lang="en-US" b="0" i="1" smtClean="0">
                           <a:latin typeface="Cambria Math" panose="02040503050406030204" pitchFamily="18" charset="0"/>
                         </a:rPr>
                         <m:t>𝑡𝑖𝑚𝑒𝑠𝑙𝑜𝑡𝑠</m:t>
@@ -3484,7 +3483,7 @@
                     </m:oMath>
                   </m:oMathPara>
                 </a14:m>
-                <a:endParaRPr lang="en-US" sz="2000" i="1" dirty="0">
+                <a:endParaRPr lang="en-US" i="1" dirty="0">
                   <a:latin typeface="Cambria Math" panose="02040503050406030204" pitchFamily="18" charset="0"/>
                 </a:endParaRPr>
               </a:p>
@@ -3497,55 +3496,55 @@
                     </m:oMathParaPr>
                     <m:oMath xmlns:m="http://schemas.openxmlformats.org/officeDocument/2006/math">
                       <m:r>
-                        <a:rPr lang="en-US" sz="2000" b="0" i="1" smtClean="0">
+                        <a:rPr lang="en-US" b="0" i="1" smtClean="0">
                           <a:latin typeface="Cambria Math" panose="02040503050406030204" pitchFamily="18" charset="0"/>
                         </a:rPr>
                         <m:t>𝑛</m:t>
                       </m:r>
                       <m:r>
-                        <a:rPr lang="en-US" sz="2000" b="0" i="1" smtClean="0">
+                        <a:rPr lang="en-US" b="0" i="1" smtClean="0">
                           <a:latin typeface="Cambria Math" panose="02040503050406030204" pitchFamily="18" charset="0"/>
                         </a:rPr>
                         <m:t>:</m:t>
                       </m:r>
                       <m:r>
-                        <a:rPr lang="en-US" sz="2000" b="0" i="1" smtClean="0">
+                        <a:rPr lang="en-US" b="0" i="1" smtClean="0">
                           <a:latin typeface="Cambria Math" panose="02040503050406030204" pitchFamily="18" charset="0"/>
                         </a:rPr>
                         <m:t>𝑛𝑢𝑚𝑏𝑒𝑟</m:t>
                       </m:r>
                       <m:r>
-                        <a:rPr lang="en-US" sz="2000" b="0" i="1" smtClean="0">
+                        <a:rPr lang="en-US" b="0" i="1" smtClean="0">
                           <a:latin typeface="Cambria Math" panose="02040503050406030204" pitchFamily="18" charset="0"/>
                         </a:rPr>
                         <m:t> </m:t>
                       </m:r>
                       <m:r>
-                        <a:rPr lang="en-US" sz="2000" b="0" i="1" smtClean="0">
+                        <a:rPr lang="en-US" b="0" i="1" smtClean="0">
                           <a:latin typeface="Cambria Math" panose="02040503050406030204" pitchFamily="18" charset="0"/>
                         </a:rPr>
                         <m:t>𝑜𝑓</m:t>
                       </m:r>
                       <m:r>
-                        <a:rPr lang="en-US" sz="2000" b="0" i="1" smtClean="0">
+                        <a:rPr lang="en-US" b="0" i="1" smtClean="0">
                           <a:latin typeface="Cambria Math" panose="02040503050406030204" pitchFamily="18" charset="0"/>
                         </a:rPr>
                         <m:t> </m:t>
                       </m:r>
                       <m:r>
-                        <a:rPr lang="en-US" sz="2000" b="0" i="1" smtClean="0">
+                        <a:rPr lang="en-US" b="0" i="1" smtClean="0">
                           <a:latin typeface="Cambria Math" panose="02040503050406030204" pitchFamily="18" charset="0"/>
                         </a:rPr>
                         <m:t>𝑚𝑜𝑑𝑢𝑙𝑒</m:t>
                       </m:r>
                       <m:r>
-                        <a:rPr lang="en-US" sz="2000" b="0" i="1" smtClean="0">
+                        <a:rPr lang="en-US" b="0" i="1" smtClean="0">
                           <a:latin typeface="Cambria Math" panose="02040503050406030204" pitchFamily="18" charset="0"/>
                         </a:rPr>
                         <m:t>−</m:t>
                       </m:r>
                       <m:r>
-                        <a:rPr lang="en-US" sz="2000" b="0" i="1" smtClean="0">
+                        <a:rPr lang="en-US" b="0" i="1" smtClean="0">
                           <a:latin typeface="Cambria Math" panose="02040503050406030204" pitchFamily="18" charset="0"/>
                         </a:rPr>
                         <m:t>𝑠𝑒𝑐𝑡𝑖𝑜𝑛𝑎𝑙𝑠</m:t>
@@ -3553,14 +3552,13 @@
                     </m:oMath>
                   </m:oMathPara>
                 </a14:m>
-                <a:endParaRPr lang="en-US" sz="2000" b="0" i="1" dirty="0">
+                <a:endParaRPr lang="en-US" b="0" i="1" dirty="0">
                   <a:latin typeface="Cambria Math" panose="02040503050406030204" pitchFamily="18" charset="0"/>
                 </a:endParaRPr>
               </a:p>
               <a:p>
-                <a:pPr/>
                 <a:r>
-                  <a:rPr lang="en-US" sz="2000" i="1" dirty="0">
+                  <a:rPr lang="en-US" i="1" dirty="0">
                     <a:latin typeface="Cambria Math" panose="02040503050406030204" pitchFamily="18" charset="0"/>
                   </a:rPr>
                   <a:t>			</a:t>
@@ -3568,114 +3566,114 @@
                 <a14:m>
                   <m:oMath xmlns:m="http://schemas.openxmlformats.org/officeDocument/2006/math">
                     <m:r>
-                      <a:rPr lang="en-US" sz="2000" b="0" i="1" smtClean="0">
+                      <a:rPr lang="en-US" b="0" i="1" smtClean="0">
                         <a:latin typeface="Cambria Math" panose="02040503050406030204" pitchFamily="18" charset="0"/>
                       </a:rPr>
                       <m:t>𝑑</m:t>
                     </m:r>
                     <m:r>
-                      <a:rPr lang="en-US" sz="2000" b="0" i="1" smtClean="0">
+                      <a:rPr lang="en-US" b="0" i="1" smtClean="0">
                         <a:latin typeface="Cambria Math" panose="02040503050406030204" pitchFamily="18" charset="0"/>
                       </a:rPr>
                       <m:t>:</m:t>
                     </m:r>
                     <m:r>
-                      <a:rPr lang="en-US" sz="2000" b="0" i="1" smtClean="0">
+                      <a:rPr lang="en-US" b="0" i="1" smtClean="0">
                         <a:latin typeface="Cambria Math" panose="02040503050406030204" pitchFamily="18" charset="0"/>
                       </a:rPr>
                       <m:t>𝑛𝑢𝑚𝑏𝑒𝑟</m:t>
                     </m:r>
                     <m:r>
-                      <a:rPr lang="en-US" sz="2000" b="0" i="1" smtClean="0">
+                      <a:rPr lang="en-US" b="0" i="1" smtClean="0">
                         <a:latin typeface="Cambria Math" panose="02040503050406030204" pitchFamily="18" charset="0"/>
                       </a:rPr>
                       <m:t> </m:t>
                     </m:r>
                     <m:r>
-                      <a:rPr lang="en-US" sz="2000" b="0" i="1" smtClean="0">
+                      <a:rPr lang="en-US" b="0" i="1" smtClean="0">
                         <a:latin typeface="Cambria Math" panose="02040503050406030204" pitchFamily="18" charset="0"/>
                       </a:rPr>
                       <m:t>𝑜𝑓</m:t>
                     </m:r>
                     <m:r>
-                      <a:rPr lang="en-US" sz="2000" b="0" i="1" smtClean="0">
+                      <a:rPr lang="en-US" b="0" i="1" smtClean="0">
                         <a:latin typeface="Cambria Math" panose="02040503050406030204" pitchFamily="18" charset="0"/>
                       </a:rPr>
                       <m:t> </m:t>
                     </m:r>
                     <m:r>
-                      <a:rPr lang="en-US" sz="2000" b="0" i="1" smtClean="0">
+                      <a:rPr lang="en-US" b="0" i="1" smtClean="0">
                         <a:latin typeface="Cambria Math" panose="02040503050406030204" pitchFamily="18" charset="0"/>
                       </a:rPr>
                       <m:t>𝑐𝑢𝑟𝑟𝑖𝑐𝑢𝑙𝑢𝑚</m:t>
                     </m:r>
                     <m:r>
-                      <a:rPr lang="en-US" sz="2000" b="0" i="1" smtClean="0">
+                      <a:rPr lang="en-US" b="0" i="1" smtClean="0">
                         <a:latin typeface="Cambria Math" panose="02040503050406030204" pitchFamily="18" charset="0"/>
                       </a:rPr>
                       <m:t> </m:t>
                     </m:r>
                     <m:r>
-                      <a:rPr lang="en-US" sz="2000" b="0" i="1" smtClean="0">
+                      <a:rPr lang="en-US" b="0" i="1" smtClean="0">
                         <a:latin typeface="Cambria Math" panose="02040503050406030204" pitchFamily="18" charset="0"/>
                       </a:rPr>
                       <m:t>𝑑𝑎𝑦𝑠</m:t>
                     </m:r>
                     <m:r>
-                      <a:rPr lang="en-US" sz="2000" b="0" i="1" smtClean="0">
+                      <a:rPr lang="en-US" b="0" i="1" smtClean="0">
                         <a:latin typeface="Cambria Math" panose="02040503050406030204" pitchFamily="18" charset="0"/>
                       </a:rPr>
                       <m:t> </m:t>
                     </m:r>
                     <m:r>
-                      <a:rPr lang="en-US" sz="2000" b="0" i="1" smtClean="0">
+                      <a:rPr lang="en-US" b="0" i="1" smtClean="0">
                         <a:latin typeface="Cambria Math" panose="02040503050406030204" pitchFamily="18" charset="0"/>
                       </a:rPr>
                       <m:t>𝑖𝑛</m:t>
                     </m:r>
                     <m:r>
-                      <a:rPr lang="en-US" sz="2000" b="0" i="1" smtClean="0">
+                      <a:rPr lang="en-US" b="0" i="1" smtClean="0">
                         <a:latin typeface="Cambria Math" panose="02040503050406030204" pitchFamily="18" charset="0"/>
                       </a:rPr>
                       <m:t> </m:t>
                     </m:r>
                     <m:r>
-                      <a:rPr lang="en-US" sz="2000" b="0" i="1" smtClean="0">
+                      <a:rPr lang="en-US" b="0" i="1" smtClean="0">
                         <a:latin typeface="Cambria Math" panose="02040503050406030204" pitchFamily="18" charset="0"/>
                       </a:rPr>
                       <m:t>𝑎</m:t>
                     </m:r>
                     <m:r>
-                      <a:rPr lang="en-US" sz="2000" b="0" i="1" smtClean="0">
+                      <a:rPr lang="en-US" b="0" i="1" smtClean="0">
                         <a:latin typeface="Cambria Math" panose="02040503050406030204" pitchFamily="18" charset="0"/>
                       </a:rPr>
                       <m:t> </m:t>
                     </m:r>
                     <m:r>
-                      <a:rPr lang="en-US" sz="2000" b="0" i="1" smtClean="0">
+                      <a:rPr lang="en-US" b="0" i="1" smtClean="0">
                         <a:latin typeface="Cambria Math" panose="02040503050406030204" pitchFamily="18" charset="0"/>
                       </a:rPr>
                       <m:t>𝑤𝑒𝑒𝑘</m:t>
                     </m:r>
                   </m:oMath>
                 </a14:m>
-                <a:endParaRPr lang="en-US" sz="2000" b="0" i="1" dirty="0">
+                <a:endParaRPr lang="en-US" b="0" i="1" dirty="0">
                   <a:latin typeface="Cambria Math" panose="02040503050406030204" pitchFamily="18" charset="0"/>
                 </a:endParaRPr>
               </a:p>
               <a:p>
-                <a:endParaRPr lang="en-US" sz="2000" b="0" i="1" dirty="0">
+                <a:endParaRPr lang="en-US" b="0" i="1" dirty="0">
                   <a:latin typeface="Cambria Math" panose="02040503050406030204" pitchFamily="18" charset="0"/>
                 </a:endParaRPr>
               </a:p>
               <a:p>
                 <a:r>
-                  <a:rPr lang="en-US" sz="2000" dirty="0">
+                  <a:rPr lang="en-US" dirty="0">
                     <a:latin typeface="Cambria Math" panose="02040503050406030204" pitchFamily="18" charset="0"/>
                   </a:rPr>
                   <a:t>Data scraped:</a:t>
                 </a:r>
-                <a:endParaRPr lang="en-US" sz="2000" b="0" dirty="0">
+                <a:endParaRPr lang="en-US" b="0" dirty="0">
                   <a:latin typeface="Cambria Math" panose="02040503050406030204" pitchFamily="18" charset="0"/>
                 </a:endParaRPr>
               </a:p>
@@ -3690,14 +3688,14 @@
                       <m:sSub>
                         <m:sSubPr>
                           <m:ctrlPr>
-                            <a:rPr lang="en-US" sz="2000" b="0" i="1" smtClean="0">
+                            <a:rPr lang="en-US" b="0" i="1" smtClean="0">
                               <a:latin typeface="Cambria Math" panose="02040503050406030204" pitchFamily="18" charset="0"/>
                             </a:rPr>
                           </m:ctrlPr>
                         </m:sSubPr>
                         <m:e>
                           <m:r>
-                            <a:rPr lang="en-US" sz="2000" b="0" i="1" smtClean="0">
+                            <a:rPr lang="en-US" b="0" i="1" smtClean="0">
                               <a:latin typeface="Cambria Math" panose="02040503050406030204" pitchFamily="18" charset="0"/>
                             </a:rPr>
                             <m:t>𝑝</m:t>
@@ -3705,7 +3703,7 @@
                         </m:e>
                         <m:sub>
                           <m:r>
-                            <a:rPr lang="en-US" sz="2000" b="0" i="1" smtClean="0">
+                            <a:rPr lang="en-US" b="0" i="1" smtClean="0">
                               <a:latin typeface="Cambria Math" panose="02040503050406030204" pitchFamily="18" charset="0"/>
                             </a:rPr>
                             <m:t>𝑟</m:t>
@@ -3713,19 +3711,19 @@
                         </m:sub>
                       </m:sSub>
                       <m:r>
-                        <a:rPr lang="en-US" sz="2000" b="0" i="1" smtClean="0">
+                        <a:rPr lang="en-US" b="0" i="1" smtClean="0">
                           <a:latin typeface="Cambria Math" panose="02040503050406030204" pitchFamily="18" charset="0"/>
                         </a:rPr>
                         <m:t>:</m:t>
                       </m:r>
                       <m:r>
-                        <a:rPr lang="en-US" sz="2000" b="0" i="1" smtClean="0">
+                        <a:rPr lang="en-US" b="0" i="1" smtClean="0">
                           <a:latin typeface="Cambria Math" panose="02040503050406030204" pitchFamily="18" charset="0"/>
                         </a:rPr>
                         <m:t>𝑝𝑟𝑒𝑟𝑒𝑞𝑢𝑖𝑠𝑖𝑡𝑒𝑠</m:t>
                       </m:r>
                       <m:r>
-                        <a:rPr lang="en-US" sz="2000" b="0" i="1" smtClean="0">
+                        <a:rPr lang="en-US" b="0" i="1" smtClean="0">
                           <a:latin typeface="Cambria Math" panose="02040503050406030204" pitchFamily="18" charset="0"/>
                           <a:ea typeface="Cambria Math" panose="02040503050406030204" pitchFamily="18" charset="0"/>
                         </a:rPr>
@@ -3734,7 +3732,7 @@
                       <m:sSubSup>
                         <m:sSubSupPr>
                           <m:ctrlPr>
-                            <a:rPr lang="en-US" sz="2000" b="0" i="1" smtClean="0">
+                            <a:rPr lang="en-US" b="0" i="1" smtClean="0">
                               <a:latin typeface="Cambria Math" panose="02040503050406030204" pitchFamily="18" charset="0"/>
                               <a:ea typeface="Cambria Math" panose="02040503050406030204" pitchFamily="18" charset="0"/>
                             </a:rPr>
@@ -3742,7 +3740,7 @@
                         </m:sSubSupPr>
                         <m:e>
                           <m:r>
-                            <a:rPr lang="en-US" sz="2000" i="1">
+                            <a:rPr lang="en-US" i="1">
                               <a:latin typeface="Cambria Math" panose="02040503050406030204" pitchFamily="18" charset="0"/>
                               <a:ea typeface="Cambria Math" panose="02040503050406030204" pitchFamily="18" charset="0"/>
                             </a:rPr>
@@ -3751,7 +3749,7 @@
                         </m:e>
                         <m:sub>
                           <m:r>
-                            <a:rPr lang="en-US" sz="2000" b="0" i="1" smtClean="0">
+                            <a:rPr lang="en-US" b="0" i="1" smtClean="0">
                               <a:latin typeface="Cambria Math" panose="02040503050406030204" pitchFamily="18" charset="0"/>
                               <a:ea typeface="Cambria Math" panose="02040503050406030204" pitchFamily="18" charset="0"/>
                             </a:rPr>
@@ -3760,21 +3758,21 @@
                         </m:sub>
                         <m:sup>
                           <m:r>
-                            <a:rPr lang="en-US" sz="2000" b="0" i="1" smtClean="0">
+                            <a:rPr lang="en-US" b="0" i="1" smtClean="0">
                               <a:latin typeface="Cambria Math" panose="02040503050406030204" pitchFamily="18" charset="0"/>
                               <a:ea typeface="Cambria Math" panose="02040503050406030204" pitchFamily="18" charset="0"/>
                             </a:rPr>
                             <m:t>𝑚</m:t>
                           </m:r>
                           <m:r>
-                            <a:rPr lang="en-US" sz="2000" b="0" i="1" smtClean="0">
+                            <a:rPr lang="en-US" b="0" i="1" smtClean="0">
                               <a:latin typeface="Cambria Math" panose="02040503050406030204" pitchFamily="18" charset="0"/>
                               <a:ea typeface="Cambria Math" panose="02040503050406030204" pitchFamily="18" charset="0"/>
                             </a:rPr>
                             <m:t>×</m:t>
                           </m:r>
                           <m:r>
-                            <a:rPr lang="en-US" sz="2000" b="0" i="1" smtClean="0">
+                            <a:rPr lang="en-US" b="0" i="1" smtClean="0">
                               <a:latin typeface="Cambria Math" panose="02040503050406030204" pitchFamily="18" charset="0"/>
                               <a:ea typeface="Cambria Math" panose="02040503050406030204" pitchFamily="18" charset="0"/>
                             </a:rPr>
@@ -3785,7 +3783,7 @@
                     </m:oMath>
                   </m:oMathPara>
                 </a14:m>
-                <a:endParaRPr lang="en-US" sz="2000" b="0" i="1" dirty="0">
+                <a:endParaRPr lang="en-US" b="0" i="1" dirty="0">
                   <a:latin typeface="Cambria Math" panose="02040503050406030204" pitchFamily="18" charset="0"/>
                 </a:endParaRPr>
               </a:p>
@@ -3800,14 +3798,14 @@
                       <m:sSub>
                         <m:sSubPr>
                           <m:ctrlPr>
-                            <a:rPr lang="en-US" sz="2000" b="0" i="1" smtClean="0">
+                            <a:rPr lang="en-US" b="0" i="1" smtClean="0">
                               <a:latin typeface="Cambria Math" panose="02040503050406030204" pitchFamily="18" charset="0"/>
                             </a:rPr>
                           </m:ctrlPr>
                         </m:sSubPr>
                         <m:e>
                           <m:r>
-                            <a:rPr lang="en-US" sz="2000" b="0" i="1" smtClean="0">
+                            <a:rPr lang="en-US" b="0" i="1" smtClean="0">
                               <a:latin typeface="Cambria Math" panose="02040503050406030204" pitchFamily="18" charset="0"/>
                             </a:rPr>
                             <m:t>𝑝</m:t>
@@ -3815,7 +3813,7 @@
                         </m:e>
                         <m:sub>
                           <m:r>
-                            <a:rPr lang="en-US" sz="2000" b="0" i="1" smtClean="0">
+                            <a:rPr lang="en-US" b="0" i="1" smtClean="0">
                               <a:latin typeface="Cambria Math" panose="02040503050406030204" pitchFamily="18" charset="0"/>
                             </a:rPr>
                             <m:t>𝑐</m:t>
@@ -3823,19 +3821,19 @@
                         </m:sub>
                       </m:sSub>
                       <m:r>
-                        <a:rPr lang="en-US" sz="2000" b="0" i="1" smtClean="0">
+                        <a:rPr lang="en-US" b="0" i="1" smtClean="0">
                           <a:latin typeface="Cambria Math" panose="02040503050406030204" pitchFamily="18" charset="0"/>
                         </a:rPr>
                         <m:t>:</m:t>
                       </m:r>
                       <m:r>
-                        <a:rPr lang="en-US" sz="2000" b="0" i="1" smtClean="0">
+                        <a:rPr lang="en-US" b="0" i="1" smtClean="0">
                           <a:latin typeface="Cambria Math" panose="02040503050406030204" pitchFamily="18" charset="0"/>
                         </a:rPr>
                         <m:t>𝑝𝑟𝑒𝑐𝑙𝑢𝑠𝑖𝑜𝑛𝑠</m:t>
                       </m:r>
                       <m:r>
-                        <a:rPr lang="en-US" sz="2000" b="0" i="1" smtClean="0">
+                        <a:rPr lang="en-US" b="0" i="1" smtClean="0">
                           <a:latin typeface="Cambria Math" panose="02040503050406030204" pitchFamily="18" charset="0"/>
                           <a:ea typeface="Cambria Math" panose="02040503050406030204" pitchFamily="18" charset="0"/>
                         </a:rPr>
@@ -3844,7 +3842,7 @@
                       <m:sSubSup>
                         <m:sSubSupPr>
                           <m:ctrlPr>
-                            <a:rPr lang="en-US" sz="2000" b="0" i="1" smtClean="0">
+                            <a:rPr lang="en-US" b="0" i="1" smtClean="0">
                               <a:latin typeface="Cambria Math" panose="02040503050406030204" pitchFamily="18" charset="0"/>
                               <a:ea typeface="Cambria Math" panose="02040503050406030204" pitchFamily="18" charset="0"/>
                             </a:rPr>
@@ -3852,7 +3850,7 @@
                         </m:sSubSupPr>
                         <m:e>
                           <m:r>
-                            <a:rPr lang="en-US" sz="2000" i="1" smtClean="0">
+                            <a:rPr lang="en-US" i="1" smtClean="0">
                               <a:latin typeface="Cambria Math" panose="02040503050406030204" pitchFamily="18" charset="0"/>
                               <a:ea typeface="Cambria Math" panose="02040503050406030204" pitchFamily="18" charset="0"/>
                             </a:rPr>
@@ -3861,7 +3859,7 @@
                         </m:e>
                         <m:sub>
                           <m:r>
-                            <a:rPr lang="en-US" sz="2000" b="0" i="1" smtClean="0">
+                            <a:rPr lang="en-US" b="0" i="1" smtClean="0">
                               <a:latin typeface="Cambria Math" panose="02040503050406030204" pitchFamily="18" charset="0"/>
                               <a:ea typeface="Cambria Math" panose="02040503050406030204" pitchFamily="18" charset="0"/>
                             </a:rPr>
@@ -3870,21 +3868,21 @@
                         </m:sub>
                         <m:sup>
                           <m:r>
-                            <a:rPr lang="en-US" sz="2000" b="0" i="1" smtClean="0">
+                            <a:rPr lang="en-US" b="0" i="1" smtClean="0">
                               <a:latin typeface="Cambria Math" panose="02040503050406030204" pitchFamily="18" charset="0"/>
                               <a:ea typeface="Cambria Math" panose="02040503050406030204" pitchFamily="18" charset="0"/>
                             </a:rPr>
                             <m:t>𝑚</m:t>
                           </m:r>
                           <m:r>
-                            <a:rPr lang="en-US" sz="2000" b="0" i="1" smtClean="0">
+                            <a:rPr lang="en-US" b="0" i="1" smtClean="0">
                               <a:latin typeface="Cambria Math" panose="02040503050406030204" pitchFamily="18" charset="0"/>
                               <a:ea typeface="Cambria Math" panose="02040503050406030204" pitchFamily="18" charset="0"/>
                             </a:rPr>
                             <m:t>×</m:t>
                           </m:r>
                           <m:r>
-                            <a:rPr lang="en-US" sz="2000" b="0" i="1" smtClean="0">
+                            <a:rPr lang="en-US" b="0" i="1" smtClean="0">
                               <a:latin typeface="Cambria Math" panose="02040503050406030204" pitchFamily="18" charset="0"/>
                               <a:ea typeface="Cambria Math" panose="02040503050406030204" pitchFamily="18" charset="0"/>
                             </a:rPr>
@@ -3895,7 +3893,7 @@
                     </m:oMath>
                   </m:oMathPara>
                 </a14:m>
-                <a:endParaRPr lang="en-US" sz="2000" i="1" dirty="0">
+                <a:endParaRPr lang="en-US" i="1" dirty="0">
                   <a:latin typeface="Cambria Math" panose="02040503050406030204" pitchFamily="18" charset="0"/>
                 </a:endParaRPr>
               </a:p>
@@ -3908,25 +3906,25 @@
                     </m:oMathParaPr>
                     <m:oMath xmlns:m="http://schemas.openxmlformats.org/officeDocument/2006/math">
                       <m:r>
-                        <a:rPr lang="en-US" sz="2000" b="0" i="1" smtClean="0">
+                        <a:rPr lang="en-US" b="0" i="1" smtClean="0">
                           <a:latin typeface="Cambria Math" panose="02040503050406030204" pitchFamily="18" charset="0"/>
                         </a:rPr>
                         <m:t>𝑡</m:t>
                       </m:r>
                       <m:r>
-                        <a:rPr lang="en-US" sz="2000" b="0" i="1" smtClean="0">
+                        <a:rPr lang="en-US" b="0" i="1" smtClean="0">
                           <a:latin typeface="Cambria Math" panose="02040503050406030204" pitchFamily="18" charset="0"/>
                         </a:rPr>
                         <m:t>: </m:t>
                       </m:r>
                       <m:r>
-                        <a:rPr lang="en-US" sz="2000" b="0" i="1" smtClean="0">
+                        <a:rPr lang="en-US" b="0" i="1" smtClean="0">
                           <a:latin typeface="Cambria Math" panose="02040503050406030204" pitchFamily="18" charset="0"/>
                         </a:rPr>
                         <m:t>𝑡𝑖𝑚𝑒𝑠𝑙𝑜𝑡𝑠</m:t>
                       </m:r>
                       <m:r>
-                        <a:rPr lang="en-US" sz="2000" b="0" i="1" smtClean="0">
+                        <a:rPr lang="en-US" b="0" i="1" smtClean="0">
                           <a:latin typeface="Cambria Math" panose="02040503050406030204" pitchFamily="18" charset="0"/>
                           <a:ea typeface="Cambria Math" panose="02040503050406030204" pitchFamily="18" charset="0"/>
                         </a:rPr>
@@ -3935,7 +3933,7 @@
                       <m:sSubSup>
                         <m:sSubSupPr>
                           <m:ctrlPr>
-                            <a:rPr lang="en-US" sz="2000" b="0" i="1" smtClean="0">
+                            <a:rPr lang="en-US" b="0" i="1" smtClean="0">
                               <a:latin typeface="Cambria Math" panose="02040503050406030204" pitchFamily="18" charset="0"/>
                               <a:ea typeface="Cambria Math" panose="02040503050406030204" pitchFamily="18" charset="0"/>
                             </a:rPr>
@@ -3943,7 +3941,7 @@
                         </m:sSubSupPr>
                         <m:e>
                           <m:r>
-                            <a:rPr lang="en-US" sz="2000" i="1" smtClean="0">
+                            <a:rPr lang="en-US" i="1" smtClean="0">
                               <a:latin typeface="Cambria Math" panose="02040503050406030204" pitchFamily="18" charset="0"/>
                               <a:ea typeface="Cambria Math" panose="02040503050406030204" pitchFamily="18" charset="0"/>
                             </a:rPr>
@@ -3952,7 +3950,7 @@
                         </m:e>
                         <m:sub>
                           <m:r>
-                            <a:rPr lang="en-US" sz="2000" b="0" i="1" smtClean="0">
+                            <a:rPr lang="en-US" b="0" i="1" smtClean="0">
                               <a:latin typeface="Cambria Math" panose="02040503050406030204" pitchFamily="18" charset="0"/>
                               <a:ea typeface="Cambria Math" panose="02040503050406030204" pitchFamily="18" charset="0"/>
                             </a:rPr>
@@ -3961,21 +3959,21 @@
                         </m:sub>
                         <m:sup>
                           <m:r>
-                            <a:rPr lang="en-US" sz="2000" b="0" i="1" smtClean="0">
+                            <a:rPr lang="en-US" b="0" i="1" smtClean="0">
                               <a:latin typeface="Cambria Math" panose="02040503050406030204" pitchFamily="18" charset="0"/>
                               <a:ea typeface="Cambria Math" panose="02040503050406030204" pitchFamily="18" charset="0"/>
                             </a:rPr>
                             <m:t>𝑛</m:t>
                           </m:r>
                           <m:r>
-                            <a:rPr lang="en-US" sz="2000" b="0" i="1" smtClean="0">
+                            <a:rPr lang="en-US" b="0" i="1" smtClean="0">
                               <a:latin typeface="Cambria Math" panose="02040503050406030204" pitchFamily="18" charset="0"/>
                               <a:ea typeface="Cambria Math" panose="02040503050406030204" pitchFamily="18" charset="0"/>
                             </a:rPr>
                             <m:t>×</m:t>
                           </m:r>
                           <m:r>
-                            <a:rPr lang="en-US" sz="2000" b="0" i="1" smtClean="0">
+                            <a:rPr lang="en-US" b="0" i="1" smtClean="0">
                               <a:latin typeface="Cambria Math" panose="02040503050406030204" pitchFamily="18" charset="0"/>
                               <a:ea typeface="Cambria Math" panose="02040503050406030204" pitchFamily="18" charset="0"/>
                             </a:rPr>
@@ -3986,7 +3984,7 @@
                     </m:oMath>
                   </m:oMathPara>
                 </a14:m>
-                <a:endParaRPr lang="en-US" sz="2000" i="1" dirty="0">
+                <a:endParaRPr lang="en-US" i="1" dirty="0">
                   <a:latin typeface="Cambria Math" panose="02040503050406030204" pitchFamily="18" charset="0"/>
                 </a:endParaRPr>
               </a:p>
@@ -3999,37 +3997,37 @@
                     </m:oMathParaPr>
                     <m:oMath xmlns:m="http://schemas.openxmlformats.org/officeDocument/2006/math">
                       <m:r>
-                        <a:rPr lang="en-US" sz="2000" b="0" i="1" smtClean="0">
+                        <a:rPr lang="en-US" b="0" i="1" smtClean="0">
                           <a:latin typeface="Cambria Math" panose="02040503050406030204" pitchFamily="18" charset="0"/>
                         </a:rPr>
                         <m:t>𝑒</m:t>
                       </m:r>
                       <m:r>
-                        <a:rPr lang="en-US" sz="2000" b="0" i="1" smtClean="0">
+                        <a:rPr lang="en-US" b="0" i="1" smtClean="0">
                           <a:latin typeface="Cambria Math" panose="02040503050406030204" pitchFamily="18" charset="0"/>
                         </a:rPr>
                         <m:t>:</m:t>
                       </m:r>
                       <m:r>
-                        <a:rPr lang="en-US" sz="2000" b="0" i="1" smtClean="0">
+                        <a:rPr lang="en-US" b="0" i="1" smtClean="0">
                           <a:latin typeface="Cambria Math" panose="02040503050406030204" pitchFamily="18" charset="0"/>
                         </a:rPr>
                         <m:t>𝑒𝑥𝑎𝑚</m:t>
                       </m:r>
                       <m:r>
-                        <a:rPr lang="en-US" sz="2000" b="0" i="1" smtClean="0">
+                        <a:rPr lang="en-US" b="0" i="1" smtClean="0">
                           <a:latin typeface="Cambria Math" panose="02040503050406030204" pitchFamily="18" charset="0"/>
                         </a:rPr>
                         <m:t> </m:t>
                       </m:r>
                       <m:r>
-                        <a:rPr lang="en-US" sz="2000" b="0" i="1" smtClean="0">
+                        <a:rPr lang="en-US" b="0" i="1" smtClean="0">
                           <a:latin typeface="Cambria Math" panose="02040503050406030204" pitchFamily="18" charset="0"/>
                         </a:rPr>
                         <m:t>𝑡𝑖𝑚𝑒𝑠𝑙𝑜𝑡𝑠</m:t>
                       </m:r>
                       <m:r>
-                        <a:rPr lang="en-US" sz="2000" b="0" i="1" smtClean="0">
+                        <a:rPr lang="en-US" b="0" i="1" smtClean="0">
                           <a:latin typeface="Cambria Math" panose="02040503050406030204" pitchFamily="18" charset="0"/>
                           <a:ea typeface="Cambria Math" panose="02040503050406030204" pitchFamily="18" charset="0"/>
                         </a:rPr>
@@ -4038,7 +4036,7 @@
                       <m:sSubSup>
                         <m:sSubSupPr>
                           <m:ctrlPr>
-                            <a:rPr lang="en-US" sz="2000" b="0" i="1" smtClean="0">
+                            <a:rPr lang="en-US" b="0" i="1" smtClean="0">
                               <a:latin typeface="Cambria Math" panose="02040503050406030204" pitchFamily="18" charset="0"/>
                               <a:ea typeface="Cambria Math" panose="02040503050406030204" pitchFamily="18" charset="0"/>
                             </a:rPr>
@@ -4046,7 +4044,7 @@
                         </m:sSubSupPr>
                         <m:e>
                           <m:r>
-                            <a:rPr lang="en-US" sz="2000" i="1">
+                            <a:rPr lang="en-US" i="1">
                               <a:latin typeface="Cambria Math" panose="02040503050406030204" pitchFamily="18" charset="0"/>
                               <a:ea typeface="Cambria Math" panose="02040503050406030204" pitchFamily="18" charset="0"/>
                             </a:rPr>
@@ -4055,7 +4053,7 @@
                         </m:e>
                         <m:sub>
                           <m:r>
-                            <a:rPr lang="en-US" sz="2000" b="0" i="1" smtClean="0">
+                            <a:rPr lang="en-US" b="0" i="1" smtClean="0">
                               <a:latin typeface="Cambria Math" panose="02040503050406030204" pitchFamily="18" charset="0"/>
                               <a:ea typeface="Cambria Math" panose="02040503050406030204" pitchFamily="18" charset="0"/>
                             </a:rPr>
@@ -4064,21 +4062,21 @@
                         </m:sub>
                         <m:sup>
                           <m:r>
-                            <a:rPr lang="en-US" sz="2000" b="0" i="1" smtClean="0">
+                            <a:rPr lang="en-US" b="0" i="1" smtClean="0">
                               <a:latin typeface="Cambria Math" panose="02040503050406030204" pitchFamily="18" charset="0"/>
                               <a:ea typeface="Cambria Math" panose="02040503050406030204" pitchFamily="18" charset="0"/>
                             </a:rPr>
                             <m:t>𝑚</m:t>
                           </m:r>
                           <m:r>
-                            <a:rPr lang="en-US" sz="2000" b="0" i="1" smtClean="0">
+                            <a:rPr lang="en-US" b="0" i="1" smtClean="0">
                               <a:latin typeface="Cambria Math" panose="02040503050406030204" pitchFamily="18" charset="0"/>
                               <a:ea typeface="Cambria Math" panose="02040503050406030204" pitchFamily="18" charset="0"/>
                             </a:rPr>
                             <m:t>×</m:t>
                           </m:r>
                           <m:r>
-                            <a:rPr lang="en-US" sz="2000" b="0" i="1" smtClean="0">
+                            <a:rPr lang="en-US" b="0" i="1" smtClean="0">
                               <a:latin typeface="Cambria Math" panose="02040503050406030204" pitchFamily="18" charset="0"/>
                               <a:ea typeface="Cambria Math" panose="02040503050406030204" pitchFamily="18" charset="0"/>
                             </a:rPr>
@@ -4089,18 +4087,18 @@
                     </m:oMath>
                   </m:oMathPara>
                 </a14:m>
-                <a:endParaRPr lang="en-US" sz="2000" i="1" dirty="0">
+                <a:endParaRPr lang="en-US" i="1" dirty="0">
                   <a:latin typeface="Cambria Math" panose="02040503050406030204" pitchFamily="18" charset="0"/>
                 </a:endParaRPr>
               </a:p>
               <a:p>
-                <a:endParaRPr lang="en-US" sz="2000" i="1" dirty="0">
+                <a:endParaRPr lang="en-US" i="1" dirty="0">
                   <a:latin typeface="Cambria Math" panose="02040503050406030204" pitchFamily="18" charset="0"/>
                 </a:endParaRPr>
               </a:p>
               <a:p>
                 <a:r>
-                  <a:rPr lang="en-US" sz="2000" dirty="0">
+                  <a:rPr lang="en-US" dirty="0">
                     <a:latin typeface="Cambria Math" panose="02040503050406030204" pitchFamily="18" charset="0"/>
                   </a:rPr>
                   <a:t>User input:</a:t>
@@ -4117,14 +4115,14 @@
                       <m:sSub>
                         <m:sSubPr>
                           <m:ctrlPr>
-                            <a:rPr lang="en-US" sz="2000" b="0" i="1" smtClean="0">
+                            <a:rPr lang="en-US" b="0" i="1" smtClean="0">
                               <a:latin typeface="Cambria Math" panose="02040503050406030204" pitchFamily="18" charset="0"/>
                             </a:rPr>
                           </m:ctrlPr>
                         </m:sSubPr>
                         <m:e>
                           <m:r>
-                            <a:rPr lang="en-US" sz="2000" b="0" i="1" smtClean="0">
+                            <a:rPr lang="en-US" b="0" i="1" smtClean="0">
                               <a:latin typeface="Cambria Math" panose="02040503050406030204" pitchFamily="18" charset="0"/>
                             </a:rPr>
                             <m:t>𝑚</m:t>
@@ -4132,7 +4130,7 @@
                         </m:e>
                         <m:sub>
                           <m:r>
-                            <a:rPr lang="en-US" sz="2000" b="0" i="1" smtClean="0">
+                            <a:rPr lang="en-US" b="0" i="1" smtClean="0">
                               <a:latin typeface="Cambria Math" panose="02040503050406030204" pitchFamily="18" charset="0"/>
                             </a:rPr>
                             <m:t>𝑡</m:t>
@@ -4140,43 +4138,43 @@
                         </m:sub>
                       </m:sSub>
                       <m:r>
-                        <a:rPr lang="en-US" sz="2000" b="0" i="1" smtClean="0">
+                        <a:rPr lang="en-US" b="0" i="1" smtClean="0">
                           <a:latin typeface="Cambria Math" panose="02040503050406030204" pitchFamily="18" charset="0"/>
                         </a:rPr>
                         <m:t>:</m:t>
                       </m:r>
                       <m:r>
-                        <a:rPr lang="en-US" sz="2000" b="0" i="1" smtClean="0">
+                        <a:rPr lang="en-US" b="0" i="1" smtClean="0">
                           <a:latin typeface="Cambria Math" panose="02040503050406030204" pitchFamily="18" charset="0"/>
                         </a:rPr>
                         <m:t>𝑚𝑜𝑑𝑢𝑙𝑒𝑠</m:t>
                       </m:r>
                       <m:r>
-                        <a:rPr lang="en-US" sz="2000" b="0" i="1" smtClean="0">
+                        <a:rPr lang="en-US" b="0" i="1" smtClean="0">
                           <a:latin typeface="Cambria Math" panose="02040503050406030204" pitchFamily="18" charset="0"/>
                         </a:rPr>
                         <m:t> </m:t>
                       </m:r>
                       <m:r>
-                        <a:rPr lang="en-US" sz="2000" b="0" i="1" smtClean="0">
+                        <a:rPr lang="en-US" b="0" i="1" smtClean="0">
                           <a:latin typeface="Cambria Math" panose="02040503050406030204" pitchFamily="18" charset="0"/>
                         </a:rPr>
                         <m:t>𝑡𝑎𝑘𝑒𝑛</m:t>
                       </m:r>
                       <m:r>
-                        <a:rPr lang="en-US" sz="2000" b="0" i="1" smtClean="0">
+                        <a:rPr lang="en-US" b="0" i="1" smtClean="0">
                           <a:latin typeface="Cambria Math" panose="02040503050406030204" pitchFamily="18" charset="0"/>
                         </a:rPr>
                         <m:t> </m:t>
                       </m:r>
                       <m:r>
-                        <a:rPr lang="en-US" sz="2000" b="0" i="1" smtClean="0">
+                        <a:rPr lang="en-US" b="0" i="1" smtClean="0">
                           <a:latin typeface="Cambria Math" panose="02040503050406030204" pitchFamily="18" charset="0"/>
                         </a:rPr>
                         <m:t>𝑣𝑒𝑐𝑡𝑜𝑟</m:t>
                       </m:r>
                       <m:r>
-                        <a:rPr lang="en-US" sz="2000" b="0" i="1" smtClean="0">
+                        <a:rPr lang="en-US" b="0" i="1" smtClean="0">
                           <a:latin typeface="Cambria Math" panose="02040503050406030204" pitchFamily="18" charset="0"/>
                         </a:rPr>
                         <m:t> ∈ </m:t>
@@ -4184,7 +4182,7 @@
                       <m:sSubSup>
                         <m:sSubSupPr>
                           <m:ctrlPr>
-                            <a:rPr lang="en-US" sz="2000" b="0" i="1" smtClean="0">
+                            <a:rPr lang="en-US" b="0" i="1" smtClean="0">
                               <a:latin typeface="Cambria Math" panose="02040503050406030204" pitchFamily="18" charset="0"/>
                               <a:ea typeface="Cambria Math" panose="02040503050406030204" pitchFamily="18" charset="0"/>
                             </a:rPr>
@@ -4192,7 +4190,7 @@
                         </m:sSubSupPr>
                         <m:e>
                           <m:r>
-                            <a:rPr lang="en-US" sz="2000" i="1" smtClean="0">
+                            <a:rPr lang="en-US" i="1" smtClean="0">
                               <a:latin typeface="Cambria Math" panose="02040503050406030204" pitchFamily="18" charset="0"/>
                               <a:ea typeface="Cambria Math" panose="02040503050406030204" pitchFamily="18" charset="0"/>
                             </a:rPr>
@@ -4201,7 +4199,7 @@
                         </m:e>
                         <m:sub>
                           <m:r>
-                            <a:rPr lang="en-US" sz="2000" b="0" i="1" smtClean="0">
+                            <a:rPr lang="en-US" b="0" i="1" smtClean="0">
                               <a:latin typeface="Cambria Math" panose="02040503050406030204" pitchFamily="18" charset="0"/>
                               <a:ea typeface="Cambria Math" panose="02040503050406030204" pitchFamily="18" charset="0"/>
                             </a:rPr>
@@ -4210,7 +4208,7 @@
                         </m:sub>
                         <m:sup>
                           <m:r>
-                            <a:rPr lang="en-US" sz="2000" b="0" i="1" smtClean="0">
+                            <a:rPr lang="en-US" b="0" i="1" smtClean="0">
                               <a:latin typeface="Cambria Math" panose="02040503050406030204" pitchFamily="18" charset="0"/>
                               <a:ea typeface="Cambria Math" panose="02040503050406030204" pitchFamily="18" charset="0"/>
                             </a:rPr>
@@ -4219,7 +4217,7 @@
                         </m:sup>
                       </m:sSubSup>
                       <m:r>
-                        <a:rPr lang="en-US" sz="2000" b="0" i="1" smtClean="0">
+                        <a:rPr lang="en-US" b="0" i="1" smtClean="0">
                           <a:latin typeface="Cambria Math" panose="02040503050406030204" pitchFamily="18" charset="0"/>
                           <a:ea typeface="Cambria Math" panose="02040503050406030204" pitchFamily="18" charset="0"/>
                         </a:rPr>
@@ -4228,7 +4226,7 @@
                     </m:oMath>
                   </m:oMathPara>
                 </a14:m>
-                <a:endParaRPr lang="en-US" sz="2000" b="0" dirty="0">
+                <a:endParaRPr lang="en-US" b="0" dirty="0">
                   <a:ea typeface="Cambria Math" panose="02040503050406030204" pitchFamily="18" charset="0"/>
                 </a:endParaRPr>
               </a:p>
@@ -4243,14 +4241,14 @@
                       <m:sSub>
                         <m:sSubPr>
                           <m:ctrlPr>
-                            <a:rPr lang="en-US" sz="2000" b="0" i="1" smtClean="0">
+                            <a:rPr lang="en-US" b="0" i="1" smtClean="0">
                               <a:latin typeface="Cambria Math" panose="02040503050406030204" pitchFamily="18" charset="0"/>
                             </a:rPr>
                           </m:ctrlPr>
                         </m:sSubPr>
                         <m:e>
                           <m:r>
-                            <a:rPr lang="en-US" sz="2000" b="0" i="1" smtClean="0">
+                            <a:rPr lang="en-US" b="0" i="1" smtClean="0">
                               <a:latin typeface="Cambria Math" panose="02040503050406030204" pitchFamily="18" charset="0"/>
                             </a:rPr>
                             <m:t>𝑚</m:t>
@@ -4258,7 +4256,7 @@
                         </m:e>
                         <m:sub>
                           <m:r>
-                            <a:rPr lang="en-US" sz="2000" b="0" i="1" smtClean="0">
+                            <a:rPr lang="en-US" b="0" i="1" smtClean="0">
                               <a:latin typeface="Cambria Math" panose="02040503050406030204" pitchFamily="18" charset="0"/>
                             </a:rPr>
                             <m:t>𝑤</m:t>
@@ -4266,31 +4264,31 @@
                         </m:sub>
                       </m:sSub>
                       <m:r>
-                        <a:rPr lang="en-US" sz="2000" b="0" i="1" smtClean="0">
+                        <a:rPr lang="en-US" b="0" i="1" smtClean="0">
                           <a:latin typeface="Cambria Math" panose="02040503050406030204" pitchFamily="18" charset="0"/>
                         </a:rPr>
                         <m:t>:</m:t>
                       </m:r>
                       <m:r>
-                        <a:rPr lang="en-US" sz="2000" b="0" i="1" smtClean="0">
+                        <a:rPr lang="en-US" b="0" i="1" smtClean="0">
                           <a:latin typeface="Cambria Math" panose="02040503050406030204" pitchFamily="18" charset="0"/>
                         </a:rPr>
                         <m:t>𝑚𝑜𝑑𝑢𝑙𝑒𝑠</m:t>
                       </m:r>
                       <m:r>
-                        <a:rPr lang="en-US" sz="2000" b="0" i="1" smtClean="0">
+                        <a:rPr lang="en-US" b="0" i="1" smtClean="0">
                           <a:latin typeface="Cambria Math" panose="02040503050406030204" pitchFamily="18" charset="0"/>
                         </a:rPr>
                         <m:t> </m:t>
                       </m:r>
                       <m:r>
-                        <a:rPr lang="en-US" sz="2000" b="0" i="1" smtClean="0">
+                        <a:rPr lang="en-US" b="0" i="1" smtClean="0">
                           <a:latin typeface="Cambria Math" panose="02040503050406030204" pitchFamily="18" charset="0"/>
                         </a:rPr>
                         <m:t>𝑤𝑎𝑛𝑡𝑒𝑑</m:t>
                       </m:r>
                       <m:r>
-                        <a:rPr lang="en-US" sz="2000" b="0" i="1" smtClean="0">
+                        <a:rPr lang="en-US" b="0" i="1" smtClean="0">
                           <a:latin typeface="Cambria Math" panose="02040503050406030204" pitchFamily="18" charset="0"/>
                         </a:rPr>
                         <m:t> </m:t>
@@ -4298,14 +4296,14 @@
                       <m:d>
                         <m:dPr>
                           <m:ctrlPr>
-                            <a:rPr lang="en-US" sz="2000" b="0" i="1" smtClean="0">
+                            <a:rPr lang="en-US" b="0" i="1" smtClean="0">
                               <a:latin typeface="Cambria Math" panose="02040503050406030204" pitchFamily="18" charset="0"/>
                             </a:rPr>
                           </m:ctrlPr>
                         </m:dPr>
                         <m:e>
                           <m:r>
-                            <a:rPr lang="en-US" sz="2000" b="0" i="1" smtClean="0">
+                            <a:rPr lang="en-US" b="0" i="1" smtClean="0">
                               <a:latin typeface="Cambria Math" panose="02040503050406030204" pitchFamily="18" charset="0"/>
                             </a:rPr>
                             <m:t>𝑟𝑎𝑛𝑘𝑒𝑑</m:t>
@@ -4313,7 +4311,7 @@
                         </m:e>
                       </m:d>
                       <m:r>
-                        <a:rPr lang="en-US" sz="2000" b="0" i="1" smtClean="0">
+                        <a:rPr lang="en-US" b="0" i="1" smtClean="0">
                           <a:latin typeface="Cambria Math" panose="02040503050406030204" pitchFamily="18" charset="0"/>
                           <a:ea typeface="Cambria Math" panose="02040503050406030204" pitchFamily="18" charset="0"/>
                         </a:rPr>
@@ -4322,7 +4320,7 @@
                       <m:sSup>
                         <m:sSupPr>
                           <m:ctrlPr>
-                            <a:rPr lang="en-US" sz="2000" b="0" i="1" smtClean="0">
+                            <a:rPr lang="en-US" b="0" i="1" smtClean="0">
                               <a:latin typeface="Cambria Math" panose="02040503050406030204" pitchFamily="18" charset="0"/>
                               <a:ea typeface="Cambria Math" panose="02040503050406030204" pitchFamily="18" charset="0"/>
                             </a:rPr>
@@ -4330,7 +4328,7 @@
                         </m:sSupPr>
                         <m:e>
                           <m:r>
-                            <a:rPr lang="en-US" sz="2000" i="1" smtClean="0">
+                            <a:rPr lang="en-US" i="1" smtClean="0">
                               <a:latin typeface="Cambria Math" panose="02040503050406030204" pitchFamily="18" charset="0"/>
                               <a:ea typeface="Cambria Math" panose="02040503050406030204" pitchFamily="18" charset="0"/>
                             </a:rPr>
@@ -4339,7 +4337,7 @@
                         </m:e>
                         <m:sup>
                           <m:r>
-                            <a:rPr lang="en-US" sz="2000" b="0" i="1" smtClean="0">
+                            <a:rPr lang="en-US" b="0" i="1" smtClean="0">
                               <a:latin typeface="Cambria Math" panose="02040503050406030204" pitchFamily="18" charset="0"/>
                               <a:ea typeface="Cambria Math" panose="02040503050406030204" pitchFamily="18" charset="0"/>
                             </a:rPr>
@@ -4350,7 +4348,7 @@
                     </m:oMath>
                   </m:oMathPara>
                 </a14:m>
-                <a:endParaRPr lang="en-US" sz="2000" dirty="0"/>
+                <a:endParaRPr lang="en-US" dirty="0"/>
               </a:p>
               <a:p>
                 <a:pPr/>
@@ -4363,14 +4361,14 @@
                       <m:sSub>
                         <m:sSubPr>
                           <m:ctrlPr>
-                            <a:rPr lang="en-US" sz="2000" b="0" i="1" smtClean="0">
+                            <a:rPr lang="en-US" b="0" i="1" smtClean="0">
                               <a:latin typeface="Cambria Math" panose="02040503050406030204" pitchFamily="18" charset="0"/>
                             </a:rPr>
                           </m:ctrlPr>
                         </m:sSubPr>
                         <m:e>
                           <m:r>
-                            <a:rPr lang="en-US" sz="2000" b="0" i="1" smtClean="0">
+                            <a:rPr lang="en-US" b="0" i="1" smtClean="0">
                               <a:latin typeface="Cambria Math" panose="02040503050406030204" pitchFamily="18" charset="0"/>
                             </a:rPr>
                             <m:t>𝑡</m:t>
@@ -4378,7 +4376,7 @@
                         </m:e>
                         <m:sub>
                           <m:r>
-                            <a:rPr lang="en-US" sz="2000" b="0" i="1" smtClean="0">
+                            <a:rPr lang="en-US" b="0" i="1" smtClean="0">
                               <a:latin typeface="Cambria Math" panose="02040503050406030204" pitchFamily="18" charset="0"/>
                             </a:rPr>
                             <m:t>𝑒</m:t>
@@ -4386,55 +4384,55 @@
                         </m:sub>
                       </m:sSub>
                       <m:r>
-                        <a:rPr lang="en-US" sz="2000" b="0" i="1" smtClean="0">
+                        <a:rPr lang="en-US" b="0" i="1" smtClean="0">
                           <a:latin typeface="Cambria Math" panose="02040503050406030204" pitchFamily="18" charset="0"/>
                         </a:rPr>
                         <m:t>:</m:t>
                       </m:r>
                       <m:r>
-                        <a:rPr lang="en-US" sz="2000" b="0" i="1" smtClean="0">
+                        <a:rPr lang="en-US" b="0" i="1" smtClean="0">
                           <a:latin typeface="Cambria Math" panose="02040503050406030204" pitchFamily="18" charset="0"/>
                         </a:rPr>
                         <m:t>𝑡𝑜𝑜</m:t>
                       </m:r>
                       <m:r>
-                        <a:rPr lang="en-US" sz="2000" b="0" i="1" smtClean="0">
+                        <a:rPr lang="en-US" b="0" i="1" smtClean="0">
                           <a:latin typeface="Cambria Math" panose="02040503050406030204" pitchFamily="18" charset="0"/>
                         </a:rPr>
                         <m:t> </m:t>
                       </m:r>
                       <m:r>
-                        <a:rPr lang="en-US" sz="2000" b="0" i="1" smtClean="0">
+                        <a:rPr lang="en-US" b="0" i="1" smtClean="0">
                           <a:latin typeface="Cambria Math" panose="02040503050406030204" pitchFamily="18" charset="0"/>
                         </a:rPr>
                         <m:t>𝑒𝑎𝑟𝑙𝑦</m:t>
                       </m:r>
                       <m:r>
-                        <a:rPr lang="en-US" sz="2000" b="0" i="1" smtClean="0">
+                        <a:rPr lang="en-US" b="0" i="1" smtClean="0">
                           <a:latin typeface="Cambria Math" panose="02040503050406030204" pitchFamily="18" charset="0"/>
                         </a:rPr>
                         <m:t> </m:t>
                       </m:r>
                       <m:r>
-                        <a:rPr lang="en-US" sz="2000" b="0" i="1" smtClean="0">
+                        <a:rPr lang="en-US" b="0" i="1" smtClean="0">
                           <a:latin typeface="Cambria Math" panose="02040503050406030204" pitchFamily="18" charset="0"/>
                         </a:rPr>
                         <m:t>𝑡𝑖𝑚𝑒</m:t>
                       </m:r>
                       <m:r>
-                        <a:rPr lang="en-US" sz="2000" b="0" i="1" smtClean="0">
+                        <a:rPr lang="en-US" b="0" i="1" smtClean="0">
                           <a:latin typeface="Cambria Math" panose="02040503050406030204" pitchFamily="18" charset="0"/>
                         </a:rPr>
                         <m:t> </m:t>
                       </m:r>
                       <m:r>
-                        <a:rPr lang="en-US" sz="2000" b="0" i="1" smtClean="0">
+                        <a:rPr lang="en-US" b="0" i="1" smtClean="0">
                           <a:latin typeface="Cambria Math" panose="02040503050406030204" pitchFamily="18" charset="0"/>
                         </a:rPr>
                         <m:t>𝑏𝑜𝑢𝑛𝑑𝑎𝑟𝑦</m:t>
                       </m:r>
                       <m:r>
-                        <a:rPr lang="en-US" sz="2000" b="0" i="1" smtClean="0">
+                        <a:rPr lang="en-US" b="0" i="1" smtClean="0">
                           <a:latin typeface="Cambria Math" panose="02040503050406030204" pitchFamily="18" charset="0"/>
                           <a:ea typeface="Cambria Math" panose="02040503050406030204" pitchFamily="18" charset="0"/>
                         </a:rPr>
@@ -4443,7 +4441,7 @@
                       <m:sSubSup>
                         <m:sSubSupPr>
                           <m:ctrlPr>
-                            <a:rPr lang="en-US" sz="2000" b="0" i="1" smtClean="0">
+                            <a:rPr lang="en-US" b="0" i="1" smtClean="0">
                               <a:latin typeface="Cambria Math" panose="02040503050406030204" pitchFamily="18" charset="0"/>
                               <a:ea typeface="Cambria Math" panose="02040503050406030204" pitchFamily="18" charset="0"/>
                             </a:rPr>
@@ -4451,7 +4449,7 @@
                         </m:sSubSupPr>
                         <m:e>
                           <m:r>
-                            <a:rPr lang="en-US" sz="2000" i="1" smtClean="0">
+                            <a:rPr lang="en-US" i="1" smtClean="0">
                               <a:latin typeface="Cambria Math" panose="02040503050406030204" pitchFamily="18" charset="0"/>
                               <a:ea typeface="Cambria Math" panose="02040503050406030204" pitchFamily="18" charset="0"/>
                             </a:rPr>
@@ -4460,7 +4458,7 @@
                         </m:e>
                         <m:sub>
                           <m:r>
-                            <a:rPr lang="en-US" sz="2000" b="0" i="1" smtClean="0">
+                            <a:rPr lang="en-US" b="0" i="1" smtClean="0">
                               <a:latin typeface="Cambria Math" panose="02040503050406030204" pitchFamily="18" charset="0"/>
                               <a:ea typeface="Cambria Math" panose="02040503050406030204" pitchFamily="18" charset="0"/>
                             </a:rPr>
@@ -4469,7 +4467,7 @@
                         </m:sub>
                         <m:sup>
                           <m:r>
-                            <a:rPr lang="en-US" sz="2000" b="0" i="1" smtClean="0">
+                            <a:rPr lang="en-US" b="0" i="1" smtClean="0">
                               <a:latin typeface="Cambria Math" panose="02040503050406030204" pitchFamily="18" charset="0"/>
                               <a:ea typeface="Cambria Math" panose="02040503050406030204" pitchFamily="18" charset="0"/>
                             </a:rPr>
@@ -4480,7 +4478,7 @@
                     </m:oMath>
                   </m:oMathPara>
                 </a14:m>
-                <a:endParaRPr lang="en-US" sz="2000" b="0" dirty="0"/>
+                <a:endParaRPr lang="en-US" b="0" dirty="0"/>
               </a:p>
               <a:p>
                 <a:pPr/>
@@ -4493,14 +4491,14 @@
                       <m:sSub>
                         <m:sSubPr>
                           <m:ctrlPr>
-                            <a:rPr lang="en-US" sz="2000" b="0" i="1" smtClean="0">
+                            <a:rPr lang="en-US" b="0" i="1" smtClean="0">
                               <a:latin typeface="Cambria Math" panose="02040503050406030204" pitchFamily="18" charset="0"/>
                             </a:rPr>
                           </m:ctrlPr>
                         </m:sSubPr>
                         <m:e>
                           <m:r>
-                            <a:rPr lang="en-US" sz="2000" b="0" i="1" smtClean="0">
+                            <a:rPr lang="en-US" b="0" i="1" smtClean="0">
                               <a:latin typeface="Cambria Math" panose="02040503050406030204" pitchFamily="18" charset="0"/>
                             </a:rPr>
                             <m:t>𝑡</m:t>
@@ -4508,7 +4506,7 @@
                         </m:e>
                         <m:sub>
                           <m:r>
-                            <a:rPr lang="en-US" sz="2000" b="0" i="1" smtClean="0">
+                            <a:rPr lang="en-US" b="0" i="1" smtClean="0">
                               <a:latin typeface="Cambria Math" panose="02040503050406030204" pitchFamily="18" charset="0"/>
                             </a:rPr>
                             <m:t>𝑙</m:t>
@@ -4516,55 +4514,55 @@
                         </m:sub>
                       </m:sSub>
                       <m:r>
-                        <a:rPr lang="en-US" sz="2000" b="0" i="1" smtClean="0">
+                        <a:rPr lang="en-US" b="0" i="1" smtClean="0">
                           <a:latin typeface="Cambria Math" panose="02040503050406030204" pitchFamily="18" charset="0"/>
                         </a:rPr>
                         <m:t>:</m:t>
                       </m:r>
                       <m:r>
-                        <a:rPr lang="en-US" sz="2000" b="0" i="1" smtClean="0">
+                        <a:rPr lang="en-US" b="0" i="1" smtClean="0">
                           <a:latin typeface="Cambria Math" panose="02040503050406030204" pitchFamily="18" charset="0"/>
                         </a:rPr>
                         <m:t>𝑡𝑜𝑜</m:t>
                       </m:r>
                       <m:r>
-                        <a:rPr lang="en-US" sz="2000" b="0" i="1" smtClean="0">
+                        <a:rPr lang="en-US" b="0" i="1" smtClean="0">
                           <a:latin typeface="Cambria Math" panose="02040503050406030204" pitchFamily="18" charset="0"/>
                         </a:rPr>
                         <m:t> </m:t>
                       </m:r>
                       <m:r>
-                        <a:rPr lang="en-US" sz="2000" b="0" i="1" smtClean="0">
+                        <a:rPr lang="en-US" b="0" i="1" smtClean="0">
                           <a:latin typeface="Cambria Math" panose="02040503050406030204" pitchFamily="18" charset="0"/>
                         </a:rPr>
                         <m:t>𝑙𝑎𝑡𝑒</m:t>
                       </m:r>
                       <m:r>
-                        <a:rPr lang="en-US" sz="2000" b="0" i="1" smtClean="0">
+                        <a:rPr lang="en-US" b="0" i="1" smtClean="0">
                           <a:latin typeface="Cambria Math" panose="02040503050406030204" pitchFamily="18" charset="0"/>
                         </a:rPr>
                         <m:t> </m:t>
                       </m:r>
                       <m:r>
-                        <a:rPr lang="en-US" sz="2000" b="0" i="1" smtClean="0">
+                        <a:rPr lang="en-US" b="0" i="1" smtClean="0">
                           <a:latin typeface="Cambria Math" panose="02040503050406030204" pitchFamily="18" charset="0"/>
                         </a:rPr>
                         <m:t>𝑡𝑖𝑚𝑒</m:t>
                       </m:r>
                       <m:r>
-                        <a:rPr lang="en-US" sz="2000" b="0" i="1" smtClean="0">
+                        <a:rPr lang="en-US" b="0" i="1" smtClean="0">
                           <a:latin typeface="Cambria Math" panose="02040503050406030204" pitchFamily="18" charset="0"/>
                         </a:rPr>
                         <m:t> </m:t>
                       </m:r>
                       <m:r>
-                        <a:rPr lang="en-US" sz="2000" b="0" i="1" smtClean="0">
+                        <a:rPr lang="en-US" b="0" i="1" smtClean="0">
                           <a:latin typeface="Cambria Math" panose="02040503050406030204" pitchFamily="18" charset="0"/>
                         </a:rPr>
                         <m:t>𝑏𝑜𝑢𝑛𝑑𝑎𝑟𝑦</m:t>
                       </m:r>
                       <m:r>
-                        <a:rPr lang="en-US" sz="2000" b="0" i="1" smtClean="0">
+                        <a:rPr lang="en-US" b="0" i="1" smtClean="0">
                           <a:latin typeface="Cambria Math" panose="02040503050406030204" pitchFamily="18" charset="0"/>
                           <a:ea typeface="Cambria Math" panose="02040503050406030204" pitchFamily="18" charset="0"/>
                         </a:rPr>
@@ -4573,7 +4571,7 @@
                       <m:sSubSup>
                         <m:sSubSupPr>
                           <m:ctrlPr>
-                            <a:rPr lang="en-US" sz="2000" b="0" i="1" smtClean="0">
+                            <a:rPr lang="en-US" b="0" i="1" smtClean="0">
                               <a:latin typeface="Cambria Math" panose="02040503050406030204" pitchFamily="18" charset="0"/>
                               <a:ea typeface="Cambria Math" panose="02040503050406030204" pitchFamily="18" charset="0"/>
                             </a:rPr>
@@ -4581,7 +4579,7 @@
                         </m:sSubSupPr>
                         <m:e>
                           <m:r>
-                            <a:rPr lang="en-US" sz="2000" i="1" smtClean="0">
+                            <a:rPr lang="en-US" i="1" smtClean="0">
                               <a:latin typeface="Cambria Math" panose="02040503050406030204" pitchFamily="18" charset="0"/>
                               <a:ea typeface="Cambria Math" panose="02040503050406030204" pitchFamily="18" charset="0"/>
                             </a:rPr>
@@ -4590,7 +4588,7 @@
                         </m:e>
                         <m:sub>
                           <m:r>
-                            <a:rPr lang="en-US" sz="2000" b="0" i="1" smtClean="0">
+                            <a:rPr lang="en-US" b="0" i="1" smtClean="0">
                               <a:latin typeface="Cambria Math" panose="02040503050406030204" pitchFamily="18" charset="0"/>
                               <a:ea typeface="Cambria Math" panose="02040503050406030204" pitchFamily="18" charset="0"/>
                             </a:rPr>
@@ -4599,7 +4597,7 @@
                         </m:sub>
                         <m:sup>
                           <m:r>
-                            <a:rPr lang="en-US" sz="2000" b="0" i="1" smtClean="0">
+                            <a:rPr lang="en-US" b="0" i="1" smtClean="0">
                               <a:latin typeface="Cambria Math" panose="02040503050406030204" pitchFamily="18" charset="0"/>
                               <a:ea typeface="Cambria Math" panose="02040503050406030204" pitchFamily="18" charset="0"/>
                             </a:rPr>
@@ -4610,11 +4608,11 @@
                     </m:oMath>
                   </m:oMathPara>
                 </a14:m>
-                <a:endParaRPr lang="en-US" sz="2000" b="0" dirty="0"/>
+                <a:endParaRPr lang="en-US" b="0" dirty="0"/>
               </a:p>
               <a:p>
                 <a:r>
-                  <a:rPr lang="en-US" sz="2000" dirty="0">
+                  <a:rPr lang="en-US" dirty="0">
                     <a:latin typeface="Cambria Math" panose="02040503050406030204" pitchFamily="18" charset="0"/>
                   </a:rPr>
                   <a:t>Output:</a:t>
@@ -4629,61 +4627,61 @@
                     </m:oMathParaPr>
                     <m:oMath xmlns:m="http://schemas.openxmlformats.org/officeDocument/2006/math">
                       <m:r>
-                        <a:rPr lang="en-US" sz="2000" b="0" i="1" smtClean="0">
+                        <a:rPr lang="en-US" b="0" i="1" smtClean="0">
                           <a:latin typeface="Cambria Math" panose="02040503050406030204" pitchFamily="18" charset="0"/>
                         </a:rPr>
                         <m:t>𝑥</m:t>
                       </m:r>
                       <m:r>
-                        <a:rPr lang="en-US" sz="2000" b="0" i="1" smtClean="0">
+                        <a:rPr lang="en-US" b="0" i="1" smtClean="0">
                           <a:latin typeface="Cambria Math" panose="02040503050406030204" pitchFamily="18" charset="0"/>
                         </a:rPr>
                         <m:t>:</m:t>
                       </m:r>
                       <m:r>
-                        <a:rPr lang="en-US" sz="2000" b="0" i="1" smtClean="0">
+                        <a:rPr lang="en-US" b="0" i="1" smtClean="0">
                           <a:latin typeface="Cambria Math" panose="02040503050406030204" pitchFamily="18" charset="0"/>
                         </a:rPr>
                         <m:t>𝑚𝑜𝑑𝑢𝑙𝑒</m:t>
                       </m:r>
                       <m:r>
-                        <a:rPr lang="en-US" sz="2000" b="0" i="1" smtClean="0">
+                        <a:rPr lang="en-US" b="0" i="1" smtClean="0">
                           <a:latin typeface="Cambria Math" panose="02040503050406030204" pitchFamily="18" charset="0"/>
                         </a:rPr>
                         <m:t>−</m:t>
                       </m:r>
                       <m:r>
-                        <a:rPr lang="en-US" sz="2000" b="0" i="1" smtClean="0">
+                        <a:rPr lang="en-US" b="0" i="1" smtClean="0">
                           <a:latin typeface="Cambria Math" panose="02040503050406030204" pitchFamily="18" charset="0"/>
                         </a:rPr>
                         <m:t>𝑠𝑒𝑐𝑡𝑖𝑜𝑛𝑎𝑙𝑠</m:t>
                       </m:r>
                       <m:r>
-                        <a:rPr lang="en-US" sz="2000" b="0" i="1" smtClean="0">
+                        <a:rPr lang="en-US" b="0" i="1" smtClean="0">
                           <a:latin typeface="Cambria Math" panose="02040503050406030204" pitchFamily="18" charset="0"/>
                         </a:rPr>
                         <m:t> </m:t>
                       </m:r>
                       <m:r>
-                        <a:rPr lang="en-US" sz="2000" b="0" i="1" smtClean="0">
+                        <a:rPr lang="en-US" b="0" i="1" smtClean="0">
                           <a:latin typeface="Cambria Math" panose="02040503050406030204" pitchFamily="18" charset="0"/>
                         </a:rPr>
                         <m:t>𝑡𝑜</m:t>
                       </m:r>
                       <m:r>
-                        <a:rPr lang="en-US" sz="2000" b="0" i="1" smtClean="0">
+                        <a:rPr lang="en-US" b="0" i="1" smtClean="0">
                           <a:latin typeface="Cambria Math" panose="02040503050406030204" pitchFamily="18" charset="0"/>
                         </a:rPr>
                         <m:t> </m:t>
                       </m:r>
                       <m:r>
-                        <a:rPr lang="en-US" sz="2000" b="0" i="1" smtClean="0">
+                        <a:rPr lang="en-US" b="0" i="1" smtClean="0">
                           <a:latin typeface="Cambria Math" panose="02040503050406030204" pitchFamily="18" charset="0"/>
                         </a:rPr>
                         <m:t>𝑡𝑎𝑘𝑒</m:t>
                       </m:r>
                       <m:r>
-                        <a:rPr lang="en-US" sz="2000" b="0" i="1" smtClean="0">
+                        <a:rPr lang="en-US" b="0" i="1" smtClean="0">
                           <a:latin typeface="Cambria Math" panose="02040503050406030204" pitchFamily="18" charset="0"/>
                         </a:rPr>
                         <m:t>∈ </m:t>
@@ -4691,7 +4689,7 @@
                       <m:sSubSup>
                         <m:sSubSupPr>
                           <m:ctrlPr>
-                            <a:rPr lang="en-US" sz="2000" b="0" i="1" smtClean="0">
+                            <a:rPr lang="en-US" b="0" i="1" smtClean="0">
                               <a:latin typeface="Cambria Math" panose="02040503050406030204" pitchFamily="18" charset="0"/>
                               <a:ea typeface="Cambria Math" panose="02040503050406030204" pitchFamily="18" charset="0"/>
                             </a:rPr>
@@ -4699,7 +4697,7 @@
                         </m:sSubSupPr>
                         <m:e>
                           <m:r>
-                            <a:rPr lang="en-US" sz="2000" i="1">
+                            <a:rPr lang="en-US" i="1">
                               <a:latin typeface="Cambria Math" panose="02040503050406030204" pitchFamily="18" charset="0"/>
                               <a:ea typeface="Cambria Math" panose="02040503050406030204" pitchFamily="18" charset="0"/>
                             </a:rPr>
@@ -4708,7 +4706,7 @@
                         </m:e>
                         <m:sub>
                           <m:r>
-                            <a:rPr lang="en-US" sz="2000" b="0" i="1" smtClean="0">
+                            <a:rPr lang="en-US" b="0" i="1" smtClean="0">
                               <a:latin typeface="Cambria Math" panose="02040503050406030204" pitchFamily="18" charset="0"/>
                               <a:ea typeface="Cambria Math" panose="02040503050406030204" pitchFamily="18" charset="0"/>
                             </a:rPr>
@@ -4717,7 +4715,7 @@
                         </m:sub>
                         <m:sup>
                           <m:r>
-                            <a:rPr lang="en-US" sz="2000" b="0" i="1" smtClean="0">
+                            <a:rPr lang="en-US" b="0" i="1" smtClean="0">
                               <a:latin typeface="Cambria Math" panose="02040503050406030204" pitchFamily="18" charset="0"/>
                               <a:ea typeface="Cambria Math" panose="02040503050406030204" pitchFamily="18" charset="0"/>
                             </a:rPr>
@@ -4728,7 +4726,7 @@
                     </m:oMath>
                   </m:oMathPara>
                 </a14:m>
-                <a:endParaRPr lang="en-US" sz="2000" b="0" i="1" dirty="0">
+                <a:endParaRPr lang="en-US" b="0" i="1" dirty="0">
                   <a:latin typeface="Cambria Math" panose="02040503050406030204" pitchFamily="18" charset="0"/>
                 </a:endParaRPr>
               </a:p>
@@ -4741,49 +4739,49 @@
                     </m:oMathParaPr>
                     <m:oMath xmlns:m="http://schemas.openxmlformats.org/officeDocument/2006/math">
                       <m:r>
-                        <a:rPr lang="en-US" sz="2000" b="0" i="1" smtClean="0">
+                        <a:rPr lang="en-US" b="0" i="1" smtClean="0">
                           <a:latin typeface="Cambria Math" panose="02040503050406030204" pitchFamily="18" charset="0"/>
                         </a:rPr>
                         <m:t>𝑧</m:t>
                       </m:r>
                       <m:r>
-                        <a:rPr lang="en-US" sz="2000" b="0" i="1" smtClean="0">
+                        <a:rPr lang="en-US" b="0" i="1" smtClean="0">
                           <a:latin typeface="Cambria Math" panose="02040503050406030204" pitchFamily="18" charset="0"/>
                         </a:rPr>
                         <m:t>:</m:t>
                       </m:r>
                       <m:r>
-                        <a:rPr lang="en-US" sz="2000" b="0" i="1" smtClean="0">
+                        <a:rPr lang="en-US" b="0" i="1" smtClean="0">
                           <a:latin typeface="Cambria Math" panose="02040503050406030204" pitchFamily="18" charset="0"/>
                         </a:rPr>
                         <m:t>𝑚𝑜𝑑𝑢𝑙𝑒𝑠</m:t>
                       </m:r>
                       <m:r>
-                        <a:rPr lang="en-US" sz="2000" b="0" i="1" smtClean="0">
+                        <a:rPr lang="en-US" b="0" i="1" smtClean="0">
                           <a:latin typeface="Cambria Math" panose="02040503050406030204" pitchFamily="18" charset="0"/>
                         </a:rPr>
                         <m:t> </m:t>
                       </m:r>
                       <m:r>
-                        <a:rPr lang="en-US" sz="2000" b="0" i="1" smtClean="0">
+                        <a:rPr lang="en-US" b="0" i="1" smtClean="0">
                           <a:latin typeface="Cambria Math" panose="02040503050406030204" pitchFamily="18" charset="0"/>
                         </a:rPr>
                         <m:t>𝑡𝑜</m:t>
                       </m:r>
                       <m:r>
-                        <a:rPr lang="en-US" sz="2000" b="0" i="1" smtClean="0">
+                        <a:rPr lang="en-US" b="0" i="1" smtClean="0">
                           <a:latin typeface="Cambria Math" panose="02040503050406030204" pitchFamily="18" charset="0"/>
                         </a:rPr>
                         <m:t> </m:t>
                       </m:r>
                       <m:r>
-                        <a:rPr lang="en-US" sz="2000" b="0" i="1" smtClean="0">
+                        <a:rPr lang="en-US" b="0" i="1" smtClean="0">
                           <a:latin typeface="Cambria Math" panose="02040503050406030204" pitchFamily="18" charset="0"/>
                         </a:rPr>
                         <m:t>𝑡𝑎𝑘𝑒</m:t>
                       </m:r>
                       <m:r>
-                        <a:rPr lang="en-US" sz="2000" b="0" i="1" smtClean="0">
+                        <a:rPr lang="en-US" b="0" i="1" smtClean="0">
                           <a:latin typeface="Cambria Math" panose="02040503050406030204" pitchFamily="18" charset="0"/>
                           <a:ea typeface="Cambria Math" panose="02040503050406030204" pitchFamily="18" charset="0"/>
                         </a:rPr>
@@ -4792,7 +4790,7 @@
                       <m:sSubSup>
                         <m:sSubSupPr>
                           <m:ctrlPr>
-                            <a:rPr lang="en-US" sz="2000" b="0" i="1" smtClean="0">
+                            <a:rPr lang="en-US" b="0" i="1" smtClean="0">
                               <a:latin typeface="Cambria Math" panose="02040503050406030204" pitchFamily="18" charset="0"/>
                               <a:ea typeface="Cambria Math" panose="02040503050406030204" pitchFamily="18" charset="0"/>
                             </a:rPr>
@@ -4800,7 +4798,7 @@
                         </m:sSubSupPr>
                         <m:e>
                           <m:r>
-                            <a:rPr lang="en-US" sz="2000" i="1">
+                            <a:rPr lang="en-US" i="1">
                               <a:latin typeface="Cambria Math" panose="02040503050406030204" pitchFamily="18" charset="0"/>
                               <a:ea typeface="Cambria Math" panose="02040503050406030204" pitchFamily="18" charset="0"/>
                             </a:rPr>
@@ -4809,7 +4807,7 @@
                         </m:e>
                         <m:sub>
                           <m:r>
-                            <a:rPr lang="en-US" sz="2000" b="0" i="1" smtClean="0">
+                            <a:rPr lang="en-US" b="0" i="1" smtClean="0">
                               <a:latin typeface="Cambria Math" panose="02040503050406030204" pitchFamily="18" charset="0"/>
                               <a:ea typeface="Cambria Math" panose="02040503050406030204" pitchFamily="18" charset="0"/>
                             </a:rPr>
@@ -4818,7 +4816,7 @@
                         </m:sub>
                         <m:sup>
                           <m:r>
-                            <a:rPr lang="en-US" sz="2000" b="0" i="1" smtClean="0">
+                            <a:rPr lang="en-US" b="0" i="1" smtClean="0">
                               <a:latin typeface="Cambria Math" panose="02040503050406030204" pitchFamily="18" charset="0"/>
                               <a:ea typeface="Cambria Math" panose="02040503050406030204" pitchFamily="18" charset="0"/>
                             </a:rPr>
@@ -4829,7 +4827,7 @@
                     </m:oMath>
                   </m:oMathPara>
                 </a14:m>
-                <a:endParaRPr lang="en-US" sz="2000" b="0" dirty="0"/>
+                <a:endParaRPr lang="en-US" b="0" dirty="0"/>
               </a:p>
               <a:p>
                 <a:pPr/>
@@ -4840,37 +4838,37 @@
                     </m:oMathParaPr>
                     <m:oMath xmlns:m="http://schemas.openxmlformats.org/officeDocument/2006/math">
                       <m:r>
-                        <a:rPr lang="en-US" sz="2000" b="0" i="1" smtClean="0">
-                          <a:latin typeface="Cambria Math" panose="02040503050406030204" pitchFamily="18" charset="0"/>
-                        </a:rPr>
-                        <m:t>𝑦</m:t>
-                      </m:r>
-                      <m:r>
-                        <a:rPr lang="en-US" sz="2000" b="0" i="1" smtClean="0">
+                        <a:rPr lang="en-US" b="0" i="1" smtClean="0">
+                          <a:latin typeface="Cambria Math" panose="02040503050406030204" pitchFamily="18" charset="0"/>
+                        </a:rPr>
+                        <m:t>𝑇</m:t>
+                      </m:r>
+                      <m:r>
+                        <a:rPr lang="en-US" b="0" i="1" smtClean="0">
                           <a:latin typeface="Cambria Math" panose="02040503050406030204" pitchFamily="18" charset="0"/>
                         </a:rPr>
                         <m:t>:</m:t>
                       </m:r>
                       <m:r>
-                        <a:rPr lang="en-US" sz="2000" b="0" i="1" smtClean="0">
+                        <a:rPr lang="en-US" b="0" i="1" smtClean="0">
                           <a:latin typeface="Cambria Math" panose="02040503050406030204" pitchFamily="18" charset="0"/>
                         </a:rPr>
                         <m:t>𝑦𝑜𝑢𝑟</m:t>
                       </m:r>
                       <m:r>
-                        <a:rPr lang="en-US" sz="2000" b="0" i="1" smtClean="0">
+                        <a:rPr lang="en-US" b="0" i="1" smtClean="0">
                           <a:latin typeface="Cambria Math" panose="02040503050406030204" pitchFamily="18" charset="0"/>
                         </a:rPr>
                         <m:t> </m:t>
                       </m:r>
                       <m:r>
-                        <a:rPr lang="en-US" sz="2000" b="0" i="1" smtClean="0">
+                        <a:rPr lang="en-US" b="0" i="1" smtClean="0">
                           <a:latin typeface="Cambria Math" panose="02040503050406030204" pitchFamily="18" charset="0"/>
                         </a:rPr>
                         <m:t>𝑡𝑖𝑚𝑒𝑡𝑎𝑏𝑙𝑒</m:t>
                       </m:r>
                       <m:r>
-                        <a:rPr lang="en-US" sz="2000" b="0" i="1" smtClean="0">
+                        <a:rPr lang="en-US" b="0" i="1" smtClean="0">
                           <a:latin typeface="Cambria Math" panose="02040503050406030204" pitchFamily="18" charset="0"/>
                           <a:ea typeface="Cambria Math" panose="02040503050406030204" pitchFamily="18" charset="0"/>
                         </a:rPr>
@@ -4879,7 +4877,7 @@
                       <m:sSubSup>
                         <m:sSubSupPr>
                           <m:ctrlPr>
-                            <a:rPr lang="en-US" sz="2000" b="0" i="1" smtClean="0">
+                            <a:rPr lang="en-US" b="0" i="1" smtClean="0">
                               <a:latin typeface="Cambria Math" panose="02040503050406030204" pitchFamily="18" charset="0"/>
                               <a:ea typeface="Cambria Math" panose="02040503050406030204" pitchFamily="18" charset="0"/>
                             </a:rPr>
@@ -4887,7 +4885,7 @@
                         </m:sSubSupPr>
                         <m:e>
                           <m:r>
-                            <a:rPr lang="en-US" sz="2000" i="1">
+                            <a:rPr lang="en-US" i="1">
                               <a:latin typeface="Cambria Math" panose="02040503050406030204" pitchFamily="18" charset="0"/>
                               <a:ea typeface="Cambria Math" panose="02040503050406030204" pitchFamily="18" charset="0"/>
                             </a:rPr>
@@ -4896,7 +4894,7 @@
                         </m:e>
                         <m:sub>
                           <m:r>
-                            <a:rPr lang="en-US" sz="2000" b="0" i="1" smtClean="0">
+                            <a:rPr lang="en-US" b="0" i="1" smtClean="0">
                               <a:latin typeface="Cambria Math" panose="02040503050406030204" pitchFamily="18" charset="0"/>
                               <a:ea typeface="Cambria Math" panose="02040503050406030204" pitchFamily="18" charset="0"/>
                             </a:rPr>
@@ -4905,7 +4903,7 @@
                         </m:sub>
                         <m:sup>
                           <m:r>
-                            <a:rPr lang="en-US" sz="2000" b="0" i="1" smtClean="0">
+                            <a:rPr lang="en-US" b="0" i="1" smtClean="0">
                               <a:latin typeface="Cambria Math" panose="02040503050406030204" pitchFamily="18" charset="0"/>
                               <a:ea typeface="Cambria Math" panose="02040503050406030204" pitchFamily="18" charset="0"/>
                             </a:rPr>
@@ -4916,10 +4914,77 @@
                     </m:oMath>
                   </m:oMathPara>
                 </a14:m>
-                <a:endParaRPr lang="en-US" sz="2000" b="0" dirty="0"/>
+                <a:endParaRPr lang="en-US" b="0" dirty="0"/>
               </a:p>
               <a:p>
-                <a:endParaRPr lang="en-US" sz="2000" b="0" dirty="0"/>
+                <a:pPr/>
+                <a14:m>
+                  <m:oMathPara xmlns:m="http://schemas.openxmlformats.org/officeDocument/2006/math">
+                    <m:oMathParaPr>
+                      <m:jc m:val="centerGroup"/>
+                    </m:oMathParaPr>
+                    <m:oMath xmlns:m="http://schemas.openxmlformats.org/officeDocument/2006/math">
+                      <m:r>
+                        <a:rPr lang="en-US" b="0" i="1" smtClean="0">
+                          <a:latin typeface="Cambria Math" panose="02040503050406030204" pitchFamily="18" charset="0"/>
+                        </a:rPr>
+                        <m:t>𝑦</m:t>
+                      </m:r>
+                      <m:r>
+                        <a:rPr lang="en-US" b="0" i="1" smtClean="0">
+                          <a:latin typeface="Cambria Math" panose="02040503050406030204" pitchFamily="18" charset="0"/>
+                        </a:rPr>
+                        <m:t>:</m:t>
+                      </m:r>
+                      <m:r>
+                        <a:rPr lang="en-US" b="0" i="1" smtClean="0">
+                          <a:latin typeface="Cambria Math" panose="02040503050406030204" pitchFamily="18" charset="0"/>
+                        </a:rPr>
+                        <m:t>𝑠𝑐h𝑜𝑜𝑙𝑖𝑛𝑔</m:t>
+                      </m:r>
+                      <m:r>
+                        <a:rPr lang="en-US" b="0" i="1" smtClean="0">
+                          <a:latin typeface="Cambria Math" panose="02040503050406030204" pitchFamily="18" charset="0"/>
+                        </a:rPr>
+                        <m:t> </m:t>
+                      </m:r>
+                      <m:r>
+                        <a:rPr lang="en-US" b="0" i="1" smtClean="0">
+                          <a:latin typeface="Cambria Math" panose="02040503050406030204" pitchFamily="18" charset="0"/>
+                        </a:rPr>
+                        <m:t>𝑑𝑎𝑦𝑠</m:t>
+                      </m:r>
+                      <m:r>
+                        <a:rPr lang="en-US" b="0" i="1" smtClean="0">
+                          <a:latin typeface="Cambria Math" panose="02040503050406030204" pitchFamily="18" charset="0"/>
+                        </a:rPr>
+                        <m:t> </m:t>
+                      </m:r>
+                      <m:r>
+                        <a:rPr lang="en-US" b="0" i="1" smtClean="0">
+                          <a:latin typeface="Cambria Math" panose="02040503050406030204" pitchFamily="18" charset="0"/>
+                        </a:rPr>
+                        <m:t>𝑖𝑛</m:t>
+                      </m:r>
+                      <m:r>
+                        <a:rPr lang="en-US" b="0" i="1" smtClean="0">
+                          <a:latin typeface="Cambria Math" panose="02040503050406030204" pitchFamily="18" charset="0"/>
+                        </a:rPr>
+                        <m:t> </m:t>
+                      </m:r>
+                      <m:r>
+                        <a:rPr lang="en-US" b="0" i="1" smtClean="0">
+                          <a:latin typeface="Cambria Math" panose="02040503050406030204" pitchFamily="18" charset="0"/>
+                        </a:rPr>
+                        <m:t>𝑤𝑒𝑒𝑘</m:t>
+                      </m:r>
+                    </m:oMath>
+                  </m:oMathPara>
+                </a14:m>
+                <a:endParaRPr lang="en-US" b="0" dirty="0"/>
+              </a:p>
+              <a:p>
+                <a:endParaRPr lang="en-US" b="0" dirty="0"/>
               </a:p>
             </p:txBody>
           </p:sp>
@@ -4941,8 +5006,8 @@
             </p:nvSpPr>
             <p:spPr>
               <a:xfrm>
-                <a:off x="1030884" y="268085"/>
-                <a:ext cx="9704248" cy="6771084"/>
+                <a:off x="1030884" y="243512"/>
+                <a:ext cx="9704248" cy="6370975"/>
               </a:xfrm>
               <a:prstGeom prst="rect">
                 <a:avLst/>
@@ -4950,7 +5015,7 @@
               <a:blipFill>
                 <a:blip r:embed="rId2"/>
                 <a:stretch>
-                  <a:fillRect l="-1570" t="-1170"/>
+                  <a:fillRect l="-1445" t="-1340"/>
                 </a:stretch>
               </a:blipFill>
             </p:spPr>
@@ -8171,8 +8236,8 @@
           <a:chExt cx="0" cy="0"/>
         </a:xfrm>
       </p:grpSpPr>
-      <mc:AlternateContent xmlns:mc="http://schemas.openxmlformats.org/markup-compatibility/2006">
-        <mc:Choice xmlns:a14="http://schemas.microsoft.com/office/drawing/2010/main" Requires="a14">
+      <mc:AlternateContent xmlns:mc="http://schemas.openxmlformats.org/markup-compatibility/2006" xmlns:a14="http://schemas.microsoft.com/office/drawing/2010/main">
+        <mc:Choice Requires="a14">
           <p:sp>
             <p:nvSpPr>
               <p:cNvPr id="4" name="TextBox 3">
@@ -9507,7 +9572,7 @@
             </p:txBody>
           </p:sp>
         </mc:Choice>
-        <mc:Fallback>
+        <mc:Fallback xmlns="">
           <p:sp>
             <p:nvSpPr>
               <p:cNvPr id="4" name="TextBox 3">
@@ -9582,8 +9647,8 @@
           <a:chExt cx="0" cy="0"/>
         </a:xfrm>
       </p:grpSpPr>
-      <mc:AlternateContent xmlns:mc="http://schemas.openxmlformats.org/markup-compatibility/2006">
-        <mc:Choice xmlns:a14="http://schemas.microsoft.com/office/drawing/2010/main" Requires="a14">
+      <mc:AlternateContent xmlns:mc="http://schemas.openxmlformats.org/markup-compatibility/2006" xmlns:a14="http://schemas.microsoft.com/office/drawing/2010/main">
+        <mc:Choice Requires="a14">
           <p:sp>
             <p:nvSpPr>
               <p:cNvPr id="4" name="TextBox 3">
@@ -10349,7 +10414,7 @@
             </p:txBody>
           </p:sp>
         </mc:Choice>
-        <mc:Fallback>
+        <mc:Fallback xmlns="">
           <p:sp>
             <p:nvSpPr>
               <p:cNvPr id="4" name="TextBox 3">
@@ -10424,8 +10489,8 @@
           <a:chExt cx="0" cy="0"/>
         </a:xfrm>
       </p:grpSpPr>
-      <mc:AlternateContent xmlns:mc="http://schemas.openxmlformats.org/markup-compatibility/2006">
-        <mc:Choice xmlns:a14="http://schemas.microsoft.com/office/drawing/2010/main" Requires="a14">
+      <mc:AlternateContent xmlns:mc="http://schemas.openxmlformats.org/markup-compatibility/2006" xmlns:a14="http://schemas.microsoft.com/office/drawing/2010/main">
+        <mc:Choice Requires="a14">
           <p:sp>
             <p:nvSpPr>
               <p:cNvPr id="4" name="TextBox 3">
@@ -11251,6 +11316,7 @@
                 </a:r>
               </a:p>
               <a:p>
+                <a:pPr/>
                 <a14:m>
                   <m:oMathPara xmlns:m="http://schemas.openxmlformats.org/officeDocument/2006/math">
                     <m:oMathParaPr>
@@ -11600,7 +11666,7 @@
             </p:txBody>
           </p:sp>
         </mc:Choice>
-        <mc:Fallback>
+        <mc:Fallback xmlns="">
           <p:sp>
             <p:nvSpPr>
               <p:cNvPr id="4" name="TextBox 3">
@@ -11649,86 +11715,6 @@
     <p:extLst>
       <p:ext uri="{BB962C8B-B14F-4D97-AF65-F5344CB8AC3E}">
         <p14:creationId xmlns:p14="http://schemas.microsoft.com/office/powerpoint/2010/main" val="3447635687"/>
-      </p:ext>
-    </p:extLst>
-  </p:cSld>
-  <p:clrMapOvr>
-    <a:masterClrMapping/>
-  </p:clrMapOvr>
-</p:sld>
-</file>
-
-<file path=ppt/slides/slide8.xml><?xml version="1.0" encoding="utf-8"?>
-<p:sld xmlns:a="http://schemas.openxmlformats.org/drawingml/2006/main" xmlns:r="http://schemas.openxmlformats.org/officeDocument/2006/relationships" xmlns:p="http://schemas.openxmlformats.org/presentationml/2006/main">
-  <p:cSld>
-    <p:spTree>
-      <p:nvGrpSpPr>
-        <p:cNvPr id="1" name=""/>
-        <p:cNvGrpSpPr/>
-        <p:nvPr/>
-      </p:nvGrpSpPr>
-      <p:grpSpPr>
-        <a:xfrm>
-          <a:off x="0" y="0"/>
-          <a:ext cx="0" cy="0"/>
-          <a:chOff x="0" y="0"/>
-          <a:chExt cx="0" cy="0"/>
-        </a:xfrm>
-      </p:grpSpPr>
-      <p:sp>
-        <p:nvSpPr>
-          <p:cNvPr id="2" name="Title 1">
-            <a:extLst>
-              <a:ext uri="{FF2B5EF4-FFF2-40B4-BE49-F238E27FC236}">
-                <a16:creationId xmlns:a16="http://schemas.microsoft.com/office/drawing/2014/main" id="{25F622DC-AB65-477C-94DD-F65575B7E833}"/>
-              </a:ext>
-            </a:extLst>
-          </p:cNvPr>
-          <p:cNvSpPr>
-            <a:spLocks noGrp="1"/>
-          </p:cNvSpPr>
-          <p:nvPr>
-            <p:ph type="title"/>
-          </p:nvPr>
-        </p:nvSpPr>
-        <p:spPr/>
-        <p:txBody>
-          <a:bodyPr/>
-          <a:lstStyle/>
-          <a:p>
-            <a:endParaRPr lang="en-US" dirty="0"/>
-          </a:p>
-        </p:txBody>
-      </p:sp>
-      <p:sp>
-        <p:nvSpPr>
-          <p:cNvPr id="3" name="Content Placeholder 2">
-            <a:extLst>
-              <a:ext uri="{FF2B5EF4-FFF2-40B4-BE49-F238E27FC236}">
-                <a16:creationId xmlns:a16="http://schemas.microsoft.com/office/drawing/2014/main" id="{7CA45487-D16A-4F3D-82B9-95756622A70C}"/>
-              </a:ext>
-            </a:extLst>
-          </p:cNvPr>
-          <p:cNvSpPr>
-            <a:spLocks noGrp="1"/>
-          </p:cNvSpPr>
-          <p:nvPr>
-            <p:ph idx="1"/>
-          </p:nvPr>
-        </p:nvSpPr>
-        <p:spPr/>
-        <p:txBody>
-          <a:bodyPr/>
-          <a:lstStyle/>
-          <a:p>
-            <a:endParaRPr lang="en-US" dirty="0"/>
-          </a:p>
-        </p:txBody>
-      </p:sp>
-    </p:spTree>
-    <p:extLst>
-      <p:ext uri="{BB962C8B-B14F-4D97-AF65-F5344CB8AC3E}">
-        <p14:creationId xmlns:p14="http://schemas.microsoft.com/office/powerpoint/2010/main" val="1222136112"/>
       </p:ext>
     </p:extLst>
   </p:cSld>
